--- a/ppt/chap-绪论.pptx
+++ b/ppt/chap-绪论.pptx
@@ -5,7 +5,7 @@
     <p:sldMasterId id="2147483756" r:id="rId1"/>
   </p:sldMasterIdLst>
   <p:notesMasterIdLst>
-    <p:notesMasterId r:id="rId49"/>
+    <p:notesMasterId r:id="rId51"/>
   </p:notesMasterIdLst>
   <p:sldIdLst>
     <p:sldId id="256" r:id="rId2"/>
@@ -53,8 +53,10 @@
     <p:sldId id="494" r:id="rId44"/>
     <p:sldId id="495" r:id="rId45"/>
     <p:sldId id="496" r:id="rId46"/>
-    <p:sldId id="497" r:id="rId47"/>
-    <p:sldId id="447" r:id="rId48"/>
+    <p:sldId id="507" r:id="rId47"/>
+    <p:sldId id="508" r:id="rId48"/>
+    <p:sldId id="497" r:id="rId49"/>
+    <p:sldId id="447" r:id="rId50"/>
   </p:sldIdLst>
   <p:sldSz cx="9144000" cy="6858000" type="screen4x3"/>
   <p:notesSz cx="6858000" cy="9144000"/>
@@ -233,6 +235,8 @@
             <p14:sldId id="494"/>
             <p14:sldId id="495"/>
             <p14:sldId id="496"/>
+            <p14:sldId id="507"/>
+            <p14:sldId id="508"/>
             <p14:sldId id="497"/>
             <p14:sldId id="447"/>
           </p14:sldIdLst>
@@ -5667,10 +5671,10 @@
             </a:spcAft>
           </a:pPr>
           <a:r>
-            <a:rPr lang="zh-CN" sz="5200" kern="1200" dirty="0" smtClean="0"/>
+            <a:rPr lang="zh-CN" altLang="en-US" sz="5200" kern="1200" dirty="0" smtClean="0"/>
             <a:t>神经网络</a:t>
           </a:r>
-          <a:endParaRPr lang="zh-CN" sz="5200" kern="1200" dirty="0"/>
+          <a:endParaRPr lang="zh-CN" altLang="en-US" sz="5200" kern="1200" dirty="0"/>
         </a:p>
       </dsp:txBody>
       <dsp:txXfrm>
@@ -5745,10 +5749,10 @@
             </a:spcAft>
           </a:pPr>
           <a:r>
-            <a:rPr lang="zh-CN" sz="5200" kern="1200" smtClean="0"/>
+            <a:rPr lang="zh-CN" altLang="en-US" sz="5200" kern="1200" smtClean="0"/>
             <a:t>深度学习</a:t>
           </a:r>
-          <a:endParaRPr lang="zh-CN" sz="5200" kern="1200"/>
+          <a:endParaRPr lang="zh-CN" altLang="en-US" sz="5200" kern="1200"/>
         </a:p>
       </dsp:txBody>
       <dsp:txXfrm>
@@ -13131,7 +13135,7 @@
               <a:pPr>
                 <a:defRPr/>
               </a:pPr>
-              <a:t>9/15/2018</a:t>
+              <a:t>10/14/2018</a:t>
             </a:fld>
             <a:endParaRPr lang="en-US" altLang="zh-CN"/>
           </a:p>
@@ -14137,6 +14141,219 @@
       </p:grpSpPr>
       <p:sp>
         <p:nvSpPr>
+          <p:cNvPr id="2" name="幻灯片图像占位符 1"/>
+          <p:cNvSpPr>
+            <a:spLocks noGrp="1" noRot="1" noChangeAspect="1"/>
+          </p:cNvSpPr>
+          <p:nvPr>
+            <p:ph type="sldImg"/>
+          </p:nvPr>
+        </p:nvSpPr>
+        <p:spPr/>
+      </p:sp>
+      <p:sp>
+        <p:nvSpPr>
+          <p:cNvPr id="3" name="备注占位符 2"/>
+          <p:cNvSpPr>
+            <a:spLocks noGrp="1"/>
+          </p:cNvSpPr>
+          <p:nvPr>
+            <p:ph type="body" idx="1"/>
+          </p:nvPr>
+        </p:nvSpPr>
+        <p:spPr/>
+        <p:txBody>
+          <a:bodyPr/>
+          <a:lstStyle/>
+          <a:p>
+            <a:r>
+              <a:rPr lang="zh-CN" altLang="en-US" dirty="0" smtClean="0"/>
+              <a:t>发展历史</a:t>
+            </a:r>
+            <a:endParaRPr lang="en-US" altLang="zh-CN" dirty="0" smtClean="0"/>
+          </a:p>
+          <a:p>
+            <a:pPr lvl="0"/>
+            <a:r>
+              <a:rPr lang="en-US" altLang="zh-CN" dirty="0" smtClean="0"/>
+              <a:t>1958 </a:t>
+            </a:r>
+            <a:r>
+              <a:rPr lang="zh-CN" altLang="en-US" dirty="0" smtClean="0"/>
+              <a:t>年 </a:t>
+            </a:r>
+            <a:r>
+              <a:rPr lang="en-US" altLang="zh-CN" dirty="0" smtClean="0"/>
+              <a:t>Rosenblatt </a:t>
+            </a:r>
+            <a:r>
+              <a:rPr lang="zh-CN" altLang="en-US" dirty="0" smtClean="0"/>
+              <a:t>感知器</a:t>
+            </a:r>
+          </a:p>
+          <a:p>
+            <a:pPr lvl="0"/>
+            <a:r>
+              <a:rPr lang="en-US" altLang="zh-CN" dirty="0" smtClean="0"/>
+              <a:t>1969 </a:t>
+            </a:r>
+            <a:r>
+              <a:rPr lang="zh-CN" altLang="en-US" dirty="0" smtClean="0"/>
+              <a:t>年 </a:t>
+            </a:r>
+            <a:r>
+              <a:rPr lang="en-US" altLang="zh-CN" dirty="0" smtClean="0"/>
+              <a:t>Minsky XOR</a:t>
+            </a:r>
+          </a:p>
+          <a:p>
+            <a:pPr lvl="0"/>
+            <a:r>
+              <a:rPr lang="en-US" altLang="zh-CN" dirty="0" smtClean="0"/>
+              <a:t>1986 </a:t>
+            </a:r>
+            <a:r>
+              <a:rPr lang="zh-CN" altLang="en-US" dirty="0" smtClean="0"/>
+              <a:t>年 </a:t>
+            </a:r>
+            <a:r>
+              <a:rPr lang="en-US" altLang="zh-CN" dirty="0" smtClean="0"/>
+              <a:t>Hinton</a:t>
+            </a:r>
+            <a:r>
+              <a:rPr lang="zh-CN" altLang="en-US" dirty="0" smtClean="0"/>
+              <a:t>、</a:t>
+            </a:r>
+            <a:r>
+              <a:rPr lang="en-US" altLang="zh-CN" dirty="0" err="1" smtClean="0"/>
+              <a:t>LeCun</a:t>
+            </a:r>
+            <a:r>
+              <a:rPr lang="en-US" altLang="zh-CN" dirty="0" smtClean="0"/>
+              <a:t> </a:t>
+            </a:r>
+            <a:r>
+              <a:rPr lang="zh-CN" altLang="en-US" dirty="0" smtClean="0"/>
+              <a:t>人工神经网络（</a:t>
+            </a:r>
+            <a:r>
+              <a:rPr lang="en-US" altLang="zh-CN" dirty="0" smtClean="0"/>
+              <a:t>BP </a:t>
+            </a:r>
+            <a:r>
+              <a:rPr lang="zh-CN" altLang="en-US" dirty="0" smtClean="0"/>
+              <a:t>算法）</a:t>
+            </a:r>
+          </a:p>
+          <a:p>
+            <a:pPr lvl="0"/>
+            <a:r>
+              <a:rPr lang="en-US" altLang="zh-CN" dirty="0" smtClean="0"/>
+              <a:t>1998 </a:t>
+            </a:r>
+            <a:r>
+              <a:rPr lang="zh-CN" altLang="en-US" dirty="0" smtClean="0"/>
+              <a:t>年 </a:t>
+            </a:r>
+            <a:r>
+              <a:rPr lang="en-US" altLang="zh-CN" dirty="0" err="1" smtClean="0"/>
+              <a:t>LeCun</a:t>
+            </a:r>
+            <a:r>
+              <a:rPr lang="en-US" altLang="zh-CN" dirty="0" smtClean="0"/>
+              <a:t> </a:t>
+            </a:r>
+            <a:r>
+              <a:rPr lang="zh-CN" altLang="en-US" dirty="0" smtClean="0"/>
+              <a:t>卷积神经网络</a:t>
+            </a:r>
+          </a:p>
+          <a:p>
+            <a:pPr lvl="0"/>
+            <a:r>
+              <a:rPr lang="en-US" altLang="zh-CN" dirty="0" smtClean="0"/>
+              <a:t>2006 </a:t>
+            </a:r>
+            <a:r>
+              <a:rPr lang="zh-CN" altLang="en-US" dirty="0" smtClean="0"/>
+              <a:t>年 </a:t>
+            </a:r>
+            <a:r>
+              <a:rPr lang="en-US" altLang="zh-CN" dirty="0" smtClean="0"/>
+              <a:t>Hinton </a:t>
+            </a:r>
+            <a:r>
+              <a:rPr lang="zh-CN" altLang="en-US" dirty="0" smtClean="0"/>
+              <a:t>深度网络</a:t>
+            </a:r>
+          </a:p>
+          <a:p>
+            <a:pPr lvl="0"/>
+            <a:endParaRPr lang="zh-CN" altLang="en-US" dirty="0"/>
+          </a:p>
+        </p:txBody>
+      </p:sp>
+      <p:sp>
+        <p:nvSpPr>
+          <p:cNvPr id="4" name="灯片编号占位符 3"/>
+          <p:cNvSpPr>
+            <a:spLocks noGrp="1"/>
+          </p:cNvSpPr>
+          <p:nvPr>
+            <p:ph type="sldNum" sz="quarter" idx="10"/>
+          </p:nvPr>
+        </p:nvSpPr>
+        <p:spPr/>
+        <p:txBody>
+          <a:bodyPr/>
+          <a:lstStyle/>
+          <a:p>
+            <a:pPr>
+              <a:defRPr/>
+            </a:pPr>
+            <a:fld id="{B4C119E0-CEE4-4FF8-83B2-DC856A2C17CC}" type="slidenum">
+              <a:rPr lang="en-US" altLang="zh-CN" smtClean="0"/>
+              <a:pPr>
+                <a:defRPr/>
+              </a:pPr>
+              <a:t>46</a:t>
+            </a:fld>
+            <a:endParaRPr lang="en-US" altLang="zh-CN"/>
+          </a:p>
+        </p:txBody>
+      </p:sp>
+    </p:spTree>
+    <p:extLst>
+      <p:ext uri="{BB962C8B-B14F-4D97-AF65-F5344CB8AC3E}">
+        <p14:creationId xmlns:p14="http://schemas.microsoft.com/office/powerpoint/2010/main" val="2599898654"/>
+      </p:ext>
+    </p:extLst>
+  </p:cSld>
+  <p:clrMapOvr>
+    <a:masterClrMapping/>
+  </p:clrMapOvr>
+</p:notes>
+</file>
+
+<file path=ppt/notesSlides/notesSlide15.xml><?xml version="1.0" encoding="utf-8"?>
+<p:notes xmlns:a="http://schemas.openxmlformats.org/drawingml/2006/main" xmlns:r="http://schemas.openxmlformats.org/officeDocument/2006/relationships" xmlns:p="http://schemas.openxmlformats.org/presentationml/2006/main">
+  <p:cSld>
+    <p:spTree>
+      <p:nvGrpSpPr>
+        <p:cNvPr id="1" name=""/>
+        <p:cNvGrpSpPr/>
+        <p:nvPr/>
+      </p:nvGrpSpPr>
+      <p:grpSpPr>
+        <a:xfrm>
+          <a:off x="0" y="0"/>
+          <a:ext cx="0" cy="0"/>
+          <a:chOff x="0" y="0"/>
+          <a:chExt cx="0" cy="0"/>
+        </a:xfrm>
+      </p:grpSpPr>
+      <p:sp>
+        <p:nvSpPr>
           <p:cNvPr id="2" name="投影片圖像版面配置區 1"/>
           <p:cNvSpPr>
             <a:spLocks noGrp="1" noRot="1" noChangeAspect="1"/>
@@ -14183,7 +14400,7 @@
           <a:p>
             <a:fld id="{3F9096D2-8776-4F5C-A458-4FD37E7160D3}" type="slidenum">
               <a:rPr lang="zh-TW" altLang="en-US" smtClean="0"/>
-              <a:t>46</a:t>
+              <a:t>48</a:t>
             </a:fld>
             <a:endParaRPr lang="zh-TW" altLang="en-US"/>
           </a:p>
@@ -17101,14 +17318,14 @@
           </a:ln>
           <a:extLst>
             <a:ext uri="{909E8E84-426E-40dd-AFC4-6F175D3DCCD1}">
-              <a14:hiddenFill xmlns:a14="http://schemas.microsoft.com/office/drawing/2010/main" xmlns="">
+              <a14:hiddenFill xmlns="" xmlns:a14="http://schemas.microsoft.com/office/drawing/2010/main">
                 <a:solidFill>
                   <a:srgbClr val="FFFFFF"/>
                 </a:solidFill>
               </a14:hiddenFill>
             </a:ext>
             <a:ext uri="{91240B29-F687-4f45-9708-019B960494DF}">
-              <a14:hiddenLine xmlns:a14="http://schemas.microsoft.com/office/drawing/2010/main" xmlns="" w="9525">
+              <a14:hiddenLine xmlns="" xmlns:a14="http://schemas.microsoft.com/office/drawing/2010/main" w="9525">
                 <a:solidFill>
                   <a:srgbClr val="000000"/>
                 </a:solidFill>
@@ -17159,14 +17376,14 @@
           </a:ln>
           <a:extLst>
             <a:ext uri="{909E8E84-426E-40dd-AFC4-6F175D3DCCD1}">
-              <a14:hiddenFill xmlns:a14="http://schemas.microsoft.com/office/drawing/2010/main" xmlns="">
+              <a14:hiddenFill xmlns="" xmlns:a14="http://schemas.microsoft.com/office/drawing/2010/main">
                 <a:solidFill>
                   <a:srgbClr val="FFFFFF"/>
                 </a:solidFill>
               </a14:hiddenFill>
             </a:ext>
             <a:ext uri="{91240B29-F687-4f45-9708-019B960494DF}">
-              <a14:hiddenLine xmlns:a14="http://schemas.microsoft.com/office/drawing/2010/main" xmlns="" w="9525">
+              <a14:hiddenLine xmlns="" xmlns:a14="http://schemas.microsoft.com/office/drawing/2010/main" w="9525">
                 <a:solidFill>
                   <a:srgbClr val="000000"/>
                 </a:solidFill>
@@ -17249,7 +17466,7 @@
           </a:ln>
           <a:extLst>
             <a:ext uri="{909E8E84-426E-40dd-AFC4-6F175D3DCCD1}">
-              <a14:hiddenFill xmlns:a14="http://schemas.microsoft.com/office/drawing/2010/main" xmlns="">
+              <a14:hiddenFill xmlns="" xmlns:a14="http://schemas.microsoft.com/office/drawing/2010/main">
                 <a:noFill/>
               </a14:hiddenFill>
             </a:ext>
@@ -17291,7 +17508,7 @@
           </a:ln>
           <a:extLst>
             <a:ext uri="{909E8E84-426E-40dd-AFC4-6F175D3DCCD1}">
-              <a14:hiddenFill xmlns:a14="http://schemas.microsoft.com/office/drawing/2010/main" xmlns="">
+              <a14:hiddenFill xmlns="" xmlns:a14="http://schemas.microsoft.com/office/drawing/2010/main">
                 <a:noFill/>
               </a14:hiddenFill>
             </a:ext>
@@ -22888,11 +23105,7 @@
           <a:p>
             <a:r>
               <a:rPr lang="zh-CN" altLang="en-US" dirty="0" smtClean="0"/>
-              <a:t>如何在计算机中</a:t>
-            </a:r>
-            <a:r>
-              <a:rPr lang="zh-CN" altLang="en-US" dirty="0" smtClean="0"/>
-              <a:t>表示</a:t>
+              <a:t>如何在计算机中表示</a:t>
             </a:r>
             <a:r>
               <a:rPr lang="zh-CN" altLang="en-US" dirty="0" smtClean="0">
@@ -25291,11 +25504,7 @@
             <a:pPr lvl="1"/>
             <a:r>
               <a:rPr lang="zh-CN" altLang="en-US" dirty="0" smtClean="0"/>
-              <a:t>表示学习</a:t>
-            </a:r>
-            <a:r>
-              <a:rPr lang="zh-CN" altLang="en-US" dirty="0" smtClean="0"/>
-              <a:t>：通过深度模型学习高层语义特征</a:t>
+              <a:t>表示学习：通过深度模型学习高层语义特征</a:t>
             </a:r>
             <a:endParaRPr lang="en-US" altLang="zh-CN" dirty="0" smtClean="0"/>
           </a:p>
@@ -28188,8 +28397,8 @@
           </a:p>
         </p:txBody>
       </p:sp>
-      <mc:AlternateContent xmlns:mc="http://schemas.openxmlformats.org/markup-compatibility/2006">
-        <mc:Choice xmlns:a14="http://schemas.microsoft.com/office/drawing/2010/main" Requires="a14">
+      <mc:AlternateContent xmlns:mc="http://schemas.openxmlformats.org/markup-compatibility/2006" xmlns:a14="http://schemas.microsoft.com/office/drawing/2010/main">
+        <mc:Choice Requires="a14">
           <p:sp>
             <p:nvSpPr>
               <p:cNvPr id="5" name="矩形 4"/>
@@ -28324,7 +28533,7 @@
             </p:txBody>
           </p:sp>
         </mc:Choice>
-        <mc:Fallback>
+        <mc:Fallback xmlns="">
           <p:sp>
             <p:nvSpPr>
               <p:cNvPr id="5" name="矩形 4"/>
@@ -28363,8 +28572,8 @@
           </p:sp>
         </mc:Fallback>
       </mc:AlternateContent>
-      <mc:AlternateContent xmlns:mc="http://schemas.openxmlformats.org/markup-compatibility/2006">
-        <mc:Choice xmlns:a14="http://schemas.microsoft.com/office/drawing/2010/main" Requires="a14">
+      <mc:AlternateContent xmlns:mc="http://schemas.openxmlformats.org/markup-compatibility/2006" xmlns:a14="http://schemas.microsoft.com/office/drawing/2010/main">
+        <mc:Choice Requires="a14">
           <p:sp>
             <p:nvSpPr>
               <p:cNvPr id="6" name="矩形 5"/>
@@ -28527,17 +28736,7 @@
                               <a:latin typeface="Cambria Math" panose="02040503050406030204" pitchFamily="18" charset="0"/>
                               <a:ea typeface="Cambria Math" panose="02040503050406030204" pitchFamily="18" charset="0"/>
                             </a:rPr>
-                            <m:t>-</m:t>
-                          </m:r>
-                          <m:r>
-                            <a:rPr lang="en-US" altLang="zh-CN" i="1" baseline="30000">
-                              <a:solidFill>
-                                <a:srgbClr val="FF0000"/>
-                              </a:solidFill>
-                              <a:latin typeface="Cambria Math" panose="02040503050406030204" pitchFamily="18" charset="0"/>
-                              <a:ea typeface="Cambria Math" panose="02040503050406030204" pitchFamily="18" charset="0"/>
-                            </a:rPr>
-                            <m:t>1</m:t>
+                            <m:t>−1</m:t>
                           </m:r>
                           <m:d>
                             <m:dPr>
@@ -28580,7 +28779,7 @@
             </p:txBody>
           </p:sp>
         </mc:Choice>
-        <mc:Fallback>
+        <mc:Fallback xmlns="">
           <p:sp>
             <p:nvSpPr>
               <p:cNvPr id="6" name="矩形 5"/>
@@ -30660,6 +30859,482 @@
       </p:grpSpPr>
       <p:sp>
         <p:nvSpPr>
+          <p:cNvPr id="2" name="标题 1"/>
+          <p:cNvSpPr>
+            <a:spLocks noGrp="1"/>
+          </p:cNvSpPr>
+          <p:nvPr>
+            <p:ph type="title"/>
+          </p:nvPr>
+        </p:nvSpPr>
+        <p:spPr/>
+        <p:txBody>
+          <a:bodyPr/>
+          <a:lstStyle/>
+          <a:p>
+            <a:r>
+              <a:rPr lang="zh-CN" altLang="en-US" dirty="0"/>
+              <a:t>深度学习革命</a:t>
+            </a:r>
+          </a:p>
+        </p:txBody>
+      </p:sp>
+      <p:sp>
+        <p:nvSpPr>
+          <p:cNvPr id="3" name="内容占位符 2"/>
+          <p:cNvSpPr>
+            <a:spLocks noGrp="1"/>
+          </p:cNvSpPr>
+          <p:nvPr>
+            <p:ph sz="quarter" idx="1"/>
+          </p:nvPr>
+        </p:nvSpPr>
+        <p:spPr/>
+        <p:txBody>
+          <a:bodyPr/>
+          <a:lstStyle/>
+          <a:p>
+            <a:r>
+              <a:rPr lang="en-US" altLang="zh-CN" dirty="0" smtClean="0"/>
+              <a:t>AI</a:t>
+            </a:r>
+            <a:r>
+              <a:rPr lang="zh-CN" altLang="en-US" dirty="0" smtClean="0"/>
+              <a:t>领域</a:t>
+            </a:r>
+            <a:endParaRPr lang="en-US" altLang="zh-CN" dirty="0" smtClean="0"/>
+          </a:p>
+          <a:p>
+            <a:pPr lvl="1"/>
+            <a:r>
+              <a:rPr lang="zh-CN" altLang="en-US" dirty="0" smtClean="0"/>
+              <a:t>语音识别</a:t>
+            </a:r>
+            <a:r>
+              <a:rPr lang="zh-CN" altLang="en-US" dirty="0"/>
+              <a:t>：可以使得词错误率</a:t>
+            </a:r>
+            <a:r>
+              <a:rPr lang="zh-CN" altLang="en-US" dirty="0" smtClean="0"/>
+              <a:t>从</a:t>
+            </a:r>
+            <a:r>
+              <a:rPr lang="en-US" altLang="zh-CN" dirty="0" smtClean="0"/>
+              <a:t>1/4</a:t>
+            </a:r>
+            <a:r>
+              <a:rPr lang="zh-CN" altLang="en-US" dirty="0" smtClean="0"/>
+              <a:t>下降到</a:t>
+            </a:r>
+            <a:r>
+              <a:rPr lang="en-US" altLang="zh-CN" dirty="0" smtClean="0"/>
+              <a:t>1/8</a:t>
+            </a:r>
+            <a:endParaRPr lang="en-US" altLang="zh-CN" dirty="0"/>
+          </a:p>
+          <a:p>
+            <a:pPr lvl="1"/>
+            <a:r>
+              <a:rPr lang="zh-CN" altLang="en-US" dirty="0" smtClean="0"/>
+              <a:t>计算机视觉</a:t>
+            </a:r>
+            <a:r>
+              <a:rPr lang="zh-CN" altLang="en-US" dirty="0"/>
+              <a:t>：目标识别、图像分类等</a:t>
+            </a:r>
+          </a:p>
+          <a:p>
+            <a:pPr lvl="1"/>
+            <a:r>
+              <a:rPr lang="zh-CN" altLang="en-US" dirty="0"/>
+              <a:t>自然语言处理：分布式表示、机器翻译、问题回答</a:t>
+            </a:r>
+            <a:r>
+              <a:rPr lang="zh-CN" altLang="en-US" dirty="0" smtClean="0"/>
+              <a:t>等</a:t>
+            </a:r>
+            <a:endParaRPr lang="en-US" altLang="zh-CN" dirty="0" smtClean="0"/>
+          </a:p>
+          <a:p>
+            <a:pPr lvl="1"/>
+            <a:r>
+              <a:rPr lang="zh-CN" altLang="en-US" dirty="0" smtClean="0"/>
+              <a:t>信息检索、社会化网络</a:t>
+            </a:r>
+            <a:endParaRPr lang="zh-CN" altLang="en-US" dirty="0"/>
+          </a:p>
+          <a:p>
+            <a:endParaRPr lang="en-US" altLang="zh-CN" dirty="0" smtClean="0"/>
+          </a:p>
+          <a:p>
+            <a:r>
+              <a:rPr lang="zh-CN" altLang="en-US" dirty="0"/>
+              <a:t>三</a:t>
+            </a:r>
+            <a:r>
+              <a:rPr lang="zh-CN" altLang="en-US" dirty="0" smtClean="0"/>
+              <a:t>个</a:t>
+            </a:r>
+            <a:r>
+              <a:rPr lang="en-US" altLang="zh-CN" dirty="0" smtClean="0"/>
+              <a:t>Deep</a:t>
+            </a:r>
+            <a:r>
+              <a:rPr lang="zh-CN" altLang="en-US" dirty="0" smtClean="0"/>
+              <a:t>：</a:t>
+            </a:r>
+            <a:endParaRPr lang="en-US" altLang="zh-CN" dirty="0" smtClean="0"/>
+          </a:p>
+          <a:p>
+            <a:pPr lvl="1"/>
+            <a:r>
+              <a:rPr lang="en-US" altLang="zh-CN" dirty="0" smtClean="0"/>
+              <a:t>Deep </a:t>
+            </a:r>
+            <a:r>
+              <a:rPr lang="en-US" altLang="zh-CN" dirty="0"/>
+              <a:t>Blue</a:t>
+            </a:r>
+          </a:p>
+          <a:p>
+            <a:pPr lvl="1"/>
+            <a:r>
+              <a:rPr lang="en-US" altLang="zh-CN" dirty="0"/>
+              <a:t>Deep QA</a:t>
+            </a:r>
+          </a:p>
+          <a:p>
+            <a:pPr lvl="1"/>
+            <a:r>
+              <a:rPr lang="en-US" altLang="zh-CN" dirty="0"/>
+              <a:t>Deep Learning</a:t>
+            </a:r>
+            <a:endParaRPr lang="zh-CN" altLang="en-US" dirty="0"/>
+          </a:p>
+        </p:txBody>
+      </p:sp>
+    </p:spTree>
+    <p:extLst>
+      <p:ext uri="{BB962C8B-B14F-4D97-AF65-F5344CB8AC3E}">
+        <p14:creationId xmlns:p14="http://schemas.microsoft.com/office/powerpoint/2010/main" val="821426617"/>
+      </p:ext>
+    </p:extLst>
+  </p:cSld>
+  <p:clrMapOvr>
+    <a:masterClrMapping/>
+  </p:clrMapOvr>
+  <p:timing>
+    <p:tnLst>
+      <p:par>
+        <p:cTn id="1" dur="indefinite" restart="never" nodeType="tmRoot"/>
+      </p:par>
+    </p:tnLst>
+  </p:timing>
+</p:sld>
+</file>
+
+<file path=ppt/slides/slide47.xml><?xml version="1.0" encoding="utf-8"?>
+<p:sld xmlns:a="http://schemas.openxmlformats.org/drawingml/2006/main" xmlns:r="http://schemas.openxmlformats.org/officeDocument/2006/relationships" xmlns:p="http://schemas.openxmlformats.org/presentationml/2006/main">
+  <p:cSld>
+    <p:spTree>
+      <p:nvGrpSpPr>
+        <p:cNvPr id="1" name=""/>
+        <p:cNvGrpSpPr/>
+        <p:nvPr/>
+      </p:nvGrpSpPr>
+      <p:grpSpPr>
+        <a:xfrm>
+          <a:off x="0" y="0"/>
+          <a:ext cx="0" cy="0"/>
+          <a:chOff x="0" y="0"/>
+          <a:chExt cx="0" cy="0"/>
+        </a:xfrm>
+      </p:grpSpPr>
+      <p:sp>
+        <p:nvSpPr>
+          <p:cNvPr id="2" name="标题 1"/>
+          <p:cNvSpPr>
+            <a:spLocks noGrp="1"/>
+          </p:cNvSpPr>
+          <p:nvPr>
+            <p:ph type="title"/>
+          </p:nvPr>
+        </p:nvSpPr>
+        <p:spPr/>
+        <p:txBody>
+          <a:bodyPr/>
+          <a:lstStyle/>
+          <a:p>
+            <a:r>
+              <a:rPr lang="zh-CN" altLang="en-US" dirty="0" smtClean="0"/>
+              <a:t>学术机构</a:t>
+            </a:r>
+            <a:endParaRPr lang="zh-CN" altLang="en-US" dirty="0"/>
+          </a:p>
+        </p:txBody>
+      </p:sp>
+      <p:sp>
+        <p:nvSpPr>
+          <p:cNvPr id="3" name="内容占位符 2"/>
+          <p:cNvSpPr>
+            <a:spLocks noGrp="1"/>
+          </p:cNvSpPr>
+          <p:nvPr>
+            <p:ph sz="quarter" idx="1"/>
+          </p:nvPr>
+        </p:nvSpPr>
+        <p:spPr>
+          <a:xfrm>
+            <a:off x="457200" y="1219200"/>
+            <a:ext cx="4495800" cy="4937760"/>
+          </a:xfrm>
+        </p:spPr>
+        <p:txBody>
+          <a:bodyPr/>
+          <a:lstStyle/>
+          <a:p>
+            <a:r>
+              <a:rPr lang="en-US" altLang="zh-CN" sz="2400" dirty="0"/>
+              <a:t>Toronto </a:t>
+            </a:r>
+            <a:r>
+              <a:rPr lang="zh-CN" altLang="en-US" sz="2400" dirty="0" smtClean="0"/>
+              <a:t>大学</a:t>
+            </a:r>
+            <a:endParaRPr lang="en-US" altLang="zh-CN" sz="2400" dirty="0" smtClean="0"/>
+          </a:p>
+          <a:p>
+            <a:pPr lvl="1"/>
+            <a:r>
+              <a:rPr lang="zh-CN" altLang="en-US" sz="2000" dirty="0" smtClean="0"/>
+              <a:t> </a:t>
+            </a:r>
+            <a:r>
+              <a:rPr lang="en-US" altLang="zh-CN" sz="2000" dirty="0"/>
+              <a:t>Hinton 75 </a:t>
+            </a:r>
+            <a:r>
+              <a:rPr lang="zh-CN" altLang="en-US" sz="2000" dirty="0"/>
+              <a:t>年 </a:t>
+            </a:r>
+            <a:r>
+              <a:rPr lang="en-US" altLang="zh-CN" sz="2000" dirty="0"/>
+              <a:t>Edinburgh </a:t>
+            </a:r>
+            <a:r>
+              <a:rPr lang="zh-CN" altLang="en-US" sz="2000" dirty="0"/>
+              <a:t>大学博士</a:t>
+            </a:r>
+          </a:p>
+          <a:p>
+            <a:r>
+              <a:rPr lang="en-US" altLang="zh-CN" sz="2400" dirty="0"/>
+              <a:t>NYU </a:t>
+            </a:r>
+            <a:endParaRPr lang="en-US" altLang="zh-CN" sz="2400" dirty="0" smtClean="0"/>
+          </a:p>
+          <a:p>
+            <a:pPr lvl="1"/>
+            <a:r>
+              <a:rPr lang="en-US" altLang="zh-CN" sz="2000" dirty="0" err="1" smtClean="0"/>
+              <a:t>Lecun</a:t>
+            </a:r>
+            <a:r>
+              <a:rPr lang="en-US" altLang="zh-CN" sz="2000" dirty="0" smtClean="0"/>
+              <a:t> </a:t>
+            </a:r>
+            <a:r>
+              <a:rPr lang="en-US" altLang="zh-CN" sz="2000" dirty="0"/>
+              <a:t>(Now Facebook) 87 </a:t>
+            </a:r>
+            <a:r>
+              <a:rPr lang="zh-CN" altLang="en-US" sz="2000" dirty="0"/>
+              <a:t>年 </a:t>
+            </a:r>
+            <a:r>
+              <a:rPr lang="en-US" altLang="zh-CN" sz="2000" dirty="0"/>
+              <a:t>Hinton </a:t>
+            </a:r>
+            <a:r>
+              <a:rPr lang="zh-CN" altLang="en-US" sz="2000" dirty="0"/>
+              <a:t>博士后</a:t>
+            </a:r>
+          </a:p>
+          <a:p>
+            <a:r>
+              <a:rPr lang="en-US" altLang="zh-CN" sz="2400" dirty="0" smtClean="0"/>
+              <a:t>Montreal</a:t>
+            </a:r>
+            <a:r>
+              <a:rPr lang="zh-CN" altLang="en-US" sz="2400" dirty="0" smtClean="0"/>
+              <a:t>大学</a:t>
+            </a:r>
+            <a:endParaRPr lang="en-US" altLang="zh-CN" sz="2400" dirty="0" smtClean="0"/>
+          </a:p>
+          <a:p>
+            <a:pPr lvl="1"/>
+            <a:r>
+              <a:rPr lang="zh-CN" altLang="en-US" sz="2000" dirty="0" smtClean="0"/>
+              <a:t> </a:t>
+            </a:r>
+            <a:r>
+              <a:rPr lang="en-US" altLang="zh-CN" sz="2000" dirty="0" err="1"/>
+              <a:t>Bengio</a:t>
+            </a:r>
+            <a:r>
+              <a:rPr lang="en-US" altLang="zh-CN" sz="2000" dirty="0"/>
+              <a:t> 91 </a:t>
+            </a:r>
+            <a:r>
+              <a:rPr lang="zh-CN" altLang="en-US" sz="2000" dirty="0"/>
+              <a:t>年 </a:t>
+            </a:r>
+            <a:r>
+              <a:rPr lang="en-US" altLang="zh-CN" sz="2000" dirty="0"/>
+              <a:t>M. Jordan </a:t>
+            </a:r>
+            <a:r>
+              <a:rPr lang="zh-CN" altLang="en-US" sz="2000" dirty="0"/>
+              <a:t>博士后</a:t>
+            </a:r>
+          </a:p>
+          <a:p>
+            <a:r>
+              <a:rPr lang="en-US" altLang="zh-CN" sz="2400" dirty="0" smtClean="0"/>
+              <a:t>Stanford</a:t>
+            </a:r>
+            <a:r>
+              <a:rPr lang="zh-CN" altLang="en-US" sz="2400" dirty="0" smtClean="0"/>
+              <a:t>大学</a:t>
+            </a:r>
+            <a:endParaRPr lang="en-US" altLang="zh-CN" sz="2400" dirty="0" smtClean="0"/>
+          </a:p>
+          <a:p>
+            <a:pPr lvl="1"/>
+            <a:r>
+              <a:rPr lang="zh-CN" altLang="en-US" sz="2000" dirty="0" smtClean="0"/>
+              <a:t> </a:t>
+            </a:r>
+            <a:r>
+              <a:rPr lang="en-US" altLang="zh-CN" sz="2000" dirty="0"/>
+              <a:t>Ng (Now Baidu) 03 </a:t>
+            </a:r>
+            <a:r>
+              <a:rPr lang="zh-CN" altLang="en-US" sz="2000" dirty="0"/>
+              <a:t>年 </a:t>
+            </a:r>
+            <a:r>
+              <a:rPr lang="en-US" altLang="zh-CN" sz="2000" dirty="0"/>
+              <a:t>UC Berkeley </a:t>
+            </a:r>
+            <a:r>
+              <a:rPr lang="zh-CN" altLang="en-US" sz="2000" dirty="0"/>
+              <a:t>大学 </a:t>
+            </a:r>
+            <a:r>
+              <a:rPr lang="en-US" altLang="zh-CN" sz="2000" dirty="0"/>
+              <a:t>M. </a:t>
+            </a:r>
+            <a:r>
+              <a:rPr lang="en-US" altLang="zh-CN" sz="2000" dirty="0" smtClean="0"/>
+              <a:t>Jordan </a:t>
+            </a:r>
+            <a:r>
+              <a:rPr lang="zh-CN" altLang="en-US" sz="2000" dirty="0" smtClean="0"/>
+              <a:t>博士</a:t>
+            </a:r>
+            <a:endParaRPr lang="zh-CN" altLang="en-US" sz="2000" dirty="0"/>
+          </a:p>
+          <a:p>
+            <a:r>
+              <a:rPr lang="en-US" altLang="zh-CN" sz="2400" dirty="0"/>
+              <a:t>IDSIA </a:t>
+            </a:r>
+            <a:endParaRPr lang="en-US" altLang="zh-CN" sz="2400" dirty="0" smtClean="0"/>
+          </a:p>
+          <a:p>
+            <a:pPr lvl="1"/>
+            <a:r>
+              <a:rPr lang="en-US" altLang="zh-CN" sz="2000" dirty="0" smtClean="0"/>
+              <a:t>Jürgen </a:t>
+            </a:r>
+            <a:r>
+              <a:rPr lang="en-US" altLang="zh-CN" sz="2000" dirty="0" err="1"/>
+              <a:t>Schmidhuber</a:t>
+            </a:r>
+            <a:endParaRPr lang="zh-CN" altLang="en-US" sz="2000" dirty="0"/>
+          </a:p>
+        </p:txBody>
+      </p:sp>
+      <p:pic>
+        <p:nvPicPr>
+          <p:cNvPr id="4" name="图片 3"/>
+          <p:cNvPicPr>
+            <a:picLocks noChangeAspect="1"/>
+          </p:cNvPicPr>
+          <p:nvPr/>
+        </p:nvPicPr>
+        <p:blipFill>
+          <a:blip r:embed="rId2">
+            <a:extLst>
+              <a:ext uri="{28A0092B-C50C-407E-A947-70E740481C1C}">
+                <a14:useLocalDpi xmlns:a14="http://schemas.microsoft.com/office/drawing/2010/main"/>
+              </a:ext>
+            </a:extLst>
+          </a:blip>
+          <a:stretch>
+            <a:fillRect/>
+          </a:stretch>
+        </p:blipFill>
+        <p:spPr>
+          <a:xfrm>
+            <a:off x="4953000" y="1752600"/>
+            <a:ext cx="4038600" cy="3945162"/>
+          </a:xfrm>
+          <a:prstGeom prst="rect">
+            <a:avLst/>
+          </a:prstGeom>
+        </p:spPr>
+      </p:pic>
+    </p:spTree>
+    <p:extLst>
+      <p:ext uri="{BB962C8B-B14F-4D97-AF65-F5344CB8AC3E}">
+        <p14:creationId xmlns:p14="http://schemas.microsoft.com/office/powerpoint/2010/main" val="30458730"/>
+      </p:ext>
+    </p:extLst>
+  </p:cSld>
+  <p:clrMapOvr>
+    <a:masterClrMapping/>
+  </p:clrMapOvr>
+  <p:timing>
+    <p:tnLst>
+      <p:par>
+        <p:cTn id="1" dur="indefinite" restart="never" nodeType="tmRoot"/>
+      </p:par>
+    </p:tnLst>
+  </p:timing>
+</p:sld>
+</file>
+
+<file path=ppt/slides/slide48.xml><?xml version="1.0" encoding="utf-8"?>
+<p:sld xmlns:a="http://schemas.openxmlformats.org/drawingml/2006/main" xmlns:r="http://schemas.openxmlformats.org/officeDocument/2006/relationships" xmlns:p="http://schemas.openxmlformats.org/presentationml/2006/main">
+  <p:cSld>
+    <p:spTree>
+      <p:nvGrpSpPr>
+        <p:cNvPr id="1" name=""/>
+        <p:cNvGrpSpPr/>
+        <p:nvPr/>
+      </p:nvGrpSpPr>
+      <p:grpSpPr>
+        <a:xfrm>
+          <a:off x="0" y="0"/>
+          <a:ext cx="0" cy="0"/>
+          <a:chOff x="0" y="0"/>
+          <a:chExt cx="0" cy="0"/>
+        </a:xfrm>
+      </p:grpSpPr>
+      <p:sp>
+        <p:nvSpPr>
           <p:cNvPr id="2" name="標題 1"/>
           <p:cNvSpPr>
             <a:spLocks noGrp="1"/>
@@ -31042,7 +31717,7 @@
 </p:sld>
 </file>
 
-<file path=ppt/slides/slide47.xml><?xml version="1.0" encoding="utf-8"?>
+<file path=ppt/slides/slide49.xml><?xml version="1.0" encoding="utf-8"?>
 <p:sld xmlns:a="http://schemas.openxmlformats.org/drawingml/2006/main" xmlns:r="http://schemas.openxmlformats.org/officeDocument/2006/relationships" xmlns:p="http://schemas.openxmlformats.org/presentationml/2006/main">
   <p:cSld>
     <p:spTree>

--- a/ppt/chap-绪论.pptx
+++ b/ppt/chap-绪论.pptx
@@ -2528,10 +2528,9 @@
         <a:p>
           <a:pPr rtl="0"/>
           <a:r>
-            <a:rPr lang="zh-CN" dirty="0" smtClean="0"/>
+            <a:rPr lang="zh-CN" dirty="0"/>
             <a:t>神经网络</a:t>
           </a:r>
-          <a:endParaRPr lang="zh-CN" dirty="0"/>
         </a:p>
       </dgm:t>
     </dgm:pt>
@@ -2566,10 +2565,9 @@
         <a:p>
           <a:pPr rtl="0"/>
           <a:r>
-            <a:rPr lang="zh-CN" smtClean="0"/>
+            <a:rPr lang="zh-CN"/>
             <a:t>深度学习</a:t>
           </a:r>
-          <a:endParaRPr lang="zh-CN"/>
         </a:p>
       </dgm:t>
     </dgm:pt>
@@ -2604,24 +2602,10 @@
         </dgm:presLayoutVars>
       </dgm:prSet>
       <dgm:spPr/>
-      <dgm:t>
-        <a:bodyPr/>
-        <a:lstStyle/>
-        <a:p>
-          <a:endParaRPr lang="zh-CN" altLang="en-US"/>
-        </a:p>
-      </dgm:t>
     </dgm:pt>
     <dgm:pt modelId="{5A005036-7C44-4F4B-8DF4-88FCAA11FFFC}" type="pres">
       <dgm:prSet presAssocID="{3F9C59D7-E58F-49E9-9A70-8532D0DCD6C2}" presName="circ1" presStyleLbl="vennNode1" presStyleIdx="0" presStyleCnt="2"/>
       <dgm:spPr/>
-      <dgm:t>
-        <a:bodyPr/>
-        <a:lstStyle/>
-        <a:p>
-          <a:endParaRPr lang="zh-CN" altLang="en-US"/>
-        </a:p>
-      </dgm:t>
     </dgm:pt>
     <dgm:pt modelId="{E3031F3D-E94D-4AC9-887E-448763ADD8C6}" type="pres">
       <dgm:prSet presAssocID="{3F9C59D7-E58F-49E9-9A70-8532D0DCD6C2}" presName="circ1Tx" presStyleLbl="revTx" presStyleIdx="0" presStyleCnt="0">
@@ -2632,24 +2616,10 @@
         </dgm:presLayoutVars>
       </dgm:prSet>
       <dgm:spPr/>
-      <dgm:t>
-        <a:bodyPr/>
-        <a:lstStyle/>
-        <a:p>
-          <a:endParaRPr lang="zh-CN" altLang="en-US"/>
-        </a:p>
-      </dgm:t>
     </dgm:pt>
     <dgm:pt modelId="{8836C7B6-C725-42A2-A331-A174816D17C7}" type="pres">
       <dgm:prSet presAssocID="{0A384C75-38A9-48F2-A8C1-163F0F61ED55}" presName="circ2" presStyleLbl="vennNode1" presStyleIdx="1" presStyleCnt="2"/>
       <dgm:spPr/>
-      <dgm:t>
-        <a:bodyPr/>
-        <a:lstStyle/>
-        <a:p>
-          <a:endParaRPr lang="zh-CN" altLang="en-US"/>
-        </a:p>
-      </dgm:t>
     </dgm:pt>
     <dgm:pt modelId="{AD2BB0E3-7147-4EA4-A089-AB5D86ACBE0E}" type="pres">
       <dgm:prSet presAssocID="{0A384C75-38A9-48F2-A8C1-163F0F61ED55}" presName="circ2Tx" presStyleLbl="revTx" presStyleIdx="0" presStyleCnt="0">
@@ -2660,23 +2630,16 @@
         </dgm:presLayoutVars>
       </dgm:prSet>
       <dgm:spPr/>
-      <dgm:t>
-        <a:bodyPr/>
-        <a:lstStyle/>
-        <a:p>
-          <a:endParaRPr lang="zh-CN" altLang="en-US"/>
-        </a:p>
-      </dgm:t>
     </dgm:pt>
   </dgm:ptLst>
   <dgm:cxnLst>
-    <dgm:cxn modelId="{55D9F587-9FC1-41B0-8229-F2C1C9E7E8BB}" srcId="{26B50CAF-522A-4276-825E-4C8F065E5EB7}" destId="{3F9C59D7-E58F-49E9-9A70-8532D0DCD6C2}" srcOrd="0" destOrd="0" parTransId="{4FB92C52-A398-47AE-A4B9-F284E0E227C4}" sibTransId="{3053C86C-B15D-4725-B798-F08EFB5E46C0}"/>
-    <dgm:cxn modelId="{34279AEF-DD42-4E4C-B7A8-B3388AF73665}" type="presOf" srcId="{0A384C75-38A9-48F2-A8C1-163F0F61ED55}" destId="{8836C7B6-C725-42A2-A331-A174816D17C7}" srcOrd="0" destOrd="0" presId="urn:microsoft.com/office/officeart/2005/8/layout/venn1"/>
-    <dgm:cxn modelId="{BA000DEF-1D10-4C27-85FB-31F1E3CF79C9}" srcId="{26B50CAF-522A-4276-825E-4C8F065E5EB7}" destId="{0A384C75-38A9-48F2-A8C1-163F0F61ED55}" srcOrd="1" destOrd="0" parTransId="{B465E50E-F5D9-4AE0-978F-0923D46A673D}" sibTransId="{F41CC2E5-0442-482C-AEF4-4BF722808F1D}"/>
+    <dgm:cxn modelId="{A49E6F27-6CA8-491B-91A6-64F949DC3114}" type="presOf" srcId="{3F9C59D7-E58F-49E9-9A70-8532D0DCD6C2}" destId="{E3031F3D-E94D-4AC9-887E-448763ADD8C6}" srcOrd="1" destOrd="0" presId="urn:microsoft.com/office/officeart/2005/8/layout/venn1"/>
     <dgm:cxn modelId="{9130B830-D537-48F2-BF77-3C053B96A1C2}" type="presOf" srcId="{26B50CAF-522A-4276-825E-4C8F065E5EB7}" destId="{22048410-E181-43DF-9CC6-41DBDEA6281E}" srcOrd="0" destOrd="0" presId="urn:microsoft.com/office/officeart/2005/8/layout/venn1"/>
     <dgm:cxn modelId="{FBC2245E-F132-44CE-A8AF-8CE6219D71DB}" type="presOf" srcId="{0A384C75-38A9-48F2-A8C1-163F0F61ED55}" destId="{AD2BB0E3-7147-4EA4-A089-AB5D86ACBE0E}" srcOrd="1" destOrd="0" presId="urn:microsoft.com/office/officeart/2005/8/layout/venn1"/>
-    <dgm:cxn modelId="{A49E6F27-6CA8-491B-91A6-64F949DC3114}" type="presOf" srcId="{3F9C59D7-E58F-49E9-9A70-8532D0DCD6C2}" destId="{E3031F3D-E94D-4AC9-887E-448763ADD8C6}" srcOrd="1" destOrd="0" presId="urn:microsoft.com/office/officeart/2005/8/layout/venn1"/>
+    <dgm:cxn modelId="{55D9F587-9FC1-41B0-8229-F2C1C9E7E8BB}" srcId="{26B50CAF-522A-4276-825E-4C8F065E5EB7}" destId="{3F9C59D7-E58F-49E9-9A70-8532D0DCD6C2}" srcOrd="0" destOrd="0" parTransId="{4FB92C52-A398-47AE-A4B9-F284E0E227C4}" sibTransId="{3053C86C-B15D-4725-B798-F08EFB5E46C0}"/>
     <dgm:cxn modelId="{4FEFEDEA-79FB-4577-BD56-3288910D70C4}" type="presOf" srcId="{3F9C59D7-E58F-49E9-9A70-8532D0DCD6C2}" destId="{5A005036-7C44-4F4B-8DF4-88FCAA11FFFC}" srcOrd="0" destOrd="0" presId="urn:microsoft.com/office/officeart/2005/8/layout/venn1"/>
+    <dgm:cxn modelId="{BA000DEF-1D10-4C27-85FB-31F1E3CF79C9}" srcId="{26B50CAF-522A-4276-825E-4C8F065E5EB7}" destId="{0A384C75-38A9-48F2-A8C1-163F0F61ED55}" srcOrd="1" destOrd="0" parTransId="{B465E50E-F5D9-4AE0-978F-0923D46A673D}" sibTransId="{F41CC2E5-0442-482C-AEF4-4BF722808F1D}"/>
+    <dgm:cxn modelId="{34279AEF-DD42-4E4C-B7A8-B3388AF73665}" type="presOf" srcId="{0A384C75-38A9-48F2-A8C1-163F0F61ED55}" destId="{8836C7B6-C725-42A2-A331-A174816D17C7}" srcOrd="0" destOrd="0" presId="urn:microsoft.com/office/officeart/2005/8/layout/venn1"/>
     <dgm:cxn modelId="{31B15FBB-0BFF-47AF-B921-782CE9F5AF6A}" type="presParOf" srcId="{22048410-E181-43DF-9CC6-41DBDEA6281E}" destId="{5A005036-7C44-4F4B-8DF4-88FCAA11FFFC}" srcOrd="0" destOrd="0" presId="urn:microsoft.com/office/officeart/2005/8/layout/venn1"/>
     <dgm:cxn modelId="{62C61B4A-D0E0-48C9-AE57-4E34D1B157DD}" type="presParOf" srcId="{22048410-E181-43DF-9CC6-41DBDEA6281E}" destId="{E3031F3D-E94D-4AC9-887E-448763ADD8C6}" srcOrd="1" destOrd="0" presId="urn:microsoft.com/office/officeart/2005/8/layout/venn1"/>
     <dgm:cxn modelId="{AFC54C13-5107-47FB-ABE2-CBEF4AA6E250}" type="presParOf" srcId="{22048410-E181-43DF-9CC6-41DBDEA6281E}" destId="{8836C7B6-C725-42A2-A331-A174816D17C7}" srcOrd="2" destOrd="0" presId="urn:microsoft.com/office/officeart/2005/8/layout/venn1"/>
@@ -2725,10 +2688,9 @@
             </a:spcAft>
           </a:pPr>
           <a:r>
-            <a:rPr lang="zh-CN" altLang="en-US" sz="2000" dirty="0" smtClean="0"/>
+            <a:rPr lang="zh-CN" altLang="en-US" sz="2000" dirty="0"/>
             <a:t>知识</a:t>
           </a:r>
-          <a:endParaRPr lang="zh-CN" altLang="en-US" sz="2000" dirty="0"/>
         </a:p>
       </dgm:t>
     </dgm:pt>
@@ -2795,10 +2757,10 @@
             </a:spcAft>
           </a:pPr>
           <a:r>
-            <a:rPr lang="zh-CN" sz="2000" dirty="0" smtClean="0"/>
+            <a:rPr lang="zh-CN" sz="2000" dirty="0"/>
             <a:t>知道</a:t>
           </a:r>
-          <a:endParaRPr lang="en-US" altLang="zh-CN" sz="2000" dirty="0" smtClean="0"/>
+          <a:endParaRPr lang="en-US" altLang="zh-CN" sz="2000" dirty="0"/>
         </a:p>
         <a:p>
           <a:pPr rtl="0">
@@ -2813,7 +2775,7 @@
             </a:spcAft>
           </a:pPr>
           <a:r>
-            <a:rPr lang="zh-CN" altLang="en-US" sz="2000" dirty="0" smtClean="0"/>
+            <a:rPr lang="zh-CN" altLang="en-US" sz="2000" dirty="0"/>
             <a:t>怎么做</a:t>
           </a:r>
           <a:endParaRPr lang="zh-CN" sz="2000" dirty="0"/>
@@ -2883,10 +2845,10 @@
             </a:spcAft>
           </a:pPr>
           <a:r>
-            <a:rPr lang="zh-CN" sz="2000" dirty="0" smtClean="0"/>
+            <a:rPr lang="zh-CN" sz="2000" dirty="0"/>
             <a:t>不知道</a:t>
           </a:r>
-          <a:endParaRPr lang="en-US" altLang="zh-CN" sz="2000" dirty="0" smtClean="0"/>
+          <a:endParaRPr lang="en-US" altLang="zh-CN" sz="2000" dirty="0"/>
         </a:p>
         <a:p>
           <a:pPr rtl="0">
@@ -2901,7 +2863,7 @@
             </a:spcAft>
           </a:pPr>
           <a:r>
-            <a:rPr lang="zh-CN" altLang="en-US" sz="2000" dirty="0" smtClean="0"/>
+            <a:rPr lang="zh-CN" altLang="en-US" sz="2000" dirty="0"/>
             <a:t>怎么做</a:t>
           </a:r>
           <a:endParaRPr lang="zh-CN" sz="2000" dirty="0"/>
@@ -2971,10 +2933,9 @@
             </a:spcAft>
           </a:pPr>
           <a:r>
-            <a:rPr lang="zh-CN" altLang="en-US" sz="2000" dirty="0" smtClean="0"/>
+            <a:rPr lang="zh-CN" altLang="en-US" sz="2000" dirty="0"/>
             <a:t>专家系统</a:t>
           </a:r>
-          <a:endParaRPr lang="zh-CN" altLang="en-US" sz="2000" dirty="0"/>
         </a:p>
       </dgm:t>
     </dgm:pt>
@@ -3045,10 +3006,9 @@
             </a:spcAft>
           </a:pPr>
           <a:r>
-            <a:rPr lang="zh-CN" altLang="en-US" sz="2000" dirty="0" smtClean="0"/>
+            <a:rPr lang="zh-CN" altLang="en-US" sz="2000" dirty="0"/>
             <a:t>机器学习</a:t>
           </a:r>
-          <a:endParaRPr lang="zh-CN" altLang="en-US" sz="2000" dirty="0"/>
         </a:p>
       </dgm:t>
     </dgm:pt>
@@ -3115,7 +3075,7 @@
             </a:spcAft>
           </a:pPr>
           <a:r>
-            <a:rPr lang="en-US" altLang="zh-CN" sz="2000" dirty="0" smtClean="0"/>
+            <a:rPr lang="en-US" altLang="zh-CN" sz="2000" dirty="0"/>
             <a:t>…</a:t>
           </a:r>
           <a:endParaRPr lang="zh-CN" sz="2000" dirty="0"/>
@@ -3185,10 +3145,9 @@
             </a:spcAft>
           </a:pPr>
           <a:r>
-            <a:rPr lang="zh-CN" altLang="en-US" sz="2000" dirty="0" smtClean="0"/>
+            <a:rPr lang="zh-CN" altLang="en-US" sz="2000" dirty="0"/>
             <a:t>图像识别</a:t>
           </a:r>
-          <a:endParaRPr lang="zh-CN" altLang="en-US" sz="2000" dirty="0"/>
         </a:p>
       </dgm:t>
     </dgm:pt>
@@ -3255,10 +3214,9 @@
             </a:spcAft>
           </a:pPr>
           <a:r>
-            <a:rPr lang="zh-CN" altLang="en-US" sz="2000" dirty="0" smtClean="0"/>
+            <a:rPr lang="zh-CN" altLang="en-US" sz="2000" dirty="0"/>
             <a:t>文本分类</a:t>
           </a:r>
-          <a:endParaRPr lang="zh-CN" altLang="en-US" sz="2000" dirty="0"/>
         </a:p>
       </dgm:t>
     </dgm:pt>
@@ -3325,10 +3283,9 @@
             </a:spcAft>
           </a:pPr>
           <a:r>
-            <a:rPr lang="zh-CN" altLang="en-US" sz="2000" dirty="0" smtClean="0"/>
+            <a:rPr lang="zh-CN" altLang="en-US" sz="2000" dirty="0"/>
             <a:t>语音识别</a:t>
           </a:r>
-          <a:endParaRPr lang="zh-CN" altLang="en-US" sz="2000" dirty="0"/>
         </a:p>
       </dgm:t>
     </dgm:pt>
@@ -3395,10 +3352,9 @@
             </a:spcAft>
           </a:pPr>
           <a:r>
-            <a:rPr lang="zh-CN" altLang="en-US" sz="2000" dirty="0" smtClean="0"/>
+            <a:rPr lang="zh-CN" altLang="en-US" sz="2000" dirty="0"/>
             <a:t>不容易做</a:t>
           </a:r>
-          <a:endParaRPr lang="zh-CN" altLang="en-US" sz="2000" dirty="0"/>
         </a:p>
       </dgm:t>
     </dgm:pt>
@@ -3469,10 +3425,9 @@
             </a:spcAft>
           </a:pPr>
           <a:r>
-            <a:rPr lang="zh-CN" altLang="en-US" sz="2000" dirty="0" smtClean="0"/>
+            <a:rPr lang="zh-CN" altLang="en-US" sz="2000" dirty="0"/>
             <a:t>容易做</a:t>
           </a:r>
-          <a:endParaRPr lang="zh-CN" altLang="en-US" sz="2000" dirty="0"/>
         </a:p>
       </dgm:t>
     </dgm:pt>
@@ -3539,10 +3494,9 @@
             </a:spcAft>
           </a:pPr>
           <a:r>
-            <a:rPr lang="zh-CN" altLang="en-US" sz="2000" dirty="0" smtClean="0"/>
+            <a:rPr lang="zh-CN" altLang="en-US" sz="2000" dirty="0"/>
             <a:t>强化学习</a:t>
           </a:r>
-          <a:endParaRPr lang="zh-CN" altLang="en-US" sz="2000" dirty="0"/>
         </a:p>
       </dgm:t>
     </dgm:pt>
@@ -3609,10 +3563,9 @@
             </a:spcAft>
           </a:pPr>
           <a:r>
-            <a:rPr lang="zh-CN" altLang="en-US" sz="2000" dirty="0" smtClean="0"/>
+            <a:rPr lang="zh-CN" altLang="en-US" sz="2000" dirty="0"/>
             <a:t>围棋</a:t>
           </a:r>
-          <a:endParaRPr lang="zh-CN" altLang="en-US" sz="2000" dirty="0"/>
         </a:p>
       </dgm:t>
     </dgm:pt>
@@ -3671,13 +3624,6 @@
         </dgm:presLayoutVars>
       </dgm:prSet>
       <dgm:spPr/>
-      <dgm:t>
-        <a:bodyPr/>
-        <a:lstStyle/>
-        <a:p>
-          <a:endParaRPr lang="zh-CN" altLang="en-US"/>
-        </a:p>
-      </dgm:t>
     </dgm:pt>
     <dgm:pt modelId="{6BD5A947-8166-447A-B304-C2F64D6C456A}" type="pres">
       <dgm:prSet presAssocID="{F2DD335F-F4ED-427B-9143-27BE63843845}" presName="root1" presStyleCnt="0"/>
@@ -3690,13 +3636,6 @@
         </dgm:presLayoutVars>
       </dgm:prSet>
       <dgm:spPr/>
-      <dgm:t>
-        <a:bodyPr/>
-        <a:lstStyle/>
-        <a:p>
-          <a:endParaRPr lang="zh-CN" altLang="en-US"/>
-        </a:p>
-      </dgm:t>
     </dgm:pt>
     <dgm:pt modelId="{E5EECC48-296F-4977-9549-5478D27AA71E}" type="pres">
       <dgm:prSet presAssocID="{F2DD335F-F4ED-427B-9143-27BE63843845}" presName="level2hierChild" presStyleCnt="0"/>
@@ -3705,24 +3644,10 @@
     <dgm:pt modelId="{E701DB57-D095-4995-BA9F-3DC318F851BB}" type="pres">
       <dgm:prSet presAssocID="{B94A8C1F-8663-48DC-AFE0-ED9153CDDB04}" presName="conn2-1" presStyleLbl="parChTrans1D2" presStyleIdx="0" presStyleCnt="2"/>
       <dgm:spPr/>
-      <dgm:t>
-        <a:bodyPr/>
-        <a:lstStyle/>
-        <a:p>
-          <a:endParaRPr lang="zh-CN" altLang="en-US"/>
-        </a:p>
-      </dgm:t>
     </dgm:pt>
     <dgm:pt modelId="{8532DA87-15CF-41DC-A6ED-D536B73B26D5}" type="pres">
       <dgm:prSet presAssocID="{B94A8C1F-8663-48DC-AFE0-ED9153CDDB04}" presName="connTx" presStyleLbl="parChTrans1D2" presStyleIdx="0" presStyleCnt="2"/>
       <dgm:spPr/>
-      <dgm:t>
-        <a:bodyPr/>
-        <a:lstStyle/>
-        <a:p>
-          <a:endParaRPr lang="zh-CN" altLang="en-US"/>
-        </a:p>
-      </dgm:t>
     </dgm:pt>
     <dgm:pt modelId="{66E6AE2D-E424-401E-BE98-13D9C7C8E64F}" type="pres">
       <dgm:prSet presAssocID="{F8A913BF-FF20-4BE3-AB5E-0F7AA51F32B6}" presName="root2" presStyleCnt="0"/>
@@ -3735,13 +3660,6 @@
         </dgm:presLayoutVars>
       </dgm:prSet>
       <dgm:spPr/>
-      <dgm:t>
-        <a:bodyPr/>
-        <a:lstStyle/>
-        <a:p>
-          <a:endParaRPr lang="zh-CN" altLang="en-US"/>
-        </a:p>
-      </dgm:t>
     </dgm:pt>
     <dgm:pt modelId="{C0952350-77B3-4279-8F92-FF05E01C1691}" type="pres">
       <dgm:prSet presAssocID="{F8A913BF-FF20-4BE3-AB5E-0F7AA51F32B6}" presName="level3hierChild" presStyleCnt="0"/>
@@ -3750,24 +3668,10 @@
     <dgm:pt modelId="{33B9F075-4423-4B3D-A2BD-A73956F1955D}" type="pres">
       <dgm:prSet presAssocID="{777E2D03-330E-43C8-A439-09671C3F191F}" presName="conn2-1" presStyleLbl="parChTrans1D3" presStyleIdx="0" presStyleCnt="3"/>
       <dgm:spPr/>
-      <dgm:t>
-        <a:bodyPr/>
-        <a:lstStyle/>
-        <a:p>
-          <a:endParaRPr lang="zh-CN" altLang="en-US"/>
-        </a:p>
-      </dgm:t>
     </dgm:pt>
     <dgm:pt modelId="{D409D1B5-8445-4A64-8086-7FE53A8B3E24}" type="pres">
       <dgm:prSet presAssocID="{777E2D03-330E-43C8-A439-09671C3F191F}" presName="connTx" presStyleLbl="parChTrans1D3" presStyleIdx="0" presStyleCnt="3"/>
       <dgm:spPr/>
-      <dgm:t>
-        <a:bodyPr/>
-        <a:lstStyle/>
-        <a:p>
-          <a:endParaRPr lang="zh-CN" altLang="en-US"/>
-        </a:p>
-      </dgm:t>
     </dgm:pt>
     <dgm:pt modelId="{C7214047-2809-48BC-9810-4DD98B40D464}" type="pres">
       <dgm:prSet presAssocID="{CB36CA1F-DC00-49FC-9F39-3899387403F7}" presName="root2" presStyleCnt="0"/>
@@ -3780,13 +3684,6 @@
         </dgm:presLayoutVars>
       </dgm:prSet>
       <dgm:spPr/>
-      <dgm:t>
-        <a:bodyPr/>
-        <a:lstStyle/>
-        <a:p>
-          <a:endParaRPr lang="zh-CN" altLang="en-US"/>
-        </a:p>
-      </dgm:t>
     </dgm:pt>
     <dgm:pt modelId="{6E3562EA-6D04-4E9B-A3D1-A1F6DC869A7B}" type="pres">
       <dgm:prSet presAssocID="{CB36CA1F-DC00-49FC-9F39-3899387403F7}" presName="level3hierChild" presStyleCnt="0"/>
@@ -3795,24 +3692,10 @@
     <dgm:pt modelId="{69ABC5AB-FD09-427D-B12C-5C8B1CBD2726}" type="pres">
       <dgm:prSet presAssocID="{FF3DB6AF-A4DE-4E13-AE14-D96D5C0A1A8B}" presName="conn2-1" presStyleLbl="parChTrans1D4" presStyleIdx="0" presStyleCnt="7"/>
       <dgm:spPr/>
-      <dgm:t>
-        <a:bodyPr/>
-        <a:lstStyle/>
-        <a:p>
-          <a:endParaRPr lang="zh-CN" altLang="en-US"/>
-        </a:p>
-      </dgm:t>
     </dgm:pt>
     <dgm:pt modelId="{5156EE79-8EF5-461E-AB61-DF6007AD0779}" type="pres">
       <dgm:prSet presAssocID="{FF3DB6AF-A4DE-4E13-AE14-D96D5C0A1A8B}" presName="connTx" presStyleLbl="parChTrans1D4" presStyleIdx="0" presStyleCnt="7"/>
       <dgm:spPr/>
-      <dgm:t>
-        <a:bodyPr/>
-        <a:lstStyle/>
-        <a:p>
-          <a:endParaRPr lang="zh-CN" altLang="en-US"/>
-        </a:p>
-      </dgm:t>
     </dgm:pt>
     <dgm:pt modelId="{C27DD1E1-701E-4C8F-8174-E6B8B2DC4D15}" type="pres">
       <dgm:prSet presAssocID="{70EB503F-3A9B-46F0-8303-EF97445EEC83}" presName="root2" presStyleCnt="0"/>
@@ -3825,13 +3708,6 @@
         </dgm:presLayoutVars>
       </dgm:prSet>
       <dgm:spPr/>
-      <dgm:t>
-        <a:bodyPr/>
-        <a:lstStyle/>
-        <a:p>
-          <a:endParaRPr lang="zh-CN" altLang="en-US"/>
-        </a:p>
-      </dgm:t>
     </dgm:pt>
     <dgm:pt modelId="{364F520D-3FEF-4E8D-A45A-CCC229C7AAAB}" type="pres">
       <dgm:prSet presAssocID="{70EB503F-3A9B-46F0-8303-EF97445EEC83}" presName="level3hierChild" presStyleCnt="0"/>
@@ -3840,24 +3716,10 @@
     <dgm:pt modelId="{42EAD14C-C4CD-43F4-BBC5-79864427DD73}" type="pres">
       <dgm:prSet presAssocID="{9C6E211D-B358-45C5-95D3-C96B3D66FDB2}" presName="conn2-1" presStyleLbl="parChTrans1D2" presStyleIdx="1" presStyleCnt="2"/>
       <dgm:spPr/>
-      <dgm:t>
-        <a:bodyPr/>
-        <a:lstStyle/>
-        <a:p>
-          <a:endParaRPr lang="zh-CN" altLang="en-US"/>
-        </a:p>
-      </dgm:t>
     </dgm:pt>
     <dgm:pt modelId="{2D5F6FEF-BACB-4FE7-B689-8A9CFA42D76E}" type="pres">
       <dgm:prSet presAssocID="{9C6E211D-B358-45C5-95D3-C96B3D66FDB2}" presName="connTx" presStyleLbl="parChTrans1D2" presStyleIdx="1" presStyleCnt="2"/>
       <dgm:spPr/>
-      <dgm:t>
-        <a:bodyPr/>
-        <a:lstStyle/>
-        <a:p>
-          <a:endParaRPr lang="zh-CN" altLang="en-US"/>
-        </a:p>
-      </dgm:t>
     </dgm:pt>
     <dgm:pt modelId="{81B8013D-90D5-45A9-8B4B-BF7D3BD54942}" type="pres">
       <dgm:prSet presAssocID="{FA135B7F-2613-4B80-BDFC-5E6ED5D1C14D}" presName="root2" presStyleCnt="0"/>
@@ -3870,13 +3732,6 @@
         </dgm:presLayoutVars>
       </dgm:prSet>
       <dgm:spPr/>
-      <dgm:t>
-        <a:bodyPr/>
-        <a:lstStyle/>
-        <a:p>
-          <a:endParaRPr lang="zh-CN" altLang="en-US"/>
-        </a:p>
-      </dgm:t>
     </dgm:pt>
     <dgm:pt modelId="{2B786ED4-C331-4CCB-A219-049FDEC12BC1}" type="pres">
       <dgm:prSet presAssocID="{FA135B7F-2613-4B80-BDFC-5E6ED5D1C14D}" presName="level3hierChild" presStyleCnt="0"/>
@@ -3885,24 +3740,10 @@
     <dgm:pt modelId="{E8CC1104-E240-42BE-900E-835E00B649B3}" type="pres">
       <dgm:prSet presAssocID="{7AA7E7C8-28F5-4795-AD69-71F96663B848}" presName="conn2-1" presStyleLbl="parChTrans1D3" presStyleIdx="1" presStyleCnt="3"/>
       <dgm:spPr/>
-      <dgm:t>
-        <a:bodyPr/>
-        <a:lstStyle/>
-        <a:p>
-          <a:endParaRPr lang="zh-CN" altLang="en-US"/>
-        </a:p>
-      </dgm:t>
     </dgm:pt>
     <dgm:pt modelId="{DB6F332D-DB1E-42F9-B0F5-86DE58B9A006}" type="pres">
       <dgm:prSet presAssocID="{7AA7E7C8-28F5-4795-AD69-71F96663B848}" presName="connTx" presStyleLbl="parChTrans1D3" presStyleIdx="1" presStyleCnt="3"/>
       <dgm:spPr/>
-      <dgm:t>
-        <a:bodyPr/>
-        <a:lstStyle/>
-        <a:p>
-          <a:endParaRPr lang="zh-CN" altLang="en-US"/>
-        </a:p>
-      </dgm:t>
     </dgm:pt>
     <dgm:pt modelId="{12A24013-BD94-4075-B65C-E72D4CC5DA9F}" type="pres">
       <dgm:prSet presAssocID="{0520DB01-5CDA-4B89-ABBB-14C2DA83042A}" presName="root2" presStyleCnt="0"/>
@@ -3915,13 +3756,6 @@
         </dgm:presLayoutVars>
       </dgm:prSet>
       <dgm:spPr/>
-      <dgm:t>
-        <a:bodyPr/>
-        <a:lstStyle/>
-        <a:p>
-          <a:endParaRPr lang="zh-CN" altLang="en-US"/>
-        </a:p>
-      </dgm:t>
     </dgm:pt>
     <dgm:pt modelId="{153D918C-2E6B-4614-A103-50E828FE18BA}" type="pres">
       <dgm:prSet presAssocID="{0520DB01-5CDA-4B89-ABBB-14C2DA83042A}" presName="level3hierChild" presStyleCnt="0"/>
@@ -3930,24 +3764,10 @@
     <dgm:pt modelId="{5F5B8F60-B6E3-4D33-8006-A534B5219659}" type="pres">
       <dgm:prSet presAssocID="{D66DAC0E-D6F2-470E-A02F-6C7E94390031}" presName="conn2-1" presStyleLbl="parChTrans1D4" presStyleIdx="1" presStyleCnt="7"/>
       <dgm:spPr/>
-      <dgm:t>
-        <a:bodyPr/>
-        <a:lstStyle/>
-        <a:p>
-          <a:endParaRPr lang="zh-CN" altLang="en-US"/>
-        </a:p>
-      </dgm:t>
     </dgm:pt>
     <dgm:pt modelId="{974EA6F0-7E42-4CD5-BFEE-3A3BF1F9DA7E}" type="pres">
       <dgm:prSet presAssocID="{D66DAC0E-D6F2-470E-A02F-6C7E94390031}" presName="connTx" presStyleLbl="parChTrans1D4" presStyleIdx="1" presStyleCnt="7"/>
       <dgm:spPr/>
-      <dgm:t>
-        <a:bodyPr/>
-        <a:lstStyle/>
-        <a:p>
-          <a:endParaRPr lang="zh-CN" altLang="en-US"/>
-        </a:p>
-      </dgm:t>
     </dgm:pt>
     <dgm:pt modelId="{538F3372-CE0D-4542-85F9-3B6CD7763FB3}" type="pres">
       <dgm:prSet presAssocID="{2E56F678-C1CE-4892-BC9F-D88898E69FD5}" presName="root2" presStyleCnt="0"/>
@@ -3960,13 +3780,6 @@
         </dgm:presLayoutVars>
       </dgm:prSet>
       <dgm:spPr/>
-      <dgm:t>
-        <a:bodyPr/>
-        <a:lstStyle/>
-        <a:p>
-          <a:endParaRPr lang="zh-CN" altLang="en-US"/>
-        </a:p>
-      </dgm:t>
     </dgm:pt>
     <dgm:pt modelId="{9ECE1F91-50F5-4017-B313-AE0D00533061}" type="pres">
       <dgm:prSet presAssocID="{2E56F678-C1CE-4892-BC9F-D88898E69FD5}" presName="level3hierChild" presStyleCnt="0"/>
@@ -3975,24 +3788,10 @@
     <dgm:pt modelId="{52C33EA9-1F67-42E9-95A3-083353CEDF6A}" type="pres">
       <dgm:prSet presAssocID="{0A9FB55B-D1A7-4307-8A08-CC8062B73331}" presName="conn2-1" presStyleLbl="parChTrans1D4" presStyleIdx="2" presStyleCnt="7"/>
       <dgm:spPr/>
-      <dgm:t>
-        <a:bodyPr/>
-        <a:lstStyle/>
-        <a:p>
-          <a:endParaRPr lang="zh-CN" altLang="en-US"/>
-        </a:p>
-      </dgm:t>
     </dgm:pt>
     <dgm:pt modelId="{A8E92269-108D-40EB-979D-DA3CEFA1FF1C}" type="pres">
       <dgm:prSet presAssocID="{0A9FB55B-D1A7-4307-8A08-CC8062B73331}" presName="connTx" presStyleLbl="parChTrans1D4" presStyleIdx="2" presStyleCnt="7"/>
       <dgm:spPr/>
-      <dgm:t>
-        <a:bodyPr/>
-        <a:lstStyle/>
-        <a:p>
-          <a:endParaRPr lang="zh-CN" altLang="en-US"/>
-        </a:p>
-      </dgm:t>
     </dgm:pt>
     <dgm:pt modelId="{C8753729-E2B8-450F-9128-731EC0602952}" type="pres">
       <dgm:prSet presAssocID="{9F41907F-BB90-49A4-8E97-05E5E602AA08}" presName="root2" presStyleCnt="0"/>
@@ -4005,13 +3804,6 @@
         </dgm:presLayoutVars>
       </dgm:prSet>
       <dgm:spPr/>
-      <dgm:t>
-        <a:bodyPr/>
-        <a:lstStyle/>
-        <a:p>
-          <a:endParaRPr lang="zh-CN" altLang="en-US"/>
-        </a:p>
-      </dgm:t>
     </dgm:pt>
     <dgm:pt modelId="{F581CF7D-63D0-46D6-BD41-50B5A9048593}" type="pres">
       <dgm:prSet presAssocID="{9F41907F-BB90-49A4-8E97-05E5E602AA08}" presName="level3hierChild" presStyleCnt="0"/>
@@ -4020,24 +3812,10 @@
     <dgm:pt modelId="{E11CDAD6-EF43-4F94-BA41-40CBC44693B1}" type="pres">
       <dgm:prSet presAssocID="{7E301767-8ADB-4167-BA15-EC4ED536CDF3}" presName="conn2-1" presStyleLbl="parChTrans1D4" presStyleIdx="3" presStyleCnt="7"/>
       <dgm:spPr/>
-      <dgm:t>
-        <a:bodyPr/>
-        <a:lstStyle/>
-        <a:p>
-          <a:endParaRPr lang="zh-CN" altLang="en-US"/>
-        </a:p>
-      </dgm:t>
     </dgm:pt>
     <dgm:pt modelId="{068C6179-719E-4B47-9EBE-F32060C437F0}" type="pres">
       <dgm:prSet presAssocID="{7E301767-8ADB-4167-BA15-EC4ED536CDF3}" presName="connTx" presStyleLbl="parChTrans1D4" presStyleIdx="3" presStyleCnt="7"/>
       <dgm:spPr/>
-      <dgm:t>
-        <a:bodyPr/>
-        <a:lstStyle/>
-        <a:p>
-          <a:endParaRPr lang="zh-CN" altLang="en-US"/>
-        </a:p>
-      </dgm:t>
     </dgm:pt>
     <dgm:pt modelId="{74CBADCE-7DBB-49C9-AB2B-4F4E54499CFA}" type="pres">
       <dgm:prSet presAssocID="{05CD4DBB-775F-4F64-B7B3-2A8FB6878FB6}" presName="root2" presStyleCnt="0"/>
@@ -4050,13 +3828,6 @@
         </dgm:presLayoutVars>
       </dgm:prSet>
       <dgm:spPr/>
-      <dgm:t>
-        <a:bodyPr/>
-        <a:lstStyle/>
-        <a:p>
-          <a:endParaRPr lang="zh-CN" altLang="en-US"/>
-        </a:p>
-      </dgm:t>
     </dgm:pt>
     <dgm:pt modelId="{B0A9A8DF-F323-4D69-9E2D-187487BA5A16}" type="pres">
       <dgm:prSet presAssocID="{05CD4DBB-775F-4F64-B7B3-2A8FB6878FB6}" presName="level3hierChild" presStyleCnt="0"/>
@@ -4065,24 +3836,10 @@
     <dgm:pt modelId="{68A85DED-C01F-403C-9517-F2C92D2E1D99}" type="pres">
       <dgm:prSet presAssocID="{151543BC-AEBE-4068-BE93-39163CC15B0C}" presName="conn2-1" presStyleLbl="parChTrans1D4" presStyleIdx="4" presStyleCnt="7"/>
       <dgm:spPr/>
-      <dgm:t>
-        <a:bodyPr/>
-        <a:lstStyle/>
-        <a:p>
-          <a:endParaRPr lang="zh-CN" altLang="en-US"/>
-        </a:p>
-      </dgm:t>
     </dgm:pt>
     <dgm:pt modelId="{67A478BE-7EDA-4AC0-9240-BEECD2C1B112}" type="pres">
       <dgm:prSet presAssocID="{151543BC-AEBE-4068-BE93-39163CC15B0C}" presName="connTx" presStyleLbl="parChTrans1D4" presStyleIdx="4" presStyleCnt="7"/>
       <dgm:spPr/>
-      <dgm:t>
-        <a:bodyPr/>
-        <a:lstStyle/>
-        <a:p>
-          <a:endParaRPr lang="zh-CN" altLang="en-US"/>
-        </a:p>
-      </dgm:t>
     </dgm:pt>
     <dgm:pt modelId="{ECB87CAF-2DB1-4330-A83A-E171394034A5}" type="pres">
       <dgm:prSet presAssocID="{AB428304-461C-4EF2-8AB5-72E61F1D457B}" presName="root2" presStyleCnt="0"/>
@@ -4095,13 +3852,6 @@
         </dgm:presLayoutVars>
       </dgm:prSet>
       <dgm:spPr/>
-      <dgm:t>
-        <a:bodyPr/>
-        <a:lstStyle/>
-        <a:p>
-          <a:endParaRPr lang="zh-CN" altLang="en-US"/>
-        </a:p>
-      </dgm:t>
     </dgm:pt>
     <dgm:pt modelId="{21C1B8C2-43C8-48BF-9746-CB1D67DECABF}" type="pres">
       <dgm:prSet presAssocID="{AB428304-461C-4EF2-8AB5-72E61F1D457B}" presName="level3hierChild" presStyleCnt="0"/>
@@ -4110,24 +3860,10 @@
     <dgm:pt modelId="{AC917292-0880-4240-9CF8-AB0D0F2B0832}" type="pres">
       <dgm:prSet presAssocID="{11F84FE5-D2A8-4928-A291-B5915D3D9955}" presName="conn2-1" presStyleLbl="parChTrans1D3" presStyleIdx="2" presStyleCnt="3"/>
       <dgm:spPr/>
-      <dgm:t>
-        <a:bodyPr/>
-        <a:lstStyle/>
-        <a:p>
-          <a:endParaRPr lang="zh-CN" altLang="en-US"/>
-        </a:p>
-      </dgm:t>
     </dgm:pt>
     <dgm:pt modelId="{E4BF694D-E775-4639-8D69-EA549226CA94}" type="pres">
       <dgm:prSet presAssocID="{11F84FE5-D2A8-4928-A291-B5915D3D9955}" presName="connTx" presStyleLbl="parChTrans1D3" presStyleIdx="2" presStyleCnt="3"/>
       <dgm:spPr/>
-      <dgm:t>
-        <a:bodyPr/>
-        <a:lstStyle/>
-        <a:p>
-          <a:endParaRPr lang="zh-CN" altLang="en-US"/>
-        </a:p>
-      </dgm:t>
     </dgm:pt>
     <dgm:pt modelId="{37B81F9F-4D8B-4846-8416-F2DF3B678FAA}" type="pres">
       <dgm:prSet presAssocID="{0417665F-05DB-447F-B5CF-5767FCC0E66D}" presName="root2" presStyleCnt="0"/>
@@ -4140,13 +3876,6 @@
         </dgm:presLayoutVars>
       </dgm:prSet>
       <dgm:spPr/>
-      <dgm:t>
-        <a:bodyPr/>
-        <a:lstStyle/>
-        <a:p>
-          <a:endParaRPr lang="zh-CN" altLang="en-US"/>
-        </a:p>
-      </dgm:t>
     </dgm:pt>
     <dgm:pt modelId="{917D5023-7B29-411C-A5D9-8EC5EA9E9182}" type="pres">
       <dgm:prSet presAssocID="{0417665F-05DB-447F-B5CF-5767FCC0E66D}" presName="level3hierChild" presStyleCnt="0"/>
@@ -4155,24 +3884,10 @@
     <dgm:pt modelId="{4D5C558E-2E7D-4D1A-ABA2-D5D2DD86206F}" type="pres">
       <dgm:prSet presAssocID="{36061C26-038C-48A2-8176-FC82F637E77E}" presName="conn2-1" presStyleLbl="parChTrans1D4" presStyleIdx="5" presStyleCnt="7"/>
       <dgm:spPr/>
-      <dgm:t>
-        <a:bodyPr/>
-        <a:lstStyle/>
-        <a:p>
-          <a:endParaRPr lang="zh-CN" altLang="en-US"/>
-        </a:p>
-      </dgm:t>
     </dgm:pt>
     <dgm:pt modelId="{EC993B32-D076-4951-AEE7-4200E341C468}" type="pres">
       <dgm:prSet presAssocID="{36061C26-038C-48A2-8176-FC82F637E77E}" presName="connTx" presStyleLbl="parChTrans1D4" presStyleIdx="5" presStyleCnt="7"/>
       <dgm:spPr/>
-      <dgm:t>
-        <a:bodyPr/>
-        <a:lstStyle/>
-        <a:p>
-          <a:endParaRPr lang="zh-CN" altLang="en-US"/>
-        </a:p>
-      </dgm:t>
     </dgm:pt>
     <dgm:pt modelId="{2E1CE949-7538-4875-A596-272E93252598}" type="pres">
       <dgm:prSet presAssocID="{20A65034-31C8-4FB9-B35A-01908CBDDB35}" presName="root2" presStyleCnt="0"/>
@@ -4185,13 +3900,6 @@
         </dgm:presLayoutVars>
       </dgm:prSet>
       <dgm:spPr/>
-      <dgm:t>
-        <a:bodyPr/>
-        <a:lstStyle/>
-        <a:p>
-          <a:endParaRPr lang="zh-CN" altLang="en-US"/>
-        </a:p>
-      </dgm:t>
     </dgm:pt>
     <dgm:pt modelId="{36379834-7B61-43DE-BE71-A16800DF47B8}" type="pres">
       <dgm:prSet presAssocID="{20A65034-31C8-4FB9-B35A-01908CBDDB35}" presName="level3hierChild" presStyleCnt="0"/>
@@ -4200,24 +3908,10 @@
     <dgm:pt modelId="{AF3A758F-4CD4-4A21-B44A-EE5D60432290}" type="pres">
       <dgm:prSet presAssocID="{06E1B8E6-917A-4BFE-B4CD-67A90C88741F}" presName="conn2-1" presStyleLbl="parChTrans1D4" presStyleIdx="6" presStyleCnt="7"/>
       <dgm:spPr/>
-      <dgm:t>
-        <a:bodyPr/>
-        <a:lstStyle/>
-        <a:p>
-          <a:endParaRPr lang="zh-CN" altLang="en-US"/>
-        </a:p>
-      </dgm:t>
     </dgm:pt>
     <dgm:pt modelId="{938E7890-3687-42DC-855E-CB4ABC65476D}" type="pres">
       <dgm:prSet presAssocID="{06E1B8E6-917A-4BFE-B4CD-67A90C88741F}" presName="connTx" presStyleLbl="parChTrans1D4" presStyleIdx="6" presStyleCnt="7"/>
       <dgm:spPr/>
-      <dgm:t>
-        <a:bodyPr/>
-        <a:lstStyle/>
-        <a:p>
-          <a:endParaRPr lang="zh-CN" altLang="en-US"/>
-        </a:p>
-      </dgm:t>
     </dgm:pt>
     <dgm:pt modelId="{4B7B71BA-84E6-4924-AA79-3886DCAFA119}" type="pres">
       <dgm:prSet presAssocID="{F77BAF7A-175C-4003-A6AA-24E76EF32702}" presName="root2" presStyleCnt="0"/>
@@ -4230,13 +3924,6 @@
         </dgm:presLayoutVars>
       </dgm:prSet>
       <dgm:spPr/>
-      <dgm:t>
-        <a:bodyPr/>
-        <a:lstStyle/>
-        <a:p>
-          <a:endParaRPr lang="zh-CN" altLang="en-US"/>
-        </a:p>
-      </dgm:t>
     </dgm:pt>
     <dgm:pt modelId="{18D337E8-52AE-4734-9779-0B4151CCD775}" type="pres">
       <dgm:prSet presAssocID="{F77BAF7A-175C-4003-A6AA-24E76EF32702}" presName="level3hierChild" presStyleCnt="0"/>
@@ -4244,57 +3931,57 @@
     </dgm:pt>
   </dgm:ptLst>
   <dgm:cxnLst>
+    <dgm:cxn modelId="{E49B5004-6E21-4811-9C1F-6002F0B93B1C}" type="presOf" srcId="{7E301767-8ADB-4167-BA15-EC4ED536CDF3}" destId="{E11CDAD6-EF43-4F94-BA41-40CBC44693B1}" srcOrd="0" destOrd="0" presId="urn:microsoft.com/office/officeart/2005/8/layout/hierarchy2"/>
+    <dgm:cxn modelId="{D874D105-8E31-46CE-ABE4-3795E22DCD84}" type="presOf" srcId="{B94A8C1F-8663-48DC-AFE0-ED9153CDDB04}" destId="{8532DA87-15CF-41DC-A6ED-D536B73B26D5}" srcOrd="1" destOrd="0" presId="urn:microsoft.com/office/officeart/2005/8/layout/hierarchy2"/>
+    <dgm:cxn modelId="{6B5EC607-BA16-4CDF-BDDC-B61BD01B912F}" type="presOf" srcId="{F77BAF7A-175C-4003-A6AA-24E76EF32702}" destId="{EAD3BB15-FD98-48A1-AE91-B49E6520FB73}" srcOrd="0" destOrd="0" presId="urn:microsoft.com/office/officeart/2005/8/layout/hierarchy2"/>
+    <dgm:cxn modelId="{442DED0C-569A-4E1E-8F81-7CF88C6CE1F9}" type="presOf" srcId="{AB428304-461C-4EF2-8AB5-72E61F1D457B}" destId="{E5B3CEF5-212B-4333-BDA5-5231AF422114}" srcOrd="0" destOrd="0" presId="urn:microsoft.com/office/officeart/2005/8/layout/hierarchy2"/>
+    <dgm:cxn modelId="{B891380F-DEBE-485B-8244-C62FE7DF23BE}" type="presOf" srcId="{7AA7E7C8-28F5-4795-AD69-71F96663B848}" destId="{DB6F332D-DB1E-42F9-B0F5-86DE58B9A006}" srcOrd="1" destOrd="0" presId="urn:microsoft.com/office/officeart/2005/8/layout/hierarchy2"/>
+    <dgm:cxn modelId="{BBE05118-6A51-4EE2-ADC1-45AABD8CC483}" srcId="{0520DB01-5CDA-4B89-ABBB-14C2DA83042A}" destId="{2E56F678-C1CE-4892-BC9F-D88898E69FD5}" srcOrd="0" destOrd="0" parTransId="{D66DAC0E-D6F2-470E-A02F-6C7E94390031}" sibTransId="{F74E17AE-50A3-4D9E-B990-4B9831EAECD6}"/>
+    <dgm:cxn modelId="{E7B9AF1B-80F3-4E70-B8E8-51CC335CDF38}" type="presOf" srcId="{06E1B8E6-917A-4BFE-B4CD-67A90C88741F}" destId="{AF3A758F-4CD4-4A21-B44A-EE5D60432290}" srcOrd="0" destOrd="0" presId="urn:microsoft.com/office/officeart/2005/8/layout/hierarchy2"/>
+    <dgm:cxn modelId="{C6838324-6AB8-4BE3-8AF2-1A2AA95B126A}" type="presOf" srcId="{FF3DB6AF-A4DE-4E13-AE14-D96D5C0A1A8B}" destId="{69ABC5AB-FD09-427D-B12C-5C8B1CBD2726}" srcOrd="0" destOrd="0" presId="urn:microsoft.com/office/officeart/2005/8/layout/hierarchy2"/>
+    <dgm:cxn modelId="{62A27227-BCC3-4930-A1FE-25552AF40EF4}" type="presOf" srcId="{70EB503F-3A9B-46F0-8303-EF97445EEC83}" destId="{5B8380FE-0DCB-4F6C-B2BC-0BBB10FD4D3D}" srcOrd="0" destOrd="0" presId="urn:microsoft.com/office/officeart/2005/8/layout/hierarchy2"/>
+    <dgm:cxn modelId="{89C2492B-4899-4876-8F13-F2FD8936FB46}" srcId="{FA135B7F-2613-4B80-BDFC-5E6ED5D1C14D}" destId="{0417665F-05DB-447F-B5CF-5767FCC0E66D}" srcOrd="1" destOrd="0" parTransId="{11F84FE5-D2A8-4928-A291-B5915D3D9955}" sibTransId="{BF6BB68F-2C69-49CC-A414-9F5F03650CF8}"/>
+    <dgm:cxn modelId="{4951DE2F-7B5C-47D3-97D4-87C840D88F5D}" type="presOf" srcId="{7AA7E7C8-28F5-4795-AD69-71F96663B848}" destId="{E8CC1104-E240-42BE-900E-835E00B649B3}" srcOrd="0" destOrd="0" presId="urn:microsoft.com/office/officeart/2005/8/layout/hierarchy2"/>
+    <dgm:cxn modelId="{0071CB30-8F8B-4323-94C3-31468A5CCB34}" type="presOf" srcId="{CB36CA1F-DC00-49FC-9F39-3899387403F7}" destId="{66091779-FD2E-4FDC-86F2-2AC227D5816C}" srcOrd="0" destOrd="0" presId="urn:microsoft.com/office/officeart/2005/8/layout/hierarchy2"/>
+    <dgm:cxn modelId="{9DEBA337-6500-45B2-A1BB-7BE2240A9182}" type="presOf" srcId="{0520DB01-5CDA-4B89-ABBB-14C2DA83042A}" destId="{B8B76B01-ABE5-4B2A-967E-5B81E7EB1BEB}" srcOrd="0" destOrd="0" presId="urn:microsoft.com/office/officeart/2005/8/layout/hierarchy2"/>
+    <dgm:cxn modelId="{69265C3C-0E1C-4EDF-B6C6-E5587E1DA0BE}" type="presOf" srcId="{36061C26-038C-48A2-8176-FC82F637E77E}" destId="{EC993B32-D076-4951-AEE7-4200E341C468}" srcOrd="1" destOrd="0" presId="urn:microsoft.com/office/officeart/2005/8/layout/hierarchy2"/>
+    <dgm:cxn modelId="{6EE5873E-84C1-4CBA-9377-9B5716D1C74C}" type="presOf" srcId="{0A9FB55B-D1A7-4307-8A08-CC8062B73331}" destId="{52C33EA9-1F67-42E9-95A3-083353CEDF6A}" srcOrd="0" destOrd="0" presId="urn:microsoft.com/office/officeart/2005/8/layout/hierarchy2"/>
+    <dgm:cxn modelId="{0824DD5B-4720-4B73-8247-DA516509E796}" type="presOf" srcId="{777E2D03-330E-43C8-A439-09671C3F191F}" destId="{D409D1B5-8445-4A64-8086-7FE53A8B3E24}" srcOrd="1" destOrd="0" presId="urn:microsoft.com/office/officeart/2005/8/layout/hierarchy2"/>
+    <dgm:cxn modelId="{3C98985D-827E-4418-813D-FC835F920BE3}" type="presOf" srcId="{11F84FE5-D2A8-4928-A291-B5915D3D9955}" destId="{E4BF694D-E775-4639-8D69-EA549226CA94}" srcOrd="1" destOrd="0" presId="urn:microsoft.com/office/officeart/2005/8/layout/hierarchy2"/>
+    <dgm:cxn modelId="{ECF7D460-D68D-4656-BD12-BCC421A71B10}" srcId="{F8A913BF-FF20-4BE3-AB5E-0F7AA51F32B6}" destId="{CB36CA1F-DC00-49FC-9F39-3899387403F7}" srcOrd="0" destOrd="0" parTransId="{777E2D03-330E-43C8-A439-09671C3F191F}" sibTransId="{55354CDE-24BF-4D27-8286-AC0B44E5E01F}"/>
+    <dgm:cxn modelId="{3DD80F62-62FF-4793-8A1C-C01B9DBCAAD9}" srcId="{2E56F678-C1CE-4892-BC9F-D88898E69FD5}" destId="{9F41907F-BB90-49A4-8E97-05E5E602AA08}" srcOrd="0" destOrd="0" parTransId="{0A9FB55B-D1A7-4307-8A08-CC8062B73331}" sibTransId="{CA45A301-B28A-4F99-A0E1-05C0281E7D20}"/>
+    <dgm:cxn modelId="{EED8D562-C4D2-45BB-817E-227067307736}" srcId="{F2DD335F-F4ED-427B-9143-27BE63843845}" destId="{F8A913BF-FF20-4BE3-AB5E-0F7AA51F32B6}" srcOrd="0" destOrd="0" parTransId="{B94A8C1F-8663-48DC-AFE0-ED9153CDDB04}" sibTransId="{60D3BD74-18BE-4E7C-B4DB-328BDD094F37}"/>
+    <dgm:cxn modelId="{329FA446-1FDD-4A0E-9441-6914A3904DB3}" type="presOf" srcId="{151543BC-AEBE-4068-BE93-39163CC15B0C}" destId="{67A478BE-7EDA-4AC0-9240-BEECD2C1B112}" srcOrd="1" destOrd="0" presId="urn:microsoft.com/office/officeart/2005/8/layout/hierarchy2"/>
+    <dgm:cxn modelId="{D47E3F49-94AB-465C-AACE-F945EB1F9BA4}" type="presOf" srcId="{FF3DB6AF-A4DE-4E13-AE14-D96D5C0A1A8B}" destId="{5156EE79-8EF5-461E-AB61-DF6007AD0779}" srcOrd="1" destOrd="0" presId="urn:microsoft.com/office/officeart/2005/8/layout/hierarchy2"/>
+    <dgm:cxn modelId="{0082456A-71B1-4BF0-8C7C-3119CEEC6AAE}" type="presOf" srcId="{F8A913BF-FF20-4BE3-AB5E-0F7AA51F32B6}" destId="{037CC688-649A-434F-9080-67500DD1A79D}" srcOrd="0" destOrd="0" presId="urn:microsoft.com/office/officeart/2005/8/layout/hierarchy2"/>
+    <dgm:cxn modelId="{E76AA94C-DDC6-46E9-9B32-37C5F5299BC9}" srcId="{20A65034-31C8-4FB9-B35A-01908CBDDB35}" destId="{F77BAF7A-175C-4003-A6AA-24E76EF32702}" srcOrd="0" destOrd="0" parTransId="{06E1B8E6-917A-4BFE-B4CD-67A90C88741F}" sibTransId="{5418DC28-54AB-4167-B8C4-10240D4FCB1D}"/>
+    <dgm:cxn modelId="{070B5E4F-8062-42BA-BBB0-464E50DCDB9D}" type="presOf" srcId="{20A65034-31C8-4FB9-B35A-01908CBDDB35}" destId="{7CFDB172-E668-43FE-B146-64584C675B7A}" srcOrd="0" destOrd="0" presId="urn:microsoft.com/office/officeart/2005/8/layout/hierarchy2"/>
+    <dgm:cxn modelId="{913EA752-AAC5-4DC3-8396-33E249EBEBA0}" type="presOf" srcId="{36061C26-038C-48A2-8176-FC82F637E77E}" destId="{4D5C558E-2E7D-4D1A-ABA2-D5D2DD86206F}" srcOrd="0" destOrd="0" presId="urn:microsoft.com/office/officeart/2005/8/layout/hierarchy2"/>
+    <dgm:cxn modelId="{36FDD673-AD85-4573-BB5A-6232ED1BE70C}" type="presOf" srcId="{7E301767-8ADB-4167-BA15-EC4ED536CDF3}" destId="{068C6179-719E-4B47-9EBE-F32060C437F0}" srcOrd="1" destOrd="0" presId="urn:microsoft.com/office/officeart/2005/8/layout/hierarchy2"/>
+    <dgm:cxn modelId="{A30AB156-21A4-4740-ABBE-DD7998798B1F}" type="presOf" srcId="{FA135B7F-2613-4B80-BDFC-5E6ED5D1C14D}" destId="{78FFD0A5-EFF7-4D75-9190-24A2A39A0A14}" srcOrd="0" destOrd="0" presId="urn:microsoft.com/office/officeart/2005/8/layout/hierarchy2"/>
+    <dgm:cxn modelId="{005F5477-816A-4C77-91D3-EE85041AFD2F}" type="presOf" srcId="{151543BC-AEBE-4068-BE93-39163CC15B0C}" destId="{68A85DED-C01F-403C-9517-F2C92D2E1D99}" srcOrd="0" destOrd="0" presId="urn:microsoft.com/office/officeart/2005/8/layout/hierarchy2"/>
+    <dgm:cxn modelId="{C0486979-4AA4-4DD0-BE83-89FBB6E59BAD}" srcId="{0417665F-05DB-447F-B5CF-5767FCC0E66D}" destId="{20A65034-31C8-4FB9-B35A-01908CBDDB35}" srcOrd="0" destOrd="0" parTransId="{36061C26-038C-48A2-8176-FC82F637E77E}" sibTransId="{82371B03-B973-4BE5-8950-B7F0D1CAA83F}"/>
+    <dgm:cxn modelId="{D34CAC80-206F-497F-970B-A39B06FADD2C}" type="presOf" srcId="{B1AE1026-D2A0-47C2-8B3D-C6B0156D358B}" destId="{6CDEF2D0-E275-4921-BA3B-84ABC851091F}" srcOrd="0" destOrd="0" presId="urn:microsoft.com/office/officeart/2005/8/layout/hierarchy2"/>
+    <dgm:cxn modelId="{00AB788A-792D-4147-8436-4B06D89FCD1B}" type="presOf" srcId="{0417665F-05DB-447F-B5CF-5767FCC0E66D}" destId="{3D4DFC46-14FD-44CF-889B-312D881097D2}" srcOrd="0" destOrd="0" presId="urn:microsoft.com/office/officeart/2005/8/layout/hierarchy2"/>
+    <dgm:cxn modelId="{AED34FA7-357A-4736-AAFC-70A1B66A8925}" type="presOf" srcId="{06E1B8E6-917A-4BFE-B4CD-67A90C88741F}" destId="{938E7890-3687-42DC-855E-CB4ABC65476D}" srcOrd="1" destOrd="0" presId="urn:microsoft.com/office/officeart/2005/8/layout/hierarchy2"/>
+    <dgm:cxn modelId="{29F6EEB2-A122-4A98-AFBD-83511EBF5CD3}" type="presOf" srcId="{2E56F678-C1CE-4892-BC9F-D88898E69FD5}" destId="{484FF441-C91D-4E7A-BC24-9D042BC822F3}" srcOrd="0" destOrd="0" presId="urn:microsoft.com/office/officeart/2005/8/layout/hierarchy2"/>
+    <dgm:cxn modelId="{E18B8FB4-B860-4E74-A870-F6554E301CD2}" type="presOf" srcId="{9C6E211D-B358-45C5-95D3-C96B3D66FDB2}" destId="{42EAD14C-C4CD-43F4-BBC5-79864427DD73}" srcOrd="0" destOrd="0" presId="urn:microsoft.com/office/officeart/2005/8/layout/hierarchy2"/>
+    <dgm:cxn modelId="{F6280BC0-E4AE-4BFC-938A-510262354F90}" type="presOf" srcId="{0A9FB55B-D1A7-4307-8A08-CC8062B73331}" destId="{A8E92269-108D-40EB-979D-DA3CEFA1FF1C}" srcOrd="1" destOrd="0" presId="urn:microsoft.com/office/officeart/2005/8/layout/hierarchy2"/>
+    <dgm:cxn modelId="{D19D93C6-86D4-443D-9CA0-6490B1D18616}" type="presOf" srcId="{F2DD335F-F4ED-427B-9143-27BE63843845}" destId="{398C20A5-A9D8-4D3E-B587-799A3BB16507}" srcOrd="0" destOrd="0" presId="urn:microsoft.com/office/officeart/2005/8/layout/hierarchy2"/>
+    <dgm:cxn modelId="{C0C9B3D1-A740-4616-A98F-5A4A0EC01948}" srcId="{2E56F678-C1CE-4892-BC9F-D88898E69FD5}" destId="{AB428304-461C-4EF2-8AB5-72E61F1D457B}" srcOrd="2" destOrd="0" parTransId="{151543BC-AEBE-4068-BE93-39163CC15B0C}" sibTransId="{3A0F74E7-D9A7-4A57-8BC0-85238CF5478F}"/>
+    <dgm:cxn modelId="{C14EDBD1-A735-4FED-AE92-495AC30A48E4}" type="presOf" srcId="{9F41907F-BB90-49A4-8E97-05E5E602AA08}" destId="{2456E607-9E9A-461B-9DA8-D9F7AFDF1055}" srcOrd="0" destOrd="0" presId="urn:microsoft.com/office/officeart/2005/8/layout/hierarchy2"/>
+    <dgm:cxn modelId="{4839C0D2-6618-439C-B7B2-186067D6EEB7}" srcId="{B1AE1026-D2A0-47C2-8B3D-C6B0156D358B}" destId="{F2DD335F-F4ED-427B-9143-27BE63843845}" srcOrd="0" destOrd="0" parTransId="{8889FCFF-0902-4D6E-9951-6CD429DB888B}" sibTransId="{447E591A-B8DE-4930-BE32-F339B98FD4F3}"/>
+    <dgm:cxn modelId="{6BBD61D8-73FE-4E58-93BF-FDFEF4B836AD}" type="presOf" srcId="{B94A8C1F-8663-48DC-AFE0-ED9153CDDB04}" destId="{E701DB57-D095-4995-BA9F-3DC318F851BB}" srcOrd="0" destOrd="0" presId="urn:microsoft.com/office/officeart/2005/8/layout/hierarchy2"/>
+    <dgm:cxn modelId="{2C152BD9-AB8F-4DA3-970C-6B9B48702F8B}" type="presOf" srcId="{777E2D03-330E-43C8-A439-09671C3F191F}" destId="{33B9F075-4423-4B3D-A2BD-A73956F1955D}" srcOrd="0" destOrd="0" presId="urn:microsoft.com/office/officeart/2005/8/layout/hierarchy2"/>
+    <dgm:cxn modelId="{92A0EDDC-2ADD-4592-9705-18201C0D7A77}" srcId="{2E56F678-C1CE-4892-BC9F-D88898E69FD5}" destId="{05CD4DBB-775F-4F64-B7B3-2A8FB6878FB6}" srcOrd="1" destOrd="0" parTransId="{7E301767-8ADB-4167-BA15-EC4ED536CDF3}" sibTransId="{BA73F853-FE33-4BBC-8D45-84658BD94781}"/>
+    <dgm:cxn modelId="{9C1AEADF-F50B-4331-9D25-19AEDF04AC92}" type="presOf" srcId="{9C6E211D-B358-45C5-95D3-C96B3D66FDB2}" destId="{2D5F6FEF-BACB-4FE7-B689-8A9CFA42D76E}" srcOrd="1" destOrd="0" presId="urn:microsoft.com/office/officeart/2005/8/layout/hierarchy2"/>
+    <dgm:cxn modelId="{76E6D0E2-CAA0-47F4-8F29-FEC4AD627595}" srcId="{CB36CA1F-DC00-49FC-9F39-3899387403F7}" destId="{70EB503F-3A9B-46F0-8303-EF97445EEC83}" srcOrd="0" destOrd="0" parTransId="{FF3DB6AF-A4DE-4E13-AE14-D96D5C0A1A8B}" sibTransId="{C09D8828-D1EC-4445-AC28-913742F85FBF}"/>
+    <dgm:cxn modelId="{5CE56FE7-CD00-4654-A079-0F55D64818D8}" type="presOf" srcId="{05CD4DBB-775F-4F64-B7B3-2A8FB6878FB6}" destId="{FE57452C-E001-4B6F-B3D9-B5C2BCE6A1ED}" srcOrd="0" destOrd="0" presId="urn:microsoft.com/office/officeart/2005/8/layout/hierarchy2"/>
     <dgm:cxn modelId="{9168C7F0-18A0-4503-B77D-2800B629C312}" type="presOf" srcId="{11F84FE5-D2A8-4928-A291-B5915D3D9955}" destId="{AC917292-0880-4240-9CF8-AB0D0F2B0832}" srcOrd="0" destOrd="0" presId="urn:microsoft.com/office/officeart/2005/8/layout/hierarchy2"/>
-    <dgm:cxn modelId="{36FDD673-AD85-4573-BB5A-6232ED1BE70C}" type="presOf" srcId="{7E301767-8ADB-4167-BA15-EC4ED536CDF3}" destId="{068C6179-719E-4B47-9EBE-F32060C437F0}" srcOrd="1" destOrd="0" presId="urn:microsoft.com/office/officeart/2005/8/layout/hierarchy2"/>
+    <dgm:cxn modelId="{B6D60DF1-8A9D-43A8-9226-172F5D18A382}" type="presOf" srcId="{D66DAC0E-D6F2-470E-A02F-6C7E94390031}" destId="{5F5B8F60-B6E3-4D33-8006-A534B5219659}" srcOrd="0" destOrd="0" presId="urn:microsoft.com/office/officeart/2005/8/layout/hierarchy2"/>
+    <dgm:cxn modelId="{798E3BF1-89A4-4EAC-BF19-C5E5A968BEE3}" srcId="{FA135B7F-2613-4B80-BDFC-5E6ED5D1C14D}" destId="{0520DB01-5CDA-4B89-ABBB-14C2DA83042A}" srcOrd="0" destOrd="0" parTransId="{7AA7E7C8-28F5-4795-AD69-71F96663B848}" sibTransId="{9965978E-C79C-411E-9C9B-DD5223ACF6B8}"/>
+    <dgm:cxn modelId="{A3FC66FD-7842-41C6-B8BF-E836BD8387BD}" type="presOf" srcId="{D66DAC0E-D6F2-470E-A02F-6C7E94390031}" destId="{974EA6F0-7E42-4CD5-BFEE-3A3BF1F9DA7E}" srcOrd="1" destOrd="0" presId="urn:microsoft.com/office/officeart/2005/8/layout/hierarchy2"/>
     <dgm:cxn modelId="{86FEB9FD-0E4A-4361-838D-55E96663BF06}" srcId="{F2DD335F-F4ED-427B-9143-27BE63843845}" destId="{FA135B7F-2613-4B80-BDFC-5E6ED5D1C14D}" srcOrd="1" destOrd="0" parTransId="{9C6E211D-B358-45C5-95D3-C96B3D66FDB2}" sibTransId="{14C1B338-1697-457F-B7F9-3F005F6B8871}"/>
-    <dgm:cxn modelId="{442DED0C-569A-4E1E-8F81-7CF88C6CE1F9}" type="presOf" srcId="{AB428304-461C-4EF2-8AB5-72E61F1D457B}" destId="{E5B3CEF5-212B-4333-BDA5-5231AF422114}" srcOrd="0" destOrd="0" presId="urn:microsoft.com/office/officeart/2005/8/layout/hierarchy2"/>
-    <dgm:cxn modelId="{C14EDBD1-A735-4FED-AE92-495AC30A48E4}" type="presOf" srcId="{9F41907F-BB90-49A4-8E97-05E5E602AA08}" destId="{2456E607-9E9A-461B-9DA8-D9F7AFDF1055}" srcOrd="0" destOrd="0" presId="urn:microsoft.com/office/officeart/2005/8/layout/hierarchy2"/>
-    <dgm:cxn modelId="{913EA752-AAC5-4DC3-8396-33E249EBEBA0}" type="presOf" srcId="{36061C26-038C-48A2-8176-FC82F637E77E}" destId="{4D5C558E-2E7D-4D1A-ABA2-D5D2DD86206F}" srcOrd="0" destOrd="0" presId="urn:microsoft.com/office/officeart/2005/8/layout/hierarchy2"/>
-    <dgm:cxn modelId="{329FA446-1FDD-4A0E-9441-6914A3904DB3}" type="presOf" srcId="{151543BC-AEBE-4068-BE93-39163CC15B0C}" destId="{67A478BE-7EDA-4AC0-9240-BEECD2C1B112}" srcOrd="1" destOrd="0" presId="urn:microsoft.com/office/officeart/2005/8/layout/hierarchy2"/>
-    <dgm:cxn modelId="{89C2492B-4899-4876-8F13-F2FD8936FB46}" srcId="{FA135B7F-2613-4B80-BDFC-5E6ED5D1C14D}" destId="{0417665F-05DB-447F-B5CF-5767FCC0E66D}" srcOrd="1" destOrd="0" parTransId="{11F84FE5-D2A8-4928-A291-B5915D3D9955}" sibTransId="{BF6BB68F-2C69-49CC-A414-9F5F03650CF8}"/>
-    <dgm:cxn modelId="{9DEBA337-6500-45B2-A1BB-7BE2240A9182}" type="presOf" srcId="{0520DB01-5CDA-4B89-ABBB-14C2DA83042A}" destId="{B8B76B01-ABE5-4B2A-967E-5B81E7EB1BEB}" srcOrd="0" destOrd="0" presId="urn:microsoft.com/office/officeart/2005/8/layout/hierarchy2"/>
-    <dgm:cxn modelId="{6BBD61D8-73FE-4E58-93BF-FDFEF4B836AD}" type="presOf" srcId="{B94A8C1F-8663-48DC-AFE0-ED9153CDDB04}" destId="{E701DB57-D095-4995-BA9F-3DC318F851BB}" srcOrd="0" destOrd="0" presId="urn:microsoft.com/office/officeart/2005/8/layout/hierarchy2"/>
-    <dgm:cxn modelId="{D19D93C6-86D4-443D-9CA0-6490B1D18616}" type="presOf" srcId="{F2DD335F-F4ED-427B-9143-27BE63843845}" destId="{398C20A5-A9D8-4D3E-B587-799A3BB16507}" srcOrd="0" destOrd="0" presId="urn:microsoft.com/office/officeart/2005/8/layout/hierarchy2"/>
-    <dgm:cxn modelId="{4951DE2F-7B5C-47D3-97D4-87C840D88F5D}" type="presOf" srcId="{7AA7E7C8-28F5-4795-AD69-71F96663B848}" destId="{E8CC1104-E240-42BE-900E-835E00B649B3}" srcOrd="0" destOrd="0" presId="urn:microsoft.com/office/officeart/2005/8/layout/hierarchy2"/>
-    <dgm:cxn modelId="{76E6D0E2-CAA0-47F4-8F29-FEC4AD627595}" srcId="{CB36CA1F-DC00-49FC-9F39-3899387403F7}" destId="{70EB503F-3A9B-46F0-8303-EF97445EEC83}" srcOrd="0" destOrd="0" parTransId="{FF3DB6AF-A4DE-4E13-AE14-D96D5C0A1A8B}" sibTransId="{C09D8828-D1EC-4445-AC28-913742F85FBF}"/>
-    <dgm:cxn modelId="{6EE5873E-84C1-4CBA-9377-9B5716D1C74C}" type="presOf" srcId="{0A9FB55B-D1A7-4307-8A08-CC8062B73331}" destId="{52C33EA9-1F67-42E9-95A3-083353CEDF6A}" srcOrd="0" destOrd="0" presId="urn:microsoft.com/office/officeart/2005/8/layout/hierarchy2"/>
-    <dgm:cxn modelId="{D874D105-8E31-46CE-ABE4-3795E22DCD84}" type="presOf" srcId="{B94A8C1F-8663-48DC-AFE0-ED9153CDDB04}" destId="{8532DA87-15CF-41DC-A6ED-D536B73B26D5}" srcOrd="1" destOrd="0" presId="urn:microsoft.com/office/officeart/2005/8/layout/hierarchy2"/>
-    <dgm:cxn modelId="{E18B8FB4-B860-4E74-A870-F6554E301CD2}" type="presOf" srcId="{9C6E211D-B358-45C5-95D3-C96B3D66FDB2}" destId="{42EAD14C-C4CD-43F4-BBC5-79864427DD73}" srcOrd="0" destOrd="0" presId="urn:microsoft.com/office/officeart/2005/8/layout/hierarchy2"/>
-    <dgm:cxn modelId="{0082456A-71B1-4BF0-8C7C-3119CEEC6AAE}" type="presOf" srcId="{F8A913BF-FF20-4BE3-AB5E-0F7AA51F32B6}" destId="{037CC688-649A-434F-9080-67500DD1A79D}" srcOrd="0" destOrd="0" presId="urn:microsoft.com/office/officeart/2005/8/layout/hierarchy2"/>
-    <dgm:cxn modelId="{92A0EDDC-2ADD-4592-9705-18201C0D7A77}" srcId="{2E56F678-C1CE-4892-BC9F-D88898E69FD5}" destId="{05CD4DBB-775F-4F64-B7B3-2A8FB6878FB6}" srcOrd="1" destOrd="0" parTransId="{7E301767-8ADB-4167-BA15-EC4ED536CDF3}" sibTransId="{BA73F853-FE33-4BBC-8D45-84658BD94781}"/>
-    <dgm:cxn modelId="{C6838324-6AB8-4BE3-8AF2-1A2AA95B126A}" type="presOf" srcId="{FF3DB6AF-A4DE-4E13-AE14-D96D5C0A1A8B}" destId="{69ABC5AB-FD09-427D-B12C-5C8B1CBD2726}" srcOrd="0" destOrd="0" presId="urn:microsoft.com/office/officeart/2005/8/layout/hierarchy2"/>
-    <dgm:cxn modelId="{005F5477-816A-4C77-91D3-EE85041AFD2F}" type="presOf" srcId="{151543BC-AEBE-4068-BE93-39163CC15B0C}" destId="{68A85DED-C01F-403C-9517-F2C92D2E1D99}" srcOrd="0" destOrd="0" presId="urn:microsoft.com/office/officeart/2005/8/layout/hierarchy2"/>
-    <dgm:cxn modelId="{A30AB156-21A4-4740-ABBE-DD7998798B1F}" type="presOf" srcId="{FA135B7F-2613-4B80-BDFC-5E6ED5D1C14D}" destId="{78FFD0A5-EFF7-4D75-9190-24A2A39A0A14}" srcOrd="0" destOrd="0" presId="urn:microsoft.com/office/officeart/2005/8/layout/hierarchy2"/>
-    <dgm:cxn modelId="{9C1AEADF-F50B-4331-9D25-19AEDF04AC92}" type="presOf" srcId="{9C6E211D-B358-45C5-95D3-C96B3D66FDB2}" destId="{2D5F6FEF-BACB-4FE7-B689-8A9CFA42D76E}" srcOrd="1" destOrd="0" presId="urn:microsoft.com/office/officeart/2005/8/layout/hierarchy2"/>
-    <dgm:cxn modelId="{BBE05118-6A51-4EE2-ADC1-45AABD8CC483}" srcId="{0520DB01-5CDA-4B89-ABBB-14C2DA83042A}" destId="{2E56F678-C1CE-4892-BC9F-D88898E69FD5}" srcOrd="0" destOrd="0" parTransId="{D66DAC0E-D6F2-470E-A02F-6C7E94390031}" sibTransId="{F74E17AE-50A3-4D9E-B990-4B9831EAECD6}"/>
-    <dgm:cxn modelId="{ECF7D460-D68D-4656-BD12-BCC421A71B10}" srcId="{F8A913BF-FF20-4BE3-AB5E-0F7AA51F32B6}" destId="{CB36CA1F-DC00-49FC-9F39-3899387403F7}" srcOrd="0" destOrd="0" parTransId="{777E2D03-330E-43C8-A439-09671C3F191F}" sibTransId="{55354CDE-24BF-4D27-8286-AC0B44E5E01F}"/>
-    <dgm:cxn modelId="{C0C9B3D1-A740-4616-A98F-5A4A0EC01948}" srcId="{2E56F678-C1CE-4892-BC9F-D88898E69FD5}" destId="{AB428304-461C-4EF2-8AB5-72E61F1D457B}" srcOrd="2" destOrd="0" parTransId="{151543BC-AEBE-4068-BE93-39163CC15B0C}" sibTransId="{3A0F74E7-D9A7-4A57-8BC0-85238CF5478F}"/>
-    <dgm:cxn modelId="{F6280BC0-E4AE-4BFC-938A-510262354F90}" type="presOf" srcId="{0A9FB55B-D1A7-4307-8A08-CC8062B73331}" destId="{A8E92269-108D-40EB-979D-DA3CEFA1FF1C}" srcOrd="1" destOrd="0" presId="urn:microsoft.com/office/officeart/2005/8/layout/hierarchy2"/>
-    <dgm:cxn modelId="{E7B9AF1B-80F3-4E70-B8E8-51CC335CDF38}" type="presOf" srcId="{06E1B8E6-917A-4BFE-B4CD-67A90C88741F}" destId="{AF3A758F-4CD4-4A21-B44A-EE5D60432290}" srcOrd="0" destOrd="0" presId="urn:microsoft.com/office/officeart/2005/8/layout/hierarchy2"/>
-    <dgm:cxn modelId="{B6D60DF1-8A9D-43A8-9226-172F5D18A382}" type="presOf" srcId="{D66DAC0E-D6F2-470E-A02F-6C7E94390031}" destId="{5F5B8F60-B6E3-4D33-8006-A534B5219659}" srcOrd="0" destOrd="0" presId="urn:microsoft.com/office/officeart/2005/8/layout/hierarchy2"/>
-    <dgm:cxn modelId="{EED8D562-C4D2-45BB-817E-227067307736}" srcId="{F2DD335F-F4ED-427B-9143-27BE63843845}" destId="{F8A913BF-FF20-4BE3-AB5E-0F7AA51F32B6}" srcOrd="0" destOrd="0" parTransId="{B94A8C1F-8663-48DC-AFE0-ED9153CDDB04}" sibTransId="{60D3BD74-18BE-4E7C-B4DB-328BDD094F37}"/>
-    <dgm:cxn modelId="{00AB788A-792D-4147-8436-4B06D89FCD1B}" type="presOf" srcId="{0417665F-05DB-447F-B5CF-5767FCC0E66D}" destId="{3D4DFC46-14FD-44CF-889B-312D881097D2}" srcOrd="0" destOrd="0" presId="urn:microsoft.com/office/officeart/2005/8/layout/hierarchy2"/>
-    <dgm:cxn modelId="{A3FC66FD-7842-41C6-B8BF-E836BD8387BD}" type="presOf" srcId="{D66DAC0E-D6F2-470E-A02F-6C7E94390031}" destId="{974EA6F0-7E42-4CD5-BFEE-3A3BF1F9DA7E}" srcOrd="1" destOrd="0" presId="urn:microsoft.com/office/officeart/2005/8/layout/hierarchy2"/>
-    <dgm:cxn modelId="{E76AA94C-DDC6-46E9-9B32-37C5F5299BC9}" srcId="{20A65034-31C8-4FB9-B35A-01908CBDDB35}" destId="{F77BAF7A-175C-4003-A6AA-24E76EF32702}" srcOrd="0" destOrd="0" parTransId="{06E1B8E6-917A-4BFE-B4CD-67A90C88741F}" sibTransId="{5418DC28-54AB-4167-B8C4-10240D4FCB1D}"/>
-    <dgm:cxn modelId="{5CE56FE7-CD00-4654-A079-0F55D64818D8}" type="presOf" srcId="{05CD4DBB-775F-4F64-B7B3-2A8FB6878FB6}" destId="{FE57452C-E001-4B6F-B3D9-B5C2BCE6A1ED}" srcOrd="0" destOrd="0" presId="urn:microsoft.com/office/officeart/2005/8/layout/hierarchy2"/>
-    <dgm:cxn modelId="{3C98985D-827E-4418-813D-FC835F920BE3}" type="presOf" srcId="{11F84FE5-D2A8-4928-A291-B5915D3D9955}" destId="{E4BF694D-E775-4639-8D69-EA549226CA94}" srcOrd="1" destOrd="0" presId="urn:microsoft.com/office/officeart/2005/8/layout/hierarchy2"/>
-    <dgm:cxn modelId="{070B5E4F-8062-42BA-BBB0-464E50DCDB9D}" type="presOf" srcId="{20A65034-31C8-4FB9-B35A-01908CBDDB35}" destId="{7CFDB172-E668-43FE-B146-64584C675B7A}" srcOrd="0" destOrd="0" presId="urn:microsoft.com/office/officeart/2005/8/layout/hierarchy2"/>
-    <dgm:cxn modelId="{3DD80F62-62FF-4793-8A1C-C01B9DBCAAD9}" srcId="{2E56F678-C1CE-4892-BC9F-D88898E69FD5}" destId="{9F41907F-BB90-49A4-8E97-05E5E602AA08}" srcOrd="0" destOrd="0" parTransId="{0A9FB55B-D1A7-4307-8A08-CC8062B73331}" sibTransId="{CA45A301-B28A-4F99-A0E1-05C0281E7D20}"/>
-    <dgm:cxn modelId="{798E3BF1-89A4-4EAC-BF19-C5E5A968BEE3}" srcId="{FA135B7F-2613-4B80-BDFC-5E6ED5D1C14D}" destId="{0520DB01-5CDA-4B89-ABBB-14C2DA83042A}" srcOrd="0" destOrd="0" parTransId="{7AA7E7C8-28F5-4795-AD69-71F96663B848}" sibTransId="{9965978E-C79C-411E-9C9B-DD5223ACF6B8}"/>
-    <dgm:cxn modelId="{6B5EC607-BA16-4CDF-BDDC-B61BD01B912F}" type="presOf" srcId="{F77BAF7A-175C-4003-A6AA-24E76EF32702}" destId="{EAD3BB15-FD98-48A1-AE91-B49E6520FB73}" srcOrd="0" destOrd="0" presId="urn:microsoft.com/office/officeart/2005/8/layout/hierarchy2"/>
-    <dgm:cxn modelId="{C0486979-4AA4-4DD0-BE83-89FBB6E59BAD}" srcId="{0417665F-05DB-447F-B5CF-5767FCC0E66D}" destId="{20A65034-31C8-4FB9-B35A-01908CBDDB35}" srcOrd="0" destOrd="0" parTransId="{36061C26-038C-48A2-8176-FC82F637E77E}" sibTransId="{82371B03-B973-4BE5-8950-B7F0D1CAA83F}"/>
-    <dgm:cxn modelId="{4839C0D2-6618-439C-B7B2-186067D6EEB7}" srcId="{B1AE1026-D2A0-47C2-8B3D-C6B0156D358B}" destId="{F2DD335F-F4ED-427B-9143-27BE63843845}" srcOrd="0" destOrd="0" parTransId="{8889FCFF-0902-4D6E-9951-6CD429DB888B}" sibTransId="{447E591A-B8DE-4930-BE32-F339B98FD4F3}"/>
-    <dgm:cxn modelId="{E49B5004-6E21-4811-9C1F-6002F0B93B1C}" type="presOf" srcId="{7E301767-8ADB-4167-BA15-EC4ED536CDF3}" destId="{E11CDAD6-EF43-4F94-BA41-40CBC44693B1}" srcOrd="0" destOrd="0" presId="urn:microsoft.com/office/officeart/2005/8/layout/hierarchy2"/>
-    <dgm:cxn modelId="{D47E3F49-94AB-465C-AACE-F945EB1F9BA4}" type="presOf" srcId="{FF3DB6AF-A4DE-4E13-AE14-D96D5C0A1A8B}" destId="{5156EE79-8EF5-461E-AB61-DF6007AD0779}" srcOrd="1" destOrd="0" presId="urn:microsoft.com/office/officeart/2005/8/layout/hierarchy2"/>
-    <dgm:cxn modelId="{2C152BD9-AB8F-4DA3-970C-6B9B48702F8B}" type="presOf" srcId="{777E2D03-330E-43C8-A439-09671C3F191F}" destId="{33B9F075-4423-4B3D-A2BD-A73956F1955D}" srcOrd="0" destOrd="0" presId="urn:microsoft.com/office/officeart/2005/8/layout/hierarchy2"/>
-    <dgm:cxn modelId="{AED34FA7-357A-4736-AAFC-70A1B66A8925}" type="presOf" srcId="{06E1B8E6-917A-4BFE-B4CD-67A90C88741F}" destId="{938E7890-3687-42DC-855E-CB4ABC65476D}" srcOrd="1" destOrd="0" presId="urn:microsoft.com/office/officeart/2005/8/layout/hierarchy2"/>
-    <dgm:cxn modelId="{B891380F-DEBE-485B-8244-C62FE7DF23BE}" type="presOf" srcId="{7AA7E7C8-28F5-4795-AD69-71F96663B848}" destId="{DB6F332D-DB1E-42F9-B0F5-86DE58B9A006}" srcOrd="1" destOrd="0" presId="urn:microsoft.com/office/officeart/2005/8/layout/hierarchy2"/>
-    <dgm:cxn modelId="{0824DD5B-4720-4B73-8247-DA516509E796}" type="presOf" srcId="{777E2D03-330E-43C8-A439-09671C3F191F}" destId="{D409D1B5-8445-4A64-8086-7FE53A8B3E24}" srcOrd="1" destOrd="0" presId="urn:microsoft.com/office/officeart/2005/8/layout/hierarchy2"/>
-    <dgm:cxn modelId="{69265C3C-0E1C-4EDF-B6C6-E5587E1DA0BE}" type="presOf" srcId="{36061C26-038C-48A2-8176-FC82F637E77E}" destId="{EC993B32-D076-4951-AEE7-4200E341C468}" srcOrd="1" destOrd="0" presId="urn:microsoft.com/office/officeart/2005/8/layout/hierarchy2"/>
-    <dgm:cxn modelId="{D34CAC80-206F-497F-970B-A39B06FADD2C}" type="presOf" srcId="{B1AE1026-D2A0-47C2-8B3D-C6B0156D358B}" destId="{6CDEF2D0-E275-4921-BA3B-84ABC851091F}" srcOrd="0" destOrd="0" presId="urn:microsoft.com/office/officeart/2005/8/layout/hierarchy2"/>
-    <dgm:cxn modelId="{29F6EEB2-A122-4A98-AFBD-83511EBF5CD3}" type="presOf" srcId="{2E56F678-C1CE-4892-BC9F-D88898E69FD5}" destId="{484FF441-C91D-4E7A-BC24-9D042BC822F3}" srcOrd="0" destOrd="0" presId="urn:microsoft.com/office/officeart/2005/8/layout/hierarchy2"/>
-    <dgm:cxn modelId="{62A27227-BCC3-4930-A1FE-25552AF40EF4}" type="presOf" srcId="{70EB503F-3A9B-46F0-8303-EF97445EEC83}" destId="{5B8380FE-0DCB-4F6C-B2BC-0BBB10FD4D3D}" srcOrd="0" destOrd="0" presId="urn:microsoft.com/office/officeart/2005/8/layout/hierarchy2"/>
-    <dgm:cxn modelId="{0071CB30-8F8B-4323-94C3-31468A5CCB34}" type="presOf" srcId="{CB36CA1F-DC00-49FC-9F39-3899387403F7}" destId="{66091779-FD2E-4FDC-86F2-2AC227D5816C}" srcOrd="0" destOrd="0" presId="urn:microsoft.com/office/officeart/2005/8/layout/hierarchy2"/>
     <dgm:cxn modelId="{94345929-E09C-4CE6-BAAC-97005FC6C0EC}" type="presParOf" srcId="{6CDEF2D0-E275-4921-BA3B-84ABC851091F}" destId="{6BD5A947-8166-447A-B304-C2F64D6C456A}" srcOrd="0" destOrd="0" presId="urn:microsoft.com/office/officeart/2005/8/layout/hierarchy2"/>
     <dgm:cxn modelId="{4085F9ED-E667-4405-9042-6389E75FE004}" type="presParOf" srcId="{6BD5A947-8166-447A-B304-C2F64D6C456A}" destId="{398C20A5-A9D8-4D3E-B587-799A3BB16507}" srcOrd="0" destOrd="0" presId="urn:microsoft.com/office/officeart/2005/8/layout/hierarchy2"/>
     <dgm:cxn modelId="{DA17A97C-BDF5-4E07-8018-53217C28773C}" type="presParOf" srcId="{6BD5A947-8166-447A-B304-C2F64D6C456A}" destId="{E5EECC48-296F-4977-9549-5478D27AA71E}" srcOrd="1" destOrd="0" presId="urn:microsoft.com/office/officeart/2005/8/layout/hierarchy2"/>
@@ -5022,7 +4709,7 @@
         <a:p>
           <a:pPr rtl="0"/>
           <a:r>
-            <a:rPr lang="en-US" altLang="zh-CN" sz="2000" dirty="0" smtClean="0"/>
+            <a:rPr lang="en-US" altLang="zh-CN" sz="2000" dirty="0"/>
             <a:t>…</a:t>
           </a:r>
           <a:endParaRPr lang="zh-CN" sz="2000" dirty="0"/>
@@ -5058,13 +4745,6 @@
         </dgm:presLayoutVars>
       </dgm:prSet>
       <dgm:spPr/>
-      <dgm:t>
-        <a:bodyPr/>
-        <a:lstStyle/>
-        <a:p>
-          <a:endParaRPr lang="zh-CN" altLang="en-US"/>
-        </a:p>
-      </dgm:t>
     </dgm:pt>
     <dgm:pt modelId="{FCD6CC03-B4F7-430C-98D0-115893192BDE}" type="pres">
       <dgm:prSet presAssocID="{C1DD56FD-8541-4B87-B289-BB4A9F4FE4EA}" presName="node" presStyleLbl="node1" presStyleIdx="0" presStyleCnt="4">
@@ -5073,35 +4753,14 @@
         </dgm:presLayoutVars>
       </dgm:prSet>
       <dgm:spPr/>
-      <dgm:t>
-        <a:bodyPr/>
-        <a:lstStyle/>
-        <a:p>
-          <a:endParaRPr lang="zh-CN" altLang="en-US"/>
-        </a:p>
-      </dgm:t>
     </dgm:pt>
     <dgm:pt modelId="{4EF64793-5BF1-44BB-A21B-0135AFBD46AF}" type="pres">
       <dgm:prSet presAssocID="{A28EAEE1-B752-49BF-8918-B4E358A0C6CC}" presName="sibTrans" presStyleLbl="sibTrans2D1" presStyleIdx="0" presStyleCnt="3"/>
       <dgm:spPr/>
-      <dgm:t>
-        <a:bodyPr/>
-        <a:lstStyle/>
-        <a:p>
-          <a:endParaRPr lang="zh-CN" altLang="en-US"/>
-        </a:p>
-      </dgm:t>
     </dgm:pt>
     <dgm:pt modelId="{92E7D38F-E55A-42CB-B86C-837C0D9078A3}" type="pres">
       <dgm:prSet presAssocID="{A28EAEE1-B752-49BF-8918-B4E358A0C6CC}" presName="connectorText" presStyleLbl="sibTrans2D1" presStyleIdx="0" presStyleCnt="3"/>
       <dgm:spPr/>
-      <dgm:t>
-        <a:bodyPr/>
-        <a:lstStyle/>
-        <a:p>
-          <a:endParaRPr lang="zh-CN" altLang="en-US"/>
-        </a:p>
-      </dgm:t>
     </dgm:pt>
     <dgm:pt modelId="{9FCB7101-7B41-4F46-B29A-8B98CB20ACF4}" type="pres">
       <dgm:prSet presAssocID="{41F2C266-4A97-41BB-BF31-B7B52A7B3260}" presName="node" presStyleLbl="node1" presStyleIdx="1" presStyleCnt="4" custScaleX="216739">
@@ -5110,35 +4769,14 @@
         </dgm:presLayoutVars>
       </dgm:prSet>
       <dgm:spPr/>
-      <dgm:t>
-        <a:bodyPr/>
-        <a:lstStyle/>
-        <a:p>
-          <a:endParaRPr lang="zh-CN" altLang="en-US"/>
-        </a:p>
-      </dgm:t>
     </dgm:pt>
     <dgm:pt modelId="{0E188FDA-3031-47C5-A37C-074F9C682AE9}" type="pres">
       <dgm:prSet presAssocID="{38CF7023-AFD3-4111-89A1-5FACC591B24B}" presName="sibTrans" presStyleLbl="sibTrans2D1" presStyleIdx="1" presStyleCnt="3"/>
       <dgm:spPr/>
-      <dgm:t>
-        <a:bodyPr/>
-        <a:lstStyle/>
-        <a:p>
-          <a:endParaRPr lang="zh-CN" altLang="en-US"/>
-        </a:p>
-      </dgm:t>
     </dgm:pt>
     <dgm:pt modelId="{FF5E01BF-EA3A-461C-ABB2-916E996E420E}" type="pres">
       <dgm:prSet presAssocID="{38CF7023-AFD3-4111-89A1-5FACC591B24B}" presName="connectorText" presStyleLbl="sibTrans2D1" presStyleIdx="1" presStyleCnt="3"/>
       <dgm:spPr/>
-      <dgm:t>
-        <a:bodyPr/>
-        <a:lstStyle/>
-        <a:p>
-          <a:endParaRPr lang="zh-CN" altLang="en-US"/>
-        </a:p>
-      </dgm:t>
     </dgm:pt>
     <dgm:pt modelId="{18185A6C-2422-400B-9E45-ECC7B0CECAC8}" type="pres">
       <dgm:prSet presAssocID="{8E9E83E4-04BE-4573-B7C4-A800E90E98DF}" presName="node" presStyleLbl="node1" presStyleIdx="2" presStyleCnt="4">
@@ -5147,35 +4785,14 @@
         </dgm:presLayoutVars>
       </dgm:prSet>
       <dgm:spPr/>
-      <dgm:t>
-        <a:bodyPr/>
-        <a:lstStyle/>
-        <a:p>
-          <a:endParaRPr lang="zh-CN" altLang="en-US"/>
-        </a:p>
-      </dgm:t>
     </dgm:pt>
     <dgm:pt modelId="{CF55BC5C-1C33-4983-911D-EF7A771C9BEC}" type="pres">
       <dgm:prSet presAssocID="{51D1F71F-A5C9-426F-B3D5-4F6940487976}" presName="sibTrans" presStyleLbl="sibTrans2D1" presStyleIdx="2" presStyleCnt="3"/>
       <dgm:spPr/>
-      <dgm:t>
-        <a:bodyPr/>
-        <a:lstStyle/>
-        <a:p>
-          <a:endParaRPr lang="zh-CN" altLang="en-US"/>
-        </a:p>
-      </dgm:t>
     </dgm:pt>
     <dgm:pt modelId="{66FFAA11-2188-4140-84FE-E73B3D5128AF}" type="pres">
       <dgm:prSet presAssocID="{51D1F71F-A5C9-426F-B3D5-4F6940487976}" presName="connectorText" presStyleLbl="sibTrans2D1" presStyleIdx="2" presStyleCnt="3"/>
       <dgm:spPr/>
-      <dgm:t>
-        <a:bodyPr/>
-        <a:lstStyle/>
-        <a:p>
-          <a:endParaRPr lang="zh-CN" altLang="en-US"/>
-        </a:p>
-      </dgm:t>
     </dgm:pt>
     <dgm:pt modelId="{1F0BD8E5-EC2F-45C6-88A9-672B0AD75965}" type="pres">
       <dgm:prSet presAssocID="{912FECB8-3D85-4C27-B4A1-FE45042E4604}" presName="node" presStyleLbl="node1" presStyleIdx="3" presStyleCnt="4" custScaleX="237093" custScaleY="100524" custLinFactNeighborX="62338" custLinFactNeighborY="552">
@@ -5184,31 +4801,24 @@
         </dgm:presLayoutVars>
       </dgm:prSet>
       <dgm:spPr/>
-      <dgm:t>
-        <a:bodyPr/>
-        <a:lstStyle/>
-        <a:p>
-          <a:endParaRPr lang="zh-CN" altLang="en-US"/>
-        </a:p>
-      </dgm:t>
     </dgm:pt>
   </dgm:ptLst>
   <dgm:cxnLst>
+    <dgm:cxn modelId="{BBADCC05-D4CA-4A47-95E2-20D9E9A3F702}" srcId="{AA94B9D6-14D9-464B-AB87-9AA8661B9B79}" destId="{41F2C266-4A97-41BB-BF31-B7B52A7B3260}" srcOrd="1" destOrd="0" parTransId="{46CCE478-BBB2-45F4-8D80-08CD5EA0C277}" sibTransId="{38CF7023-AFD3-4111-89A1-5FACC591B24B}"/>
+    <dgm:cxn modelId="{AADB1A3B-781F-41B3-9157-89AA006696E4}" type="presOf" srcId="{41F2C266-4A97-41BB-BF31-B7B52A7B3260}" destId="{9FCB7101-7B41-4F46-B29A-8B98CB20ACF4}" srcOrd="0" destOrd="0" presId="urn:microsoft.com/office/officeart/2005/8/layout/process2"/>
+    <dgm:cxn modelId="{8EC6CE3D-223F-435D-BE2C-7E339803D506}" type="presOf" srcId="{AA94B9D6-14D9-464B-AB87-9AA8661B9B79}" destId="{92867A3C-C6DF-4833-A074-A8BDFA96BA78}" srcOrd="0" destOrd="0" presId="urn:microsoft.com/office/officeart/2005/8/layout/process2"/>
+    <dgm:cxn modelId="{CFED224F-682C-44C9-A793-0C8FAA63B0D6}" srcId="{AA94B9D6-14D9-464B-AB87-9AA8661B9B79}" destId="{C1DD56FD-8541-4B87-B289-BB4A9F4FE4EA}" srcOrd="0" destOrd="0" parTransId="{A089A9E3-F74C-474E-BFB4-AE768D330D4E}" sibTransId="{A28EAEE1-B752-49BF-8918-B4E358A0C6CC}"/>
+    <dgm:cxn modelId="{4A9CC389-DD53-4448-BF71-BF328A5D3E89}" srcId="{AA94B9D6-14D9-464B-AB87-9AA8661B9B79}" destId="{912FECB8-3D85-4C27-B4A1-FE45042E4604}" srcOrd="3" destOrd="0" parTransId="{E1AC82B9-1A0D-469B-AA76-09748AF87FD9}" sibTransId="{8CC43198-BDC5-4748-99CD-A9997A2201A8}"/>
+    <dgm:cxn modelId="{4B50108A-1323-4FD1-9468-434FEED764F1}" type="presOf" srcId="{38CF7023-AFD3-4111-89A1-5FACC591B24B}" destId="{FF5E01BF-EA3A-461C-ABB2-916E996E420E}" srcOrd="1" destOrd="0" presId="urn:microsoft.com/office/officeart/2005/8/layout/process2"/>
+    <dgm:cxn modelId="{33325396-4A25-453B-8CF7-63C794E0B525}" type="presOf" srcId="{51D1F71F-A5C9-426F-B3D5-4F6940487976}" destId="{66FFAA11-2188-4140-84FE-E73B3D5128AF}" srcOrd="1" destOrd="0" presId="urn:microsoft.com/office/officeart/2005/8/layout/process2"/>
     <dgm:cxn modelId="{04648197-0A30-40DA-A412-C63043E92C5D}" type="presOf" srcId="{C1DD56FD-8541-4B87-B289-BB4A9F4FE4EA}" destId="{FCD6CC03-B4F7-430C-98D0-115893192BDE}" srcOrd="0" destOrd="0" presId="urn:microsoft.com/office/officeart/2005/8/layout/process2"/>
+    <dgm:cxn modelId="{02927BD2-05B6-4ED6-8D13-0CDF1EF5613B}" type="presOf" srcId="{38CF7023-AFD3-4111-89A1-5FACC591B24B}" destId="{0E188FDA-3031-47C5-A37C-074F9C682AE9}" srcOrd="0" destOrd="0" presId="urn:microsoft.com/office/officeart/2005/8/layout/process2"/>
+    <dgm:cxn modelId="{3BD37ED2-1E47-43DF-80BC-DF30D2565D6C}" type="presOf" srcId="{8E9E83E4-04BE-4573-B7C4-A800E90E98DF}" destId="{18185A6C-2422-400B-9E45-ECC7B0CECAC8}" srcOrd="0" destOrd="0" presId="urn:microsoft.com/office/officeart/2005/8/layout/process2"/>
+    <dgm:cxn modelId="{12FC61E6-1480-4591-ACE5-30617D2FEA46}" type="presOf" srcId="{51D1F71F-A5C9-426F-B3D5-4F6940487976}" destId="{CF55BC5C-1C33-4983-911D-EF7A771C9BEC}" srcOrd="0" destOrd="0" presId="urn:microsoft.com/office/officeart/2005/8/layout/process2"/>
     <dgm:cxn modelId="{EA20FEF3-669C-4C78-9AF9-88FEBC132B41}" srcId="{AA94B9D6-14D9-464B-AB87-9AA8661B9B79}" destId="{8E9E83E4-04BE-4573-B7C4-A800E90E98DF}" srcOrd="2" destOrd="0" parTransId="{3FDDF0B7-8141-4578-A4D4-0C681BE0B55D}" sibTransId="{51D1F71F-A5C9-426F-B3D5-4F6940487976}"/>
-    <dgm:cxn modelId="{02927BD2-05B6-4ED6-8D13-0CDF1EF5613B}" type="presOf" srcId="{38CF7023-AFD3-4111-89A1-5FACC591B24B}" destId="{0E188FDA-3031-47C5-A37C-074F9C682AE9}" srcOrd="0" destOrd="0" presId="urn:microsoft.com/office/officeart/2005/8/layout/process2"/>
     <dgm:cxn modelId="{D54597F8-F628-45D8-9358-5228F72E9195}" type="presOf" srcId="{A28EAEE1-B752-49BF-8918-B4E358A0C6CC}" destId="{4EF64793-5BF1-44BB-A21B-0135AFBD46AF}" srcOrd="0" destOrd="0" presId="urn:microsoft.com/office/officeart/2005/8/layout/process2"/>
+    <dgm:cxn modelId="{3754E1F8-046A-4488-8DD9-2458DB1D0313}" type="presOf" srcId="{912FECB8-3D85-4C27-B4A1-FE45042E4604}" destId="{1F0BD8E5-EC2F-45C6-88A9-672B0AD75965}" srcOrd="0" destOrd="0" presId="urn:microsoft.com/office/officeart/2005/8/layout/process2"/>
     <dgm:cxn modelId="{AF1856FE-967D-4FC4-9B79-0172E715930B}" type="presOf" srcId="{A28EAEE1-B752-49BF-8918-B4E358A0C6CC}" destId="{92E7D38F-E55A-42CB-B86C-837C0D9078A3}" srcOrd="1" destOrd="0" presId="urn:microsoft.com/office/officeart/2005/8/layout/process2"/>
-    <dgm:cxn modelId="{3BD37ED2-1E47-43DF-80BC-DF30D2565D6C}" type="presOf" srcId="{8E9E83E4-04BE-4573-B7C4-A800E90E98DF}" destId="{18185A6C-2422-400B-9E45-ECC7B0CECAC8}" srcOrd="0" destOrd="0" presId="urn:microsoft.com/office/officeart/2005/8/layout/process2"/>
-    <dgm:cxn modelId="{33325396-4A25-453B-8CF7-63C794E0B525}" type="presOf" srcId="{51D1F71F-A5C9-426F-B3D5-4F6940487976}" destId="{66FFAA11-2188-4140-84FE-E73B3D5128AF}" srcOrd="1" destOrd="0" presId="urn:microsoft.com/office/officeart/2005/8/layout/process2"/>
-    <dgm:cxn modelId="{CFED224F-682C-44C9-A793-0C8FAA63B0D6}" srcId="{AA94B9D6-14D9-464B-AB87-9AA8661B9B79}" destId="{C1DD56FD-8541-4B87-B289-BB4A9F4FE4EA}" srcOrd="0" destOrd="0" parTransId="{A089A9E3-F74C-474E-BFB4-AE768D330D4E}" sibTransId="{A28EAEE1-B752-49BF-8918-B4E358A0C6CC}"/>
-    <dgm:cxn modelId="{8EC6CE3D-223F-435D-BE2C-7E339803D506}" type="presOf" srcId="{AA94B9D6-14D9-464B-AB87-9AA8661B9B79}" destId="{92867A3C-C6DF-4833-A074-A8BDFA96BA78}" srcOrd="0" destOrd="0" presId="urn:microsoft.com/office/officeart/2005/8/layout/process2"/>
-    <dgm:cxn modelId="{4A9CC389-DD53-4448-BF71-BF328A5D3E89}" srcId="{AA94B9D6-14D9-464B-AB87-9AA8661B9B79}" destId="{912FECB8-3D85-4C27-B4A1-FE45042E4604}" srcOrd="3" destOrd="0" parTransId="{E1AC82B9-1A0D-469B-AA76-09748AF87FD9}" sibTransId="{8CC43198-BDC5-4748-99CD-A9997A2201A8}"/>
-    <dgm:cxn modelId="{3754E1F8-046A-4488-8DD9-2458DB1D0313}" type="presOf" srcId="{912FECB8-3D85-4C27-B4A1-FE45042E4604}" destId="{1F0BD8E5-EC2F-45C6-88A9-672B0AD75965}" srcOrd="0" destOrd="0" presId="urn:microsoft.com/office/officeart/2005/8/layout/process2"/>
-    <dgm:cxn modelId="{AADB1A3B-781F-41B3-9157-89AA006696E4}" type="presOf" srcId="{41F2C266-4A97-41BB-BF31-B7B52A7B3260}" destId="{9FCB7101-7B41-4F46-B29A-8B98CB20ACF4}" srcOrd="0" destOrd="0" presId="urn:microsoft.com/office/officeart/2005/8/layout/process2"/>
-    <dgm:cxn modelId="{BBADCC05-D4CA-4A47-95E2-20D9E9A3F702}" srcId="{AA94B9D6-14D9-464B-AB87-9AA8661B9B79}" destId="{41F2C266-4A97-41BB-BF31-B7B52A7B3260}" srcOrd="1" destOrd="0" parTransId="{46CCE478-BBB2-45F4-8D80-08CD5EA0C277}" sibTransId="{38CF7023-AFD3-4111-89A1-5FACC591B24B}"/>
-    <dgm:cxn modelId="{12FC61E6-1480-4591-ACE5-30617D2FEA46}" type="presOf" srcId="{51D1F71F-A5C9-426F-B3D5-4F6940487976}" destId="{CF55BC5C-1C33-4983-911D-EF7A771C9BEC}" srcOrd="0" destOrd="0" presId="urn:microsoft.com/office/officeart/2005/8/layout/process2"/>
-    <dgm:cxn modelId="{4B50108A-1323-4FD1-9468-434FEED764F1}" type="presOf" srcId="{38CF7023-AFD3-4111-89A1-5FACC591B24B}" destId="{FF5E01BF-EA3A-461C-ABB2-916E996E420E}" srcOrd="1" destOrd="0" presId="urn:microsoft.com/office/officeart/2005/8/layout/process2"/>
     <dgm:cxn modelId="{B9FCF1FA-927D-44A0-8971-CB623C0857C8}" type="presParOf" srcId="{92867A3C-C6DF-4833-A074-A8BDFA96BA78}" destId="{FCD6CC03-B4F7-430C-98D0-115893192BDE}" srcOrd="0" destOrd="0" presId="urn:microsoft.com/office/officeart/2005/8/layout/process2"/>
     <dgm:cxn modelId="{E1649BF5-E0A8-4D48-9FC8-E84E682A0D10}" type="presParOf" srcId="{92867A3C-C6DF-4833-A074-A8BDFA96BA78}" destId="{4EF64793-5BF1-44BB-A21B-0135AFBD46AF}" srcOrd="1" destOrd="0" presId="urn:microsoft.com/office/officeart/2005/8/layout/process2"/>
     <dgm:cxn modelId="{6D56158E-A92A-488F-99F3-C0FAF840747D}" type="presParOf" srcId="{4EF64793-5BF1-44BB-A21B-0135AFBD46AF}" destId="{92E7D38F-E55A-42CB-B86C-837C0D9078A3}" srcOrd="0" destOrd="0" presId="urn:microsoft.com/office/officeart/2005/8/layout/process2"/>
@@ -5659,7 +5269,7 @@
         </a:bodyPr>
         <a:lstStyle/>
         <a:p>
-          <a:pPr lvl="0" algn="ctr" defTabSz="2311400" rtl="0">
+          <a:pPr marL="0" lvl="0" indent="0" algn="ctr" defTabSz="2311400" rtl="0">
             <a:lnSpc>
               <a:spcPct val="90000"/>
             </a:lnSpc>
@@ -5669,12 +5279,12 @@
             <a:spcAft>
               <a:spcPct val="35000"/>
             </a:spcAft>
+            <a:buNone/>
           </a:pPr>
           <a:r>
-            <a:rPr lang="zh-CN" altLang="en-US" sz="5200" kern="1200" dirty="0" smtClean="0"/>
+            <a:rPr lang="zh-CN" sz="5200" kern="1200" dirty="0"/>
             <a:t>神经网络</a:t>
           </a:r>
-          <a:endParaRPr lang="zh-CN" altLang="en-US" sz="5200" kern="1200" dirty="0"/>
         </a:p>
       </dsp:txBody>
       <dsp:txXfrm>
@@ -5737,7 +5347,7 @@
         </a:bodyPr>
         <a:lstStyle/>
         <a:p>
-          <a:pPr lvl="0" algn="ctr" defTabSz="2311400" rtl="0">
+          <a:pPr marL="0" lvl="0" indent="0" algn="ctr" defTabSz="2311400" rtl="0">
             <a:lnSpc>
               <a:spcPct val="90000"/>
             </a:lnSpc>
@@ -5747,12 +5357,12 @@
             <a:spcAft>
               <a:spcPct val="35000"/>
             </a:spcAft>
+            <a:buNone/>
           </a:pPr>
           <a:r>
-            <a:rPr lang="zh-CN" altLang="en-US" sz="5200" kern="1200" smtClean="0"/>
+            <a:rPr lang="zh-CN" sz="5200" kern="1200"/>
             <a:t>深度学习</a:t>
           </a:r>
-          <a:endParaRPr lang="zh-CN" altLang="en-US" sz="5200" kern="1200"/>
         </a:p>
       </dsp:txBody>
       <dsp:txXfrm>
@@ -5828,7 +5438,7 @@
         </a:bodyPr>
         <a:lstStyle/>
         <a:p>
-          <a:pPr lvl="0" algn="ctr" defTabSz="889000" rtl="0">
+          <a:pPr marL="0" lvl="0" indent="0" algn="ctr" defTabSz="889000" rtl="0">
             <a:lnSpc>
               <a:spcPct val="100000"/>
             </a:lnSpc>
@@ -5838,12 +5448,12 @@
             <a:spcAft>
               <a:spcPts val="0"/>
             </a:spcAft>
+            <a:buNone/>
           </a:pPr>
           <a:r>
-            <a:rPr lang="zh-CN" altLang="en-US" sz="2000" kern="1200" dirty="0" smtClean="0"/>
+            <a:rPr lang="zh-CN" altLang="en-US" sz="2000" kern="1200" dirty="0"/>
             <a:t>知识</a:t>
           </a:r>
-          <a:endParaRPr lang="zh-CN" altLang="en-US" sz="2000" kern="1200" dirty="0"/>
         </a:p>
       </dsp:txBody>
       <dsp:txXfrm>
@@ -5911,7 +5521,7 @@
         </a:bodyPr>
         <a:lstStyle/>
         <a:p>
-          <a:pPr lvl="0" algn="ctr" defTabSz="355600">
+          <a:pPr marL="0" lvl="0" indent="0" algn="ctr" defTabSz="355600">
             <a:lnSpc>
               <a:spcPct val="100000"/>
             </a:lnSpc>
@@ -5921,6 +5531,7 @@
             <a:spcAft>
               <a:spcPts val="0"/>
             </a:spcAft>
+            <a:buNone/>
           </a:pPr>
           <a:endParaRPr lang="zh-CN" altLang="en-US" sz="800" kern="1200"/>
         </a:p>
@@ -5986,7 +5597,7 @@
         </a:bodyPr>
         <a:lstStyle/>
         <a:p>
-          <a:pPr lvl="0" algn="ctr" defTabSz="889000" rtl="0">
+          <a:pPr marL="0" lvl="0" indent="0" algn="ctr" defTabSz="889000" rtl="0">
             <a:lnSpc>
               <a:spcPct val="100000"/>
             </a:lnSpc>
@@ -5996,15 +5607,16 @@
             <a:spcAft>
               <a:spcPts val="0"/>
             </a:spcAft>
+            <a:buNone/>
           </a:pPr>
           <a:r>
-            <a:rPr lang="zh-CN" sz="2000" kern="1200" dirty="0" smtClean="0"/>
+            <a:rPr lang="zh-CN" sz="2000" kern="1200" dirty="0"/>
             <a:t>知道</a:t>
           </a:r>
-          <a:endParaRPr lang="en-US" altLang="zh-CN" sz="2000" kern="1200" dirty="0" smtClean="0"/>
+          <a:endParaRPr lang="en-US" altLang="zh-CN" sz="2000" kern="1200" dirty="0"/>
         </a:p>
         <a:p>
-          <a:pPr lvl="0" algn="ctr" defTabSz="889000" rtl="0">
+          <a:pPr marL="0" lvl="0" indent="0" algn="ctr" defTabSz="889000" rtl="0">
             <a:lnSpc>
               <a:spcPct val="100000"/>
             </a:lnSpc>
@@ -6014,9 +5626,10 @@
             <a:spcAft>
               <a:spcPts val="0"/>
             </a:spcAft>
+            <a:buNone/>
           </a:pPr>
           <a:r>
-            <a:rPr lang="zh-CN" altLang="en-US" sz="2000" kern="1200" dirty="0" smtClean="0"/>
+            <a:rPr lang="zh-CN" altLang="en-US" sz="2000" kern="1200" dirty="0"/>
             <a:t>怎么做</a:t>
           </a:r>
           <a:endParaRPr lang="zh-CN" sz="2000" kern="1200" dirty="0"/>
@@ -6087,7 +5700,7 @@
         </a:bodyPr>
         <a:lstStyle/>
         <a:p>
-          <a:pPr lvl="0" algn="ctr" defTabSz="355600">
+          <a:pPr marL="0" lvl="0" indent="0" algn="ctr" defTabSz="355600">
             <a:lnSpc>
               <a:spcPct val="100000"/>
             </a:lnSpc>
@@ -6097,6 +5710,7 @@
             <a:spcAft>
               <a:spcPts val="0"/>
             </a:spcAft>
+            <a:buNone/>
           </a:pPr>
           <a:endParaRPr lang="zh-CN" altLang="en-US" sz="800" kern="1200"/>
         </a:p>
@@ -6162,7 +5776,7 @@
         </a:bodyPr>
         <a:lstStyle/>
         <a:p>
-          <a:pPr lvl="0" algn="ctr" defTabSz="889000" rtl="0">
+          <a:pPr marL="0" lvl="0" indent="0" algn="ctr" defTabSz="889000" rtl="0">
             <a:lnSpc>
               <a:spcPct val="100000"/>
             </a:lnSpc>
@@ -6172,12 +5786,12 @@
             <a:spcAft>
               <a:spcPts val="0"/>
             </a:spcAft>
+            <a:buNone/>
           </a:pPr>
           <a:r>
-            <a:rPr lang="zh-CN" altLang="en-US" sz="2000" kern="1200" dirty="0" smtClean="0"/>
+            <a:rPr lang="zh-CN" altLang="en-US" sz="2000" kern="1200" dirty="0"/>
             <a:t>专家系统</a:t>
           </a:r>
-          <a:endParaRPr lang="zh-CN" altLang="en-US" sz="2000" kern="1200" dirty="0"/>
         </a:p>
       </dsp:txBody>
       <dsp:txXfrm>
@@ -6245,7 +5859,7 @@
         </a:bodyPr>
         <a:lstStyle/>
         <a:p>
-          <a:pPr lvl="0" algn="ctr" defTabSz="355600">
+          <a:pPr marL="0" lvl="0" indent="0" algn="ctr" defTabSz="355600">
             <a:lnSpc>
               <a:spcPct val="100000"/>
             </a:lnSpc>
@@ -6255,6 +5869,7 @@
             <a:spcAft>
               <a:spcPts val="0"/>
             </a:spcAft>
+            <a:buNone/>
           </a:pPr>
           <a:endParaRPr lang="zh-CN" altLang="en-US" sz="800" kern="1200"/>
         </a:p>
@@ -6320,7 +5935,7 @@
         </a:bodyPr>
         <a:lstStyle/>
         <a:p>
-          <a:pPr lvl="0" algn="ctr" defTabSz="889000" rtl="0">
+          <a:pPr marL="0" lvl="0" indent="0" algn="ctr" defTabSz="889000" rtl="0">
             <a:lnSpc>
               <a:spcPct val="100000"/>
             </a:lnSpc>
@@ -6330,9 +5945,10 @@
             <a:spcAft>
               <a:spcPts val="0"/>
             </a:spcAft>
+            <a:buNone/>
           </a:pPr>
           <a:r>
-            <a:rPr lang="en-US" altLang="zh-CN" sz="2000" kern="1200" dirty="0" smtClean="0"/>
+            <a:rPr lang="en-US" altLang="zh-CN" sz="2000" kern="1200" dirty="0"/>
             <a:t>…</a:t>
           </a:r>
           <a:endParaRPr lang="zh-CN" sz="2000" kern="1200" dirty="0"/>
@@ -6403,7 +6019,7 @@
         </a:bodyPr>
         <a:lstStyle/>
         <a:p>
-          <a:pPr lvl="0" algn="ctr" defTabSz="355600">
+          <a:pPr marL="0" lvl="0" indent="0" algn="ctr" defTabSz="355600">
             <a:lnSpc>
               <a:spcPct val="100000"/>
             </a:lnSpc>
@@ -6413,6 +6029,7 @@
             <a:spcAft>
               <a:spcPts val="0"/>
             </a:spcAft>
+            <a:buNone/>
           </a:pPr>
           <a:endParaRPr lang="zh-CN" altLang="en-US" sz="800" kern="1200"/>
         </a:p>
@@ -6478,7 +6095,7 @@
         </a:bodyPr>
         <a:lstStyle/>
         <a:p>
-          <a:pPr lvl="0" algn="ctr" defTabSz="889000" rtl="0">
+          <a:pPr marL="0" lvl="0" indent="0" algn="ctr" defTabSz="889000" rtl="0">
             <a:lnSpc>
               <a:spcPct val="100000"/>
             </a:lnSpc>
@@ -6488,15 +6105,16 @@
             <a:spcAft>
               <a:spcPts val="0"/>
             </a:spcAft>
+            <a:buNone/>
           </a:pPr>
           <a:r>
-            <a:rPr lang="zh-CN" sz="2000" kern="1200" dirty="0" smtClean="0"/>
+            <a:rPr lang="zh-CN" sz="2000" kern="1200" dirty="0"/>
             <a:t>不知道</a:t>
           </a:r>
-          <a:endParaRPr lang="en-US" altLang="zh-CN" sz="2000" kern="1200" dirty="0" smtClean="0"/>
+          <a:endParaRPr lang="en-US" altLang="zh-CN" sz="2000" kern="1200" dirty="0"/>
         </a:p>
         <a:p>
-          <a:pPr lvl="0" algn="ctr" defTabSz="889000" rtl="0">
+          <a:pPr marL="0" lvl="0" indent="0" algn="ctr" defTabSz="889000" rtl="0">
             <a:lnSpc>
               <a:spcPct val="100000"/>
             </a:lnSpc>
@@ -6506,9 +6124,10 @@
             <a:spcAft>
               <a:spcPts val="0"/>
             </a:spcAft>
+            <a:buNone/>
           </a:pPr>
           <a:r>
-            <a:rPr lang="zh-CN" altLang="en-US" sz="2000" kern="1200" dirty="0" smtClean="0"/>
+            <a:rPr lang="zh-CN" altLang="en-US" sz="2000" kern="1200" dirty="0"/>
             <a:t>怎么做</a:t>
           </a:r>
           <a:endParaRPr lang="zh-CN" sz="2000" kern="1200" dirty="0"/>
@@ -6579,7 +6198,7 @@
         </a:bodyPr>
         <a:lstStyle/>
         <a:p>
-          <a:pPr lvl="0" algn="ctr" defTabSz="355600">
+          <a:pPr marL="0" lvl="0" indent="0" algn="ctr" defTabSz="355600">
             <a:lnSpc>
               <a:spcPct val="100000"/>
             </a:lnSpc>
@@ -6589,6 +6208,7 @@
             <a:spcAft>
               <a:spcPts val="0"/>
             </a:spcAft>
+            <a:buNone/>
           </a:pPr>
           <a:endParaRPr lang="zh-CN" altLang="en-US" sz="800" kern="1200"/>
         </a:p>
@@ -6649,7 +6269,7 @@
         </a:bodyPr>
         <a:lstStyle/>
         <a:p>
-          <a:pPr lvl="0" algn="ctr" defTabSz="889000" rtl="0">
+          <a:pPr marL="0" lvl="0" indent="0" algn="ctr" defTabSz="889000" rtl="0">
             <a:lnSpc>
               <a:spcPct val="100000"/>
             </a:lnSpc>
@@ -6659,12 +6279,12 @@
             <a:spcAft>
               <a:spcPts val="0"/>
             </a:spcAft>
+            <a:buNone/>
           </a:pPr>
           <a:r>
-            <a:rPr lang="zh-CN" altLang="en-US" sz="2000" kern="1200" dirty="0" smtClean="0"/>
+            <a:rPr lang="zh-CN" altLang="en-US" sz="2000" kern="1200" dirty="0"/>
             <a:t>容易做</a:t>
           </a:r>
-          <a:endParaRPr lang="zh-CN" altLang="en-US" sz="2000" kern="1200" dirty="0"/>
         </a:p>
       </dsp:txBody>
       <dsp:txXfrm>
@@ -6732,7 +6352,7 @@
         </a:bodyPr>
         <a:lstStyle/>
         <a:p>
-          <a:pPr lvl="0" algn="ctr" defTabSz="355600">
+          <a:pPr marL="0" lvl="0" indent="0" algn="ctr" defTabSz="355600">
             <a:lnSpc>
               <a:spcPct val="100000"/>
             </a:lnSpc>
@@ -6742,6 +6362,7 @@
             <a:spcAft>
               <a:spcPts val="0"/>
             </a:spcAft>
+            <a:buNone/>
           </a:pPr>
           <a:endParaRPr lang="zh-CN" altLang="en-US" sz="800" kern="1200"/>
         </a:p>
@@ -6802,7 +6423,7 @@
         </a:bodyPr>
         <a:lstStyle/>
         <a:p>
-          <a:pPr lvl="0" algn="ctr" defTabSz="889000" rtl="0">
+          <a:pPr marL="0" lvl="0" indent="0" algn="ctr" defTabSz="889000" rtl="0">
             <a:lnSpc>
               <a:spcPct val="100000"/>
             </a:lnSpc>
@@ -6812,12 +6433,12 @@
             <a:spcAft>
               <a:spcPts val="0"/>
             </a:spcAft>
+            <a:buNone/>
           </a:pPr>
           <a:r>
-            <a:rPr lang="zh-CN" altLang="en-US" sz="2000" kern="1200" dirty="0" smtClean="0"/>
+            <a:rPr lang="zh-CN" altLang="en-US" sz="2000" kern="1200" dirty="0"/>
             <a:t>机器学习</a:t>
           </a:r>
-          <a:endParaRPr lang="zh-CN" altLang="en-US" sz="2000" kern="1200" dirty="0"/>
         </a:p>
       </dsp:txBody>
       <dsp:txXfrm>
@@ -6885,7 +6506,7 @@
         </a:bodyPr>
         <a:lstStyle/>
         <a:p>
-          <a:pPr lvl="0" algn="ctr" defTabSz="355600">
+          <a:pPr marL="0" lvl="0" indent="0" algn="ctr" defTabSz="355600">
             <a:lnSpc>
               <a:spcPct val="100000"/>
             </a:lnSpc>
@@ -6895,6 +6516,7 @@
             <a:spcAft>
               <a:spcPts val="0"/>
             </a:spcAft>
+            <a:buNone/>
           </a:pPr>
           <a:endParaRPr lang="zh-CN" altLang="en-US" sz="800" kern="1200"/>
         </a:p>
@@ -6960,7 +6582,7 @@
         </a:bodyPr>
         <a:lstStyle/>
         <a:p>
-          <a:pPr lvl="0" algn="ctr" defTabSz="889000" rtl="0">
+          <a:pPr marL="0" lvl="0" indent="0" algn="ctr" defTabSz="889000" rtl="0">
             <a:lnSpc>
               <a:spcPct val="100000"/>
             </a:lnSpc>
@@ -6970,12 +6592,12 @@
             <a:spcAft>
               <a:spcPts val="0"/>
             </a:spcAft>
+            <a:buNone/>
           </a:pPr>
           <a:r>
-            <a:rPr lang="zh-CN" altLang="en-US" sz="2000" kern="1200" dirty="0" smtClean="0"/>
+            <a:rPr lang="zh-CN" altLang="en-US" sz="2000" kern="1200" dirty="0"/>
             <a:t>图像识别</a:t>
           </a:r>
-          <a:endParaRPr lang="zh-CN" altLang="en-US" sz="2000" kern="1200" dirty="0"/>
         </a:p>
       </dsp:txBody>
       <dsp:txXfrm>
@@ -7043,7 +6665,7 @@
         </a:bodyPr>
         <a:lstStyle/>
         <a:p>
-          <a:pPr lvl="0" algn="ctr" defTabSz="355600">
+          <a:pPr marL="0" lvl="0" indent="0" algn="ctr" defTabSz="355600">
             <a:lnSpc>
               <a:spcPct val="100000"/>
             </a:lnSpc>
@@ -7053,6 +6675,7 @@
             <a:spcAft>
               <a:spcPts val="0"/>
             </a:spcAft>
+            <a:buNone/>
           </a:pPr>
           <a:endParaRPr lang="zh-CN" altLang="en-US" sz="800" kern="1200"/>
         </a:p>
@@ -7118,7 +6741,7 @@
         </a:bodyPr>
         <a:lstStyle/>
         <a:p>
-          <a:pPr lvl="0" algn="ctr" defTabSz="889000" rtl="0">
+          <a:pPr marL="0" lvl="0" indent="0" algn="ctr" defTabSz="889000" rtl="0">
             <a:lnSpc>
               <a:spcPct val="100000"/>
             </a:lnSpc>
@@ -7128,12 +6751,12 @@
             <a:spcAft>
               <a:spcPts val="0"/>
             </a:spcAft>
+            <a:buNone/>
           </a:pPr>
           <a:r>
-            <a:rPr lang="zh-CN" altLang="en-US" sz="2000" kern="1200" dirty="0" smtClean="0"/>
+            <a:rPr lang="zh-CN" altLang="en-US" sz="2000" kern="1200" dirty="0"/>
             <a:t>文本分类</a:t>
           </a:r>
-          <a:endParaRPr lang="zh-CN" altLang="en-US" sz="2000" kern="1200" dirty="0"/>
         </a:p>
       </dsp:txBody>
       <dsp:txXfrm>
@@ -7201,7 +6824,7 @@
         </a:bodyPr>
         <a:lstStyle/>
         <a:p>
-          <a:pPr lvl="0" algn="ctr" defTabSz="355600">
+          <a:pPr marL="0" lvl="0" indent="0" algn="ctr" defTabSz="355600">
             <a:lnSpc>
               <a:spcPct val="100000"/>
             </a:lnSpc>
@@ -7211,6 +6834,7 @@
             <a:spcAft>
               <a:spcPts val="0"/>
             </a:spcAft>
+            <a:buNone/>
           </a:pPr>
           <a:endParaRPr lang="zh-CN" altLang="en-US" sz="800" kern="1200"/>
         </a:p>
@@ -7276,7 +6900,7 @@
         </a:bodyPr>
         <a:lstStyle/>
         <a:p>
-          <a:pPr lvl="0" algn="ctr" defTabSz="889000" rtl="0">
+          <a:pPr marL="0" lvl="0" indent="0" algn="ctr" defTabSz="889000" rtl="0">
             <a:lnSpc>
               <a:spcPct val="100000"/>
             </a:lnSpc>
@@ -7286,12 +6910,12 @@
             <a:spcAft>
               <a:spcPts val="0"/>
             </a:spcAft>
+            <a:buNone/>
           </a:pPr>
           <a:r>
-            <a:rPr lang="zh-CN" altLang="en-US" sz="2000" kern="1200" dirty="0" smtClean="0"/>
+            <a:rPr lang="zh-CN" altLang="en-US" sz="2000" kern="1200" dirty="0"/>
             <a:t>语音识别</a:t>
           </a:r>
-          <a:endParaRPr lang="zh-CN" altLang="en-US" sz="2000" kern="1200" dirty="0"/>
         </a:p>
       </dsp:txBody>
       <dsp:txXfrm>
@@ -7359,7 +6983,7 @@
         </a:bodyPr>
         <a:lstStyle/>
         <a:p>
-          <a:pPr lvl="0" algn="ctr" defTabSz="355600">
+          <a:pPr marL="0" lvl="0" indent="0" algn="ctr" defTabSz="355600">
             <a:lnSpc>
               <a:spcPct val="100000"/>
             </a:lnSpc>
@@ -7369,6 +6993,7 @@
             <a:spcAft>
               <a:spcPts val="0"/>
             </a:spcAft>
+            <a:buNone/>
           </a:pPr>
           <a:endParaRPr lang="zh-CN" altLang="en-US" sz="800" kern="1200"/>
         </a:p>
@@ -7434,7 +7059,7 @@
         </a:bodyPr>
         <a:lstStyle/>
         <a:p>
-          <a:pPr lvl="0" algn="ctr" defTabSz="889000" rtl="0">
+          <a:pPr marL="0" lvl="0" indent="0" algn="ctr" defTabSz="889000" rtl="0">
             <a:lnSpc>
               <a:spcPct val="100000"/>
             </a:lnSpc>
@@ -7444,12 +7069,12 @@
             <a:spcAft>
               <a:spcPts val="0"/>
             </a:spcAft>
+            <a:buNone/>
           </a:pPr>
           <a:r>
-            <a:rPr lang="zh-CN" altLang="en-US" sz="2000" kern="1200" dirty="0" smtClean="0"/>
+            <a:rPr lang="zh-CN" altLang="en-US" sz="2000" kern="1200" dirty="0"/>
             <a:t>不容易做</a:t>
           </a:r>
-          <a:endParaRPr lang="zh-CN" altLang="en-US" sz="2000" kern="1200" dirty="0"/>
         </a:p>
       </dsp:txBody>
       <dsp:txXfrm>
@@ -7517,7 +7142,7 @@
         </a:bodyPr>
         <a:lstStyle/>
         <a:p>
-          <a:pPr lvl="0" algn="ctr" defTabSz="355600">
+          <a:pPr marL="0" lvl="0" indent="0" algn="ctr" defTabSz="355600">
             <a:lnSpc>
               <a:spcPct val="100000"/>
             </a:lnSpc>
@@ -7527,6 +7152,7 @@
             <a:spcAft>
               <a:spcPts val="0"/>
             </a:spcAft>
+            <a:buNone/>
           </a:pPr>
           <a:endParaRPr lang="zh-CN" altLang="en-US" sz="800" kern="1200"/>
         </a:p>
@@ -7592,7 +7218,7 @@
         </a:bodyPr>
         <a:lstStyle/>
         <a:p>
-          <a:pPr lvl="0" algn="ctr" defTabSz="889000" rtl="0">
+          <a:pPr marL="0" lvl="0" indent="0" algn="ctr" defTabSz="889000" rtl="0">
             <a:lnSpc>
               <a:spcPct val="100000"/>
             </a:lnSpc>
@@ -7602,12 +7228,12 @@
             <a:spcAft>
               <a:spcPts val="0"/>
             </a:spcAft>
+            <a:buNone/>
           </a:pPr>
           <a:r>
-            <a:rPr lang="zh-CN" altLang="en-US" sz="2000" kern="1200" dirty="0" smtClean="0"/>
+            <a:rPr lang="zh-CN" altLang="en-US" sz="2000" kern="1200" dirty="0"/>
             <a:t>强化学习</a:t>
           </a:r>
-          <a:endParaRPr lang="zh-CN" altLang="en-US" sz="2000" kern="1200" dirty="0"/>
         </a:p>
       </dsp:txBody>
       <dsp:txXfrm>
@@ -7675,7 +7301,7 @@
         </a:bodyPr>
         <a:lstStyle/>
         <a:p>
-          <a:pPr lvl="0" algn="ctr" defTabSz="355600">
+          <a:pPr marL="0" lvl="0" indent="0" algn="ctr" defTabSz="355600">
             <a:lnSpc>
               <a:spcPct val="100000"/>
             </a:lnSpc>
@@ -7685,6 +7311,7 @@
             <a:spcAft>
               <a:spcPts val="0"/>
             </a:spcAft>
+            <a:buNone/>
           </a:pPr>
           <a:endParaRPr lang="zh-CN" altLang="en-US" sz="800" kern="1200"/>
         </a:p>
@@ -7750,7 +7377,7 @@
         </a:bodyPr>
         <a:lstStyle/>
         <a:p>
-          <a:pPr lvl="0" algn="ctr" defTabSz="889000" rtl="0">
+          <a:pPr marL="0" lvl="0" indent="0" algn="ctr" defTabSz="889000" rtl="0">
             <a:lnSpc>
               <a:spcPct val="100000"/>
             </a:lnSpc>
@@ -7760,12 +7387,12 @@
             <a:spcAft>
               <a:spcPts val="0"/>
             </a:spcAft>
+            <a:buNone/>
           </a:pPr>
           <a:r>
-            <a:rPr lang="zh-CN" altLang="en-US" sz="2000" kern="1200" dirty="0" smtClean="0"/>
+            <a:rPr lang="zh-CN" altLang="en-US" sz="2000" kern="1200" dirty="0"/>
             <a:t>围棋</a:t>
           </a:r>
-          <a:endParaRPr lang="zh-CN" altLang="en-US" sz="2000" kern="1200" dirty="0"/>
         </a:p>
       </dsp:txBody>
       <dsp:txXfrm>
@@ -7841,7 +7468,7 @@
         </a:bodyPr>
         <a:lstStyle/>
         <a:p>
-          <a:pPr lvl="0" algn="ctr" defTabSz="889000" rtl="0">
+          <a:pPr marL="0" lvl="0" indent="0" algn="ctr" defTabSz="889000" rtl="0">
             <a:lnSpc>
               <a:spcPct val="90000"/>
             </a:lnSpc>
@@ -7851,6 +7478,7 @@
             <a:spcAft>
               <a:spcPct val="35000"/>
             </a:spcAft>
+            <a:buNone/>
           </a:pPr>
           <a14:m xmlns:a14="http://schemas.microsoft.com/office/drawing/2010/main">
             <m:oMathPara xmlns:m="http://schemas.openxmlformats.org/officeDocument/2006/math">
@@ -7961,7 +7589,7 @@
         </a:bodyPr>
         <a:lstStyle/>
         <a:p>
-          <a:pPr lvl="0" algn="ctr" defTabSz="622300">
+          <a:pPr marL="0" lvl="0" indent="0" algn="ctr" defTabSz="622300">
             <a:lnSpc>
               <a:spcPct val="90000"/>
             </a:lnSpc>
@@ -7971,6 +7599,7 @@
             <a:spcAft>
               <a:spcPct val="35000"/>
             </a:spcAft>
+            <a:buNone/>
           </a:pPr>
           <a:endParaRPr lang="zh-CN" altLang="en-US" sz="1400" kern="1200"/>
         </a:p>
@@ -8036,7 +7665,7 @@
         </a:bodyPr>
         <a:lstStyle/>
         <a:p>
-          <a:pPr lvl="0" algn="ctr" defTabSz="889000" rtl="0">
+          <a:pPr marL="0" lvl="0" indent="0" algn="ctr" defTabSz="889000" rtl="0">
             <a:lnSpc>
               <a:spcPct val="90000"/>
             </a:lnSpc>
@@ -8046,6 +7675,7 @@
             <a:spcAft>
               <a:spcPct val="35000"/>
             </a:spcAft>
+            <a:buNone/>
           </a:pPr>
           <a14:m xmlns:a14="http://schemas.microsoft.com/office/drawing/2010/main">
             <m:oMathPara xmlns:m="http://schemas.openxmlformats.org/officeDocument/2006/math">
@@ -8191,7 +7821,7 @@
         </a:bodyPr>
         <a:lstStyle/>
         <a:p>
-          <a:pPr lvl="0" algn="ctr" defTabSz="622300">
+          <a:pPr marL="0" lvl="0" indent="0" algn="ctr" defTabSz="622300">
             <a:lnSpc>
               <a:spcPct val="90000"/>
             </a:lnSpc>
@@ -8201,6 +7831,7 @@
             <a:spcAft>
               <a:spcPct val="35000"/>
             </a:spcAft>
+            <a:buNone/>
           </a:pPr>
           <a:endParaRPr lang="zh-CN" altLang="en-US" sz="1400" kern="1200"/>
         </a:p>
@@ -8266,7 +7897,7 @@
         </a:bodyPr>
         <a:lstStyle/>
         <a:p>
-          <a:pPr lvl="0" algn="ctr" defTabSz="889000" rtl="0">
+          <a:pPr marL="0" lvl="0" indent="0" algn="ctr" defTabSz="889000" rtl="0">
             <a:lnSpc>
               <a:spcPct val="90000"/>
             </a:lnSpc>
@@ -8276,9 +7907,10 @@
             <a:spcAft>
               <a:spcPct val="35000"/>
             </a:spcAft>
+            <a:buNone/>
           </a:pPr>
           <a:r>
-            <a:rPr lang="en-US" altLang="zh-CN" sz="2000" kern="1200" dirty="0" smtClean="0"/>
+            <a:rPr lang="en-US" altLang="zh-CN" sz="2000" kern="1200" dirty="0"/>
             <a:t>…</a:t>
           </a:r>
           <a:endParaRPr lang="zh-CN" sz="2000" kern="1200" dirty="0"/>
@@ -8339,7 +7971,7 @@
         </a:bodyPr>
         <a:lstStyle/>
         <a:p>
-          <a:pPr lvl="0" algn="ctr" defTabSz="622300">
+          <a:pPr marL="0" lvl="0" indent="0" algn="ctr" defTabSz="622300">
             <a:lnSpc>
               <a:spcPct val="90000"/>
             </a:lnSpc>
@@ -8349,6 +7981,7 @@
             <a:spcAft>
               <a:spcPct val="35000"/>
             </a:spcAft>
+            <a:buNone/>
           </a:pPr>
           <a:endParaRPr lang="zh-CN" altLang="en-US" sz="1400" kern="1200"/>
         </a:p>
@@ -8414,7 +8047,7 @@
         </a:bodyPr>
         <a:lstStyle/>
         <a:p>
-          <a:pPr lvl="0" algn="ctr" defTabSz="889000" rtl="0">
+          <a:pPr marL="0" lvl="0" indent="0" algn="ctr" defTabSz="889000" rtl="0">
             <a:lnSpc>
               <a:spcPct val="90000"/>
             </a:lnSpc>
@@ -8424,6 +8057,7 @@
             <a:spcAft>
               <a:spcPct val="35000"/>
             </a:spcAft>
+            <a:buNone/>
           </a:pPr>
           <a14:m xmlns:a14="http://schemas.microsoft.com/office/drawing/2010/main">
             <m:oMathPara xmlns:m="http://schemas.openxmlformats.org/officeDocument/2006/math">
@@ -13135,7 +12769,7 @@
               <a:pPr>
                 <a:defRPr/>
               </a:pPr>
-              <a:t>10/14/2018</a:t>
+              <a:t>11/29/2018</a:t>
             </a:fld>
             <a:endParaRPr lang="en-US" altLang="zh-CN"/>
           </a:p>
@@ -13202,38 +12836,37 @@
           <a:p>
             <a:pPr lvl="0"/>
             <a:r>
-              <a:rPr lang="en-US" noProof="0" smtClean="0"/>
+              <a:rPr lang="en-US" noProof="0"/>
               <a:t>Click to edit Master text styles</a:t>
             </a:r>
           </a:p>
           <a:p>
             <a:pPr lvl="1"/>
             <a:r>
-              <a:rPr lang="en-US" noProof="0" smtClean="0"/>
+              <a:rPr lang="en-US" noProof="0"/>
               <a:t>Second level</a:t>
             </a:r>
           </a:p>
           <a:p>
             <a:pPr lvl="2"/>
             <a:r>
-              <a:rPr lang="en-US" noProof="0" smtClean="0"/>
+              <a:rPr lang="en-US" noProof="0"/>
               <a:t>Third level</a:t>
             </a:r>
           </a:p>
           <a:p>
             <a:pPr lvl="3"/>
             <a:r>
-              <a:rPr lang="en-US" noProof="0" smtClean="0"/>
+              <a:rPr lang="en-US" noProof="0"/>
               <a:t>Fourth level</a:t>
             </a:r>
           </a:p>
           <a:p>
             <a:pPr lvl="4"/>
             <a:r>
-              <a:rPr lang="en-US" noProof="0" smtClean="0"/>
+              <a:rPr lang="en-US" noProof="0"/>
               <a:t>Fifth level</a:t>
             </a:r>
-            <a:endParaRPr lang="en-US" noProof="0"/>
           </a:p>
         </p:txBody>
       </p:sp>
@@ -13571,7 +13204,7 @@
       </p:grpSpPr>
       <p:sp>
         <p:nvSpPr>
-          <p:cNvPr id="2" name="Slide Image Placeholder 1"/>
+          <p:cNvPr id="2" name="幻灯片图像占位符 1"/>
           <p:cNvSpPr>
             <a:spLocks noGrp="1" noRot="1" noChangeAspect="1"/>
           </p:cNvSpPr>
@@ -13583,7 +13216,7 @@
       </p:sp>
       <p:sp>
         <p:nvSpPr>
-          <p:cNvPr id="3" name="Notes Placeholder 2"/>
+          <p:cNvPr id="3" name="备注占位符 2"/>
           <p:cNvSpPr>
             <a:spLocks noGrp="1"/>
           </p:cNvSpPr>
@@ -13596,59 +13229,118 @@
           <a:bodyPr/>
           <a:lstStyle/>
           <a:p>
-            <a:endParaRPr lang="en-US" altLang="zh-CN" dirty="0" smtClean="0"/>
-          </a:p>
-          <a:p>
-            <a:r>
-              <a:rPr lang="en-US" altLang="zh-CN" dirty="0" smtClean="0"/>
-              <a:t>Deep architectures can lead</a:t>
-            </a:r>
-          </a:p>
-          <a:p>
-            <a:r>
-              <a:rPr lang="en-US" altLang="zh-CN" dirty="0" smtClean="0"/>
-              <a:t>to abstract representations because more abstract concepts can</a:t>
-            </a:r>
-          </a:p>
-          <a:p>
-            <a:r>
-              <a:rPr lang="en-US" altLang="zh-CN" dirty="0" smtClean="0"/>
-              <a:t>often be constructed in terms of less abstract ones.</a:t>
-            </a:r>
-          </a:p>
-          <a:p>
-            <a:endParaRPr lang="en-US" altLang="zh-CN" dirty="0" smtClean="0"/>
-          </a:p>
-          <a:p>
-            <a:r>
-              <a:rPr lang="zh-CN" altLang="en-US" dirty="0" smtClean="0"/>
-              <a:t>深度：输入到输出之间的路径（信用分配）</a:t>
-            </a:r>
-          </a:p>
-          <a:p>
-            <a:r>
-              <a:rPr lang="zh-CN" altLang="en-US" dirty="0" smtClean="0"/>
-              <a:t>多层人工神经网络</a:t>
-            </a:r>
-          </a:p>
-          <a:p>
-            <a:r>
-              <a:rPr lang="zh-CN" altLang="en-US" dirty="0" smtClean="0"/>
-              <a:t>层数大于</a:t>
-            </a:r>
-            <a:r>
-              <a:rPr lang="en-US" altLang="zh-CN" dirty="0" smtClean="0"/>
-              <a:t>1</a:t>
-            </a:r>
-          </a:p>
-          <a:p>
-            <a:r>
-              <a:rPr lang="en-US" altLang="zh-CN" dirty="0" err="1" smtClean="0"/>
-              <a:t>Schmidhuber</a:t>
-            </a:r>
-            <a:r>
-              <a:rPr lang="en-US" altLang="zh-CN" dirty="0" smtClean="0"/>
-              <a:t>: 10 is sure deep</a:t>
+            <a:r>
+              <a:rPr lang="zh-CN" altLang="en-US" dirty="0"/>
+              <a:t>据不完全统计，现有的颜色命名已经有</a:t>
+            </a:r>
+            <a:r>
+              <a:rPr lang="en-US" altLang="zh-CN" dirty="0"/>
+              <a:t>1300</a:t>
+            </a:r>
+            <a:r>
+              <a:rPr lang="zh-CN" altLang="en-US" dirty="0"/>
+              <a:t>多种</a:t>
+            </a:r>
+            <a:endParaRPr lang="en-US" altLang="zh-CN" dirty="0"/>
+          </a:p>
+          <a:p>
+            <a:endParaRPr lang="en-US" altLang="zh-CN" dirty="0"/>
+          </a:p>
+          <a:p>
+            <a:r>
+              <a:rPr lang="zh-CN" altLang="en-US" dirty="0"/>
+              <a:t>即神经元和颜色名字是“多对多”关系。</a:t>
+            </a:r>
+            <a:endParaRPr lang="en-US" altLang="zh-CN" dirty="0"/>
+          </a:p>
+          <a:p>
+            <a:endParaRPr lang="en-US" altLang="zh-CN" dirty="0"/>
+          </a:p>
+          <a:p>
+            <a:pPr marL="0" marR="0" lvl="0" indent="0" algn="l" defTabSz="914400" rtl="0" eaLnBrk="0" fontAlgn="base" latinLnBrk="0" hangingPunct="0">
+              <a:lnSpc>
+                <a:spcPct val="100000"/>
+              </a:lnSpc>
+              <a:spcBef>
+                <a:spcPct val="30000"/>
+              </a:spcBef>
+              <a:spcAft>
+                <a:spcPct val="0"/>
+              </a:spcAft>
+              <a:buClrTx/>
+              <a:buSzTx/>
+              <a:buFontTx/>
+              <a:buNone/>
+              <a:tabLst/>
+              <a:defRPr/>
+            </a:pPr>
+            <a:r>
+              <a:rPr lang="zh-CN" altLang="en-US" dirty="0"/>
+              <a:t>很有很多比如</a:t>
+            </a:r>
+            <a:r>
+              <a:rPr lang="en-US" altLang="zh-CN" dirty="0"/>
+              <a:t>``</a:t>
+            </a:r>
+            <a:r>
+              <a:rPr lang="zh-CN" altLang="en-US" dirty="0"/>
+              <a:t>红色</a:t>
+            </a:r>
+            <a:r>
+              <a:rPr lang="en-US" altLang="zh-CN" dirty="0"/>
+              <a:t>''</a:t>
+            </a:r>
+            <a:r>
+              <a:rPr lang="zh-CN" altLang="en-US" dirty="0"/>
+              <a:t>、</a:t>
+            </a:r>
+            <a:r>
+              <a:rPr lang="en-US" altLang="zh-CN" dirty="0"/>
+              <a:t>``</a:t>
+            </a:r>
+            <a:r>
+              <a:rPr lang="zh-CN" altLang="en-US" dirty="0"/>
+              <a:t>白色</a:t>
+            </a:r>
+            <a:r>
+              <a:rPr lang="en-US" altLang="zh-CN" dirty="0"/>
+              <a:t>''</a:t>
+            </a:r>
+            <a:r>
+              <a:rPr lang="zh-CN" altLang="en-US" dirty="0"/>
+              <a:t>、</a:t>
+            </a:r>
+            <a:r>
+              <a:rPr lang="en-US" altLang="zh-CN" dirty="0"/>
+              <a:t>``</a:t>
+            </a:r>
+            <a:r>
+              <a:rPr lang="zh-CN" altLang="en-US" dirty="0"/>
+              <a:t>黑色</a:t>
+            </a:r>
+            <a:r>
+              <a:rPr lang="en-US" altLang="zh-CN" dirty="0"/>
+              <a:t>''</a:t>
+            </a:r>
+            <a:r>
+              <a:rPr lang="zh-CN" altLang="en-US" dirty="0"/>
+              <a:t>、</a:t>
+            </a:r>
+            <a:r>
+              <a:rPr lang="en-US" altLang="zh-CN" dirty="0"/>
+              <a:t>``</a:t>
+            </a:r>
+            <a:r>
+              <a:rPr lang="zh-CN" altLang="en-US" dirty="0"/>
+              <a:t>绿色</a:t>
+            </a:r>
+            <a:r>
+              <a:rPr lang="en-US" altLang="zh-CN" dirty="0"/>
+              <a:t>''</a:t>
+            </a:r>
+            <a:r>
+              <a:rPr lang="zh-CN" altLang="en-US" dirty="0"/>
+              <a:t>，还有以地区或物品命名的，比如“中国红”、“普鲁士蓝”、“咖啡色”、“奶油色”等等。</a:t>
             </a:r>
           </a:p>
           <a:p>
@@ -13658,7 +13350,7 @@
       </p:sp>
       <p:sp>
         <p:nvSpPr>
-          <p:cNvPr id="4" name="Slide Number Placeholder 3"/>
+          <p:cNvPr id="4" name="灯片编号占位符 3"/>
           <p:cNvSpPr>
             <a:spLocks noGrp="1"/>
           </p:cNvSpPr>
@@ -13679,7 +13371,7 @@
               <a:pPr>
                 <a:defRPr/>
               </a:pPr>
-              <a:t>28</a:t>
+              <a:t>26</a:t>
             </a:fld>
             <a:endParaRPr lang="en-US" altLang="zh-CN"/>
           </a:p>
@@ -13688,7 +13380,7 @@
     </p:spTree>
     <p:extLst>
       <p:ext uri="{BB962C8B-B14F-4D97-AF65-F5344CB8AC3E}">
-        <p14:creationId xmlns:p14="http://schemas.microsoft.com/office/powerpoint/2010/main" val="3104732666"/>
+        <p14:creationId xmlns:p14="http://schemas.microsoft.com/office/powerpoint/2010/main" val="2999138507"/>
       </p:ext>
     </p:extLst>
   </p:cSld>
@@ -13717,7 +13409,7 @@
       </p:grpSpPr>
       <p:sp>
         <p:nvSpPr>
-          <p:cNvPr id="2" name="幻灯片图像占位符 1"/>
+          <p:cNvPr id="2" name="Slide Image Placeholder 1"/>
           <p:cNvSpPr>
             <a:spLocks noGrp="1" noRot="1" noChangeAspect="1"/>
           </p:cNvSpPr>
@@ -13729,7 +13421,7 @@
       </p:sp>
       <p:sp>
         <p:nvSpPr>
-          <p:cNvPr id="3" name="备注占位符 2"/>
+          <p:cNvPr id="3" name="Notes Placeholder 2"/>
           <p:cNvSpPr>
             <a:spLocks noGrp="1"/>
           </p:cNvSpPr>
@@ -13742,17 +13434,69 @@
           <a:bodyPr/>
           <a:lstStyle/>
           <a:p>
-            <a:r>
-              <a:rPr lang="zh-CN" altLang="en-US" dirty="0" smtClean="0"/>
-              <a:t>复合函数</a:t>
-            </a:r>
+            <a:endParaRPr lang="en-US" altLang="zh-CN" dirty="0"/>
+          </a:p>
+          <a:p>
+            <a:r>
+              <a:rPr lang="en-US" altLang="zh-CN" dirty="0"/>
+              <a:t>Deep architectures can lead</a:t>
+            </a:r>
+          </a:p>
+          <a:p>
+            <a:r>
+              <a:rPr lang="en-US" altLang="zh-CN" dirty="0"/>
+              <a:t>to abstract representations because more abstract concepts can</a:t>
+            </a:r>
+          </a:p>
+          <a:p>
+            <a:r>
+              <a:rPr lang="en-US" altLang="zh-CN" dirty="0"/>
+              <a:t>often be constructed in terms of less abstract ones.</a:t>
+            </a:r>
+          </a:p>
+          <a:p>
+            <a:endParaRPr lang="en-US" altLang="zh-CN" dirty="0"/>
+          </a:p>
+          <a:p>
+            <a:r>
+              <a:rPr lang="zh-CN" altLang="en-US" dirty="0"/>
+              <a:t>深度：输入到输出之间的路径（信用分配）</a:t>
+            </a:r>
+          </a:p>
+          <a:p>
+            <a:r>
+              <a:rPr lang="zh-CN" altLang="en-US" dirty="0"/>
+              <a:t>多层人工神经网络</a:t>
+            </a:r>
+          </a:p>
+          <a:p>
+            <a:r>
+              <a:rPr lang="zh-CN" altLang="en-US" dirty="0"/>
+              <a:t>层数大于</a:t>
+            </a:r>
+            <a:r>
+              <a:rPr lang="en-US" altLang="zh-CN" dirty="0"/>
+              <a:t>1</a:t>
+            </a:r>
+          </a:p>
+          <a:p>
+            <a:r>
+              <a:rPr lang="en-US" altLang="zh-CN" dirty="0" err="1"/>
+              <a:t>Schmidhuber</a:t>
+            </a:r>
+            <a:r>
+              <a:rPr lang="en-US" altLang="zh-CN" dirty="0"/>
+              <a:t>: 10 is sure deep</a:t>
+            </a:r>
+          </a:p>
+          <a:p>
             <a:endParaRPr lang="zh-CN" altLang="en-US" dirty="0"/>
           </a:p>
         </p:txBody>
       </p:sp>
       <p:sp>
         <p:nvSpPr>
-          <p:cNvPr id="4" name="灯片编号占位符 3"/>
+          <p:cNvPr id="4" name="Slide Number Placeholder 3"/>
           <p:cNvSpPr>
             <a:spLocks noGrp="1"/>
           </p:cNvSpPr>
@@ -13773,7 +13517,7 @@
               <a:pPr>
                 <a:defRPr/>
               </a:pPr>
-              <a:t>32</a:t>
+              <a:t>28</a:t>
             </a:fld>
             <a:endParaRPr lang="en-US" altLang="zh-CN"/>
           </a:p>
@@ -13782,7 +13526,7 @@
     </p:spTree>
     <p:extLst>
       <p:ext uri="{BB962C8B-B14F-4D97-AF65-F5344CB8AC3E}">
-        <p14:creationId xmlns:p14="http://schemas.microsoft.com/office/powerpoint/2010/main" val="1060528039"/>
+        <p14:creationId xmlns:p14="http://schemas.microsoft.com/office/powerpoint/2010/main" val="3104732666"/>
       </p:ext>
     </p:extLst>
   </p:cSld>
@@ -13837,156 +13581,9 @@
           <a:lstStyle/>
           <a:p>
             <a:r>
-              <a:rPr lang="en-US" altLang="zh-CN" dirty="0" smtClean="0"/>
-              <a:t>\item \</a:t>
-            </a:r>
-            <a:r>
-              <a:rPr lang="en-US" altLang="zh-CN" dirty="0" err="1" smtClean="0"/>
-              <a:t>textbf</a:t>
-            </a:r>
-            <a:r>
-              <a:rPr lang="en-US" altLang="zh-CN" dirty="0" smtClean="0"/>
-              <a:t>{</a:t>
-            </a:r>
-            <a:r>
-              <a:rPr lang="zh-CN" altLang="en-US" dirty="0" smtClean="0"/>
-              <a:t>细胞体</a:t>
-            </a:r>
-            <a:r>
-              <a:rPr lang="en-US" altLang="zh-CN" dirty="0" smtClean="0"/>
-              <a:t>}</a:t>
-            </a:r>
-            <a:r>
-              <a:rPr lang="zh-CN" altLang="en-US" dirty="0" smtClean="0"/>
-              <a:t>（</a:t>
-            </a:r>
-            <a:r>
-              <a:rPr lang="en-US" altLang="zh-CN" dirty="0" smtClean="0"/>
-              <a:t>Soma</a:t>
-            </a:r>
-            <a:r>
-              <a:rPr lang="zh-CN" altLang="en-US" dirty="0" smtClean="0"/>
-              <a:t>）中的神经细胞膜上有各种受体和离子通道，胞膜的受体可与相应的化学物质神经递质结合，引起离子通透性及膜内外电位差发生改变，产生相应的生理活动：</a:t>
-            </a:r>
-            <a:r>
-              <a:rPr lang="en-US" altLang="zh-CN" dirty="0" smtClean="0"/>
-              <a:t>\</a:t>
-            </a:r>
-            <a:r>
-              <a:rPr lang="en-US" altLang="zh-CN" dirty="0" err="1" smtClean="0"/>
-              <a:t>textbf</a:t>
-            </a:r>
-            <a:r>
-              <a:rPr lang="en-US" altLang="zh-CN" dirty="0" smtClean="0"/>
-              <a:t>{</a:t>
-            </a:r>
-            <a:r>
-              <a:rPr lang="zh-CN" altLang="en-US" dirty="0" smtClean="0"/>
-              <a:t>兴奋</a:t>
-            </a:r>
-            <a:r>
-              <a:rPr lang="en-US" altLang="zh-CN" dirty="0" smtClean="0"/>
-              <a:t>}</a:t>
-            </a:r>
-            <a:r>
-              <a:rPr lang="zh-CN" altLang="en-US" dirty="0" smtClean="0"/>
-              <a:t>或</a:t>
-            </a:r>
-            <a:r>
-              <a:rPr lang="en-US" altLang="zh-CN" dirty="0" smtClean="0"/>
-              <a:t>\</a:t>
-            </a:r>
-            <a:r>
-              <a:rPr lang="en-US" altLang="zh-CN" dirty="0" err="1" smtClean="0"/>
-              <a:t>textbf</a:t>
-            </a:r>
-            <a:r>
-              <a:rPr lang="en-US" altLang="zh-CN" dirty="0" smtClean="0"/>
-              <a:t>{</a:t>
-            </a:r>
-            <a:r>
-              <a:rPr lang="zh-CN" altLang="en-US" dirty="0" smtClean="0"/>
-              <a:t>抑制</a:t>
-            </a:r>
-            <a:r>
-              <a:rPr lang="en-US" altLang="zh-CN" dirty="0" smtClean="0"/>
-              <a:t>}</a:t>
-            </a:r>
-            <a:r>
-              <a:rPr lang="zh-CN" altLang="en-US" dirty="0" smtClean="0"/>
-              <a:t>。</a:t>
-            </a:r>
-          </a:p>
-          <a:p>
-            <a:r>
-              <a:rPr lang="en-US" altLang="zh-CN" dirty="0" smtClean="0"/>
-              <a:t>\item </a:t>
-            </a:r>
-            <a:r>
-              <a:rPr lang="zh-CN" altLang="en-US" dirty="0" smtClean="0"/>
-              <a:t>细胞突起是由细胞体延伸出来的细长部分，又可分为树突和轴突。</a:t>
-            </a:r>
-          </a:p>
-          <a:p>
-            <a:r>
-              <a:rPr lang="en-US" altLang="zh-CN" dirty="0" smtClean="0"/>
-              <a:t>\item \</a:t>
-            </a:r>
-            <a:r>
-              <a:rPr lang="en-US" altLang="zh-CN" dirty="0" err="1" smtClean="0"/>
-              <a:t>textbf</a:t>
-            </a:r>
-            <a:r>
-              <a:rPr lang="en-US" altLang="zh-CN" dirty="0" smtClean="0"/>
-              <a:t>{</a:t>
-            </a:r>
-            <a:r>
-              <a:rPr lang="zh-CN" altLang="en-US" dirty="0" smtClean="0"/>
-              <a:t>树突</a:t>
-            </a:r>
-            <a:r>
-              <a:rPr lang="en-US" altLang="zh-CN" dirty="0" smtClean="0"/>
-              <a:t>}</a:t>
-            </a:r>
-            <a:r>
-              <a:rPr lang="zh-CN" altLang="en-US" dirty="0" smtClean="0"/>
-              <a:t>（</a:t>
-            </a:r>
-            <a:r>
-              <a:rPr lang="en-US" altLang="zh-CN" dirty="0" smtClean="0"/>
-              <a:t>Dendrite</a:t>
-            </a:r>
-            <a:r>
-              <a:rPr lang="zh-CN" altLang="en-US" dirty="0" smtClean="0"/>
-              <a:t>）可以接受刺激并将兴奋传入细胞体。每个神经元可以有一或多个树突。</a:t>
-            </a:r>
-          </a:p>
-          <a:p>
-            <a:r>
-              <a:rPr lang="en-US" altLang="zh-CN" dirty="0" smtClean="0"/>
-              <a:t>\item \</a:t>
-            </a:r>
-            <a:r>
-              <a:rPr lang="en-US" altLang="zh-CN" dirty="0" err="1" smtClean="0"/>
-              <a:t>textbf</a:t>
-            </a:r>
-            <a:r>
-              <a:rPr lang="en-US" altLang="zh-CN" dirty="0" smtClean="0"/>
-              <a:t>{</a:t>
-            </a:r>
-            <a:r>
-              <a:rPr lang="zh-CN" altLang="en-US" dirty="0" smtClean="0"/>
-              <a:t>轴突</a:t>
-            </a:r>
-            <a:r>
-              <a:rPr lang="en-US" altLang="zh-CN" dirty="0" smtClean="0"/>
-              <a:t>}(Axons)</a:t>
-            </a:r>
-            <a:r>
-              <a:rPr lang="zh-CN" altLang="en-US" dirty="0" smtClean="0"/>
-              <a:t>可以把兴奋从胞体传送到另一个神经元或其他组织。每个神经元只有一个轴突。</a:t>
-            </a:r>
-            <a:endParaRPr lang="zh-CN" altLang="en-US" dirty="0"/>
+              <a:rPr lang="zh-CN" altLang="en-US" dirty="0"/>
+              <a:t>复合函数</a:t>
+            </a:r>
           </a:p>
         </p:txBody>
       </p:sp>
@@ -14013,7 +13610,7 @@
               <a:pPr>
                 <a:defRPr/>
               </a:pPr>
-              <a:t>34</a:t>
+              <a:t>32</a:t>
             </a:fld>
             <a:endParaRPr lang="en-US" altLang="zh-CN"/>
           </a:p>
@@ -14022,7 +13619,7 @@
     </p:spTree>
     <p:extLst>
       <p:ext uri="{BB962C8B-B14F-4D97-AF65-F5344CB8AC3E}">
-        <p14:creationId xmlns:p14="http://schemas.microsoft.com/office/powerpoint/2010/main" val="1185306877"/>
+        <p14:creationId xmlns:p14="http://schemas.microsoft.com/office/powerpoint/2010/main" val="1060528039"/>
       </p:ext>
     </p:extLst>
   </p:cSld>
@@ -14076,7 +13673,156 @@
           <a:bodyPr/>
           <a:lstStyle/>
           <a:p>
-            <a:endParaRPr lang="zh-CN" altLang="en-US" dirty="0"/>
+            <a:r>
+              <a:rPr lang="en-US" altLang="zh-CN" dirty="0"/>
+              <a:t>\item \</a:t>
+            </a:r>
+            <a:r>
+              <a:rPr lang="en-US" altLang="zh-CN" dirty="0" err="1"/>
+              <a:t>textbf</a:t>
+            </a:r>
+            <a:r>
+              <a:rPr lang="en-US" altLang="zh-CN" dirty="0"/>
+              <a:t>{</a:t>
+            </a:r>
+            <a:r>
+              <a:rPr lang="zh-CN" altLang="en-US" dirty="0"/>
+              <a:t>细胞体</a:t>
+            </a:r>
+            <a:r>
+              <a:rPr lang="en-US" altLang="zh-CN" dirty="0"/>
+              <a:t>}</a:t>
+            </a:r>
+            <a:r>
+              <a:rPr lang="zh-CN" altLang="en-US" dirty="0"/>
+              <a:t>（</a:t>
+            </a:r>
+            <a:r>
+              <a:rPr lang="en-US" altLang="zh-CN" dirty="0"/>
+              <a:t>Soma</a:t>
+            </a:r>
+            <a:r>
+              <a:rPr lang="zh-CN" altLang="en-US" dirty="0"/>
+              <a:t>）中的神经细胞膜上有各种受体和离子通道，胞膜的受体可与相应的化学物质神经递质结合，引起离子通透性及膜内外电位差发生改变，产生相应的生理活动：</a:t>
+            </a:r>
+            <a:r>
+              <a:rPr lang="en-US" altLang="zh-CN" dirty="0"/>
+              <a:t>\</a:t>
+            </a:r>
+            <a:r>
+              <a:rPr lang="en-US" altLang="zh-CN" dirty="0" err="1"/>
+              <a:t>textbf</a:t>
+            </a:r>
+            <a:r>
+              <a:rPr lang="en-US" altLang="zh-CN" dirty="0"/>
+              <a:t>{</a:t>
+            </a:r>
+            <a:r>
+              <a:rPr lang="zh-CN" altLang="en-US" dirty="0"/>
+              <a:t>兴奋</a:t>
+            </a:r>
+            <a:r>
+              <a:rPr lang="en-US" altLang="zh-CN" dirty="0"/>
+              <a:t>}</a:t>
+            </a:r>
+            <a:r>
+              <a:rPr lang="zh-CN" altLang="en-US" dirty="0"/>
+              <a:t>或</a:t>
+            </a:r>
+            <a:r>
+              <a:rPr lang="en-US" altLang="zh-CN" dirty="0"/>
+              <a:t>\</a:t>
+            </a:r>
+            <a:r>
+              <a:rPr lang="en-US" altLang="zh-CN" dirty="0" err="1"/>
+              <a:t>textbf</a:t>
+            </a:r>
+            <a:r>
+              <a:rPr lang="en-US" altLang="zh-CN" dirty="0"/>
+              <a:t>{</a:t>
+            </a:r>
+            <a:r>
+              <a:rPr lang="zh-CN" altLang="en-US" dirty="0"/>
+              <a:t>抑制</a:t>
+            </a:r>
+            <a:r>
+              <a:rPr lang="en-US" altLang="zh-CN" dirty="0"/>
+              <a:t>}</a:t>
+            </a:r>
+            <a:r>
+              <a:rPr lang="zh-CN" altLang="en-US" dirty="0"/>
+              <a:t>。</a:t>
+            </a:r>
+          </a:p>
+          <a:p>
+            <a:r>
+              <a:rPr lang="en-US" altLang="zh-CN" dirty="0"/>
+              <a:t>\item </a:t>
+            </a:r>
+            <a:r>
+              <a:rPr lang="zh-CN" altLang="en-US" dirty="0"/>
+              <a:t>细胞突起是由细胞体延伸出来的细长部分，又可分为树突和轴突。</a:t>
+            </a:r>
+          </a:p>
+          <a:p>
+            <a:r>
+              <a:rPr lang="en-US" altLang="zh-CN" dirty="0"/>
+              <a:t>\item \</a:t>
+            </a:r>
+            <a:r>
+              <a:rPr lang="en-US" altLang="zh-CN" dirty="0" err="1"/>
+              <a:t>textbf</a:t>
+            </a:r>
+            <a:r>
+              <a:rPr lang="en-US" altLang="zh-CN" dirty="0"/>
+              <a:t>{</a:t>
+            </a:r>
+            <a:r>
+              <a:rPr lang="zh-CN" altLang="en-US" dirty="0"/>
+              <a:t>树突</a:t>
+            </a:r>
+            <a:r>
+              <a:rPr lang="en-US" altLang="zh-CN" dirty="0"/>
+              <a:t>}</a:t>
+            </a:r>
+            <a:r>
+              <a:rPr lang="zh-CN" altLang="en-US" dirty="0"/>
+              <a:t>（</a:t>
+            </a:r>
+            <a:r>
+              <a:rPr lang="en-US" altLang="zh-CN" dirty="0"/>
+              <a:t>Dendrite</a:t>
+            </a:r>
+            <a:r>
+              <a:rPr lang="zh-CN" altLang="en-US" dirty="0"/>
+              <a:t>）可以接受刺激并将兴奋传入细胞体。每个神经元可以有一或多个树突。</a:t>
+            </a:r>
+          </a:p>
+          <a:p>
+            <a:r>
+              <a:rPr lang="en-US" altLang="zh-CN" dirty="0"/>
+              <a:t>\item \</a:t>
+            </a:r>
+            <a:r>
+              <a:rPr lang="en-US" altLang="zh-CN" dirty="0" err="1"/>
+              <a:t>textbf</a:t>
+            </a:r>
+            <a:r>
+              <a:rPr lang="en-US" altLang="zh-CN" dirty="0"/>
+              <a:t>{</a:t>
+            </a:r>
+            <a:r>
+              <a:rPr lang="zh-CN" altLang="en-US" dirty="0"/>
+              <a:t>轴突</a:t>
+            </a:r>
+            <a:r>
+              <a:rPr lang="en-US" altLang="zh-CN" dirty="0"/>
+              <a:t>}(Axons)</a:t>
+            </a:r>
+            <a:r>
+              <a:rPr lang="zh-CN" altLang="en-US" dirty="0"/>
+              <a:t>可以把兴奋从胞体传送到另一个神经元或其他组织。每个神经元只有一个轴突。</a:t>
+            </a:r>
           </a:p>
         </p:txBody>
       </p:sp>
@@ -14103,7 +13849,7 @@
               <a:pPr>
                 <a:defRPr/>
               </a:pPr>
-              <a:t>35</a:t>
+              <a:t>34</a:t>
             </a:fld>
             <a:endParaRPr lang="en-US" altLang="zh-CN"/>
           </a:p>
@@ -14112,7 +13858,7 @@
     </p:spTree>
     <p:extLst>
       <p:ext uri="{BB962C8B-B14F-4D97-AF65-F5344CB8AC3E}">
-        <p14:creationId xmlns:p14="http://schemas.microsoft.com/office/powerpoint/2010/main" val="1357945976"/>
+        <p14:creationId xmlns:p14="http://schemas.microsoft.com/office/powerpoint/2010/main" val="1185306877"/>
       </p:ext>
     </p:extLst>
   </p:cSld>
@@ -14166,129 +13912,6 @@
           <a:bodyPr/>
           <a:lstStyle/>
           <a:p>
-            <a:r>
-              <a:rPr lang="zh-CN" altLang="en-US" dirty="0" smtClean="0"/>
-              <a:t>发展历史</a:t>
-            </a:r>
-            <a:endParaRPr lang="en-US" altLang="zh-CN" dirty="0" smtClean="0"/>
-          </a:p>
-          <a:p>
-            <a:pPr lvl="0"/>
-            <a:r>
-              <a:rPr lang="en-US" altLang="zh-CN" dirty="0" smtClean="0"/>
-              <a:t>1958 </a:t>
-            </a:r>
-            <a:r>
-              <a:rPr lang="zh-CN" altLang="en-US" dirty="0" smtClean="0"/>
-              <a:t>年 </a:t>
-            </a:r>
-            <a:r>
-              <a:rPr lang="en-US" altLang="zh-CN" dirty="0" smtClean="0"/>
-              <a:t>Rosenblatt </a:t>
-            </a:r>
-            <a:r>
-              <a:rPr lang="zh-CN" altLang="en-US" dirty="0" smtClean="0"/>
-              <a:t>感知器</a:t>
-            </a:r>
-          </a:p>
-          <a:p>
-            <a:pPr lvl="0"/>
-            <a:r>
-              <a:rPr lang="en-US" altLang="zh-CN" dirty="0" smtClean="0"/>
-              <a:t>1969 </a:t>
-            </a:r>
-            <a:r>
-              <a:rPr lang="zh-CN" altLang="en-US" dirty="0" smtClean="0"/>
-              <a:t>年 </a:t>
-            </a:r>
-            <a:r>
-              <a:rPr lang="en-US" altLang="zh-CN" dirty="0" smtClean="0"/>
-              <a:t>Minsky XOR</a:t>
-            </a:r>
-          </a:p>
-          <a:p>
-            <a:pPr lvl="0"/>
-            <a:r>
-              <a:rPr lang="en-US" altLang="zh-CN" dirty="0" smtClean="0"/>
-              <a:t>1986 </a:t>
-            </a:r>
-            <a:r>
-              <a:rPr lang="zh-CN" altLang="en-US" dirty="0" smtClean="0"/>
-              <a:t>年 </a:t>
-            </a:r>
-            <a:r>
-              <a:rPr lang="en-US" altLang="zh-CN" dirty="0" smtClean="0"/>
-              <a:t>Hinton</a:t>
-            </a:r>
-            <a:r>
-              <a:rPr lang="zh-CN" altLang="en-US" dirty="0" smtClean="0"/>
-              <a:t>、</a:t>
-            </a:r>
-            <a:r>
-              <a:rPr lang="en-US" altLang="zh-CN" dirty="0" err="1" smtClean="0"/>
-              <a:t>LeCun</a:t>
-            </a:r>
-            <a:r>
-              <a:rPr lang="en-US" altLang="zh-CN" dirty="0" smtClean="0"/>
-              <a:t> </a:t>
-            </a:r>
-            <a:r>
-              <a:rPr lang="zh-CN" altLang="en-US" dirty="0" smtClean="0"/>
-              <a:t>人工神经网络（</a:t>
-            </a:r>
-            <a:r>
-              <a:rPr lang="en-US" altLang="zh-CN" dirty="0" smtClean="0"/>
-              <a:t>BP </a:t>
-            </a:r>
-            <a:r>
-              <a:rPr lang="zh-CN" altLang="en-US" dirty="0" smtClean="0"/>
-              <a:t>算法）</a:t>
-            </a:r>
-          </a:p>
-          <a:p>
-            <a:pPr lvl="0"/>
-            <a:r>
-              <a:rPr lang="en-US" altLang="zh-CN" dirty="0" smtClean="0"/>
-              <a:t>1998 </a:t>
-            </a:r>
-            <a:r>
-              <a:rPr lang="zh-CN" altLang="en-US" dirty="0" smtClean="0"/>
-              <a:t>年 </a:t>
-            </a:r>
-            <a:r>
-              <a:rPr lang="en-US" altLang="zh-CN" dirty="0" err="1" smtClean="0"/>
-              <a:t>LeCun</a:t>
-            </a:r>
-            <a:r>
-              <a:rPr lang="en-US" altLang="zh-CN" dirty="0" smtClean="0"/>
-              <a:t> </a:t>
-            </a:r>
-            <a:r>
-              <a:rPr lang="zh-CN" altLang="en-US" dirty="0" smtClean="0"/>
-              <a:t>卷积神经网络</a:t>
-            </a:r>
-          </a:p>
-          <a:p>
-            <a:pPr lvl="0"/>
-            <a:r>
-              <a:rPr lang="en-US" altLang="zh-CN" dirty="0" smtClean="0"/>
-              <a:t>2006 </a:t>
-            </a:r>
-            <a:r>
-              <a:rPr lang="zh-CN" altLang="en-US" dirty="0" smtClean="0"/>
-              <a:t>年 </a:t>
-            </a:r>
-            <a:r>
-              <a:rPr lang="en-US" altLang="zh-CN" dirty="0" smtClean="0"/>
-              <a:t>Hinton </a:t>
-            </a:r>
-            <a:r>
-              <a:rPr lang="zh-CN" altLang="en-US" dirty="0" smtClean="0"/>
-              <a:t>深度网络</a:t>
-            </a:r>
-          </a:p>
-          <a:p>
-            <a:pPr lvl="0"/>
             <a:endParaRPr lang="zh-CN" altLang="en-US" dirty="0"/>
           </a:p>
         </p:txBody>
@@ -14316,6 +13939,219 @@
               <a:pPr>
                 <a:defRPr/>
               </a:pPr>
+              <a:t>35</a:t>
+            </a:fld>
+            <a:endParaRPr lang="en-US" altLang="zh-CN"/>
+          </a:p>
+        </p:txBody>
+      </p:sp>
+    </p:spTree>
+    <p:extLst>
+      <p:ext uri="{BB962C8B-B14F-4D97-AF65-F5344CB8AC3E}">
+        <p14:creationId xmlns:p14="http://schemas.microsoft.com/office/powerpoint/2010/main" val="1357945976"/>
+      </p:ext>
+    </p:extLst>
+  </p:cSld>
+  <p:clrMapOvr>
+    <a:masterClrMapping/>
+  </p:clrMapOvr>
+</p:notes>
+</file>
+
+<file path=ppt/notesSlides/notesSlide15.xml><?xml version="1.0" encoding="utf-8"?>
+<p:notes xmlns:a="http://schemas.openxmlformats.org/drawingml/2006/main" xmlns:r="http://schemas.openxmlformats.org/officeDocument/2006/relationships" xmlns:p="http://schemas.openxmlformats.org/presentationml/2006/main">
+  <p:cSld>
+    <p:spTree>
+      <p:nvGrpSpPr>
+        <p:cNvPr id="1" name=""/>
+        <p:cNvGrpSpPr/>
+        <p:nvPr/>
+      </p:nvGrpSpPr>
+      <p:grpSpPr>
+        <a:xfrm>
+          <a:off x="0" y="0"/>
+          <a:ext cx="0" cy="0"/>
+          <a:chOff x="0" y="0"/>
+          <a:chExt cx="0" cy="0"/>
+        </a:xfrm>
+      </p:grpSpPr>
+      <p:sp>
+        <p:nvSpPr>
+          <p:cNvPr id="2" name="幻灯片图像占位符 1"/>
+          <p:cNvSpPr>
+            <a:spLocks noGrp="1" noRot="1" noChangeAspect="1"/>
+          </p:cNvSpPr>
+          <p:nvPr>
+            <p:ph type="sldImg"/>
+          </p:nvPr>
+        </p:nvSpPr>
+        <p:spPr/>
+      </p:sp>
+      <p:sp>
+        <p:nvSpPr>
+          <p:cNvPr id="3" name="备注占位符 2"/>
+          <p:cNvSpPr>
+            <a:spLocks noGrp="1"/>
+          </p:cNvSpPr>
+          <p:nvPr>
+            <p:ph type="body" idx="1"/>
+          </p:nvPr>
+        </p:nvSpPr>
+        <p:spPr/>
+        <p:txBody>
+          <a:bodyPr/>
+          <a:lstStyle/>
+          <a:p>
+            <a:r>
+              <a:rPr lang="zh-CN" altLang="en-US" dirty="0"/>
+              <a:t>发展历史</a:t>
+            </a:r>
+            <a:endParaRPr lang="en-US" altLang="zh-CN" dirty="0"/>
+          </a:p>
+          <a:p>
+            <a:pPr lvl="0"/>
+            <a:r>
+              <a:rPr lang="en-US" altLang="zh-CN" dirty="0"/>
+              <a:t>1958 </a:t>
+            </a:r>
+            <a:r>
+              <a:rPr lang="zh-CN" altLang="en-US" dirty="0"/>
+              <a:t>年 </a:t>
+            </a:r>
+            <a:r>
+              <a:rPr lang="en-US" altLang="zh-CN" dirty="0"/>
+              <a:t>Rosenblatt </a:t>
+            </a:r>
+            <a:r>
+              <a:rPr lang="zh-CN" altLang="en-US" dirty="0"/>
+              <a:t>感知器</a:t>
+            </a:r>
+          </a:p>
+          <a:p>
+            <a:pPr lvl="0"/>
+            <a:r>
+              <a:rPr lang="en-US" altLang="zh-CN" dirty="0"/>
+              <a:t>1969 </a:t>
+            </a:r>
+            <a:r>
+              <a:rPr lang="zh-CN" altLang="en-US" dirty="0"/>
+              <a:t>年 </a:t>
+            </a:r>
+            <a:r>
+              <a:rPr lang="en-US" altLang="zh-CN" dirty="0"/>
+              <a:t>Minsky XOR</a:t>
+            </a:r>
+          </a:p>
+          <a:p>
+            <a:pPr lvl="0"/>
+            <a:r>
+              <a:rPr lang="en-US" altLang="zh-CN" dirty="0"/>
+              <a:t>1986 </a:t>
+            </a:r>
+            <a:r>
+              <a:rPr lang="zh-CN" altLang="en-US" dirty="0"/>
+              <a:t>年 </a:t>
+            </a:r>
+            <a:r>
+              <a:rPr lang="en-US" altLang="zh-CN" dirty="0"/>
+              <a:t>Hinton</a:t>
+            </a:r>
+            <a:r>
+              <a:rPr lang="zh-CN" altLang="en-US" dirty="0"/>
+              <a:t>、</a:t>
+            </a:r>
+            <a:r>
+              <a:rPr lang="en-US" altLang="zh-CN" dirty="0" err="1"/>
+              <a:t>LeCun</a:t>
+            </a:r>
+            <a:r>
+              <a:rPr lang="en-US" altLang="zh-CN" dirty="0"/>
+              <a:t> </a:t>
+            </a:r>
+            <a:r>
+              <a:rPr lang="zh-CN" altLang="en-US" dirty="0"/>
+              <a:t>人工神经网络（</a:t>
+            </a:r>
+            <a:r>
+              <a:rPr lang="en-US" altLang="zh-CN" dirty="0"/>
+              <a:t>BP </a:t>
+            </a:r>
+            <a:r>
+              <a:rPr lang="zh-CN" altLang="en-US" dirty="0"/>
+              <a:t>算法）</a:t>
+            </a:r>
+          </a:p>
+          <a:p>
+            <a:pPr lvl="0"/>
+            <a:r>
+              <a:rPr lang="en-US" altLang="zh-CN" dirty="0"/>
+              <a:t>1998 </a:t>
+            </a:r>
+            <a:r>
+              <a:rPr lang="zh-CN" altLang="en-US" dirty="0"/>
+              <a:t>年 </a:t>
+            </a:r>
+            <a:r>
+              <a:rPr lang="en-US" altLang="zh-CN" dirty="0" err="1"/>
+              <a:t>LeCun</a:t>
+            </a:r>
+            <a:r>
+              <a:rPr lang="en-US" altLang="zh-CN" dirty="0"/>
+              <a:t> </a:t>
+            </a:r>
+            <a:r>
+              <a:rPr lang="zh-CN" altLang="en-US" dirty="0"/>
+              <a:t>卷积神经网络</a:t>
+            </a:r>
+          </a:p>
+          <a:p>
+            <a:pPr lvl="0"/>
+            <a:r>
+              <a:rPr lang="en-US" altLang="zh-CN" dirty="0"/>
+              <a:t>2006 </a:t>
+            </a:r>
+            <a:r>
+              <a:rPr lang="zh-CN" altLang="en-US" dirty="0"/>
+              <a:t>年 </a:t>
+            </a:r>
+            <a:r>
+              <a:rPr lang="en-US" altLang="zh-CN" dirty="0"/>
+              <a:t>Hinton </a:t>
+            </a:r>
+            <a:r>
+              <a:rPr lang="zh-CN" altLang="en-US" dirty="0"/>
+              <a:t>深度网络</a:t>
+            </a:r>
+          </a:p>
+          <a:p>
+            <a:pPr lvl="0"/>
+            <a:endParaRPr lang="zh-CN" altLang="en-US" dirty="0"/>
+          </a:p>
+        </p:txBody>
+      </p:sp>
+      <p:sp>
+        <p:nvSpPr>
+          <p:cNvPr id="4" name="灯片编号占位符 3"/>
+          <p:cNvSpPr>
+            <a:spLocks noGrp="1"/>
+          </p:cNvSpPr>
+          <p:nvPr>
+            <p:ph type="sldNum" sz="quarter" idx="10"/>
+          </p:nvPr>
+        </p:nvSpPr>
+        <p:spPr/>
+        <p:txBody>
+          <a:bodyPr/>
+          <a:lstStyle/>
+          <a:p>
+            <a:pPr>
+              <a:defRPr/>
+            </a:pPr>
+            <a:fld id="{B4C119E0-CEE4-4FF8-83B2-DC856A2C17CC}" type="slidenum">
+              <a:rPr lang="en-US" altLang="zh-CN" smtClean="0"/>
+              <a:pPr>
+                <a:defRPr/>
+              </a:pPr>
               <a:t>46</a:t>
             </a:fld>
             <a:endParaRPr lang="en-US" altLang="zh-CN"/>
@@ -14335,7 +14171,7 @@
 </p:notes>
 </file>
 
-<file path=ppt/notesSlides/notesSlide15.xml><?xml version="1.0" encoding="utf-8"?>
+<file path=ppt/notesSlides/notesSlide16.xml><?xml version="1.0" encoding="utf-8"?>
 <p:notes xmlns:a="http://schemas.openxmlformats.org/drawingml/2006/main" xmlns:r="http://schemas.openxmlformats.org/officeDocument/2006/relationships" xmlns:p="http://schemas.openxmlformats.org/presentationml/2006/main">
   <p:cSld>
     <p:spTree>
@@ -14464,24 +14300,23 @@
           <a:lstStyle/>
           <a:p>
             <a:r>
-              <a:rPr lang="zh-CN" altLang="en-US" dirty="0" smtClean="0"/>
+              <a:rPr lang="zh-CN" altLang="en-US" sz="100" dirty="0"/>
               <a:t>智能（</a:t>
             </a:r>
             <a:r>
-              <a:rPr lang="en-US" altLang="zh-CN" dirty="0" smtClean="0"/>
+              <a:rPr lang="en-US" altLang="zh-CN" sz="100" dirty="0"/>
               <a:t>intelligence</a:t>
             </a:r>
             <a:r>
-              <a:rPr lang="zh-CN" altLang="en-US" dirty="0" smtClean="0"/>
+              <a:rPr lang="zh-CN" altLang="en-US" sz="100" dirty="0"/>
               <a:t>）是现代生活中很常见的一个词，比如智能手机、智能家</a:t>
             </a:r>
           </a:p>
           <a:p>
             <a:r>
-              <a:rPr lang="zh-CN" altLang="en-US" dirty="0" smtClean="0"/>
+              <a:rPr lang="zh-CN" altLang="en-US" sz="100" dirty="0"/>
               <a:t>居、智能驾驶等。</a:t>
             </a:r>
-            <a:endParaRPr lang="zh-CN" altLang="en-US" dirty="0"/>
           </a:p>
         </p:txBody>
       </p:sp>
@@ -14528,6 +14363,147 @@
 </file>
 
 <file path=ppt/notesSlides/notesSlide3.xml><?xml version="1.0" encoding="utf-8"?>
+<p:notes xmlns:a="http://schemas.openxmlformats.org/drawingml/2006/main" xmlns:r="http://schemas.openxmlformats.org/officeDocument/2006/relationships" xmlns:p="http://schemas.openxmlformats.org/presentationml/2006/main">
+  <p:cSld>
+    <p:spTree>
+      <p:nvGrpSpPr>
+        <p:cNvPr id="1" name=""/>
+        <p:cNvGrpSpPr/>
+        <p:nvPr/>
+      </p:nvGrpSpPr>
+      <p:grpSpPr>
+        <a:xfrm>
+          <a:off x="0" y="0"/>
+          <a:ext cx="0" cy="0"/>
+          <a:chOff x="0" y="0"/>
+          <a:chExt cx="0" cy="0"/>
+        </a:xfrm>
+      </p:grpSpPr>
+      <p:sp>
+        <p:nvSpPr>
+          <p:cNvPr id="2" name="幻灯片图像占位符 1"/>
+          <p:cNvSpPr>
+            <a:spLocks noGrp="1" noRot="1" noChangeAspect="1"/>
+          </p:cNvSpPr>
+          <p:nvPr>
+            <p:ph type="sldImg"/>
+          </p:nvPr>
+        </p:nvSpPr>
+        <p:spPr/>
+      </p:sp>
+      <p:sp>
+        <p:nvSpPr>
+          <p:cNvPr id="3" name="备注占位符 2"/>
+          <p:cNvSpPr>
+            <a:spLocks noGrp="1"/>
+          </p:cNvSpPr>
+          <p:nvPr>
+            <p:ph type="body" idx="1"/>
+          </p:nvPr>
+        </p:nvSpPr>
+        <p:spPr/>
+        <p:txBody>
+          <a:bodyPr/>
+          <a:lstStyle/>
+          <a:p>
+            <a:r>
+              <a:rPr lang="en-US" altLang="zh-CN" dirty="0"/>
+              <a:t>1950</a:t>
+            </a:r>
+            <a:r>
+              <a:rPr lang="zh-CN" altLang="en-US" dirty="0"/>
+              <a:t>年 </a:t>
+            </a:r>
+            <a:r>
+              <a:rPr lang="en-US" altLang="zh-CN" dirty="0"/>
+              <a:t>\</a:t>
+            </a:r>
+            <a:r>
+              <a:rPr lang="en-US" altLang="zh-CN" dirty="0" err="1"/>
+              <a:t>textbf</a:t>
+            </a:r>
+            <a:r>
+              <a:rPr lang="en-US" altLang="zh-CN" dirty="0"/>
+              <a:t>{</a:t>
+            </a:r>
+            <a:r>
+              <a:rPr lang="zh-CN" altLang="en-US" dirty="0"/>
+              <a:t>图灵测试</a:t>
+            </a:r>
+            <a:r>
+              <a:rPr lang="en-US" altLang="zh-CN" dirty="0"/>
+              <a:t>}</a:t>
+            </a:r>
+            <a:r>
+              <a:rPr lang="zh-CN" altLang="en-US" dirty="0"/>
+              <a:t>：“一个人在不接触对方的情况下，通过一种特殊的方式，和对方进行一系列的问答。如果在相当长时间内，他无法根据这些问题判断对方是人还是计算机，那么就可以认为这个计算机是智能的”。</a:t>
+            </a:r>
+            <a:endParaRPr lang="en-US" altLang="zh-CN" dirty="0"/>
+          </a:p>
+          <a:p>
+            <a:endParaRPr lang="en-US" altLang="zh-CN" dirty="0"/>
+          </a:p>
+          <a:p>
+            <a:r>
+              <a:rPr lang="zh-CN" altLang="en-US" dirty="0"/>
+              <a:t> 图灵测试是促使人工智能从哲学探讨到科学研究的一个重要因素，引导了人工智能的很多研究方向。因为要使得计算机能通过图灵测试，计算机必须具备理解语言、学习、记忆、推理、决策等能力。</a:t>
+            </a:r>
+            <a:endParaRPr lang="en-US" altLang="zh-CN" dirty="0"/>
+          </a:p>
+          <a:p>
+            <a:endParaRPr lang="en-US" altLang="zh-CN" dirty="0"/>
+          </a:p>
+          <a:p>
+            <a:endParaRPr lang="en-US" altLang="zh-CN" dirty="0"/>
+          </a:p>
+          <a:p>
+            <a:endParaRPr lang="zh-CN" altLang="en-US" dirty="0"/>
+          </a:p>
+        </p:txBody>
+      </p:sp>
+      <p:sp>
+        <p:nvSpPr>
+          <p:cNvPr id="4" name="灯片编号占位符 3"/>
+          <p:cNvSpPr>
+            <a:spLocks noGrp="1"/>
+          </p:cNvSpPr>
+          <p:nvPr>
+            <p:ph type="sldNum" sz="quarter" idx="5"/>
+          </p:nvPr>
+        </p:nvSpPr>
+        <p:spPr/>
+        <p:txBody>
+          <a:bodyPr/>
+          <a:lstStyle/>
+          <a:p>
+            <a:pPr>
+              <a:defRPr/>
+            </a:pPr>
+            <a:fld id="{B4C119E0-CEE4-4FF8-83B2-DC856A2C17CC}" type="slidenum">
+              <a:rPr lang="en-US" altLang="zh-CN" smtClean="0"/>
+              <a:pPr>
+                <a:defRPr/>
+              </a:pPr>
+              <a:t>12</a:t>
+            </a:fld>
+            <a:endParaRPr lang="en-US" altLang="zh-CN"/>
+          </a:p>
+        </p:txBody>
+      </p:sp>
+    </p:spTree>
+    <p:extLst>
+      <p:ext uri="{BB962C8B-B14F-4D97-AF65-F5344CB8AC3E}">
+        <p14:creationId xmlns:p14="http://schemas.microsoft.com/office/powerpoint/2010/main" val="1943533223"/>
+      </p:ext>
+    </p:extLst>
+  </p:cSld>
+  <p:clrMapOvr>
+    <a:masterClrMapping/>
+  </p:clrMapOvr>
+</p:notes>
+</file>
+
+<file path=ppt/notesSlides/notesSlide4.xml><?xml version="1.0" encoding="utf-8"?>
 <p:notes xmlns:a="http://schemas.openxmlformats.org/drawingml/2006/main" xmlns:r="http://schemas.openxmlformats.org/officeDocument/2006/relationships" xmlns:p="http://schemas.openxmlformats.org/presentationml/2006/main">
   <p:cSld>
     <p:spTree>
@@ -14576,79 +14552,7 @@
           <a:bodyPr/>
           <a:lstStyle/>
           <a:p>
-            <a:r>
-              <a:rPr lang="en-US" altLang="zh-CN" dirty="0" smtClean="0"/>
-              <a:t>1950</a:t>
-            </a:r>
-            <a:r>
-              <a:rPr lang="zh-CN" altLang="en-US" dirty="0" smtClean="0"/>
-              <a:t>年 </a:t>
-            </a:r>
-            <a:r>
-              <a:rPr lang="en-US" altLang="zh-CN" dirty="0" smtClean="0"/>
-              <a:t>\</a:t>
-            </a:r>
-            <a:r>
-              <a:rPr lang="en-US" altLang="zh-CN" dirty="0" err="1" smtClean="0"/>
-              <a:t>textbf</a:t>
-            </a:r>
-            <a:r>
-              <a:rPr lang="en-US" altLang="zh-CN" dirty="0" smtClean="0"/>
-              <a:t>{</a:t>
-            </a:r>
-            <a:r>
-              <a:rPr lang="zh-CN" altLang="en-US" dirty="0" smtClean="0"/>
-              <a:t>图灵测试</a:t>
-            </a:r>
-            <a:r>
-              <a:rPr lang="en-US" altLang="zh-CN" dirty="0" smtClean="0"/>
-              <a:t>}</a:t>
-            </a:r>
-            <a:r>
-              <a:rPr lang="zh-CN" altLang="en-US" dirty="0" smtClean="0"/>
-              <a:t>：“一个人在不接触对方的情况下，通过一种特殊的方式，和对方进行一系列的问答。如果在相当长时间内，他无法根据这些问题判断对方是人还是计算机，那么就可以认为这个计算机是智能的”。</a:t>
-            </a:r>
-            <a:endParaRPr lang="en-US" altLang="zh-CN" dirty="0" smtClean="0"/>
-          </a:p>
-          <a:p>
-            <a:endParaRPr lang="en-US" altLang="zh-CN" dirty="0" smtClean="0"/>
-          </a:p>
-          <a:p>
-            <a:r>
-              <a:rPr lang="zh-CN" altLang="en-US" dirty="0" smtClean="0"/>
-              <a:t> 图灵测试是促使人工智能从哲学探讨到科学研究的一个重要因素，引导了人工智能的很多研究方向。因为要使得计算机能通过图灵测试，计算机必须具备理解语言、学习、记忆、推理、决策等能力。</a:t>
-            </a:r>
-            <a:endParaRPr lang="en-US" altLang="zh-CN" dirty="0" smtClean="0"/>
-          </a:p>
-          <a:p>
-            <a:endParaRPr lang="en-US" altLang="zh-CN" dirty="0" smtClean="0"/>
-          </a:p>
-          <a:p>
-            <a:r>
-              <a:rPr lang="en-US" altLang="zh-CN" dirty="0" smtClean="0"/>
-              <a:t>1956</a:t>
-            </a:r>
-            <a:r>
-              <a:rPr lang="zh-CN" altLang="en-US" dirty="0" smtClean="0"/>
-              <a:t>年的达特茅斯（</a:t>
-            </a:r>
-            <a:r>
-              <a:rPr lang="en-US" altLang="zh-CN" dirty="0" smtClean="0"/>
-              <a:t>Dartmouth</a:t>
-            </a:r>
-            <a:r>
-              <a:rPr lang="zh-CN" altLang="en-US" dirty="0" smtClean="0"/>
-              <a:t>）会议。在这次会议上，“人工智能”被提出并作为本研究领域的名称。同时，人工智能研究的使命也得以确定。</a:t>
-            </a:r>
-            <a:r>
-              <a:rPr lang="en-US" altLang="zh-CN" dirty="0" smtClean="0"/>
-              <a:t>John McCarthy</a:t>
-            </a:r>
-            <a:r>
-              <a:rPr lang="zh-CN" altLang="en-US" dirty="0" smtClean="0"/>
-              <a:t>提出了人工智能的定义：人工智能就是要让机器的行为看起来就象是人所表现出的智能行为一样。</a:t>
-            </a:r>
-            <a:endParaRPr lang="en-US" altLang="zh-CN" dirty="0" smtClean="0"/>
+            <a:endParaRPr lang="en-US" altLang="zh-CN" dirty="0"/>
           </a:p>
         </p:txBody>
       </p:sp>
@@ -14694,7 +14598,7 @@
 </p:notes>
 </file>
 
-<file path=ppt/notesSlides/notesSlide4.xml><?xml version="1.0" encoding="utf-8"?>
+<file path=ppt/notesSlides/notesSlide5.xml><?xml version="1.0" encoding="utf-8"?>
 <p:notes xmlns:a="http://schemas.openxmlformats.org/drawingml/2006/main" xmlns:r="http://schemas.openxmlformats.org/officeDocument/2006/relationships" xmlns:p="http://schemas.openxmlformats.org/presentationml/2006/main">
   <p:cSld>
     <p:spTree>
@@ -14739,10 +14643,9 @@
           <a:lstStyle/>
           <a:p>
             <a:r>
-              <a:rPr lang="zh-CN" altLang="en-US" dirty="0" smtClean="0"/>
+              <a:rPr lang="zh-CN" altLang="en-US" dirty="0"/>
               <a:t>车牌识别？</a:t>
             </a:r>
-            <a:endParaRPr lang="zh-CN" altLang="en-US" dirty="0"/>
           </a:p>
         </p:txBody>
       </p:sp>
@@ -14779,142 +14682,6 @@
     <p:extLst>
       <p:ext uri="{BB962C8B-B14F-4D97-AF65-F5344CB8AC3E}">
         <p14:creationId xmlns:p14="http://schemas.microsoft.com/office/powerpoint/2010/main" val="4063070228"/>
-      </p:ext>
-    </p:extLst>
-  </p:cSld>
-  <p:clrMapOvr>
-    <a:masterClrMapping/>
-  </p:clrMapOvr>
-</p:notes>
-</file>
-
-<file path=ppt/notesSlides/notesSlide5.xml><?xml version="1.0" encoding="utf-8"?>
-<p:notes xmlns:a="http://schemas.openxmlformats.org/drawingml/2006/main" xmlns:r="http://schemas.openxmlformats.org/officeDocument/2006/relationships" xmlns:p="http://schemas.openxmlformats.org/presentationml/2006/main">
-  <p:cSld>
-    <p:spTree>
-      <p:nvGrpSpPr>
-        <p:cNvPr id="1" name=""/>
-        <p:cNvGrpSpPr/>
-        <p:nvPr/>
-      </p:nvGrpSpPr>
-      <p:grpSpPr>
-        <a:xfrm>
-          <a:off x="0" y="0"/>
-          <a:ext cx="0" cy="0"/>
-          <a:chOff x="0" y="0"/>
-          <a:chExt cx="0" cy="0"/>
-        </a:xfrm>
-      </p:grpSpPr>
-      <p:sp>
-        <p:nvSpPr>
-          <p:cNvPr id="2" name="Slide Image Placeholder 1"/>
-          <p:cNvSpPr>
-            <a:spLocks noGrp="1" noRot="1" noChangeAspect="1"/>
-          </p:cNvSpPr>
-          <p:nvPr>
-            <p:ph type="sldImg"/>
-          </p:nvPr>
-        </p:nvSpPr>
-        <p:spPr/>
-      </p:sp>
-      <p:sp>
-        <p:nvSpPr>
-          <p:cNvPr id="3" name="Notes Placeholder 2"/>
-          <p:cNvSpPr>
-            <a:spLocks noGrp="1"/>
-          </p:cNvSpPr>
-          <p:nvPr>
-            <p:ph type="body" idx="1"/>
-          </p:nvPr>
-        </p:nvSpPr>
-        <p:spPr/>
-        <p:txBody>
-          <a:bodyPr/>
-          <a:lstStyle/>
-          <a:p>
-            <a:pPr marL="0" marR="0" lvl="0" indent="0" algn="l" defTabSz="914400" rtl="0" eaLnBrk="0" fontAlgn="base" latinLnBrk="0" hangingPunct="0">
-              <a:lnSpc>
-                <a:spcPct val="100000"/>
-              </a:lnSpc>
-              <a:spcBef>
-                <a:spcPct val="30000"/>
-              </a:spcBef>
-              <a:spcAft>
-                <a:spcPct val="0"/>
-              </a:spcAft>
-              <a:buClrTx/>
-              <a:buSzTx/>
-              <a:buFontTx/>
-              <a:buNone/>
-              <a:tabLst/>
-              <a:defRPr/>
-            </a:pPr>
-            <a:r>
-              <a:rPr lang="zh-CN" altLang="en-US" dirty="0" smtClean="0"/>
-              <a:t>人们对文本、图像的理解无法从字符串或者图像的底层特征直接获得，它需要使用人们日常生活中积累的大量经验和知识来进行推理和判断。</a:t>
-            </a:r>
-          </a:p>
-          <a:p>
-            <a:pPr marL="0" marR="0" lvl="0" indent="0" algn="l" defTabSz="914400" rtl="0" eaLnBrk="0" fontAlgn="base" latinLnBrk="0" hangingPunct="0">
-              <a:lnSpc>
-                <a:spcPct val="100000"/>
-              </a:lnSpc>
-              <a:spcBef>
-                <a:spcPct val="30000"/>
-              </a:spcBef>
-              <a:spcAft>
-                <a:spcPct val="0"/>
-              </a:spcAft>
-              <a:buClrTx/>
-              <a:buSzTx/>
-              <a:buFontTx/>
-              <a:buNone/>
-              <a:tabLst/>
-              <a:defRPr/>
-            </a:pPr>
-            <a:r>
-              <a:rPr lang="zh-CN" altLang="en-US" dirty="0" smtClean="0"/>
-              <a:t>对于一些高层次的抽象概念，如一幅关于节日的图像所表达出的欢乐和喜庆的感觉等，更需要根据人的知识来判断。</a:t>
-            </a:r>
-          </a:p>
-          <a:p>
-            <a:endParaRPr lang="zh-CN" altLang="en-US" dirty="0"/>
-          </a:p>
-        </p:txBody>
-      </p:sp>
-      <p:sp>
-        <p:nvSpPr>
-          <p:cNvPr id="4" name="Slide Number Placeholder 3"/>
-          <p:cNvSpPr>
-            <a:spLocks noGrp="1"/>
-          </p:cNvSpPr>
-          <p:nvPr>
-            <p:ph type="sldNum" sz="quarter" idx="10"/>
-          </p:nvPr>
-        </p:nvSpPr>
-        <p:spPr/>
-        <p:txBody>
-          <a:bodyPr/>
-          <a:lstStyle/>
-          <a:p>
-            <a:pPr>
-              <a:defRPr/>
-            </a:pPr>
-            <a:fld id="{B4C119E0-CEE4-4FF8-83B2-DC856A2C17CC}" type="slidenum">
-              <a:rPr lang="en-US" altLang="zh-CN" smtClean="0"/>
-              <a:pPr>
-                <a:defRPr/>
-              </a:pPr>
-              <a:t>21</a:t>
-            </a:fld>
-            <a:endParaRPr lang="en-US" altLang="zh-CN"/>
-          </a:p>
-        </p:txBody>
-      </p:sp>
-    </p:spTree>
-    <p:extLst>
-      <p:ext uri="{BB962C8B-B14F-4D97-AF65-F5344CB8AC3E}">
-        <p14:creationId xmlns:p14="http://schemas.microsoft.com/office/powerpoint/2010/main" val="3284163028"/>
       </p:ext>
     </p:extLst>
   </p:cSld>
@@ -14968,6 +14735,52 @@
           <a:bodyPr/>
           <a:lstStyle/>
           <a:p>
+            <a:pPr marL="0" marR="0" lvl="0" indent="0" algn="l" defTabSz="914400" rtl="0" eaLnBrk="0" fontAlgn="base" latinLnBrk="0" hangingPunct="0">
+              <a:lnSpc>
+                <a:spcPct val="100000"/>
+              </a:lnSpc>
+              <a:spcBef>
+                <a:spcPct val="30000"/>
+              </a:spcBef>
+              <a:spcAft>
+                <a:spcPct val="0"/>
+              </a:spcAft>
+              <a:buClrTx/>
+              <a:buSzTx/>
+              <a:buFontTx/>
+              <a:buNone/>
+              <a:tabLst/>
+              <a:defRPr/>
+            </a:pPr>
+            <a:r>
+              <a:rPr lang="zh-CN" altLang="en-US" dirty="0"/>
+              <a:t>人们对文本、图像的理解无法从字符串或者图像的底层特征直接获得，它需要使用人们日常生活中积累的大量经验和知识来进行推理和判断。</a:t>
+            </a:r>
+          </a:p>
+          <a:p>
+            <a:pPr marL="0" marR="0" lvl="0" indent="0" algn="l" defTabSz="914400" rtl="0" eaLnBrk="0" fontAlgn="base" latinLnBrk="0" hangingPunct="0">
+              <a:lnSpc>
+                <a:spcPct val="100000"/>
+              </a:lnSpc>
+              <a:spcBef>
+                <a:spcPct val="30000"/>
+              </a:spcBef>
+              <a:spcAft>
+                <a:spcPct val="0"/>
+              </a:spcAft>
+              <a:buClrTx/>
+              <a:buSzTx/>
+              <a:buFontTx/>
+              <a:buNone/>
+              <a:tabLst/>
+              <a:defRPr/>
+            </a:pPr>
+            <a:r>
+              <a:rPr lang="zh-CN" altLang="en-US" dirty="0"/>
+              <a:t>对于一些高层次的抽象概念，如一幅关于节日的图像所表达出的欢乐和喜庆的感觉等，更需要根据人的知识来判断。</a:t>
+            </a:r>
+          </a:p>
+          <a:p>
             <a:endParaRPr lang="zh-CN" altLang="en-US" dirty="0"/>
           </a:p>
         </p:txBody>
@@ -14995,7 +14808,7 @@
               <a:pPr>
                 <a:defRPr/>
               </a:pPr>
-              <a:t>22</a:t>
+              <a:t>21</a:t>
             </a:fld>
             <a:endParaRPr lang="en-US" altLang="zh-CN"/>
           </a:p>
@@ -15004,7 +14817,7 @@
     </p:spTree>
     <p:extLst>
       <p:ext uri="{BB962C8B-B14F-4D97-AF65-F5344CB8AC3E}">
-        <p14:creationId xmlns:p14="http://schemas.microsoft.com/office/powerpoint/2010/main" val="2531541933"/>
+        <p14:creationId xmlns:p14="http://schemas.microsoft.com/office/powerpoint/2010/main" val="3284163028"/>
       </p:ext>
     </p:extLst>
   </p:cSld>
@@ -15058,48 +14871,6 @@
           <a:bodyPr/>
           <a:lstStyle/>
           <a:p>
-            <a:r>
-              <a:rPr lang="zh-CN" altLang="en-US" dirty="0" smtClean="0"/>
-              <a:t>现代科学以物理、数学为典范，表达规律的等式实质上都是要在某种变化中，表示出一种能用量的关系显示出来的不变性的规律。</a:t>
-            </a:r>
-            <a:endParaRPr lang="en-US" altLang="zh-CN" dirty="0" smtClean="0"/>
-          </a:p>
-          <a:p>
-            <a:endParaRPr lang="en-US" altLang="zh-CN" dirty="0" smtClean="0"/>
-          </a:p>
-          <a:p>
-            <a:r>
-              <a:rPr lang="zh-CN" altLang="en-US" dirty="0" smtClean="0"/>
-              <a:t>近义词：换汤不换药，殊途同归</a:t>
-            </a:r>
-            <a:endParaRPr lang="en-US" altLang="zh-CN" dirty="0" smtClean="0"/>
-          </a:p>
-          <a:p>
-            <a:endParaRPr lang="en-US" altLang="zh-CN" dirty="0" smtClean="0"/>
-          </a:p>
-          <a:p>
-            <a:r>
-              <a:rPr lang="zh-CN" altLang="en-US" dirty="0" smtClean="0"/>
-              <a:t>把主要常见的动作、情形，归纳成几个公式</a:t>
-            </a:r>
-            <a:r>
-              <a:rPr lang="en-US" altLang="zh-CN" dirty="0" smtClean="0"/>
-              <a:t>(</a:t>
-            </a:r>
-            <a:r>
-              <a:rPr lang="zh-CN" altLang="en-US" dirty="0" smtClean="0"/>
-              <a:t>或说是套路、围棋定式之类的东西</a:t>
-            </a:r>
-            <a:r>
-              <a:rPr lang="en-US" altLang="zh-CN" dirty="0" smtClean="0"/>
-              <a:t>)</a:t>
-            </a:r>
-            <a:r>
-              <a:rPr lang="zh-CN" altLang="en-US" dirty="0" smtClean="0"/>
-              <a:t>，</a:t>
-            </a:r>
-          </a:p>
-          <a:p>
             <a:endParaRPr lang="zh-CN" altLang="en-US" dirty="0"/>
           </a:p>
         </p:txBody>
@@ -15127,7 +14898,7 @@
               <a:pPr>
                 <a:defRPr/>
               </a:pPr>
-              <a:t>23</a:t>
+              <a:t>22</a:t>
             </a:fld>
             <a:endParaRPr lang="en-US" altLang="zh-CN"/>
           </a:p>
@@ -15136,7 +14907,7 @@
     </p:spTree>
     <p:extLst>
       <p:ext uri="{BB962C8B-B14F-4D97-AF65-F5344CB8AC3E}">
-        <p14:creationId xmlns:p14="http://schemas.microsoft.com/office/powerpoint/2010/main" val="4288360778"/>
+        <p14:creationId xmlns:p14="http://schemas.microsoft.com/office/powerpoint/2010/main" val="2531541933"/>
       </p:ext>
     </p:extLst>
   </p:cSld>
@@ -15190,37 +14961,48 @@
           <a:bodyPr/>
           <a:lstStyle/>
           <a:p>
-            <a:endParaRPr lang="en-US" altLang="zh-CN" dirty="0" smtClean="0"/>
-          </a:p>
-          <a:p>
-            <a:r>
-              <a:rPr lang="en-US" altLang="zh-CN" dirty="0" smtClean="0"/>
-              <a:t>RBMs, sparse coding, auto-encoders or</a:t>
-            </a:r>
-          </a:p>
-          <a:p>
-            <a:r>
-              <a:rPr lang="en-US" altLang="zh-CN" dirty="0" smtClean="0"/>
-              <a:t>multi-layer neural networks can all represent up to O(2k) input</a:t>
-            </a:r>
-          </a:p>
-          <a:p>
-            <a:r>
-              <a:rPr lang="en-US" altLang="zh-CN" dirty="0" smtClean="0"/>
-              <a:t>regions using only O(N) parameters (with k the number of</a:t>
-            </a:r>
-          </a:p>
-          <a:p>
-            <a:r>
-              <a:rPr lang="en-US" altLang="zh-CN" dirty="0" smtClean="0"/>
-              <a:t>non-zero elements in a sparse representation, and k = N in</a:t>
-            </a:r>
-          </a:p>
-          <a:p>
-            <a:r>
-              <a:rPr lang="en-US" altLang="zh-CN" dirty="0" smtClean="0"/>
-              <a:t>non-sparse RBMs and other dense representations).</a:t>
-            </a:r>
+            <a:r>
+              <a:rPr lang="zh-CN" altLang="en-US" dirty="0"/>
+              <a:t>现代科学以物理、数学为典范，表达规律的等式实质上都是要在某种变化中，表示出一种能用量的关系显示出来的不变性的规律。</a:t>
+            </a:r>
+            <a:endParaRPr lang="en-US" altLang="zh-CN" dirty="0"/>
+          </a:p>
+          <a:p>
+            <a:endParaRPr lang="en-US" altLang="zh-CN" dirty="0"/>
+          </a:p>
+          <a:p>
+            <a:r>
+              <a:rPr lang="zh-CN" altLang="en-US" dirty="0"/>
+              <a:t>近义词：换汤不换药，殊途同归</a:t>
+            </a:r>
+            <a:endParaRPr lang="en-US" altLang="zh-CN" dirty="0"/>
+          </a:p>
+          <a:p>
+            <a:endParaRPr lang="en-US" altLang="zh-CN" dirty="0"/>
+          </a:p>
+          <a:p>
+            <a:r>
+              <a:rPr lang="zh-CN" altLang="en-US" dirty="0"/>
+              <a:t>把主要常见的动作、情形，归纳成几个公式</a:t>
+            </a:r>
+            <a:r>
+              <a:rPr lang="en-US" altLang="zh-CN" dirty="0"/>
+              <a:t>(</a:t>
+            </a:r>
+            <a:r>
+              <a:rPr lang="zh-CN" altLang="en-US" dirty="0"/>
+              <a:t>或说是套路、围棋定式之类的东西</a:t>
+            </a:r>
+            <a:r>
+              <a:rPr lang="en-US" altLang="zh-CN" dirty="0"/>
+              <a:t>)</a:t>
+            </a:r>
+            <a:r>
+              <a:rPr lang="zh-CN" altLang="en-US" dirty="0"/>
+              <a:t>，</a:t>
+            </a:r>
+          </a:p>
+          <a:p>
             <a:endParaRPr lang="zh-CN" altLang="en-US" dirty="0"/>
           </a:p>
         </p:txBody>
@@ -15248,7 +15030,7 @@
               <a:pPr>
                 <a:defRPr/>
               </a:pPr>
-              <a:t>25</a:t>
+              <a:t>23</a:t>
             </a:fld>
             <a:endParaRPr lang="en-US" altLang="zh-CN"/>
           </a:p>
@@ -15257,7 +15039,7 @@
     </p:spTree>
     <p:extLst>
       <p:ext uri="{BB962C8B-B14F-4D97-AF65-F5344CB8AC3E}">
-        <p14:creationId xmlns:p14="http://schemas.microsoft.com/office/powerpoint/2010/main" val="2306420868"/>
+        <p14:creationId xmlns:p14="http://schemas.microsoft.com/office/powerpoint/2010/main" val="4288360778"/>
       </p:ext>
     </p:extLst>
   </p:cSld>
@@ -15286,7 +15068,7 @@
       </p:grpSpPr>
       <p:sp>
         <p:nvSpPr>
-          <p:cNvPr id="2" name="幻灯片图像占位符 1"/>
+          <p:cNvPr id="2" name="Slide Image Placeholder 1"/>
           <p:cNvSpPr>
             <a:spLocks noGrp="1" noRot="1" noChangeAspect="1"/>
           </p:cNvSpPr>
@@ -15298,7 +15080,7 @@
       </p:sp>
       <p:sp>
         <p:nvSpPr>
-          <p:cNvPr id="3" name="备注占位符 2"/>
+          <p:cNvPr id="3" name="Notes Placeholder 2"/>
           <p:cNvSpPr>
             <a:spLocks noGrp="1"/>
           </p:cNvSpPr>
@@ -15311,128 +15093,44 @@
           <a:bodyPr/>
           <a:lstStyle/>
           <a:p>
-            <a:r>
-              <a:rPr lang="zh-CN" altLang="en-US" dirty="0" smtClean="0"/>
-              <a:t>据不完全统计，现有的颜色命名已经有</a:t>
-            </a:r>
-            <a:r>
-              <a:rPr lang="en-US" altLang="zh-CN" dirty="0" smtClean="0"/>
-              <a:t>1300</a:t>
-            </a:r>
-            <a:r>
-              <a:rPr lang="zh-CN" altLang="en-US" dirty="0" smtClean="0"/>
-              <a:t>多种</a:t>
-            </a:r>
-            <a:endParaRPr lang="en-US" altLang="zh-CN" dirty="0" smtClean="0"/>
-          </a:p>
-          <a:p>
-            <a:endParaRPr lang="en-US" altLang="zh-CN" dirty="0" smtClean="0"/>
-          </a:p>
-          <a:p>
-            <a:r>
-              <a:rPr lang="zh-CN" altLang="en-US" dirty="0" smtClean="0"/>
-              <a:t>即神经元和颜色名字是“多对多”关系。</a:t>
-            </a:r>
-            <a:endParaRPr lang="en-US" altLang="zh-CN" dirty="0" smtClean="0"/>
-          </a:p>
-          <a:p>
-            <a:endParaRPr lang="en-US" altLang="zh-CN" dirty="0" smtClean="0"/>
-          </a:p>
-          <a:p>
-            <a:pPr marL="0" marR="0" lvl="0" indent="0" algn="l" defTabSz="914400" rtl="0" eaLnBrk="0" fontAlgn="base" latinLnBrk="0" hangingPunct="0">
-              <a:lnSpc>
-                <a:spcPct val="100000"/>
-              </a:lnSpc>
-              <a:spcBef>
-                <a:spcPct val="30000"/>
-              </a:spcBef>
-              <a:spcAft>
-                <a:spcPct val="0"/>
-              </a:spcAft>
-              <a:buClrTx/>
-              <a:buSzTx/>
-              <a:buFontTx/>
-              <a:buNone/>
-              <a:tabLst/>
-              <a:defRPr/>
-            </a:pPr>
-            <a:r>
-              <a:rPr lang="zh-CN" altLang="en-US" dirty="0" smtClean="0"/>
-              <a:t>很有很多比如</a:t>
-            </a:r>
-            <a:r>
-              <a:rPr lang="en-US" altLang="zh-CN" dirty="0" smtClean="0"/>
-              <a:t>``</a:t>
-            </a:r>
-            <a:r>
-              <a:rPr lang="zh-CN" altLang="en-US" dirty="0" smtClean="0"/>
-              <a:t>红色</a:t>
-            </a:r>
-            <a:r>
-              <a:rPr lang="en-US" altLang="zh-CN" dirty="0" smtClean="0"/>
-              <a:t>''</a:t>
-            </a:r>
-            <a:r>
-              <a:rPr lang="zh-CN" altLang="en-US" dirty="0" smtClean="0"/>
-              <a:t>、</a:t>
-            </a:r>
-            <a:r>
-              <a:rPr lang="en-US" altLang="zh-CN" dirty="0" smtClean="0"/>
-              <a:t>``</a:t>
-            </a:r>
-            <a:r>
-              <a:rPr lang="zh-CN" altLang="en-US" dirty="0" smtClean="0"/>
-              <a:t>白色</a:t>
-            </a:r>
-            <a:r>
-              <a:rPr lang="en-US" altLang="zh-CN" dirty="0" smtClean="0"/>
-              <a:t>''</a:t>
-            </a:r>
-            <a:r>
-              <a:rPr lang="zh-CN" altLang="en-US" dirty="0" smtClean="0"/>
-              <a:t>、</a:t>
-            </a:r>
-            <a:r>
-              <a:rPr lang="en-US" altLang="zh-CN" dirty="0" smtClean="0"/>
-              <a:t>``</a:t>
-            </a:r>
-            <a:r>
-              <a:rPr lang="zh-CN" altLang="en-US" dirty="0" smtClean="0"/>
-              <a:t>黑色</a:t>
-            </a:r>
-            <a:r>
-              <a:rPr lang="en-US" altLang="zh-CN" dirty="0" smtClean="0"/>
-              <a:t>''</a:t>
-            </a:r>
-            <a:r>
-              <a:rPr lang="zh-CN" altLang="en-US" dirty="0" smtClean="0"/>
-              <a:t>、</a:t>
-            </a:r>
-            <a:r>
-              <a:rPr lang="en-US" altLang="zh-CN" dirty="0" smtClean="0"/>
-              <a:t>``</a:t>
-            </a:r>
-            <a:r>
-              <a:rPr lang="zh-CN" altLang="en-US" dirty="0" smtClean="0"/>
-              <a:t>绿色</a:t>
-            </a:r>
-            <a:r>
-              <a:rPr lang="en-US" altLang="zh-CN" dirty="0" smtClean="0"/>
-              <a:t>''</a:t>
-            </a:r>
-            <a:r>
-              <a:rPr lang="zh-CN" altLang="en-US" dirty="0" smtClean="0"/>
-              <a:t>，还有以地区或物品命名的，比如“中国红”、“普鲁士蓝”、“咖啡色”、“奶油色”等等。</a:t>
-            </a:r>
-          </a:p>
-          <a:p>
+            <a:endParaRPr lang="en-US" altLang="zh-CN" dirty="0"/>
+          </a:p>
+          <a:p>
+            <a:r>
+              <a:rPr lang="en-US" altLang="zh-CN" dirty="0"/>
+              <a:t>RBMs, sparse coding, auto-encoders or</a:t>
+            </a:r>
+          </a:p>
+          <a:p>
+            <a:r>
+              <a:rPr lang="en-US" altLang="zh-CN" dirty="0"/>
+              <a:t>multi-layer neural networks can all represent up to O(2k) input</a:t>
+            </a:r>
+          </a:p>
+          <a:p>
+            <a:r>
+              <a:rPr lang="en-US" altLang="zh-CN" dirty="0"/>
+              <a:t>regions using only O(N) parameters (with k the number of</a:t>
+            </a:r>
+          </a:p>
+          <a:p>
+            <a:r>
+              <a:rPr lang="en-US" altLang="zh-CN" dirty="0"/>
+              <a:t>non-zero elements in a sparse representation, and k = N in</a:t>
+            </a:r>
+          </a:p>
+          <a:p>
+            <a:r>
+              <a:rPr lang="en-US" altLang="zh-CN" dirty="0"/>
+              <a:t>non-sparse RBMs and other dense representations).</a:t>
+            </a:r>
             <a:endParaRPr lang="zh-CN" altLang="en-US" dirty="0"/>
           </a:p>
         </p:txBody>
       </p:sp>
       <p:sp>
         <p:nvSpPr>
-          <p:cNvPr id="4" name="灯片编号占位符 3"/>
+          <p:cNvPr id="4" name="Slide Number Placeholder 3"/>
           <p:cNvSpPr>
             <a:spLocks noGrp="1"/>
           </p:cNvSpPr>
@@ -15453,7 +15151,7 @@
               <a:pPr>
                 <a:defRPr/>
               </a:pPr>
-              <a:t>26</a:t>
+              <a:t>25</a:t>
             </a:fld>
             <a:endParaRPr lang="en-US" altLang="zh-CN"/>
           </a:p>
@@ -15462,7 +15160,7 @@
     </p:spTree>
     <p:extLst>
       <p:ext uri="{BB962C8B-B14F-4D97-AF65-F5344CB8AC3E}">
-        <p14:creationId xmlns:p14="http://schemas.microsoft.com/office/powerpoint/2010/main" val="2999138507"/>
+        <p14:creationId xmlns:p14="http://schemas.microsoft.com/office/powerpoint/2010/main" val="2306420868"/>
       </p:ext>
     </p:extLst>
   </p:cSld>
@@ -15630,7 +15328,7 @@
             <a:pPr algn="ctr" eaLnBrk="1" hangingPunct="1">
               <a:defRPr/>
             </a:pPr>
-            <a:endParaRPr lang="zh-CN" altLang="zh-CN" smtClean="0">
+            <a:endParaRPr lang="zh-CN" altLang="zh-CN">
               <a:solidFill>
                 <a:srgbClr val="FFFFFF"/>
               </a:solidFill>
@@ -15779,7 +15477,7 @@
             <a:pPr algn="ctr" eaLnBrk="1" hangingPunct="1">
               <a:defRPr/>
             </a:pPr>
-            <a:endParaRPr lang="zh-CN" altLang="zh-CN" sz="3600" smtClean="0">
+            <a:endParaRPr lang="zh-CN" altLang="zh-CN" sz="3600">
               <a:solidFill>
                 <a:srgbClr val="FFFFFF"/>
               </a:solidFill>
@@ -15928,7 +15626,7 @@
             <a:pPr algn="ctr" eaLnBrk="1" hangingPunct="1">
               <a:defRPr/>
             </a:pPr>
-            <a:endParaRPr lang="zh-CN" altLang="zh-CN" smtClean="0">
+            <a:endParaRPr lang="zh-CN" altLang="zh-CN">
               <a:solidFill>
                 <a:srgbClr val="FFFFFF"/>
               </a:solidFill>
@@ -16077,7 +15775,7 @@
             <a:pPr algn="ctr" eaLnBrk="1" hangingPunct="1">
               <a:defRPr/>
             </a:pPr>
-            <a:endParaRPr lang="zh-CN" altLang="zh-CN" smtClean="0">
+            <a:endParaRPr lang="zh-CN" altLang="zh-CN">
               <a:solidFill>
                 <a:srgbClr val="FFFFFF"/>
               </a:solidFill>
@@ -16228,13 +15926,6 @@
   <p:clrMapOvr>
     <a:masterClrMapping/>
   </p:clrMapOvr>
-  <p:timing>
-    <p:tnLst>
-      <p:par>
-        <p:cTn id="1" dur="indefinite" restart="never" nodeType="tmRoot"/>
-      </p:par>
-    </p:tnLst>
-  </p:timing>
 </p:sldLayout>
 </file>
 
@@ -16396,7 +16087,7 @@
             <a:pPr algn="ctr" eaLnBrk="1" hangingPunct="1">
               <a:defRPr/>
             </a:pPr>
-            <a:endParaRPr lang="zh-CN" altLang="zh-CN" smtClean="0">
+            <a:endParaRPr lang="zh-CN" altLang="zh-CN">
               <a:solidFill>
                 <a:srgbClr val="FFFFFF"/>
               </a:solidFill>
@@ -16545,7 +16236,7 @@
             <a:pPr algn="ctr" eaLnBrk="1" hangingPunct="1">
               <a:defRPr/>
             </a:pPr>
-            <a:endParaRPr lang="zh-CN" altLang="zh-CN" smtClean="0">
+            <a:endParaRPr lang="zh-CN" altLang="zh-CN">
               <a:solidFill>
                 <a:srgbClr val="FFFFFF"/>
               </a:solidFill>
@@ -16597,13 +16288,6 @@
   <p:clrMapOvr>
     <a:masterClrMapping/>
   </p:clrMapOvr>
-  <p:timing>
-    <p:tnLst>
-      <p:par>
-        <p:cTn id="1" dur="indefinite" restart="never" nodeType="tmRoot"/>
-      </p:par>
-    </p:tnLst>
-  </p:timing>
 </p:sldLayout>
 </file>
 
@@ -16647,10 +16331,9 @@
           </a:lstStyle>
           <a:p>
             <a:r>
-              <a:rPr lang="en-US" dirty="0" smtClean="0"/>
+              <a:rPr lang="en-US" dirty="0"/>
               <a:t>Click to edit Master title style</a:t>
             </a:r>
-            <a:endParaRPr lang="en-US" dirty="0"/>
           </a:p>
         </p:txBody>
       </p:sp>
@@ -16707,38 +16390,37 @@
           <a:p>
             <a:pPr lvl="0"/>
             <a:r>
-              <a:rPr lang="en-US" dirty="0" smtClean="0"/>
+              <a:rPr lang="en-US" dirty="0"/>
               <a:t>Click to edit Master text styles</a:t>
             </a:r>
           </a:p>
           <a:p>
             <a:pPr lvl="1"/>
             <a:r>
-              <a:rPr lang="en-US" dirty="0" smtClean="0"/>
+              <a:rPr lang="en-US" dirty="0"/>
               <a:t>Second level</a:t>
             </a:r>
           </a:p>
           <a:p>
             <a:pPr lvl="2"/>
             <a:r>
-              <a:rPr lang="en-US" dirty="0" smtClean="0"/>
+              <a:rPr lang="en-US" dirty="0"/>
               <a:t>Third level</a:t>
             </a:r>
           </a:p>
           <a:p>
             <a:pPr lvl="3"/>
             <a:r>
-              <a:rPr lang="en-US" dirty="0" smtClean="0"/>
+              <a:rPr lang="en-US" dirty="0"/>
               <a:t>Fourth level</a:t>
             </a:r>
           </a:p>
           <a:p>
             <a:pPr lvl="4"/>
             <a:r>
-              <a:rPr lang="en-US" dirty="0" smtClean="0"/>
+              <a:rPr lang="en-US" dirty="0"/>
               <a:t>Fifth level</a:t>
             </a:r>
-            <a:endParaRPr lang="en-US" dirty="0"/>
           </a:p>
         </p:txBody>
       </p:sp>
@@ -16752,13 +16434,6 @@
   <p:clrMapOvr>
     <a:masterClrMapping/>
   </p:clrMapOvr>
-  <p:timing>
-    <p:tnLst>
-      <p:par>
-        <p:cTn id="1" dur="indefinite" restart="never" nodeType="tmRoot"/>
-      </p:par>
-    </p:tnLst>
-  </p:timing>
 </p:sldLayout>
 </file>
 
@@ -16802,7 +16477,7 @@
           </a:lstStyle>
           <a:p>
             <a:r>
-              <a:rPr lang="en-US" altLang="zh-CN" dirty="0" smtClean="0"/>
+              <a:rPr lang="en-US" altLang="zh-CN" dirty="0"/>
               <a:t>Click to edit Master title style</a:t>
             </a:r>
             <a:endParaRPr lang="zh-CN" altLang="en-US" dirty="0"/>
@@ -16819,13 +16494,6 @@
   <p:clrMapOvr>
     <a:masterClrMapping/>
   </p:clrMapOvr>
-  <p:timing>
-    <p:tnLst>
-      <p:par>
-        <p:cTn id="1" dur="indefinite" restart="never" nodeType="tmRoot"/>
-      </p:par>
-    </p:tnLst>
-  </p:timing>
 </p:sldLayout>
 </file>
 
@@ -16867,10 +16535,9 @@
           <a:lstStyle/>
           <a:p>
             <a:r>
-              <a:rPr lang="en-US" dirty="0" smtClean="0"/>
+              <a:rPr lang="en-US" dirty="0"/>
               <a:t>Click to edit Master title style</a:t>
             </a:r>
-            <a:endParaRPr lang="en-US" dirty="0"/>
           </a:p>
         </p:txBody>
       </p:sp>
@@ -16896,38 +16563,37 @@
           <a:p>
             <a:pPr lvl="0"/>
             <a:r>
-              <a:rPr lang="en-US" dirty="0" smtClean="0"/>
+              <a:rPr lang="en-US" dirty="0"/>
               <a:t>Click to edit Master text styles</a:t>
             </a:r>
           </a:p>
           <a:p>
             <a:pPr lvl="1"/>
             <a:r>
-              <a:rPr lang="en-US" dirty="0" smtClean="0"/>
+              <a:rPr lang="en-US" dirty="0"/>
               <a:t>Second level</a:t>
             </a:r>
           </a:p>
           <a:p>
             <a:pPr lvl="2"/>
             <a:r>
-              <a:rPr lang="en-US" dirty="0" smtClean="0"/>
+              <a:rPr lang="en-US" dirty="0"/>
               <a:t>Third level</a:t>
             </a:r>
           </a:p>
           <a:p>
             <a:pPr lvl="3"/>
             <a:r>
-              <a:rPr lang="en-US" dirty="0" smtClean="0"/>
+              <a:rPr lang="en-US" dirty="0"/>
               <a:t>Fourth level</a:t>
             </a:r>
           </a:p>
           <a:p>
             <a:pPr lvl="4"/>
             <a:r>
-              <a:rPr lang="en-US" dirty="0" smtClean="0"/>
+              <a:rPr lang="en-US" dirty="0"/>
               <a:t>Fifth level</a:t>
             </a:r>
-            <a:endParaRPr lang="en-US" dirty="0"/>
           </a:p>
         </p:txBody>
       </p:sp>
@@ -16953,38 +16619,37 @@
           <a:p>
             <a:pPr lvl="0"/>
             <a:r>
-              <a:rPr lang="en-US" dirty="0" smtClean="0"/>
+              <a:rPr lang="en-US" dirty="0"/>
               <a:t>Click to edit Master text styles</a:t>
             </a:r>
           </a:p>
           <a:p>
             <a:pPr lvl="1"/>
             <a:r>
-              <a:rPr lang="en-US" dirty="0" smtClean="0"/>
+              <a:rPr lang="en-US" dirty="0"/>
               <a:t>Second level</a:t>
             </a:r>
           </a:p>
           <a:p>
             <a:pPr lvl="2"/>
             <a:r>
-              <a:rPr lang="en-US" dirty="0" smtClean="0"/>
+              <a:rPr lang="en-US" dirty="0"/>
               <a:t>Third level</a:t>
             </a:r>
           </a:p>
           <a:p>
             <a:pPr lvl="3"/>
             <a:r>
-              <a:rPr lang="en-US" dirty="0" smtClean="0"/>
+              <a:rPr lang="en-US" dirty="0"/>
               <a:t>Fourth level</a:t>
             </a:r>
           </a:p>
           <a:p>
             <a:pPr lvl="4"/>
             <a:r>
-              <a:rPr lang="en-US" dirty="0" smtClean="0"/>
+              <a:rPr lang="en-US" dirty="0"/>
               <a:t>Fifth level</a:t>
             </a:r>
-            <a:endParaRPr lang="en-US" dirty="0"/>
           </a:p>
         </p:txBody>
       </p:sp>
@@ -16998,13 +16663,6 @@
   <p:clrMapOvr>
     <a:masterClrMapping/>
   </p:clrMapOvr>
-  <p:timing>
-    <p:tnLst>
-      <p:par>
-        <p:cTn id="1" dur="indefinite" restart="never" nodeType="tmRoot"/>
-      </p:par>
-    </p:tnLst>
-  </p:timing>
 </p:sldLayout>
 </file>
 
@@ -17046,10 +16704,9 @@
           <a:lstStyle/>
           <a:p>
             <a:r>
-              <a:rPr lang="en-US" dirty="0" smtClean="0"/>
+              <a:rPr lang="en-US" dirty="0"/>
               <a:t>Click to edit Master title style</a:t>
             </a:r>
-            <a:endParaRPr lang="en-US" dirty="0"/>
           </a:p>
         </p:txBody>
       </p:sp>
@@ -17075,38 +16732,37 @@
           <a:p>
             <a:pPr lvl="0"/>
             <a:r>
-              <a:rPr lang="en-US" dirty="0" smtClean="0"/>
+              <a:rPr lang="en-US" dirty="0"/>
               <a:t>Click to edit Master text styles</a:t>
             </a:r>
           </a:p>
           <a:p>
             <a:pPr lvl="1"/>
             <a:r>
-              <a:rPr lang="en-US" dirty="0" smtClean="0"/>
+              <a:rPr lang="en-US" dirty="0"/>
               <a:t>Second level</a:t>
             </a:r>
           </a:p>
           <a:p>
             <a:pPr lvl="2"/>
             <a:r>
-              <a:rPr lang="en-US" dirty="0" smtClean="0"/>
+              <a:rPr lang="en-US" dirty="0"/>
               <a:t>Third level</a:t>
             </a:r>
           </a:p>
           <a:p>
             <a:pPr lvl="3"/>
             <a:r>
-              <a:rPr lang="en-US" dirty="0" smtClean="0"/>
+              <a:rPr lang="en-US" dirty="0"/>
               <a:t>Fourth level</a:t>
             </a:r>
           </a:p>
           <a:p>
             <a:pPr lvl="4"/>
             <a:r>
-              <a:rPr lang="en-US" dirty="0" smtClean="0"/>
+              <a:rPr lang="en-US" dirty="0"/>
               <a:t>Fifth level</a:t>
             </a:r>
-            <a:endParaRPr lang="en-US" dirty="0"/>
           </a:p>
         </p:txBody>
       </p:sp>
@@ -17150,13 +16806,6 @@
   <p:clrMapOvr>
     <a:masterClrMapping/>
   </p:clrMapOvr>
-  <p:timing>
-    <p:tnLst>
-      <p:par>
-        <p:cTn id="1" dur="indefinite" restart="never" nodeType="tmRoot"/>
-      </p:par>
-    </p:tnLst>
-  </p:timing>
 </p:sldLayout>
 </file>
 
@@ -17187,13 +16836,6 @@
   <p:clrMapOvr>
     <a:masterClrMapping/>
   </p:clrMapOvr>
-  <p:timing>
-    <p:tnLst>
-      <p:par>
-        <p:cTn id="1" dur="indefinite" restart="never" nodeType="tmRoot"/>
-      </p:par>
-    </p:tnLst>
-  </p:timing>
 </p:sldLayout>
 </file>
 
@@ -17236,7 +16878,7 @@
           <a:lstStyle/>
           <a:p>
             <a:r>
-              <a:rPr lang="zh-CN" altLang="en-US" sz="3600" dirty="0" smtClean="0">
+              <a:rPr lang="zh-CN" altLang="en-US" sz="3600" dirty="0">
                 <a:latin typeface="华文楷体" panose="02010600040101010101" pitchFamily="2" charset="-122"/>
                 <a:ea typeface="华文楷体" panose="02010600040101010101" pitchFamily="2" charset="-122"/>
               </a:rPr>
@@ -17259,13 +16901,6 @@
   <p:clrMapOvr>
     <a:masterClrMapping/>
   </p:clrMapOvr>
-  <p:timing>
-    <p:tnLst>
-      <p:par>
-        <p:cTn id="1" dur="indefinite" restart="never" nodeType="tmRoot"/>
-      </p:par>
-    </p:tnLst>
-  </p:timing>
 </p:sldLayout>
 </file>
 
@@ -17346,7 +16981,7 @@
           <a:p>
             <a:pPr lvl="0"/>
             <a:r>
-              <a:rPr lang="en-US" altLang="zh-CN" dirty="0" smtClean="0"/>
+              <a:rPr lang="en-US" altLang="zh-CN" dirty="0"/>
               <a:t>Click to edit Master title style</a:t>
             </a:r>
           </a:p>
@@ -17404,35 +17039,35 @@
           <a:p>
             <a:pPr lvl="0"/>
             <a:r>
-              <a:rPr lang="en-US" altLang="zh-CN" dirty="0" smtClean="0"/>
+              <a:rPr lang="en-US" altLang="zh-CN" dirty="0"/>
               <a:t>Click to edit Master text styles</a:t>
             </a:r>
           </a:p>
           <a:p>
             <a:pPr lvl="1"/>
             <a:r>
-              <a:rPr lang="en-US" altLang="zh-CN" dirty="0" smtClean="0"/>
+              <a:rPr lang="en-US" altLang="zh-CN" dirty="0"/>
               <a:t>Second level</a:t>
             </a:r>
           </a:p>
           <a:p>
             <a:pPr lvl="2"/>
             <a:r>
-              <a:rPr lang="en-US" altLang="zh-CN" dirty="0" smtClean="0"/>
+              <a:rPr lang="en-US" altLang="zh-CN" dirty="0"/>
               <a:t>Third level</a:t>
             </a:r>
           </a:p>
           <a:p>
             <a:pPr lvl="3"/>
             <a:r>
-              <a:rPr lang="en-US" altLang="zh-CN" dirty="0" smtClean="0"/>
+              <a:rPr lang="en-US" altLang="zh-CN" dirty="0"/>
               <a:t>Fourth level</a:t>
             </a:r>
           </a:p>
           <a:p>
             <a:pPr lvl="4"/>
             <a:r>
-              <a:rPr lang="en-US" altLang="zh-CN" dirty="0" smtClean="0"/>
+              <a:rPr lang="en-US" altLang="zh-CN" dirty="0"/>
               <a:t>Fifth level</a:t>
             </a:r>
           </a:p>
@@ -17678,21 +17313,21 @@
               <a:defRPr/>
             </a:pPr>
             <a:r>
-              <a:rPr lang="en-US" altLang="zh-CN" sz="1400" dirty="0" smtClean="0">
+              <a:rPr lang="en-US" altLang="zh-CN" sz="1400" dirty="0">
                 <a:latin typeface="+mn-ea"/>
                 <a:ea typeface="+mn-ea"/>
               </a:rPr>
               <a:t>《</a:t>
             </a:r>
             <a:r>
-              <a:rPr lang="zh-CN" altLang="en-US" sz="1400" dirty="0" smtClean="0">
+              <a:rPr lang="zh-CN" altLang="en-US" sz="1400" dirty="0">
                 <a:latin typeface="+mn-ea"/>
                 <a:ea typeface="+mn-ea"/>
               </a:rPr>
               <a:t>神经网络与深度学习</a:t>
             </a:r>
             <a:r>
-              <a:rPr lang="en-US" altLang="zh-CN" sz="1400" dirty="0" smtClean="0">
+              <a:rPr lang="en-US" altLang="zh-CN" sz="1400" dirty="0">
                 <a:latin typeface="+mn-ea"/>
                 <a:ea typeface="+mn-ea"/>
               </a:rPr>
@@ -17767,13 +17402,6 @@
     <p:sldLayoutId id="2147483830" r:id="rId7"/>
     <p:sldLayoutId id="2147483829" r:id="rId8"/>
   </p:sldLayoutIdLst>
-  <p:timing>
-    <p:tnLst>
-      <p:par>
-        <p:cTn id="1" dur="indefinite" restart="never" nodeType="tmRoot"/>
-      </p:par>
-    </p:tnLst>
-  </p:timing>
   <p:hf hdr="0" ftr="0" dt="0"/>
   <p:txStyles>
     <p:titleStyle>
@@ -18229,10 +17857,9 @@
           <a:lstStyle/>
           <a:p>
             <a:r>
-              <a:rPr lang="zh-CN" altLang="en-US" dirty="0" smtClean="0"/>
+              <a:rPr lang="zh-CN" altLang="en-US" dirty="0"/>
               <a:t>绪论</a:t>
             </a:r>
-            <a:endParaRPr lang="zh-CN" altLang="en-US" dirty="0"/>
           </a:p>
         </p:txBody>
       </p:sp>
@@ -18252,15 +17879,15 @@
           <a:lstStyle/>
           <a:p>
             <a:r>
-              <a:rPr lang="en-US" altLang="zh-CN" dirty="0" smtClean="0"/>
+              <a:rPr lang="en-US" altLang="zh-CN" dirty="0"/>
               <a:t>《</a:t>
             </a:r>
             <a:r>
-              <a:rPr lang="zh-CN" altLang="en-US" dirty="0" smtClean="0"/>
+              <a:rPr lang="zh-CN" altLang="en-US" dirty="0"/>
               <a:t>神经网络与深度学习</a:t>
             </a:r>
             <a:r>
-              <a:rPr lang="en-US" altLang="zh-CN" dirty="0" smtClean="0"/>
+              <a:rPr lang="en-US" altLang="zh-CN" dirty="0"/>
               <a:t>》</a:t>
             </a:r>
             <a:endParaRPr lang="zh-CN" altLang="en-US" dirty="0"/>
@@ -18283,27 +17910,15 @@
           <a:lstStyle/>
           <a:p>
             <a:r>
-              <a:rPr lang="en-US" altLang="zh-CN" dirty="0" smtClean="0">
-                <a:hlinkClick r:id="rId3"/>
-              </a:rPr>
-              <a:t>https</a:t>
-            </a:r>
-            <a:r>
               <a:rPr lang="en-US" altLang="zh-CN" dirty="0">
                 <a:hlinkClick r:id="rId3"/>
               </a:rPr>
-              <a:t>://nndl.github.io</a:t>
-            </a:r>
-            <a:r>
-              <a:rPr lang="en-US" altLang="zh-CN" dirty="0" smtClean="0">
-                <a:hlinkClick r:id="rId3"/>
-              </a:rPr>
-              <a:t>/</a:t>
-            </a:r>
-            <a:endParaRPr lang="en-US" altLang="zh-CN" dirty="0" smtClean="0"/>
-          </a:p>
-          <a:p>
-            <a:endParaRPr lang="en-US" altLang="zh-CN" dirty="0" smtClean="0"/>
+              <a:t>https://nndl.github.io/</a:t>
+            </a:r>
+            <a:endParaRPr lang="en-US" altLang="zh-CN" dirty="0"/>
+          </a:p>
+          <a:p>
+            <a:endParaRPr lang="en-US" altLang="zh-CN" dirty="0"/>
           </a:p>
         </p:txBody>
       </p:sp>
@@ -18312,21 +17927,6 @@
   <p:clrMapOvr>
     <a:masterClrMapping/>
   </p:clrMapOvr>
-  <mc:AlternateContent xmlns:mc="http://schemas.openxmlformats.org/markup-compatibility/2006" xmlns:p14="http://schemas.microsoft.com/office/powerpoint/2010/main">
-    <mc:Choice Requires="p14">
-      <p:transition spd="slow" p14:dur="2000"/>
-    </mc:Choice>
-    <mc:Fallback xmlns="">
-      <p:transition spd="slow"/>
-    </mc:Fallback>
-  </mc:AlternateContent>
-  <p:timing>
-    <p:tnLst>
-      <p:par>
-        <p:cTn id="1" dur="indefinite" restart="never" nodeType="tmRoot"/>
-      </p:par>
-    </p:tnLst>
-  </p:timing>
 </p:sld>
 </file>
 
@@ -18385,59 +17985,59 @@
           <a:lstStyle/>
           <a:p>
             <a:r>
-              <a:rPr lang="zh-CN" altLang="en-US" dirty="0" smtClean="0"/>
+              <a:rPr lang="zh-CN" altLang="en-US" dirty="0"/>
               <a:t>平时作业（</a:t>
             </a:r>
             <a:r>
-              <a:rPr lang="en-US" altLang="zh-CN" dirty="0" smtClean="0"/>
+              <a:rPr lang="en-US" altLang="zh-CN" dirty="0"/>
               <a:t>4</a:t>
             </a:r>
             <a:r>
-              <a:rPr lang="zh-CN" altLang="en-US" dirty="0" smtClean="0"/>
+              <a:rPr lang="zh-CN" altLang="en-US" dirty="0"/>
               <a:t>次）</a:t>
             </a:r>
-            <a:endParaRPr lang="en-US" altLang="zh-CN" dirty="0" smtClean="0"/>
+            <a:endParaRPr lang="en-US" altLang="zh-CN" dirty="0"/>
           </a:p>
           <a:p>
             <a:pPr lvl="1"/>
             <a:r>
-              <a:rPr lang="en-US" altLang="zh-CN" dirty="0" smtClean="0"/>
+              <a:rPr lang="en-US" altLang="zh-CN" dirty="0"/>
               <a:t>4</a:t>
             </a:r>
             <a:r>
-              <a:rPr lang="zh-CN" altLang="en-US" dirty="0" smtClean="0"/>
+              <a:rPr lang="zh-CN" altLang="en-US" dirty="0"/>
               <a:t>*</a:t>
             </a:r>
             <a:r>
-              <a:rPr lang="en-US" altLang="zh-CN" dirty="0" smtClean="0"/>
+              <a:rPr lang="en-US" altLang="zh-CN" dirty="0"/>
               <a:t>15% = 60%</a:t>
             </a:r>
           </a:p>
           <a:p>
             <a:r>
-              <a:rPr lang="zh-CN" altLang="en-US" dirty="0" smtClean="0"/>
+              <a:rPr lang="zh-CN" altLang="en-US" dirty="0"/>
               <a:t>期末作业</a:t>
             </a:r>
-            <a:endParaRPr lang="en-US" altLang="zh-CN" dirty="0" smtClean="0"/>
+            <a:endParaRPr lang="en-US" altLang="zh-CN" dirty="0"/>
           </a:p>
           <a:p>
             <a:pPr lvl="1"/>
             <a:r>
-              <a:rPr lang="en-US" altLang="zh-CN" dirty="0" smtClean="0"/>
+              <a:rPr lang="en-US" altLang="zh-CN" dirty="0"/>
               <a:t>35%</a:t>
             </a:r>
           </a:p>
           <a:p>
             <a:r>
-              <a:rPr lang="zh-CN" altLang="en-US" dirty="0" smtClean="0"/>
+              <a:rPr lang="zh-CN" altLang="en-US" dirty="0"/>
               <a:t>课程反馈</a:t>
             </a:r>
-            <a:endParaRPr lang="en-US" altLang="zh-CN" dirty="0" smtClean="0"/>
+            <a:endParaRPr lang="en-US" altLang="zh-CN" dirty="0"/>
           </a:p>
           <a:p>
             <a:pPr lvl="1"/>
             <a:r>
-              <a:rPr lang="en-US" altLang="zh-CN" dirty="0" smtClean="0"/>
+              <a:rPr lang="en-US" altLang="zh-CN" dirty="0"/>
               <a:t>5%</a:t>
             </a:r>
           </a:p>
@@ -18447,11 +18047,11 @@
           </a:p>
           <a:p>
             <a:r>
-              <a:rPr lang="zh-CN" altLang="en-US" dirty="0" smtClean="0"/>
+              <a:rPr lang="zh-CN" altLang="en-US" dirty="0"/>
               <a:t>编程语言：</a:t>
             </a:r>
             <a:r>
-              <a:rPr lang="en-US" altLang="zh-CN" dirty="0" smtClean="0"/>
+              <a:rPr lang="en-US" altLang="zh-CN" dirty="0"/>
               <a:t>Python</a:t>
             </a:r>
             <a:endParaRPr lang="zh-CN" altLang="en-US" dirty="0"/>
@@ -18468,21 +18068,6 @@
   <p:clrMapOvr>
     <a:masterClrMapping/>
   </p:clrMapOvr>
-  <mc:AlternateContent xmlns:mc="http://schemas.openxmlformats.org/markup-compatibility/2006" xmlns:p14="http://schemas.microsoft.com/office/powerpoint/2010/main">
-    <mc:Choice Requires="p14">
-      <p:transition spd="slow" p14:dur="2000"/>
-    </mc:Choice>
-    <mc:Fallback xmlns="">
-      <p:transition spd="slow"/>
-    </mc:Fallback>
-  </mc:AlternateContent>
-  <p:timing>
-    <p:tnLst>
-      <p:par>
-        <p:cTn id="1" dur="indefinite" restart="never" nodeType="tmRoot"/>
-      </p:par>
-    </p:tnLst>
-  </p:timing>
 </p:sld>
 </file>
 
@@ -18558,13 +18143,9 @@
             </a:r>
             <a:r>
               <a:rPr lang="zh-CN" altLang="en-US" dirty="0"/>
-              <a:t>）就是让机器具有人类</a:t>
-            </a:r>
-            <a:r>
-              <a:rPr lang="zh-CN" altLang="en-US" dirty="0" smtClean="0"/>
-              <a:t>的智能。</a:t>
-            </a:r>
-            <a:endParaRPr lang="en-US" altLang="zh-CN" dirty="0" smtClean="0"/>
+              <a:t>）就是让机器具有人类的智能。</a:t>
+            </a:r>
+            <a:endParaRPr lang="en-US" altLang="zh-CN" dirty="0"/>
           </a:p>
           <a:p>
             <a:pPr lvl="1"/>
@@ -18578,25 +18159,17 @@
             </a:r>
             <a:r>
               <a:rPr lang="zh-CN" altLang="en-US" dirty="0"/>
-              <a:t>智能行为</a:t>
-            </a:r>
-            <a:r>
-              <a:rPr lang="zh-CN" altLang="en-US" dirty="0" smtClean="0"/>
-              <a:t>”</a:t>
-            </a:r>
-            <a:endParaRPr lang="en-US" altLang="zh-CN" dirty="0" smtClean="0"/>
-          </a:p>
-          <a:p>
-            <a:endParaRPr lang="en-US" altLang="zh-CN" dirty="0" smtClean="0"/>
-          </a:p>
-          <a:p>
-            <a:r>
-              <a:rPr lang="zh-CN" altLang="en-US" dirty="0" smtClean="0"/>
-              <a:t>人工智能这个</a:t>
-            </a:r>
+              <a:t>智能行为”</a:t>
+            </a:r>
+            <a:endParaRPr lang="en-US" altLang="zh-CN" dirty="0"/>
+          </a:p>
+          <a:p>
+            <a:endParaRPr lang="en-US" altLang="zh-CN" dirty="0"/>
+          </a:p>
+          <a:p>
             <a:r>
               <a:rPr lang="zh-CN" altLang="en-US" dirty="0"/>
-              <a:t>学科的诞生有着明确的标志性事件，就是</a:t>
+              <a:t>人工智能这个学科的诞生有着明确的标志性事件，就是</a:t>
             </a:r>
             <a:r>
               <a:rPr lang="en-US" altLang="zh-CN" dirty="0"/>
@@ -18611,14 +18184,10 @@
               <a:t>Dartmouth</a:t>
             </a:r>
             <a:r>
-              <a:rPr lang="zh-CN" altLang="en-US" dirty="0" smtClean="0"/>
-              <a:t>）会议</a:t>
-            </a:r>
-            <a:r>
               <a:rPr lang="zh-CN" altLang="en-US" dirty="0"/>
-              <a:t>。在这次会议上，“人工智能”被提出并作为本研究领域的名称。</a:t>
-            </a:r>
-            <a:endParaRPr lang="en-US" altLang="zh-CN" dirty="0" smtClean="0"/>
+              <a:t>）会议。在这次会议上，“人工智能”被提出并作为本研究领域的名称。</a:t>
+            </a:r>
+            <a:endParaRPr lang="en-US" altLang="zh-CN" dirty="0"/>
           </a:p>
           <a:p>
             <a:endParaRPr lang="zh-CN" altLang="en-US" dirty="0"/>
@@ -18647,36 +18216,12 @@
           <a:lstStyle/>
           <a:p>
             <a:r>
-              <a:rPr lang="zh-CN" altLang="en-US" dirty="0" smtClean="0">
-                <a:solidFill>
-                  <a:schemeClr val="accent2"/>
-                </a:solidFill>
-              </a:rPr>
-              <a:t>人工智能</a:t>
-            </a:r>
-            <a:r>
               <a:rPr lang="zh-CN" altLang="en-US" dirty="0">
                 <a:solidFill>
                   <a:schemeClr val="accent2"/>
                 </a:solidFill>
               </a:rPr>
-              <a:t>就是要让机器的行为看起来就像</a:t>
-            </a:r>
-            <a:r>
-              <a:rPr lang="zh-CN" altLang="en-US" dirty="0" smtClean="0">
-                <a:solidFill>
-                  <a:schemeClr val="accent2"/>
-                </a:solidFill>
-              </a:rPr>
-              <a:t>是人所</a:t>
-            </a:r>
-            <a:r>
-              <a:rPr lang="zh-CN" altLang="en-US" dirty="0">
-                <a:solidFill>
-                  <a:schemeClr val="accent2"/>
-                </a:solidFill>
-              </a:rPr>
-              <a:t>表现出的智能行为一样。</a:t>
+              <a:t>人工智能就是要让机器的行为看起来就像是人所表现出的智能行为一样。</a:t>
             </a:r>
           </a:p>
         </p:txBody>
@@ -18709,25 +18254,7 @@
                 </a:solidFill>
                 <a:latin typeface="+mn-lt"/>
               </a:rPr>
-              <a:t>John McCarthy（1927</a:t>
-            </a:r>
-            <a:r>
-              <a:rPr lang="zh-CN" altLang="en-US" dirty="0" smtClean="0">
-                <a:solidFill>
-                  <a:schemeClr val="accent2"/>
-                </a:solidFill>
-                <a:latin typeface="+mn-lt"/>
-              </a:rPr>
-              <a:t>-2011</a:t>
-            </a:r>
-            <a:r>
-              <a:rPr lang="zh-CN" altLang="en-US" dirty="0">
-                <a:solidFill>
-                  <a:schemeClr val="accent2"/>
-                </a:solidFill>
-                <a:latin typeface="+mn-lt"/>
-              </a:rPr>
-              <a:t>）</a:t>
+              <a:t>John McCarthy（1927-2011）</a:t>
             </a:r>
           </a:p>
         </p:txBody>
@@ -18742,13 +18269,6 @@
   <p:clrMapOvr>
     <a:masterClrMapping/>
   </p:clrMapOvr>
-  <p:timing>
-    <p:tnLst>
-      <p:par>
-        <p:cTn id="1" dur="indefinite" restart="never" nodeType="tmRoot"/>
-      </p:par>
-    </p:tnLst>
-  </p:timing>
 </p:sld>
 </file>
 
@@ -18785,7 +18305,7 @@
           <a:lstStyle/>
           <a:p>
             <a:r>
-              <a:rPr lang="zh-CN" altLang="en-US" smtClean="0"/>
+              <a:rPr lang="zh-CN" altLang="en-US"/>
               <a:t>图灵测试</a:t>
             </a:r>
             <a:endParaRPr lang="zh-CN" altLang="en-US" dirty="0"/>
@@ -18808,17 +18328,17 @@
           <a:lstStyle/>
           <a:p>
             <a:r>
-              <a:rPr lang="zh-CN" altLang="en-US" dirty="0" smtClean="0"/>
+              <a:rPr lang="zh-CN" altLang="en-US" dirty="0"/>
               <a:t>“一个人在不接触对方的情况下，通过一种特殊的方式，和对方进行一系列的问答。如果在相当长时间内，他无法根据这些问题判断对方是人还是计算机，那么就可以认为这个计算机是智能的”。</a:t>
             </a:r>
-            <a:endParaRPr lang="en-US" altLang="zh-CN" dirty="0" smtClean="0"/>
+            <a:endParaRPr lang="en-US" altLang="zh-CN" dirty="0"/>
           </a:p>
           <a:p>
             <a:pPr marL="0" indent="0" algn="r">
               <a:buNone/>
             </a:pPr>
             <a:r>
-              <a:rPr lang="en-US" altLang="zh-CN" dirty="0" smtClean="0"/>
+              <a:rPr lang="en-US" altLang="zh-CN" dirty="0"/>
               <a:t>---Alan Turing [1950]</a:t>
             </a:r>
           </a:p>
@@ -18827,16 +18347,8 @@
               <a:buNone/>
             </a:pPr>
             <a:r>
-              <a:rPr lang="en-US" altLang="zh-CN" dirty="0" smtClean="0"/>
-              <a:t>《</a:t>
-            </a:r>
-            <a:r>
-              <a:rPr lang="zh-CN" altLang="en-US" dirty="0" smtClean="0"/>
-              <a:t>机器能思维吗？</a:t>
-            </a:r>
-            <a:r>
-              <a:rPr lang="en-US" altLang="zh-CN" dirty="0" smtClean="0"/>
-              <a:t>》</a:t>
+              <a:rPr lang="en-US" altLang="zh-CN" dirty="0"/>
+              <a:t>《Computing Machinery and Intelligence》</a:t>
             </a:r>
             <a:endParaRPr lang="zh-CN" altLang="en-US" dirty="0"/>
           </a:p>
@@ -18851,7 +18363,7 @@
           <p:nvPr/>
         </p:nvPicPr>
         <p:blipFill>
-          <a:blip r:embed="rId2">
+          <a:blip r:embed="rId3">
             <a:extLst>
               <a:ext uri="{28A0092B-C50C-407E-A947-70E740481C1C}">
                 <a14:useLocalDpi xmlns:a14="http://schemas.microsoft.com/office/drawing/2010/main"/>
@@ -18892,7 +18404,7 @@
           <p:nvPr/>
         </p:nvPicPr>
         <p:blipFill>
-          <a:blip r:embed="rId3">
+          <a:blip r:embed="rId4">
             <a:extLst>
               <a:ext uri="{28A0092B-C50C-407E-A947-70E740481C1C}">
                 <a14:useLocalDpi xmlns:a14="http://schemas.microsoft.com/office/drawing/2010/main"/>
@@ -18963,13 +18475,6 @@
   <p:clrMapOvr>
     <a:masterClrMapping/>
   </p:clrMapOvr>
-  <p:timing>
-    <p:tnLst>
-      <p:par>
-        <p:cTn id="1" dur="indefinite" restart="never" nodeType="tmRoot"/>
-      </p:par>
-    </p:tnLst>
-  </p:timing>
 </p:sld>
 </file>
 
@@ -19006,10 +18511,9 @@
           <a:lstStyle/>
           <a:p>
             <a:r>
-              <a:rPr lang="zh-CN" altLang="en-US" dirty="0" smtClean="0"/>
+              <a:rPr lang="zh-CN" altLang="en-US" dirty="0"/>
               <a:t>人工智能的研究领域</a:t>
             </a:r>
-            <a:endParaRPr lang="zh-CN" altLang="en-US" dirty="0"/>
           </a:p>
         </p:txBody>
       </p:sp>
@@ -19029,27 +18533,27 @@
           <a:lstStyle/>
           <a:p>
             <a:r>
-              <a:rPr lang="zh-CN" altLang="en-US" dirty="0" smtClean="0"/>
+              <a:rPr lang="zh-CN" altLang="en-US" dirty="0"/>
               <a:t>让机器具有人类的智能</a:t>
             </a:r>
-            <a:endParaRPr lang="en-US" altLang="zh-CN" dirty="0" smtClean="0"/>
+            <a:endParaRPr lang="en-US" altLang="zh-CN" dirty="0"/>
           </a:p>
           <a:p>
             <a:pPr lvl="1"/>
             <a:r>
-              <a:rPr lang="zh-CN" altLang="en-US" dirty="0" smtClean="0"/>
+              <a:rPr lang="zh-CN" altLang="en-US" dirty="0"/>
               <a:t>机器感知（计算机视觉、语音信息处理）</a:t>
             </a:r>
-            <a:endParaRPr lang="en-US" altLang="zh-CN" dirty="0" smtClean="0"/>
+            <a:endParaRPr lang="en-US" altLang="zh-CN" dirty="0"/>
           </a:p>
           <a:p>
             <a:pPr lvl="1"/>
             <a:r>
-              <a:rPr lang="zh-CN" altLang="en-US" dirty="0" smtClean="0"/>
+              <a:rPr lang="zh-CN" altLang="en-US" dirty="0"/>
               <a:t>学习（模式识别、</a:t>
             </a:r>
             <a:r>
-              <a:rPr lang="zh-CN" altLang="en-US" dirty="0" smtClean="0">
+              <a:rPr lang="zh-CN" altLang="en-US" dirty="0">
                 <a:solidFill>
                   <a:srgbClr val="FF0000"/>
                 </a:solidFill>
@@ -19057,34 +18561,33 @@
               <a:t>机器学习</a:t>
             </a:r>
             <a:r>
-              <a:rPr lang="zh-CN" altLang="en-US" dirty="0" smtClean="0"/>
+              <a:rPr lang="zh-CN" altLang="en-US" dirty="0"/>
               <a:t>、强化学习）</a:t>
             </a:r>
-            <a:endParaRPr lang="en-US" altLang="zh-CN" dirty="0" smtClean="0"/>
+            <a:endParaRPr lang="en-US" altLang="zh-CN" dirty="0"/>
           </a:p>
           <a:p>
             <a:pPr lvl="1"/>
             <a:r>
-              <a:rPr lang="zh-CN" altLang="en-US" dirty="0" smtClean="0"/>
+              <a:rPr lang="zh-CN" altLang="en-US" dirty="0"/>
               <a:t>语言（自然语言处理）</a:t>
             </a:r>
-            <a:endParaRPr lang="en-US" altLang="zh-CN" dirty="0" smtClean="0"/>
+            <a:endParaRPr lang="en-US" altLang="zh-CN" dirty="0"/>
           </a:p>
           <a:p>
             <a:pPr lvl="1"/>
             <a:r>
-              <a:rPr lang="zh-CN" altLang="en-US" dirty="0" smtClean="0"/>
+              <a:rPr lang="zh-CN" altLang="en-US" dirty="0"/>
               <a:t>记忆（知识表示）</a:t>
             </a:r>
-            <a:endParaRPr lang="en-US" altLang="zh-CN" dirty="0" smtClean="0"/>
+            <a:endParaRPr lang="en-US" altLang="zh-CN" dirty="0"/>
           </a:p>
           <a:p>
             <a:pPr lvl="1"/>
             <a:r>
-              <a:rPr lang="zh-CN" altLang="en-US" dirty="0" smtClean="0"/>
+              <a:rPr lang="zh-CN" altLang="en-US" dirty="0"/>
               <a:t>决策（规划、数据挖掘）</a:t>
             </a:r>
-            <a:endParaRPr lang="zh-CN" altLang="en-US" dirty="0"/>
           </a:p>
         </p:txBody>
       </p:sp>
@@ -19113,13 +18616,6 @@
       </p:transition>
     </mc:Fallback>
   </mc:AlternateContent>
-  <p:timing>
-    <p:tnLst>
-      <p:par>
-        <p:cTn id="1" dur="indefinite" restart="never" nodeType="tmRoot"/>
-      </p:par>
-    </p:tnLst>
-  </p:timing>
 </p:sld>
 </file>
 
@@ -19156,10 +18652,9 @@
           <a:lstStyle/>
           <a:p>
             <a:r>
-              <a:rPr lang="zh-CN" altLang="en-US" dirty="0" smtClean="0"/>
+              <a:rPr lang="zh-CN" altLang="en-US" dirty="0"/>
               <a:t>发展历史</a:t>
             </a:r>
-            <a:endParaRPr lang="zh-CN" altLang="en-US" dirty="0"/>
           </a:p>
         </p:txBody>
       </p:sp>
@@ -19203,13 +18698,6 @@
   <p:clrMapOvr>
     <a:masterClrMapping/>
   </p:clrMapOvr>
-  <p:timing>
-    <p:tnLst>
-      <p:par>
-        <p:cTn id="1" dur="indefinite" restart="never" nodeType="tmRoot"/>
-      </p:par>
-    </p:tnLst>
-  </p:timing>
 </p:sld>
 </file>
 
@@ -19268,12 +18756,8 @@
           <a:lstStyle/>
           <a:p>
             <a:r>
-              <a:rPr lang="zh-CN" altLang="en-US" dirty="0" smtClean="0"/>
-              <a:t>专家</a:t>
-            </a:r>
-            <a:r>
               <a:rPr lang="zh-CN" altLang="en-US" dirty="0"/>
-              <a:t>知识（人工规则）</a:t>
+              <a:t>专家知识（人工规则）</a:t>
             </a:r>
           </a:p>
         </p:txBody>
@@ -19329,13 +18813,6 @@
   <p:clrMapOvr>
     <a:masterClrMapping/>
   </p:clrMapOvr>
-  <p:timing>
-    <p:tnLst>
-      <p:par>
-        <p:cTn id="1" dur="indefinite" restart="never" nodeType="tmRoot"/>
-      </p:par>
-    </p:tnLst>
-  </p:timing>
 </p:sld>
 </file>
 
@@ -19372,7 +18849,7 @@
           <a:lstStyle/>
           <a:p>
             <a:r>
-              <a:rPr lang="en-US" altLang="zh-CN" dirty="0" smtClean="0">
+              <a:rPr lang="en-US" altLang="zh-CN" dirty="0">
                 <a:latin typeface="等线" panose="02010600030101010101" pitchFamily="2" charset="-122"/>
                 <a:ea typeface="等线" panose="02010600030101010101" pitchFamily="2" charset="-122"/>
               </a:rPr>
@@ -19623,12 +19100,8 @@
           <a:lstStyle/>
           <a:p>
             <a:r>
-              <a:rPr lang="zh-CN" altLang="en-US" dirty="0" smtClean="0"/>
-              <a:t>芒果</a:t>
-            </a:r>
-            <a:r>
               <a:rPr lang="zh-CN" altLang="en-US" dirty="0"/>
-              <a:t>机器学习</a:t>
+              <a:t>芒果机器学习</a:t>
             </a:r>
           </a:p>
         </p:txBody>
@@ -19727,13 +19200,6 @@
   <p:clrMapOvr>
     <a:masterClrMapping/>
   </p:clrMapOvr>
-  <p:timing>
-    <p:tnLst>
-      <p:par>
-        <p:cTn id="1" dur="indefinite" restart="never" nodeType="tmRoot"/>
-      </p:par>
-    </p:tnLst>
-  </p:timing>
 </p:sld>
 </file>
 
@@ -19771,13 +19237,8 @@
           <a:p>
             <a:r>
               <a:rPr lang="zh-CN" altLang="en-US" dirty="0"/>
-              <a:t>芒果</a:t>
-            </a:r>
-            <a:r>
-              <a:rPr lang="zh-CN" altLang="en-US" dirty="0" smtClean="0"/>
-              <a:t>机器学习</a:t>
-            </a:r>
-            <a:endParaRPr lang="zh-CN" altLang="en-US" dirty="0"/>
+              <a:t>芒果机器学习</a:t>
+            </a:r>
           </a:p>
         </p:txBody>
       </p:sp>
@@ -19798,19 +19259,11 @@
           <a:p>
             <a:pPr lvl="1"/>
             <a:r>
-              <a:rPr lang="zh-CN" altLang="en-US" dirty="0" smtClean="0"/>
-              <a:t>从市场上随机选取的</a:t>
-            </a:r>
-            <a:r>
               <a:rPr lang="zh-CN" altLang="en-US" dirty="0"/>
-              <a:t>芒果样本</a:t>
-            </a:r>
-            <a:r>
-              <a:rPr lang="zh-CN" altLang="en-US" dirty="0" smtClean="0"/>
-              <a:t>（</a:t>
-            </a:r>
-            <a:r>
-              <a:rPr lang="zh-CN" altLang="en-US" dirty="0" smtClean="0">
+              <a:t>从市场上随机选取的芒果样本（</a:t>
+            </a:r>
+            <a:r>
+              <a:rPr lang="zh-CN" altLang="en-US" dirty="0">
                 <a:solidFill>
                   <a:srgbClr val="FF0000"/>
                 </a:solidFill>
@@ -19818,19 +19271,11 @@
               <a:t>训练数据</a:t>
             </a:r>
             <a:r>
-              <a:rPr lang="zh-CN" altLang="en-US" dirty="0" smtClean="0"/>
-              <a:t>），</a:t>
-            </a:r>
-            <a:r>
               <a:rPr lang="zh-CN" altLang="en-US" dirty="0"/>
-              <a:t>列出每个芒果的</a:t>
-            </a:r>
-            <a:r>
-              <a:rPr lang="zh-CN" altLang="en-US" dirty="0" smtClean="0"/>
-              <a:t>所有</a:t>
-            </a:r>
-            <a:r>
-              <a:rPr lang="zh-CN" altLang="en-US" dirty="0" smtClean="0">
+              <a:t>），列出每个芒果的所有</a:t>
+            </a:r>
+            <a:r>
+              <a:rPr lang="zh-CN" altLang="en-US" dirty="0">
                 <a:solidFill>
                   <a:srgbClr val="FF0000"/>
                 </a:solidFill>
@@ -19838,31 +19283,23 @@
               <a:t>特征</a:t>
             </a:r>
             <a:r>
-              <a:rPr lang="zh-CN" altLang="en-US" dirty="0" smtClean="0"/>
+              <a:rPr lang="zh-CN" altLang="en-US" dirty="0"/>
               <a:t>：</a:t>
             </a:r>
-            <a:endParaRPr lang="en-US" altLang="zh-CN" dirty="0" smtClean="0"/>
+            <a:endParaRPr lang="en-US" altLang="zh-CN" dirty="0"/>
           </a:p>
           <a:p>
             <a:pPr lvl="2"/>
             <a:r>
-              <a:rPr lang="zh-CN" altLang="en-US" dirty="0" smtClean="0"/>
-              <a:t>如</a:t>
-            </a:r>
-            <a:r>
               <a:rPr lang="zh-CN" altLang="en-US" dirty="0"/>
-              <a:t>颜色，大小，形状</a:t>
-            </a:r>
-            <a:r>
-              <a:rPr lang="zh-CN" altLang="en-US" dirty="0" smtClean="0"/>
-              <a:t>，产地，品牌</a:t>
-            </a:r>
-            <a:endParaRPr lang="en-US" altLang="zh-CN" dirty="0" smtClean="0"/>
+              <a:t>如颜色，大小，形状，产地，品牌</a:t>
+            </a:r>
+            <a:endParaRPr lang="en-US" altLang="zh-CN" dirty="0"/>
           </a:p>
           <a:p>
             <a:pPr lvl="1"/>
             <a:r>
-              <a:rPr lang="zh-CN" altLang="en-US" dirty="0" smtClean="0"/>
+              <a:rPr lang="zh-CN" altLang="en-US" dirty="0"/>
               <a:t>以及芒果质量（</a:t>
             </a:r>
             <a:r>
@@ -19874,22 +19311,18 @@
               <a:t>输出变量</a:t>
             </a:r>
             <a:r>
-              <a:rPr lang="zh-CN" altLang="en-US" dirty="0" smtClean="0"/>
+              <a:rPr lang="zh-CN" altLang="en-US" dirty="0"/>
               <a:t>）：</a:t>
             </a:r>
-            <a:endParaRPr lang="en-US" altLang="zh-CN" dirty="0" smtClean="0"/>
+            <a:endParaRPr lang="en-US" altLang="zh-CN" dirty="0"/>
           </a:p>
           <a:p>
             <a:pPr lvl="2"/>
             <a:r>
-              <a:rPr lang="zh-CN" altLang="en-US" dirty="0" smtClean="0"/>
-              <a:t>甜蜜</a:t>
-            </a:r>
-            <a:r>
               <a:rPr lang="zh-CN" altLang="en-US" dirty="0"/>
-              <a:t>，多汁，成熟度。 </a:t>
-            </a:r>
-            <a:endParaRPr lang="en-US" altLang="zh-CN" dirty="0" smtClean="0"/>
+              <a:t>甜蜜，多汁，成熟度。 </a:t>
+            </a:r>
+            <a:endParaRPr lang="en-US" altLang="zh-CN" dirty="0"/>
           </a:p>
           <a:p>
             <a:pPr lvl="1"/>
@@ -19898,7 +19331,7 @@
           <a:p>
             <a:pPr lvl="1"/>
             <a:r>
-              <a:rPr lang="zh-CN" altLang="en-US" dirty="0" smtClean="0"/>
+              <a:rPr lang="zh-CN" altLang="en-US" dirty="0"/>
               <a:t>设计一个</a:t>
             </a:r>
             <a:r>
@@ -19907,26 +19340,14 @@
                   <a:srgbClr val="FF0000"/>
                 </a:solidFill>
               </a:rPr>
-              <a:t>学习</a:t>
-            </a:r>
-            <a:r>
-              <a:rPr lang="zh-CN" altLang="en-US" dirty="0" smtClean="0">
-                <a:solidFill>
-                  <a:srgbClr val="FF0000"/>
-                </a:solidFill>
-              </a:rPr>
-              <a:t>算法</a:t>
+              <a:t>学习算法</a:t>
             </a:r>
             <a:r>
               <a:rPr lang="zh-CN" altLang="en-US" dirty="0"/>
-              <a:t>来</a:t>
-            </a:r>
-            <a:r>
-              <a:rPr lang="zh-CN" altLang="en-US" dirty="0" smtClean="0"/>
-              <a:t>学习芒果的</a:t>
-            </a:r>
-            <a:r>
-              <a:rPr lang="zh-CN" altLang="en-US" dirty="0" smtClean="0">
+              <a:t>来学习芒果的</a:t>
+            </a:r>
+            <a:r>
+              <a:rPr lang="zh-CN" altLang="en-US" dirty="0">
                 <a:solidFill>
                   <a:srgbClr val="FF0000"/>
                 </a:solidFill>
@@ -19934,11 +19355,11 @@
               <a:t>特征</a:t>
             </a:r>
             <a:r>
-              <a:rPr lang="zh-CN" altLang="en-US" dirty="0" smtClean="0"/>
+              <a:rPr lang="zh-CN" altLang="en-US" dirty="0"/>
               <a:t>与</a:t>
             </a:r>
             <a:r>
-              <a:rPr lang="zh-CN" altLang="en-US" dirty="0" smtClean="0">
+              <a:rPr lang="zh-CN" altLang="en-US" dirty="0">
                 <a:solidFill>
                   <a:srgbClr val="FF0000"/>
                 </a:solidFill>
@@ -19946,12 +19367,8 @@
               <a:t>输出变量</a:t>
             </a:r>
             <a:r>
-              <a:rPr lang="zh-CN" altLang="en-US" dirty="0" smtClean="0"/>
-              <a:t>之间</a:t>
-            </a:r>
-            <a:r>
               <a:rPr lang="zh-CN" altLang="en-US" dirty="0"/>
-              <a:t>的相关性</a:t>
+              <a:t>之间的相关性</a:t>
             </a:r>
             <a:r>
               <a:rPr lang="zh-CN" altLang="en-US" dirty="0">
@@ -19962,10 +19379,10 @@
               <a:t>模型</a:t>
             </a:r>
             <a:r>
-              <a:rPr lang="zh-CN" altLang="en-US" dirty="0" smtClean="0"/>
+              <a:rPr lang="zh-CN" altLang="en-US" dirty="0"/>
               <a:t>。</a:t>
             </a:r>
-            <a:endParaRPr lang="en-US" altLang="zh-CN" dirty="0" smtClean="0"/>
+            <a:endParaRPr lang="en-US" altLang="zh-CN" dirty="0"/>
           </a:p>
           <a:p>
             <a:pPr lvl="1"/>
@@ -19974,7 +19391,7 @@
           <a:p>
             <a:pPr lvl="1"/>
             <a:r>
-              <a:rPr lang="zh-CN" altLang="en-US" dirty="0" smtClean="0"/>
+              <a:rPr lang="zh-CN" altLang="en-US" dirty="0"/>
               <a:t>下次从市场上买芒果时，可以根据芒果（</a:t>
             </a:r>
             <a:r>
@@ -19986,12 +19403,8 @@
               <a:t>测试数据</a:t>
             </a:r>
             <a:r>
-              <a:rPr lang="zh-CN" altLang="en-US" dirty="0" smtClean="0"/>
-              <a:t>）的特征，使用</a:t>
-            </a:r>
-            <a:r>
               <a:rPr lang="zh-CN" altLang="en-US" dirty="0"/>
-              <a:t>前面计算的</a:t>
+              <a:t>）的特征，使用前面计算的</a:t>
             </a:r>
             <a:r>
               <a:rPr lang="zh-CN" altLang="en-US" dirty="0">
@@ -20003,13 +19416,8 @@
             </a:r>
             <a:r>
               <a:rPr lang="zh-CN" altLang="en-US" dirty="0"/>
-              <a:t>来</a:t>
-            </a:r>
-            <a:r>
-              <a:rPr lang="zh-CN" altLang="en-US" dirty="0" smtClean="0"/>
-              <a:t>预测芒果的质量。</a:t>
-            </a:r>
-            <a:endParaRPr lang="zh-CN" altLang="en-US" dirty="0"/>
+              <a:t>来预测芒果的质量。</a:t>
+            </a:r>
           </a:p>
         </p:txBody>
       </p:sp>
@@ -20187,10 +19595,9 @@
           <a:lstStyle/>
           <a:p>
             <a:r>
-              <a:rPr lang="zh-CN" altLang="en-US" dirty="0" smtClean="0"/>
+              <a:rPr lang="zh-CN" altLang="en-US" dirty="0"/>
               <a:t>如何开发一个人工智能系统？</a:t>
             </a:r>
-            <a:endParaRPr lang="zh-CN" altLang="en-US" dirty="0"/>
           </a:p>
         </p:txBody>
       </p:sp>
@@ -20238,10 +19645,9 @@
           <a:lstStyle/>
           <a:p>
             <a:r>
-              <a:rPr lang="zh-CN" altLang="en-US" dirty="0" smtClean="0"/>
+              <a:rPr lang="zh-CN" altLang="en-US" dirty="0"/>
               <a:t>规则</a:t>
             </a:r>
-            <a:endParaRPr lang="zh-CN" altLang="en-US" dirty="0"/>
           </a:p>
         </p:txBody>
       </p:sp>
@@ -21673,10 +21079,9 @@
           <a:lstStyle/>
           <a:p>
             <a:r>
-              <a:rPr lang="zh-CN" altLang="en-US" dirty="0" smtClean="0"/>
+              <a:rPr lang="zh-CN" altLang="en-US" dirty="0"/>
               <a:t>关于本课程</a:t>
             </a:r>
-            <a:endParaRPr lang="zh-CN" altLang="en-US" dirty="0"/>
           </a:p>
         </p:txBody>
       </p:sp>
@@ -21696,26 +21101,18 @@
           <a:lstStyle/>
           <a:p>
             <a:r>
-              <a:rPr lang="zh-CN" altLang="en-US" sz="2800" dirty="0" smtClean="0"/>
+              <a:rPr lang="zh-CN" altLang="en-US" sz="2800" dirty="0"/>
               <a:t>人工智能的一个子领域</a:t>
             </a:r>
-            <a:endParaRPr lang="en-US" altLang="zh-CN" sz="2800" dirty="0" smtClean="0"/>
+            <a:endParaRPr lang="en-US" altLang="zh-CN" sz="2800" dirty="0"/>
           </a:p>
           <a:p>
             <a:pPr lvl="1"/>
             <a:r>
-              <a:rPr lang="zh-CN" altLang="en-US" sz="2000" dirty="0" smtClean="0"/>
-              <a:t>神经网络：一种以（人工</a:t>
-            </a:r>
-            <a:r>
               <a:rPr lang="zh-CN" altLang="en-US" sz="2000" dirty="0"/>
-              <a:t>）</a:t>
-            </a:r>
-            <a:r>
-              <a:rPr lang="zh-CN" altLang="en-US" sz="2000" dirty="0" smtClean="0"/>
-              <a:t>神经元为基本单元的模型</a:t>
-            </a:r>
-            <a:endParaRPr lang="en-US" altLang="zh-CN" sz="2000" dirty="0" smtClean="0"/>
+              <a:t>神经网络：一种以（人工）神经元为基本单元的模型</a:t>
+            </a:r>
+            <a:endParaRPr lang="en-US" altLang="zh-CN" sz="2000" dirty="0"/>
           </a:p>
           <a:p>
             <a:pPr lvl="1"/>
@@ -21729,18 +21126,10 @@
                   <a:srgbClr val="FF0000"/>
                 </a:solidFill>
               </a:rPr>
-              <a:t>贡献度</a:t>
-            </a:r>
-            <a:r>
-              <a:rPr lang="zh-CN" altLang="en-US" sz="2000" dirty="0" smtClean="0">
-                <a:solidFill>
-                  <a:srgbClr val="FF0000"/>
-                </a:solidFill>
-              </a:rPr>
-              <a:t>分配问题</a:t>
-            </a:r>
-            <a:r>
-              <a:rPr lang="zh-CN" altLang="en-US" sz="2000" dirty="0" smtClean="0">
+              <a:t>贡献度分配问题</a:t>
+            </a:r>
+            <a:r>
+              <a:rPr lang="zh-CN" altLang="en-US" sz="2000" dirty="0">
                 <a:solidFill>
                   <a:schemeClr val="tx1"/>
                 </a:solidFill>
@@ -21789,13 +21178,6 @@
   <p:clrMapOvr>
     <a:masterClrMapping/>
   </p:clrMapOvr>
-  <p:timing>
-    <p:tnLst>
-      <p:par>
-        <p:cTn id="1" dur="indefinite" restart="never" nodeType="tmRoot"/>
-      </p:par>
-    </p:tnLst>
-  </p:timing>
 </p:sld>
 </file>
 
@@ -21832,7 +21214,7 @@
           <a:lstStyle/>
           <a:p>
             <a:r>
-              <a:rPr lang="zh-CN" altLang="en-US" smtClean="0"/>
+              <a:rPr lang="zh-CN" altLang="en-US"/>
               <a:t>机器学习</a:t>
             </a:r>
             <a:endParaRPr lang="zh-CN" altLang="en-US" dirty="0"/>
@@ -21855,43 +21237,42 @@
           <a:lstStyle/>
           <a:p>
             <a:r>
-              <a:rPr lang="zh-CN" altLang="en-US" dirty="0" smtClean="0"/>
+              <a:rPr lang="zh-CN" altLang="en-US" dirty="0"/>
               <a:t>当我们用机器学习来解决一些模式识别任务时，一般的流程包含以下几个步骤：</a:t>
             </a:r>
-            <a:endParaRPr lang="en-US" altLang="zh-CN" dirty="0" smtClean="0"/>
-          </a:p>
-          <a:p>
-            <a:endParaRPr lang="en-US" altLang="zh-CN" dirty="0" smtClean="0"/>
-          </a:p>
-          <a:p>
-            <a:endParaRPr lang="en-US" altLang="zh-CN" dirty="0" smtClean="0"/>
-          </a:p>
-          <a:p>
-            <a:endParaRPr lang="en-US" altLang="zh-CN" dirty="0" smtClean="0"/>
-          </a:p>
-          <a:p>
-            <a:endParaRPr lang="en-US" altLang="zh-CN" dirty="0" smtClean="0"/>
-          </a:p>
-          <a:p>
-            <a:endParaRPr lang="en-US" altLang="zh-CN" dirty="0" smtClean="0"/>
-          </a:p>
-          <a:p>
-            <a:endParaRPr lang="en-US" altLang="zh-CN" dirty="0" smtClean="0"/>
-          </a:p>
-          <a:p>
-            <a:r>
-              <a:rPr lang="zh-CN" altLang="en-US" dirty="0" smtClean="0"/>
+            <a:endParaRPr lang="en-US" altLang="zh-CN" dirty="0"/>
+          </a:p>
+          <a:p>
+            <a:endParaRPr lang="en-US" altLang="zh-CN" dirty="0"/>
+          </a:p>
+          <a:p>
+            <a:endParaRPr lang="en-US" altLang="zh-CN" dirty="0"/>
+          </a:p>
+          <a:p>
+            <a:endParaRPr lang="en-US" altLang="zh-CN" dirty="0"/>
+          </a:p>
+          <a:p>
+            <a:endParaRPr lang="en-US" altLang="zh-CN" dirty="0"/>
+          </a:p>
+          <a:p>
+            <a:endParaRPr lang="en-US" altLang="zh-CN" dirty="0"/>
+          </a:p>
+          <a:p>
+            <a:endParaRPr lang="en-US" altLang="zh-CN" dirty="0"/>
+          </a:p>
+          <a:p>
+            <a:r>
+              <a:rPr lang="zh-CN" altLang="en-US" dirty="0"/>
               <a:t>浅层学习（</a:t>
             </a:r>
             <a:r>
-              <a:rPr lang="en-US" altLang="zh-CN" dirty="0" smtClean="0"/>
+              <a:rPr lang="en-US" altLang="zh-CN" dirty="0"/>
               <a:t>Shallow Learning</a:t>
             </a:r>
             <a:r>
-              <a:rPr lang="zh-CN" altLang="en-US" dirty="0" smtClean="0"/>
+              <a:rPr lang="zh-CN" altLang="en-US" dirty="0"/>
               <a:t>）：不涉及特征学习，其特征主要靠人工经验或特征转换方法来抽取。</a:t>
             </a:r>
-            <a:endParaRPr lang="zh-CN" altLang="en-US" dirty="0"/>
           </a:p>
         </p:txBody>
       </p:sp>
@@ -21952,21 +21333,8 @@
                   <a:srgbClr val="FF0000"/>
                 </a:solidFill>
               </a:rPr>
-              <a:t>特征工程（Feature Engineering</a:t>
-            </a:r>
-            <a:r>
-              <a:rPr lang="zh-CN" altLang="en-US" sz="2000" dirty="0" smtClean="0">
-                <a:solidFill>
-                  <a:srgbClr val="FF0000"/>
-                </a:solidFill>
-              </a:rPr>
-              <a:t>）</a:t>
-            </a:r>
-            <a:endParaRPr lang="zh-CN" altLang="en-US" sz="2000" dirty="0">
-              <a:solidFill>
-                <a:srgbClr val="FF0000"/>
-              </a:solidFill>
-            </a:endParaRPr>
+              <a:t>特征工程（Feature Engineering）</a:t>
+            </a:r>
           </a:p>
         </p:txBody>
       </p:sp>
@@ -22163,7 +21531,7 @@
           <a:lstStyle/>
           <a:p>
             <a:r>
-              <a:rPr lang="zh-CN" altLang="en-US" smtClean="0"/>
+              <a:rPr lang="zh-CN" altLang="en-US"/>
               <a:t>语义鸿沟：人工智能的挑战之一</a:t>
             </a:r>
             <a:endParaRPr lang="zh-CN" altLang="en-US" dirty="0"/>
@@ -22186,23 +21554,23 @@
           <a:lstStyle/>
           <a:p>
             <a:r>
-              <a:rPr lang="zh-CN" altLang="en-US" smtClean="0"/>
+              <a:rPr lang="zh-CN" altLang="en-US"/>
               <a:t>底层特征 </a:t>
             </a:r>
             <a:r>
-              <a:rPr lang="en-US" altLang="zh-CN" smtClean="0"/>
+              <a:rPr lang="en-US" altLang="zh-CN"/>
               <a:t>VS </a:t>
             </a:r>
             <a:r>
-              <a:rPr lang="zh-CN" altLang="en-US" smtClean="0"/>
+              <a:rPr lang="zh-CN" altLang="en-US"/>
               <a:t>高层语义</a:t>
             </a:r>
-            <a:endParaRPr lang="en-US" altLang="zh-CN" smtClean="0"/>
+            <a:endParaRPr lang="en-US" altLang="zh-CN"/>
           </a:p>
           <a:p>
             <a:pPr lvl="1"/>
             <a:r>
-              <a:rPr lang="zh-CN" altLang="en-US" smtClean="0"/>
+              <a:rPr lang="zh-CN" altLang="en-US"/>
               <a:t>人们对文本、图像的理解无法从字符串或者图像的底层特征直接获得</a:t>
             </a:r>
             <a:endParaRPr lang="zh-CN" altLang="en-US" dirty="0"/>
@@ -22561,7 +21929,7 @@
           <a:lstStyle/>
           <a:p>
             <a:r>
-              <a:rPr lang="zh-CN" altLang="en-US" smtClean="0"/>
+              <a:rPr lang="zh-CN" altLang="en-US"/>
               <a:t>表示学习</a:t>
             </a:r>
             <a:endParaRPr lang="zh-CN" altLang="en-US" dirty="0"/>
@@ -22584,51 +21952,51 @@
           <a:lstStyle/>
           <a:p>
             <a:r>
-              <a:rPr lang="zh-CN" altLang="en-US" smtClean="0"/>
+              <a:rPr lang="zh-CN" altLang="en-US"/>
               <a:t>数据表示是机器学习的核心问题。</a:t>
             </a:r>
-            <a:endParaRPr lang="en-US" altLang="zh-CN" smtClean="0"/>
+            <a:endParaRPr lang="en-US" altLang="zh-CN"/>
           </a:p>
           <a:p>
             <a:pPr lvl="1"/>
             <a:r>
-              <a:rPr lang="zh-CN" altLang="en-US" smtClean="0"/>
+              <a:rPr lang="zh-CN" altLang="en-US"/>
               <a:t>特征工程：需要借助人类智能</a:t>
             </a:r>
-            <a:endParaRPr lang="en-US" altLang="zh-CN" smtClean="0"/>
-          </a:p>
-          <a:p>
-            <a:endParaRPr lang="en-US" altLang="zh-CN" smtClean="0"/>
-          </a:p>
-          <a:p>
-            <a:r>
-              <a:rPr lang="zh-CN" altLang="en-US" smtClean="0"/>
+            <a:endParaRPr lang="en-US" altLang="zh-CN"/>
+          </a:p>
+          <a:p>
+            <a:endParaRPr lang="en-US" altLang="zh-CN"/>
+          </a:p>
+          <a:p>
+            <a:r>
+              <a:rPr lang="zh-CN" altLang="en-US"/>
               <a:t>表示学习</a:t>
             </a:r>
-            <a:endParaRPr lang="en-US" altLang="zh-CN" smtClean="0"/>
+            <a:endParaRPr lang="en-US" altLang="zh-CN"/>
           </a:p>
           <a:p>
             <a:pPr lvl="1"/>
             <a:r>
-              <a:rPr lang="zh-CN" altLang="en-US" smtClean="0"/>
+              <a:rPr lang="zh-CN" altLang="en-US"/>
               <a:t>如何自动从数据中学习好的表示</a:t>
             </a:r>
-            <a:endParaRPr lang="en-US" altLang="zh-CN" smtClean="0"/>
-          </a:p>
-          <a:p>
-            <a:r>
-              <a:rPr lang="zh-CN" altLang="en-US" smtClean="0"/>
+            <a:endParaRPr lang="en-US" altLang="zh-CN"/>
+          </a:p>
+          <a:p>
+            <a:r>
+              <a:rPr lang="zh-CN" altLang="en-US"/>
               <a:t>难点</a:t>
             </a:r>
-            <a:endParaRPr lang="en-US" altLang="zh-CN" smtClean="0"/>
+            <a:endParaRPr lang="en-US" altLang="zh-CN"/>
           </a:p>
           <a:p>
             <a:pPr lvl="1"/>
             <a:r>
-              <a:rPr lang="zh-CN" altLang="en-US" smtClean="0"/>
+              <a:rPr lang="zh-CN" altLang="en-US"/>
               <a:t>没有明确的目标</a:t>
             </a:r>
-            <a:endParaRPr lang="en-US" altLang="zh-CN" dirty="0" smtClean="0"/>
+            <a:endParaRPr lang="en-US" altLang="zh-CN" dirty="0"/>
           </a:p>
         </p:txBody>
       </p:sp>
@@ -22959,10 +22327,9 @@
           <a:lstStyle/>
           <a:p>
             <a:r>
-              <a:rPr lang="zh-CN" altLang="en-US" dirty="0" smtClean="0"/>
+              <a:rPr lang="zh-CN" altLang="en-US" dirty="0"/>
               <a:t>什么是好的数据表示？</a:t>
             </a:r>
-            <a:endParaRPr lang="zh-CN" altLang="en-US" dirty="0"/>
           </a:p>
         </p:txBody>
       </p:sp>
@@ -22983,15 +22350,17 @@
           <a:p>
             <a:r>
               <a:rPr lang="zh-CN" altLang="en-US" dirty="0"/>
-              <a:t>“好的表示”是一个非常主观的概念，没有一个明确的标准。但</a:t>
-            </a:r>
-            <a:r>
-              <a:rPr lang="zh-CN" altLang="en-US" dirty="0" smtClean="0"/>
-              <a:t>一般而言</a:t>
-            </a:r>
+              <a:t>“好的表示”是一个非常主观的概念，没有一个明确的标准。</a:t>
+            </a:r>
+            <a:endParaRPr lang="en-US" altLang="zh-CN" dirty="0"/>
+          </a:p>
+          <a:p>
+            <a:endParaRPr lang="en-US" altLang="zh-CN" dirty="0"/>
+          </a:p>
+          <a:p>
             <a:r>
               <a:rPr lang="zh-CN" altLang="en-US" dirty="0"/>
-              <a:t>，一个好的表示具有以下几个优点：</a:t>
+              <a:t>但一般而言，一个好的表示具有以下几个优点：</a:t>
             </a:r>
           </a:p>
           <a:p>
@@ -23014,14 +22383,14 @@
               <a:rPr lang="zh-CN" altLang="en-US" dirty="0"/>
               <a:t>应该具有一般性，是任务或领域独立的。</a:t>
             </a:r>
-            <a:endParaRPr lang="en-US" altLang="zh-CN" dirty="0" smtClean="0"/>
-          </a:p>
-          <a:p>
             <a:endParaRPr lang="en-US" altLang="zh-CN" dirty="0"/>
           </a:p>
           <a:p>
+            <a:endParaRPr lang="en-US" altLang="zh-CN" dirty="0"/>
+          </a:p>
+          <a:p>
             <a:pPr lvl="1"/>
-            <a:endParaRPr lang="en-US" altLang="zh-CN" dirty="0" smtClean="0"/>
+            <a:endParaRPr lang="en-US" altLang="zh-CN" dirty="0"/>
           </a:p>
           <a:p>
             <a:endParaRPr lang="zh-CN" altLang="en-US" dirty="0"/>
@@ -23038,13 +22407,6 @@
   <p:clrMapOvr>
     <a:masterClrMapping/>
   </p:clrMapOvr>
-  <p:timing>
-    <p:tnLst>
-      <p:par>
-        <p:cTn id="1" dur="indefinite" restart="never" nodeType="tmRoot"/>
-      </p:par>
-    </p:tnLst>
-  </p:timing>
 </p:sld>
 </file>
 
@@ -23081,10 +22443,9 @@
           <a:lstStyle/>
           <a:p>
             <a:r>
-              <a:rPr lang="zh-CN" altLang="en-US" dirty="0" smtClean="0"/>
+              <a:rPr lang="zh-CN" altLang="en-US" dirty="0"/>
               <a:t>语义表示</a:t>
             </a:r>
-            <a:endParaRPr lang="zh-CN" altLang="en-US" dirty="0"/>
           </a:p>
         </p:txBody>
       </p:sp>
@@ -23104,11 +22465,11 @@
           <a:lstStyle/>
           <a:p>
             <a:r>
-              <a:rPr lang="zh-CN" altLang="en-US" dirty="0" smtClean="0"/>
+              <a:rPr lang="zh-CN" altLang="en-US" dirty="0"/>
               <a:t>如何在计算机中表示</a:t>
             </a:r>
             <a:r>
-              <a:rPr lang="zh-CN" altLang="en-US" dirty="0" smtClean="0">
+              <a:rPr lang="zh-CN" altLang="en-US" dirty="0">
                 <a:solidFill>
                   <a:srgbClr val="FF0000"/>
                 </a:solidFill>
@@ -23116,10 +22477,10 @@
               <a:t>语义</a:t>
             </a:r>
             <a:r>
-              <a:rPr lang="zh-CN" altLang="en-US" dirty="0" smtClean="0"/>
+              <a:rPr lang="zh-CN" altLang="en-US" dirty="0"/>
               <a:t>？</a:t>
             </a:r>
-            <a:endParaRPr lang="en-US" altLang="zh-CN" dirty="0" smtClean="0"/>
+            <a:endParaRPr lang="en-US" altLang="zh-CN" dirty="0"/>
           </a:p>
           <a:p>
             <a:pPr lvl="1"/>
@@ -23191,10 +22552,9 @@
           <a:p>
             <a:pPr algn="ctr"/>
             <a:r>
-              <a:rPr lang="zh-CN" altLang="en-US" sz="3000" dirty="0" smtClean="0"/>
+              <a:rPr lang="zh-CN" altLang="en-US" sz="3000" dirty="0"/>
               <a:t>符号表示</a:t>
             </a:r>
-            <a:endParaRPr lang="zh-CN" altLang="en-US" sz="3000" dirty="0"/>
           </a:p>
         </p:txBody>
       </p:sp>
@@ -23398,26 +22758,9 @@
           <a:lstStyle/>
           <a:p>
             <a:r>
-              <a:rPr lang="zh-CN" altLang="en-US" dirty="0" smtClean="0"/>
-              <a:t>嵌入</a:t>
-            </a:r>
-            <a:r>
               <a:rPr lang="zh-CN" altLang="en-US" dirty="0"/>
-              <a:t>：</a:t>
-            </a:r>
-            <a:r>
-              <a:rPr lang="zh-CN" altLang="en-US" dirty="0" smtClean="0"/>
-              <a:t>压缩</a:t>
-            </a:r>
-            <a:r>
-              <a:rPr lang="zh-CN" altLang="en-US" dirty="0"/>
-              <a:t>、低维、稠密</a:t>
-            </a:r>
-            <a:r>
-              <a:rPr lang="zh-CN" altLang="en-US" dirty="0" smtClean="0"/>
-              <a:t>向量</a:t>
-            </a:r>
-            <a:endParaRPr lang="zh-CN" altLang="en-US" dirty="0"/>
+              <a:t>嵌入：压缩、低维、稠密向量</a:t>
+            </a:r>
           </a:p>
         </p:txBody>
       </p:sp>
@@ -23883,10 +23226,9 @@
           <a:lstStyle/>
           <a:p>
             <a:r>
-              <a:rPr lang="zh-CN" altLang="en-US" dirty="0" smtClean="0"/>
+              <a:rPr lang="zh-CN" altLang="en-US" dirty="0"/>
               <a:t>表示形式</a:t>
             </a:r>
-            <a:endParaRPr lang="zh-CN" altLang="en-US" dirty="0"/>
           </a:p>
         </p:txBody>
       </p:sp>
@@ -23913,111 +23255,111 @@
           <a:p>
             <a:pPr lvl="1"/>
             <a:r>
-              <a:rPr lang="zh-CN" altLang="en-US" dirty="0" smtClean="0"/>
+              <a:rPr lang="zh-CN" altLang="en-US" dirty="0"/>
               <a:t>离散表示、局部表示</a:t>
             </a:r>
-            <a:endParaRPr lang="en-US" altLang="zh-CN" dirty="0" smtClean="0"/>
+            <a:endParaRPr lang="en-US" altLang="zh-CN" dirty="0"/>
           </a:p>
           <a:p>
             <a:pPr lvl="1"/>
             <a:r>
-              <a:rPr lang="en-US" altLang="zh-CN" dirty="0" smtClean="0"/>
+              <a:rPr lang="en-US" altLang="zh-CN" dirty="0"/>
               <a:t>One-Hot</a:t>
             </a:r>
             <a:r>
-              <a:rPr lang="zh-CN" altLang="en-US" dirty="0" smtClean="0"/>
+              <a:rPr lang="zh-CN" altLang="en-US" dirty="0"/>
               <a:t>向量</a:t>
             </a:r>
-            <a:endParaRPr lang="en-US" altLang="zh-CN" dirty="0" smtClean="0"/>
+            <a:endParaRPr lang="en-US" altLang="zh-CN" dirty="0"/>
           </a:p>
           <a:p>
             <a:endParaRPr lang="en-US" altLang="zh-CN" sz="3200" dirty="0"/>
           </a:p>
           <a:p>
-            <a:endParaRPr lang="en-US" altLang="zh-CN" dirty="0" smtClean="0"/>
-          </a:p>
-          <a:p>
-            <a:r>
-              <a:rPr lang="zh-CN" altLang="en-US" dirty="0" smtClean="0"/>
+            <a:endParaRPr lang="en-US" altLang="zh-CN" dirty="0"/>
+          </a:p>
+          <a:p>
+            <a:r>
+              <a:rPr lang="zh-CN" altLang="en-US" dirty="0"/>
               <a:t>分布式</a:t>
             </a:r>
             <a:r>
-              <a:rPr lang="en-US" altLang="zh-CN" dirty="0" smtClean="0"/>
+              <a:rPr lang="en-US" altLang="zh-CN" dirty="0"/>
               <a:t>(</a:t>
             </a:r>
             <a:r>
-              <a:rPr lang="en-US" altLang="zh-CN" kern="100" dirty="0" smtClean="0">
+              <a:rPr lang="en-US" altLang="zh-CN" kern="100" dirty="0">
                 <a:ea typeface="宋体" panose="02010600030101010101" pitchFamily="2" charset="-122"/>
                 <a:cs typeface="宋体" panose="02010600030101010101" pitchFamily="2" charset="-122"/>
               </a:rPr>
               <a:t>distributed)</a:t>
             </a:r>
             <a:r>
-              <a:rPr lang="zh-CN" altLang="en-US" dirty="0" smtClean="0"/>
+              <a:rPr lang="zh-CN" altLang="en-US" dirty="0"/>
               <a:t>表示</a:t>
             </a:r>
-            <a:endParaRPr lang="en-US" altLang="zh-CN" dirty="0" smtClean="0"/>
+            <a:endParaRPr lang="en-US" altLang="zh-CN" dirty="0"/>
           </a:p>
           <a:p>
             <a:pPr lvl="1"/>
             <a:r>
-              <a:rPr lang="zh-CN" altLang="en-US" dirty="0" smtClean="0"/>
+              <a:rPr lang="zh-CN" altLang="en-US" dirty="0"/>
               <a:t>压缩、低维、稠密向量</a:t>
             </a:r>
-            <a:endParaRPr lang="en-US" altLang="zh-CN" dirty="0" smtClean="0"/>
+            <a:endParaRPr lang="en-US" altLang="zh-CN" dirty="0"/>
           </a:p>
           <a:p>
             <a:pPr lvl="1"/>
             <a:r>
-              <a:rPr lang="zh-CN" altLang="en-US" sz="2400" dirty="0" smtClean="0"/>
+              <a:rPr lang="zh-CN" altLang="en-US" sz="2400" dirty="0"/>
               <a:t>用</a:t>
             </a:r>
             <a:r>
-              <a:rPr lang="en-US" altLang="zh-CN" sz="2400" dirty="0" smtClean="0"/>
+              <a:rPr lang="en-US" altLang="zh-CN" sz="2400" dirty="0"/>
               <a:t>O(N)</a:t>
             </a:r>
             <a:r>
-              <a:rPr lang="zh-CN" altLang="en-US" sz="2400" dirty="0" smtClean="0"/>
+              <a:rPr lang="zh-CN" altLang="en-US" sz="2400" dirty="0"/>
               <a:t>个参数表示</a:t>
             </a:r>
             <a:r>
-              <a:rPr lang="en-US" altLang="zh-CN" sz="2400" dirty="0" smtClean="0"/>
+              <a:rPr lang="en-US" altLang="zh-CN" sz="2400" dirty="0"/>
               <a:t> O(2</a:t>
             </a:r>
             <a:r>
-              <a:rPr lang="en-US" altLang="zh-CN" sz="2400" baseline="30000" dirty="0" smtClean="0"/>
+              <a:rPr lang="en-US" altLang="zh-CN" sz="2400" baseline="30000" dirty="0"/>
               <a:t>k</a:t>
             </a:r>
             <a:r>
-              <a:rPr lang="en-US" altLang="zh-CN" sz="2400" dirty="0" smtClean="0"/>
+              <a:rPr lang="en-US" altLang="zh-CN" sz="2400" dirty="0"/>
               <a:t>)</a:t>
             </a:r>
             <a:r>
-              <a:rPr lang="zh-CN" altLang="en-US" sz="2400" dirty="0" smtClean="0"/>
+              <a:rPr lang="zh-CN" altLang="en-US" sz="2400" dirty="0"/>
               <a:t>区间</a:t>
             </a:r>
-            <a:endParaRPr lang="en-US" altLang="zh-CN" sz="2400" dirty="0" smtClean="0"/>
+            <a:endParaRPr lang="en-US" altLang="zh-CN" sz="2400" dirty="0"/>
           </a:p>
           <a:p>
             <a:pPr lvl="2"/>
             <a:r>
-              <a:rPr lang="en-US" altLang="zh-CN" sz="2000" dirty="0" smtClean="0"/>
+              <a:rPr lang="en-US" altLang="zh-CN" sz="2000" dirty="0"/>
               <a:t>k</a:t>
             </a:r>
             <a:r>
-              <a:rPr lang="zh-CN" altLang="en-US" sz="2000" dirty="0" smtClean="0"/>
+              <a:rPr lang="zh-CN" altLang="en-US" sz="2000" dirty="0"/>
               <a:t>为非</a:t>
             </a:r>
             <a:r>
-              <a:rPr lang="en-US" altLang="zh-CN" sz="2000" dirty="0" smtClean="0"/>
+              <a:rPr lang="en-US" altLang="zh-CN" sz="2000" dirty="0"/>
               <a:t>0</a:t>
             </a:r>
             <a:r>
-              <a:rPr lang="zh-CN" altLang="en-US" sz="2000" dirty="0" smtClean="0"/>
+              <a:rPr lang="zh-CN" altLang="en-US" sz="2000" dirty="0"/>
               <a:t>参数，</a:t>
             </a:r>
             <a:r>
-              <a:rPr lang="en-US" altLang="zh-CN" sz="2000" dirty="0" smtClean="0"/>
+              <a:rPr lang="en-US" altLang="zh-CN" sz="2000" dirty="0"/>
               <a:t>k&lt;N</a:t>
             </a:r>
           </a:p>
@@ -24035,7 +23377,7 @@
         </p:nvGraphicFramePr>
         <p:xfrm>
           <a:off x="4419600" y="1295400"/>
-          <a:ext cx="4648200" cy="2057400"/>
+          <a:ext cx="4648200" cy="2034604"/>
         </p:xfrm>
         <a:graphic>
           <a:graphicData uri="http://schemas.openxmlformats.org/drawingml/2006/table">
@@ -24110,7 +23452,7 @@
                         </a:spcAft>
                       </a:pPr>
                       <a:r>
-                        <a:rPr lang="zh-CN" altLang="en-US" sz="2000" kern="100" dirty="0" smtClean="0">
+                        <a:rPr lang="zh-CN" altLang="en-US" sz="2000" kern="100" dirty="0">
                           <a:effectLst/>
                         </a:rPr>
                         <a:t>离散表示</a:t>
@@ -24139,7 +23481,7 @@
                         </a:spcAft>
                       </a:pPr>
                       <a:r>
-                        <a:rPr lang="zh-CN" altLang="en-US" sz="2000" kern="100" dirty="0" smtClean="0">
+                        <a:rPr lang="zh-CN" altLang="en-US" sz="2000" kern="100" dirty="0">
                           <a:effectLst/>
                         </a:rPr>
                         <a:t>连续表示</a:t>
@@ -24604,7 +23946,7 @@
           <a:p>
             <a:pPr lvl="1" algn="ctr"/>
             <a:r>
-              <a:rPr lang="zh-CN" altLang="en-US" dirty="0" smtClean="0"/>
+              <a:rPr lang="zh-CN" altLang="en-US" dirty="0"/>
               <a:t>分布式表示</a:t>
             </a:r>
             <a:endParaRPr lang="en-US" altLang="zh-CN" dirty="0"/>
@@ -24621,13 +23963,6 @@
   <p:clrMapOvr>
     <a:masterClrMapping/>
   </p:clrMapOvr>
-  <p:timing>
-    <p:tnLst>
-      <p:par>
-        <p:cTn id="1" dur="indefinite" restart="never" nodeType="tmRoot"/>
-      </p:par>
-    </p:tnLst>
-  </p:timing>
 </p:sld>
 </file>
 
@@ -24664,10 +23999,9 @@
           <a:lstStyle/>
           <a:p>
             <a:r>
-              <a:rPr lang="zh-CN" altLang="en-US" dirty="0" smtClean="0"/>
+              <a:rPr lang="zh-CN" altLang="en-US" dirty="0"/>
               <a:t>一个生活中的例子：颜色</a:t>
             </a:r>
-            <a:endParaRPr lang="zh-CN" altLang="en-US" dirty="0"/>
           </a:p>
         </p:txBody>
       </p:sp>
@@ -24752,13 +24086,6 @@
   <p:clrMapOvr>
     <a:masterClrMapping/>
   </p:clrMapOvr>
-  <p:timing>
-    <p:tnLst>
-      <p:par>
-        <p:cTn id="1" dur="indefinite" restart="never" nodeType="tmRoot"/>
-      </p:par>
-    </p:tnLst>
-  </p:timing>
 </p:sld>
 </file>
 
@@ -24901,10 +24228,9 @@
           <a:lstStyle/>
           <a:p>
             <a:r>
-              <a:rPr lang="zh-CN" altLang="en-US" sz="2400" dirty="0" smtClean="0"/>
+              <a:rPr lang="zh-CN" altLang="en-US" sz="2400" dirty="0"/>
               <a:t>上海</a:t>
             </a:r>
-            <a:endParaRPr lang="zh-CN" altLang="en-US" sz="2400" dirty="0"/>
           </a:p>
         </p:txBody>
       </p:sp>
@@ -24931,10 +24257,9 @@
           <a:lstStyle/>
           <a:p>
             <a:r>
-              <a:rPr lang="zh-CN" altLang="en-US" sz="2400" dirty="0" smtClean="0"/>
+              <a:rPr lang="zh-CN" altLang="en-US" sz="2400" dirty="0"/>
               <a:t>北京</a:t>
             </a:r>
-            <a:endParaRPr lang="zh-CN" altLang="en-US" sz="2400" dirty="0"/>
           </a:p>
         </p:txBody>
       </p:sp>
@@ -25031,10 +24356,9 @@
           <a:lstStyle/>
           <a:p>
             <a:r>
-              <a:rPr lang="zh-CN" altLang="en-US" sz="2400" dirty="0" smtClean="0"/>
+              <a:rPr lang="zh-CN" altLang="en-US" sz="2400" dirty="0"/>
               <a:t>高兴</a:t>
             </a:r>
-            <a:endParaRPr lang="zh-CN" altLang="en-US" sz="2400" dirty="0"/>
           </a:p>
         </p:txBody>
       </p:sp>
@@ -25147,13 +24471,6 @@
   <p:clrMapOvr>
     <a:masterClrMapping/>
   </p:clrMapOvr>
-  <p:timing>
-    <p:tnLst>
-      <p:par>
-        <p:cTn id="1" dur="indefinite" restart="never" nodeType="tmRoot"/>
-      </p:par>
-    </p:tnLst>
-  </p:timing>
 </p:sld>
 </file>
 
@@ -25190,10 +24507,9 @@
           <a:lstStyle/>
           <a:p>
             <a:r>
-              <a:rPr lang="zh-CN" altLang="en-US" dirty="0" smtClean="0"/>
+              <a:rPr lang="zh-CN" altLang="en-US" dirty="0"/>
               <a:t>表示学习与深度学习</a:t>
             </a:r>
-            <a:endParaRPr lang="zh-CN" altLang="en-US" dirty="0"/>
           </a:p>
         </p:txBody>
       </p:sp>
@@ -25213,46 +24529,42 @@
           <a:lstStyle/>
           <a:p>
             <a:r>
-              <a:rPr lang="zh-CN" altLang="en-US" dirty="0" smtClean="0"/>
+              <a:rPr lang="zh-CN" altLang="en-US" dirty="0"/>
               <a:t>一个好的表示学习策略必须具备一定的深度</a:t>
             </a:r>
-            <a:endParaRPr lang="en-US" altLang="zh-CN" dirty="0" smtClean="0"/>
+            <a:endParaRPr lang="en-US" altLang="zh-CN" dirty="0"/>
           </a:p>
           <a:p>
             <a:pPr lvl="1"/>
             <a:r>
-              <a:rPr lang="zh-CN" altLang="en-US" dirty="0" smtClean="0"/>
+              <a:rPr lang="zh-CN" altLang="en-US" dirty="0"/>
               <a:t>特征重用</a:t>
             </a:r>
-            <a:endParaRPr lang="en-US" altLang="zh-CN" dirty="0" smtClean="0"/>
+            <a:endParaRPr lang="en-US" altLang="zh-CN" dirty="0"/>
           </a:p>
           <a:p>
             <a:pPr lvl="2"/>
             <a:r>
-              <a:rPr lang="zh-CN" altLang="en-US" dirty="0" smtClean="0"/>
+              <a:rPr lang="zh-CN" altLang="en-US" dirty="0"/>
               <a:t>指数级的表示能力</a:t>
             </a:r>
-            <a:endParaRPr lang="en-US" altLang="zh-CN" dirty="0" smtClean="0"/>
+            <a:endParaRPr lang="en-US" altLang="zh-CN" dirty="0"/>
           </a:p>
           <a:p>
             <a:pPr lvl="1"/>
             <a:r>
-              <a:rPr lang="zh-CN" altLang="en-US" dirty="0" smtClean="0"/>
-              <a:t>抽象表示与</a:t>
-            </a:r>
-            <a:r>
               <a:rPr lang="zh-CN" altLang="en-US" dirty="0"/>
-              <a:t>不变性</a:t>
-            </a:r>
-            <a:endParaRPr lang="en-US" altLang="zh-CN" dirty="0" smtClean="0"/>
+              <a:t>抽象表示与不变性</a:t>
+            </a:r>
+            <a:endParaRPr lang="en-US" altLang="zh-CN" dirty="0"/>
           </a:p>
           <a:p>
             <a:pPr lvl="2"/>
             <a:r>
-              <a:rPr lang="zh-CN" altLang="en-US" dirty="0" smtClean="0"/>
+              <a:rPr lang="zh-CN" altLang="en-US" dirty="0"/>
               <a:t>抽象表示需要多步的构造</a:t>
             </a:r>
-            <a:endParaRPr lang="en-US" altLang="zh-CN" dirty="0" smtClean="0"/>
+            <a:endParaRPr lang="en-US" altLang="zh-CN" dirty="0"/>
           </a:p>
           <a:p>
             <a:pPr lvl="2"/>
@@ -25339,13 +24651,6 @@
   <p:clrMapOvr>
     <a:masterClrMapping/>
   </p:clrMapOvr>
-  <p:timing>
-    <p:tnLst>
-      <p:par>
-        <p:cTn id="1" dur="indefinite" restart="never" nodeType="tmRoot"/>
-      </p:par>
-    </p:tnLst>
-  </p:timing>
 </p:sld>
 </file>
 
@@ -25382,10 +24687,9 @@
           <a:lstStyle/>
           <a:p>
             <a:r>
-              <a:rPr lang="zh-CN" altLang="en-US" dirty="0" smtClean="0"/>
+              <a:rPr lang="zh-CN" altLang="en-US" dirty="0"/>
               <a:t>传统的特征提取</a:t>
             </a:r>
-            <a:endParaRPr lang="zh-CN" altLang="en-US" dirty="0"/>
           </a:p>
         </p:txBody>
       </p:sp>
@@ -25405,73 +24709,69 @@
           <a:lstStyle/>
           <a:p>
             <a:r>
-              <a:rPr lang="zh-CN" altLang="en-US" dirty="0" smtClean="0"/>
+              <a:rPr lang="zh-CN" altLang="en-US" dirty="0"/>
               <a:t>特征提取</a:t>
             </a:r>
-            <a:endParaRPr lang="en-US" altLang="zh-CN" dirty="0" smtClean="0"/>
+            <a:endParaRPr lang="en-US" altLang="zh-CN" dirty="0"/>
           </a:p>
           <a:p>
             <a:pPr lvl="1"/>
             <a:r>
-              <a:rPr lang="zh-CN" altLang="en-US" dirty="0" smtClean="0"/>
+              <a:rPr lang="zh-CN" altLang="en-US" dirty="0"/>
               <a:t>线性投影（子空间）</a:t>
             </a:r>
-            <a:endParaRPr lang="en-US" altLang="zh-CN" dirty="0" smtClean="0"/>
+            <a:endParaRPr lang="en-US" altLang="zh-CN" dirty="0"/>
           </a:p>
           <a:p>
             <a:pPr lvl="2"/>
             <a:r>
-              <a:rPr lang="en-US" altLang="zh-CN" dirty="0" smtClean="0"/>
+              <a:rPr lang="en-US" altLang="zh-CN" dirty="0"/>
               <a:t>PCA</a:t>
-            </a:r>
-            <a:r>
-              <a:rPr lang="zh-CN" altLang="en-US" dirty="0" smtClean="0"/>
-              <a:t>、</a:t>
-            </a:r>
-            <a:r>
-              <a:rPr lang="en-US" altLang="zh-CN" dirty="0" smtClean="0"/>
-              <a:t>LDA</a:t>
-            </a:r>
-          </a:p>
-          <a:p>
-            <a:pPr lvl="1"/>
-            <a:r>
-              <a:rPr lang="zh-CN" altLang="en-US" dirty="0" smtClean="0"/>
-              <a:t>非线性嵌入</a:t>
-            </a:r>
-            <a:endParaRPr lang="en-US" altLang="zh-CN" dirty="0" smtClean="0"/>
-          </a:p>
-          <a:p>
-            <a:pPr lvl="2"/>
-            <a:r>
-              <a:rPr lang="en-US" altLang="zh-CN" dirty="0" smtClean="0"/>
-              <a:t>LLE</a:t>
-            </a:r>
-            <a:r>
-              <a:rPr lang="zh-CN" altLang="en-US" dirty="0" smtClean="0"/>
-              <a:t>、</a:t>
-            </a:r>
-            <a:r>
-              <a:rPr lang="en-US" altLang="zh-CN" dirty="0" err="1" smtClean="0"/>
-              <a:t>Isomap</a:t>
             </a:r>
             <a:r>
               <a:rPr lang="zh-CN" altLang="en-US" dirty="0"/>
               <a:t>、</a:t>
             </a:r>
             <a:r>
-              <a:rPr lang="zh-CN" altLang="en-US" dirty="0" smtClean="0"/>
-              <a:t>谱方法</a:t>
-            </a:r>
-            <a:endParaRPr lang="en-US" altLang="zh-CN" dirty="0" smtClean="0"/>
+              <a:rPr lang="en-US" altLang="zh-CN" dirty="0"/>
+              <a:t>LDA</a:t>
+            </a:r>
           </a:p>
           <a:p>
             <a:pPr lvl="1"/>
             <a:r>
-              <a:rPr lang="zh-CN" altLang="en-US" dirty="0" smtClean="0"/>
+              <a:rPr lang="zh-CN" altLang="en-US" dirty="0"/>
+              <a:t>非线性嵌入</a:t>
+            </a:r>
+            <a:endParaRPr lang="en-US" altLang="zh-CN" dirty="0"/>
+          </a:p>
+          <a:p>
+            <a:pPr lvl="2"/>
+            <a:r>
+              <a:rPr lang="en-US" altLang="zh-CN" dirty="0"/>
+              <a:t>LLE</a:t>
+            </a:r>
+            <a:r>
+              <a:rPr lang="zh-CN" altLang="en-US" dirty="0"/>
+              <a:t>、</a:t>
+            </a:r>
+            <a:r>
+              <a:rPr lang="en-US" altLang="zh-CN" dirty="0" err="1"/>
+              <a:t>Isomap</a:t>
+            </a:r>
+            <a:r>
+              <a:rPr lang="zh-CN" altLang="en-US" dirty="0"/>
+              <a:t>、谱方法</a:t>
+            </a:r>
+            <a:endParaRPr lang="en-US" altLang="zh-CN" dirty="0"/>
+          </a:p>
+          <a:p>
+            <a:pPr lvl="1"/>
+            <a:r>
+              <a:rPr lang="zh-CN" altLang="en-US" dirty="0"/>
               <a:t>自编码器</a:t>
             </a:r>
-            <a:endParaRPr lang="en-US" altLang="zh-CN" dirty="0" smtClean="0"/>
+            <a:endParaRPr lang="en-US" altLang="zh-CN" dirty="0"/>
           </a:p>
           <a:p>
             <a:pPr lvl="1"/>
@@ -25483,33 +24783,33 @@
               <a:t>特征提取</a:t>
             </a:r>
             <a:r>
-              <a:rPr lang="en-US" altLang="zh-CN" dirty="0" smtClean="0"/>
+              <a:rPr lang="en-US" altLang="zh-CN" dirty="0"/>
               <a:t>VS</a:t>
             </a:r>
             <a:r>
-              <a:rPr lang="zh-CN" altLang="en-US" dirty="0" smtClean="0"/>
+              <a:rPr lang="zh-CN" altLang="en-US" dirty="0"/>
               <a:t>表示学习</a:t>
             </a:r>
-            <a:endParaRPr lang="en-US" altLang="zh-CN" dirty="0" smtClean="0"/>
+            <a:endParaRPr lang="en-US" altLang="zh-CN" dirty="0"/>
           </a:p>
           <a:p>
             <a:pPr lvl="1"/>
             <a:r>
-              <a:rPr lang="zh-CN" altLang="en-US" dirty="0" smtClean="0"/>
+              <a:rPr lang="zh-CN" altLang="en-US" dirty="0"/>
               <a:t>特征提取：基于任务或先验对去除无用特征</a:t>
             </a:r>
-            <a:endParaRPr lang="en-US" altLang="zh-CN" dirty="0" smtClean="0"/>
+            <a:endParaRPr lang="en-US" altLang="zh-CN" dirty="0"/>
           </a:p>
           <a:p>
             <a:pPr lvl="1"/>
             <a:r>
-              <a:rPr lang="zh-CN" altLang="en-US" dirty="0" smtClean="0"/>
+              <a:rPr lang="zh-CN" altLang="en-US" dirty="0"/>
               <a:t>表示学习：通过深度模型学习高层语义特征</a:t>
             </a:r>
-            <a:endParaRPr lang="en-US" altLang="zh-CN" dirty="0" smtClean="0"/>
-          </a:p>
-          <a:p>
-            <a:endParaRPr lang="en-US" altLang="zh-CN" dirty="0" smtClean="0"/>
+            <a:endParaRPr lang="en-US" altLang="zh-CN" dirty="0"/>
+          </a:p>
+          <a:p>
+            <a:endParaRPr lang="en-US" altLang="zh-CN" dirty="0"/>
           </a:p>
         </p:txBody>
       </p:sp>
@@ -25700,10 +25000,9 @@
           <a:lstStyle/>
           <a:p>
             <a:r>
-              <a:rPr lang="zh-CN" altLang="en-US" dirty="0" smtClean="0"/>
+              <a:rPr lang="zh-CN" altLang="en-US" dirty="0"/>
               <a:t>更详细的课程概括</a:t>
             </a:r>
-            <a:endParaRPr lang="zh-CN" altLang="en-US" dirty="0"/>
           </a:p>
         </p:txBody>
       </p:sp>
@@ -25747,13 +25046,6 @@
   <p:clrMapOvr>
     <a:masterClrMapping/>
   </p:clrMapOvr>
-  <p:timing>
-    <p:tnLst>
-      <p:par>
-        <p:cTn id="1" dur="indefinite" restart="never" nodeType="tmRoot"/>
-      </p:par>
-    </p:tnLst>
-  </p:timing>
 </p:sld>
 </file>
 
@@ -25790,7 +25082,7 @@
           <a:lstStyle/>
           <a:p>
             <a:r>
-              <a:rPr lang="zh-CN" altLang="en-US" smtClean="0"/>
+              <a:rPr lang="zh-CN" altLang="en-US"/>
               <a:t>深度学习</a:t>
             </a:r>
             <a:endParaRPr lang="zh-CN" altLang="en-US" dirty="0"/>
@@ -25813,7 +25105,7 @@
           <a:lstStyle/>
           <a:p>
             <a:r>
-              <a:rPr lang="zh-CN" altLang="en-US" smtClean="0"/>
+              <a:rPr lang="zh-CN" altLang="en-US"/>
               <a:t>通过构建具有一定“深度”的模型，可以让模型来自动学习好的特征表示（从底层特征，到中层特征，再到高层特征），从而最终提升预测或识别的准确性。</a:t>
             </a:r>
             <a:endParaRPr lang="zh-CN" altLang="en-US" dirty="0"/>
@@ -25860,13 +25152,6 @@
   <p:clrMapOvr>
     <a:masterClrMapping/>
   </p:clrMapOvr>
-  <p:timing>
-    <p:tnLst>
-      <p:par>
-        <p:cTn id="1" dur="indefinite" restart="never" nodeType="tmRoot"/>
-      </p:par>
-    </p:tnLst>
-  </p:timing>
 </p:sld>
 </file>
 
@@ -25948,13 +25233,6 @@
   <p:clrMapOvr>
     <a:masterClrMapping/>
   </p:clrMapOvr>
-  <p:timing>
-    <p:tnLst>
-      <p:par>
-        <p:cTn id="1" dur="indefinite" restart="never" nodeType="tmRoot"/>
-      </p:par>
-    </p:tnLst>
-  </p:timing>
 </p:sld>
 </file>
 
@@ -25992,19 +25270,7 @@
           <a:p>
             <a:r>
               <a:rPr lang="zh-CN" altLang="en-US" dirty="0"/>
-              <a:t>深度</a:t>
-            </a:r>
-            <a:r>
-              <a:rPr lang="zh-CN" altLang="en-US" dirty="0" smtClean="0"/>
-              <a:t>学习的</a:t>
-            </a:r>
-            <a:r>
-              <a:rPr lang="zh-CN" altLang="en-US" dirty="0"/>
-              <a:t>数学</a:t>
-            </a:r>
-            <a:r>
-              <a:rPr lang="zh-CN" altLang="en-US" dirty="0" smtClean="0"/>
-              <a:t>描述</a:t>
+              <a:t>深度学习的数学描述</a:t>
             </a:r>
             <a:endParaRPr lang="en-US" altLang="zh-CN" dirty="0"/>
           </a:p>
@@ -26083,10 +25349,9 @@
           <a:lstStyle/>
           <a:p>
             <a:r>
-              <a:rPr lang="zh-CN" altLang="en-US" dirty="0" smtClean="0"/>
+              <a:rPr lang="zh-CN" altLang="en-US" dirty="0"/>
               <a:t>浅层学习</a:t>
             </a:r>
-            <a:endParaRPr lang="zh-CN" altLang="en-US" dirty="0"/>
           </a:p>
         </p:txBody>
       </p:sp>
@@ -26114,13 +25379,8 @@
           <a:p>
             <a:r>
               <a:rPr lang="zh-CN" altLang="en-US" dirty="0"/>
-              <a:t>深度</a:t>
-            </a:r>
-            <a:r>
-              <a:rPr lang="zh-CN" altLang="en-US" dirty="0" smtClean="0"/>
-              <a:t>学习</a:t>
-            </a:r>
-            <a:endParaRPr lang="zh-CN" altLang="en-US" dirty="0"/>
+              <a:t>深度学习</a:t>
+            </a:r>
           </a:p>
         </p:txBody>
       </p:sp>
@@ -26149,7 +25409,7 @@
               <a:p>
                 <a:pPr lvl="0"/>
                 <a:r>
-                  <a:rPr lang="zh-CN" altLang="en-US" dirty="0" smtClean="0">
+                  <a:rPr lang="zh-CN" altLang="en-US" dirty="0">
                     <a:solidFill>
                       <a:srgbClr val="FF0000"/>
                     </a:solidFill>
@@ -26216,19 +25476,10 @@
                     </a:solidFill>
                     <a:latin typeface="Cambria Math" panose="02040503050406030204" pitchFamily="18" charset="0"/>
                   </a:rPr>
-                  <a:t>连续时为神经网络</a:t>
+                  <a:t>连续时为神经网络！  </a:t>
                 </a:r>
                 <a:r>
-                  <a:rPr lang="zh-CN" altLang="en-US" dirty="0" smtClean="0">
-                    <a:solidFill>
-                      <a:srgbClr val="FF0000"/>
-                    </a:solidFill>
-                    <a:latin typeface="Cambria Math" panose="02040503050406030204" pitchFamily="18" charset="0"/>
-                  </a:rPr>
-                  <a:t>！  </a:t>
-                </a:r>
-                <a:r>
-                  <a:rPr lang="zh-CN" altLang="en-US" dirty="0" smtClean="0">
+                  <a:rPr lang="zh-CN" altLang="en-US" dirty="0">
                     <a:solidFill>
                       <a:srgbClr val="FF0000"/>
                     </a:solidFill>
@@ -27233,10 +26484,9 @@
           <a:lstStyle/>
           <a:p>
             <a:r>
-              <a:rPr lang="zh-CN" altLang="en-US" dirty="0" smtClean="0"/>
+              <a:rPr lang="zh-CN" altLang="en-US" dirty="0"/>
               <a:t>神经网络</a:t>
             </a:r>
-            <a:endParaRPr lang="zh-CN" altLang="en-US" dirty="0"/>
           </a:p>
         </p:txBody>
       </p:sp>
@@ -27250,13 +26500,6 @@
   <p:clrMapOvr>
     <a:masterClrMapping/>
   </p:clrMapOvr>
-  <p:timing>
-    <p:tnLst>
-      <p:par>
-        <p:cTn id="1" dur="indefinite" restart="never" nodeType="tmRoot"/>
-      </p:par>
-    </p:tnLst>
-  </p:timing>
 </p:sld>
 </file>
 
@@ -27293,10 +26536,9 @@
           <a:lstStyle/>
           <a:p>
             <a:r>
-              <a:rPr lang="zh-CN" altLang="en-US" dirty="0" smtClean="0"/>
+              <a:rPr lang="zh-CN" altLang="en-US" dirty="0"/>
               <a:t>生物神经元</a:t>
             </a:r>
-            <a:endParaRPr lang="zh-CN" altLang="en-US" dirty="0"/>
           </a:p>
         </p:txBody>
       </p:sp>
@@ -27352,23 +26594,7 @@
           <a:p>
             <a:r>
               <a:rPr lang="zh-CN" altLang="en-US" sz="2800" dirty="0"/>
-              <a:t>单个</a:t>
-            </a:r>
-            <a:r>
-              <a:rPr lang="zh-CN" altLang="en-US" sz="2800" dirty="0" smtClean="0"/>
-              <a:t>神经细胞只有</a:t>
-            </a:r>
-            <a:r>
-              <a:rPr lang="zh-CN" altLang="en-US" sz="2800" dirty="0"/>
-              <a:t>两种</a:t>
-            </a:r>
-            <a:r>
-              <a:rPr lang="zh-CN" altLang="en-US" sz="2800" dirty="0" smtClean="0"/>
-              <a:t>状态：兴奋</a:t>
-            </a:r>
-            <a:r>
-              <a:rPr lang="zh-CN" altLang="en-US" sz="2800" dirty="0"/>
-              <a:t>和抑制</a:t>
+              <a:t>单个神经细胞只有两种状态：兴奋和抑制</a:t>
             </a:r>
           </a:p>
         </p:txBody>
@@ -27395,7 +26621,7 @@
           <a:lstStyle/>
           <a:p>
             <a:r>
-              <a:rPr lang="en-US" altLang="zh-CN" dirty="0" smtClean="0">
+              <a:rPr lang="en-US" altLang="zh-CN" dirty="0">
                 <a:hlinkClick r:id="rId4" action="ppaction://hlinkfile"/>
               </a:rPr>
               <a:t>video:</a:t>
@@ -27404,19 +26630,7 @@
               <a:rPr lang="zh-CN" altLang="en-US" dirty="0">
                 <a:hlinkClick r:id="rId4" action="ppaction://hlinkfile"/>
               </a:rPr>
-              <a:t> </a:t>
-            </a:r>
-            <a:r>
-              <a:rPr lang="zh-CN" altLang="en-US" dirty="0" smtClean="0">
-                <a:hlinkClick r:id="rId4" action="ppaction://hlinkfile"/>
-              </a:rPr>
-              <a:t>structure </a:t>
-            </a:r>
-            <a:r>
-              <a:rPr lang="zh-CN" altLang="en-US" dirty="0">
-                <a:hlinkClick r:id="rId4" action="ppaction://hlinkfile"/>
-              </a:rPr>
-              <a:t>of brain</a:t>
+              <a:t> structure of brain</a:t>
             </a:r>
             <a:endParaRPr lang="zh-CN" altLang="en-US" dirty="0"/>
           </a:p>
@@ -27444,12 +26658,8 @@
           <a:lstStyle/>
           <a:p>
             <a:r>
-              <a:rPr lang="zh-CN" altLang="en-US" dirty="0" smtClean="0"/>
-              <a:t>人脑有860亿</a:t>
-            </a:r>
-            <a:r>
               <a:rPr lang="zh-CN" altLang="en-US" dirty="0"/>
-              <a:t>个神经元</a:t>
+              <a:t>人脑有860亿个神经元</a:t>
             </a:r>
           </a:p>
         </p:txBody>
@@ -27464,13 +26674,6 @@
   <p:clrMapOvr>
     <a:masterClrMapping/>
   </p:clrMapOvr>
-  <p:timing>
-    <p:tnLst>
-      <p:par>
-        <p:cTn id="1" dur="indefinite" restart="never" nodeType="tmRoot"/>
-      </p:par>
-    </p:tnLst>
-  </p:timing>
 </p:sld>
 </file>
 
@@ -27507,10 +26710,9 @@
           <a:lstStyle/>
           <a:p>
             <a:r>
-              <a:rPr lang="zh-CN" altLang="en-US" dirty="0" smtClean="0"/>
+              <a:rPr lang="zh-CN" altLang="en-US" dirty="0"/>
               <a:t>神经网络如何学习？</a:t>
             </a:r>
-            <a:endParaRPr lang="zh-CN" altLang="en-US" dirty="0"/>
           </a:p>
         </p:txBody>
       </p:sp>
@@ -27531,19 +26733,11 @@
           <a:p>
             <a:r>
               <a:rPr lang="zh-CN" altLang="en-US" dirty="0"/>
-              <a:t>赫布</a:t>
-            </a:r>
-            <a:r>
-              <a:rPr lang="zh-CN" altLang="en-US" dirty="0" smtClean="0"/>
-              <a:t>法则</a:t>
-            </a:r>
-            <a:r>
-              <a:rPr lang="en-US" altLang="zh-CN" dirty="0" smtClean="0"/>
-              <a:t> Hebb's </a:t>
+              <a:t>赫布法则</a:t>
             </a:r>
             <a:r>
               <a:rPr lang="en-US" altLang="zh-CN" dirty="0"/>
-              <a:t>Rule</a:t>
+              <a:t> Hebb's Rule</a:t>
             </a:r>
           </a:p>
           <a:p>
@@ -27590,50 +26784,38 @@
             </a:r>
             <a:r>
               <a:rPr lang="zh-CN" altLang="en-US" dirty="0"/>
-              <a:t>兴奋的细胞之一，它的效能加强</a:t>
-            </a:r>
-            <a:r>
-              <a:rPr lang="zh-CN" altLang="en-US" dirty="0" smtClean="0"/>
-              <a:t>了。”</a:t>
-            </a:r>
-            <a:endParaRPr lang="en-US" altLang="zh-CN" dirty="0" smtClean="0"/>
+              <a:t>兴奋的细胞之一，它的效能加强了。”</a:t>
+            </a:r>
+            <a:endParaRPr lang="en-US" altLang="zh-CN" dirty="0"/>
           </a:p>
           <a:p>
             <a:pPr marL="205978" lvl="1" indent="0" algn="r">
               <a:buNone/>
             </a:pPr>
             <a:r>
-              <a:rPr lang="en-US" altLang="zh-CN" dirty="0" smtClean="0"/>
+              <a:rPr lang="en-US" altLang="zh-CN" dirty="0"/>
               <a:t>----</a:t>
             </a:r>
             <a:r>
-              <a:rPr lang="zh-CN" altLang="en-US" dirty="0" smtClean="0"/>
-              <a:t>加拿大</a:t>
-            </a:r>
-            <a:r>
               <a:rPr lang="zh-CN" altLang="en-US" dirty="0"/>
-              <a:t>心理学家</a:t>
+              <a:t>加拿大心理学家</a:t>
             </a:r>
             <a:r>
               <a:rPr lang="en-US" altLang="zh-CN" dirty="0"/>
-              <a:t>Donald </a:t>
-            </a:r>
-            <a:r>
-              <a:rPr lang="en-US" altLang="zh-CN" dirty="0" smtClean="0"/>
-              <a:t>Hebb</a:t>
-            </a:r>
-            <a:r>
-              <a:rPr lang="zh-CN" altLang="en-US" dirty="0" smtClean="0"/>
+              <a:t>Donald Hebb</a:t>
+            </a:r>
+            <a:r>
+              <a:rPr lang="zh-CN" altLang="en-US" dirty="0"/>
               <a:t>，</a:t>
             </a:r>
-            <a:endParaRPr lang="en-US" altLang="zh-CN" dirty="0" smtClean="0"/>
+            <a:endParaRPr lang="en-US" altLang="zh-CN" dirty="0"/>
           </a:p>
           <a:p>
             <a:pPr marL="205978" lvl="1" indent="0" algn="r">
               <a:buNone/>
             </a:pPr>
             <a:r>
-              <a:rPr lang="en-US" altLang="zh-CN" dirty="0" smtClean="0"/>
+              <a:rPr lang="en-US" altLang="zh-CN" dirty="0"/>
               <a:t>《</a:t>
             </a:r>
             <a:r>
@@ -27641,15 +26823,15 @@
               <a:t>行为的组织</a:t>
             </a:r>
             <a:r>
-              <a:rPr lang="en-US" altLang="zh-CN" dirty="0" smtClean="0"/>
+              <a:rPr lang="en-US" altLang="zh-CN" dirty="0"/>
               <a:t>》</a:t>
             </a:r>
             <a:r>
-              <a:rPr lang="zh-CN" altLang="en-US" dirty="0" smtClean="0"/>
+              <a:rPr lang="zh-CN" altLang="en-US" dirty="0"/>
               <a:t>，</a:t>
             </a:r>
             <a:r>
-              <a:rPr lang="en-US" altLang="zh-CN" dirty="0" smtClean="0"/>
+              <a:rPr lang="en-US" altLang="zh-CN" dirty="0"/>
               <a:t>1949</a:t>
             </a:r>
             <a:endParaRPr lang="zh-CN" altLang="en-US" dirty="0"/>
@@ -27682,19 +26864,11 @@
               <a:buChar char="Ø"/>
             </a:pPr>
             <a:r>
-              <a:rPr lang="zh-CN" altLang="en-US" dirty="0" smtClean="0"/>
-              <a:t>人脑</a:t>
-            </a:r>
-            <a:r>
               <a:rPr lang="zh-CN" altLang="en-US" dirty="0"/>
-              <a:t>有两种记忆</a:t>
-            </a:r>
-            <a:r>
-              <a:rPr lang="zh-CN" altLang="en-US" dirty="0" smtClean="0"/>
-              <a:t>：</a:t>
-            </a:r>
-            <a:r>
-              <a:rPr lang="zh-CN" altLang="en-US" dirty="0" smtClean="0">
+              <a:t>人脑有两种记忆：</a:t>
+            </a:r>
+            <a:r>
+              <a:rPr lang="zh-CN" altLang="en-US" dirty="0">
                 <a:solidFill>
                   <a:srgbClr val="FF0000"/>
                 </a:solidFill>
@@ -27702,11 +26876,11 @@
               <a:t>长期记忆</a:t>
             </a:r>
             <a:r>
-              <a:rPr lang="zh-CN" altLang="en-US" dirty="0" smtClean="0"/>
+              <a:rPr lang="zh-CN" altLang="en-US" dirty="0"/>
               <a:t>和</a:t>
             </a:r>
             <a:r>
-              <a:rPr lang="zh-CN" altLang="en-US" dirty="0" smtClean="0">
+              <a:rPr lang="zh-CN" altLang="en-US" dirty="0">
                 <a:solidFill>
                   <a:srgbClr val="FF0000"/>
                 </a:solidFill>
@@ -27714,18 +26888,10 @@
               <a:t>短期记忆</a:t>
             </a:r>
             <a:r>
-              <a:rPr lang="zh-CN" altLang="en-US" dirty="0" smtClean="0"/>
-              <a:t>。</a:t>
-            </a:r>
-            <a:r>
               <a:rPr lang="zh-CN" altLang="en-US" dirty="0"/>
-              <a:t>短期记忆持续时间不超过一分钟。如果一个经验重复足够的次数，此经验就可储存在长期记忆中</a:t>
-            </a:r>
-            <a:r>
-              <a:rPr lang="zh-CN" altLang="en-US" dirty="0" smtClean="0"/>
-              <a:t>。</a:t>
-            </a:r>
-            <a:endParaRPr lang="en-US" altLang="zh-CN" dirty="0" smtClean="0"/>
+              <a:t>。短期记忆持续时间不超过一分钟。如果一个经验重复足够的次数，此经验就可储存在长期记忆中。</a:t>
+            </a:r>
+            <a:endParaRPr lang="en-US" altLang="zh-CN" dirty="0"/>
           </a:p>
           <a:p>
             <a:pPr marL="285750" indent="-285750">
@@ -27733,19 +26899,11 @@
               <a:buChar char="Ø"/>
             </a:pPr>
             <a:r>
-              <a:rPr lang="zh-CN" altLang="en-US" dirty="0" smtClean="0"/>
-              <a:t>短期记忆</a:t>
-            </a:r>
-            <a:r>
               <a:rPr lang="zh-CN" altLang="en-US" dirty="0"/>
-              <a:t>转化为长期记忆的过程就</a:t>
-            </a:r>
-            <a:r>
-              <a:rPr lang="zh-CN" altLang="en-US" dirty="0" smtClean="0"/>
-              <a:t>称为</a:t>
-            </a:r>
-            <a:r>
-              <a:rPr lang="zh-CN" altLang="en-US" dirty="0" smtClean="0">
+              <a:t>短期记忆转化为长期记忆的过程就称为</a:t>
+            </a:r>
+            <a:r>
+              <a:rPr lang="zh-CN" altLang="en-US" dirty="0">
                 <a:solidFill>
                   <a:srgbClr val="FF0000"/>
                 </a:solidFill>
@@ -27753,10 +26911,10 @@
               <a:t>凝固作用</a:t>
             </a:r>
             <a:r>
-              <a:rPr lang="zh-CN" altLang="en-US" dirty="0" smtClean="0"/>
+              <a:rPr lang="zh-CN" altLang="en-US" dirty="0"/>
               <a:t>。</a:t>
             </a:r>
-            <a:endParaRPr lang="en-US" altLang="zh-CN" dirty="0" smtClean="0"/>
+            <a:endParaRPr lang="en-US" altLang="zh-CN" dirty="0"/>
           </a:p>
           <a:p>
             <a:pPr marL="285750" indent="-285750">
@@ -27764,12 +26922,8 @@
               <a:buChar char="Ø"/>
             </a:pPr>
             <a:r>
-              <a:rPr lang="zh-CN" altLang="en-US" dirty="0" smtClean="0"/>
-              <a:t>人脑</a:t>
-            </a:r>
-            <a:r>
               <a:rPr lang="zh-CN" altLang="en-US" dirty="0"/>
-              <a:t>中的海马区为大脑结构凝固作用的核心区域。</a:t>
+              <a:t>人脑中的海马区为大脑结构凝固作用的核心区域。</a:t>
             </a:r>
           </a:p>
         </p:txBody>
@@ -27906,10 +27060,9 @@
           <a:lstStyle/>
           <a:p>
             <a:r>
-              <a:rPr lang="zh-CN" altLang="en-US" dirty="0" smtClean="0"/>
+              <a:rPr lang="zh-CN" altLang="en-US" dirty="0"/>
               <a:t>人工神经元</a:t>
             </a:r>
-            <a:endParaRPr lang="zh-CN" altLang="en-US" dirty="0"/>
           </a:p>
         </p:txBody>
       </p:sp>
@@ -28021,13 +27174,6 @@
   <p:clrMapOvr>
     <a:masterClrMapping/>
   </p:clrMapOvr>
-  <p:timing>
-    <p:tnLst>
-      <p:par>
-        <p:cTn id="1" dur="indefinite" restart="never" nodeType="tmRoot"/>
-      </p:par>
-    </p:tnLst>
-  </p:timing>
 </p:sld>
 </file>
 
@@ -28064,10 +27210,9 @@
           <a:lstStyle/>
           <a:p>
             <a:r>
-              <a:rPr lang="zh-CN" altLang="en-US" dirty="0" smtClean="0"/>
+              <a:rPr lang="zh-CN" altLang="en-US" dirty="0"/>
               <a:t>人工神经网络</a:t>
             </a:r>
-            <a:endParaRPr lang="zh-CN" altLang="en-US" dirty="0"/>
           </a:p>
         </p:txBody>
       </p:sp>
@@ -28088,106 +27233,53 @@
           <a:p>
             <a:r>
               <a:rPr lang="zh-CN" altLang="en-US" dirty="0"/>
-              <a:t>人工神经网络主要由大量的神经元以及它们之间的有向连接构成。因此</a:t>
-            </a:r>
-            <a:r>
-              <a:rPr lang="zh-CN" altLang="en-US" dirty="0" smtClean="0"/>
-              <a:t>考虑</a:t>
-            </a:r>
+              <a:t>人工神经网络主要由大量的神经元以及它们之间的有向连接构成。因此考虑三方面：</a:t>
+            </a:r>
+            <a:endParaRPr lang="en-US" altLang="zh-CN" dirty="0"/>
+          </a:p>
+          <a:p>
+            <a:endParaRPr lang="zh-CN" altLang="en-US" dirty="0"/>
+          </a:p>
+          <a:p>
             <a:r>
               <a:rPr lang="zh-CN" altLang="en-US" dirty="0"/>
-              <a:t>三方面</a:t>
-            </a:r>
-            <a:r>
-              <a:rPr lang="zh-CN" altLang="en-US" dirty="0" smtClean="0"/>
-              <a:t>：</a:t>
-            </a:r>
-            <a:endParaRPr lang="en-US" altLang="zh-CN" dirty="0" smtClean="0"/>
-          </a:p>
-          <a:p>
-            <a:endParaRPr lang="zh-CN" altLang="en-US" dirty="0"/>
-          </a:p>
-          <a:p>
-            <a:r>
-              <a:rPr lang="zh-CN" altLang="en-US" dirty="0" smtClean="0"/>
-              <a:t>神经元</a:t>
-            </a:r>
+              <a:t>神经元的激活规则</a:t>
+            </a:r>
+            <a:endParaRPr lang="en-US" altLang="zh-CN" dirty="0"/>
+          </a:p>
+          <a:p>
+            <a:pPr lvl="1"/>
             <a:r>
               <a:rPr lang="zh-CN" altLang="en-US" dirty="0"/>
-              <a:t>的激活</a:t>
-            </a:r>
-            <a:r>
-              <a:rPr lang="zh-CN" altLang="en-US" dirty="0" smtClean="0"/>
-              <a:t>规则</a:t>
-            </a:r>
-            <a:endParaRPr lang="en-US" altLang="zh-CN" dirty="0" smtClean="0"/>
+              <a:t>主要是指神经元输入到输出之间的映射关系，一般为非线性函数。</a:t>
+            </a:r>
+          </a:p>
+          <a:p>
+            <a:r>
+              <a:rPr lang="zh-CN" altLang="en-US" dirty="0"/>
+              <a:t>网络的拓扑结构</a:t>
+            </a:r>
+            <a:endParaRPr lang="en-US" altLang="zh-CN" dirty="0"/>
           </a:p>
           <a:p>
             <a:pPr lvl="1"/>
             <a:r>
-              <a:rPr lang="zh-CN" altLang="en-US" dirty="0" smtClean="0"/>
-              <a:t>主要</a:t>
-            </a:r>
-            <a:r>
               <a:rPr lang="zh-CN" altLang="en-US" dirty="0"/>
-              <a:t>是指神经元输入到输出之间的映射关系，一般</a:t>
-            </a:r>
-            <a:r>
-              <a:rPr lang="zh-CN" altLang="en-US" dirty="0" smtClean="0"/>
-              <a:t>为非线性</a:t>
-            </a:r>
+              <a:t>不同神经元之间的连接关系。</a:t>
+            </a:r>
+          </a:p>
+          <a:p>
             <a:r>
               <a:rPr lang="zh-CN" altLang="en-US" dirty="0"/>
-              <a:t>函数。</a:t>
-            </a:r>
-          </a:p>
-          <a:p>
-            <a:r>
-              <a:rPr lang="zh-CN" altLang="en-US" dirty="0" smtClean="0"/>
-              <a:t>网络</a:t>
-            </a:r>
+              <a:t>学习算法</a:t>
+            </a:r>
+            <a:endParaRPr lang="en-US" altLang="zh-CN" dirty="0"/>
+          </a:p>
+          <a:p>
+            <a:pPr lvl="1"/>
             <a:r>
               <a:rPr lang="zh-CN" altLang="en-US" dirty="0"/>
-              <a:t>的</a:t>
-            </a:r>
-            <a:r>
-              <a:rPr lang="zh-CN" altLang="en-US" dirty="0" smtClean="0"/>
-              <a:t>拓扑结构</a:t>
-            </a:r>
-            <a:endParaRPr lang="en-US" altLang="zh-CN" dirty="0" smtClean="0"/>
-          </a:p>
-          <a:p>
-            <a:pPr lvl="1"/>
-            <a:r>
-              <a:rPr lang="zh-CN" altLang="en-US" dirty="0" smtClean="0"/>
-              <a:t>不同</a:t>
-            </a:r>
-            <a:r>
-              <a:rPr lang="zh-CN" altLang="en-US" dirty="0"/>
-              <a:t>神经元之间的连接关系</a:t>
-            </a:r>
-            <a:r>
-              <a:rPr lang="zh-CN" altLang="en-US" dirty="0" smtClean="0"/>
-              <a:t>。</a:t>
-            </a:r>
-            <a:endParaRPr lang="zh-CN" altLang="en-US" dirty="0"/>
-          </a:p>
-          <a:p>
-            <a:r>
-              <a:rPr lang="zh-CN" altLang="en-US" dirty="0" smtClean="0"/>
-              <a:t>学习算法</a:t>
-            </a:r>
-            <a:endParaRPr lang="en-US" altLang="zh-CN" dirty="0" smtClean="0"/>
-          </a:p>
-          <a:p>
-            <a:pPr lvl="1"/>
-            <a:r>
-              <a:rPr lang="zh-CN" altLang="en-US" dirty="0" smtClean="0"/>
-              <a:t>通过</a:t>
-            </a:r>
-            <a:r>
-              <a:rPr lang="zh-CN" altLang="en-US" dirty="0"/>
-              <a:t>训练数据来学习神经网络的参数。</a:t>
+              <a:t>通过训练数据来学习神经网络的参数。</a:t>
             </a:r>
           </a:p>
         </p:txBody>
@@ -28202,13 +27294,6 @@
   <p:clrMapOvr>
     <a:masterClrMapping/>
   </p:clrMapOvr>
-  <p:timing>
-    <p:tnLst>
-      <p:par>
-        <p:cTn id="1" dur="indefinite" restart="never" nodeType="tmRoot"/>
-      </p:par>
-    </p:tnLst>
-  </p:timing>
 </p:sld>
 </file>
 
@@ -28245,10 +27330,9 @@
           <a:lstStyle/>
           <a:p>
             <a:r>
-              <a:rPr lang="zh-CN" altLang="en-US" dirty="0" smtClean="0"/>
+              <a:rPr lang="zh-CN" altLang="en-US" dirty="0"/>
               <a:t>人工神经网络</a:t>
             </a:r>
-            <a:endParaRPr lang="zh-CN" altLang="en-US" dirty="0"/>
           </a:p>
         </p:txBody>
       </p:sp>
@@ -28268,7 +27352,7 @@
           <a:lstStyle/>
           <a:p>
             <a:r>
-              <a:rPr lang="zh-CN" altLang="en-US" smtClean="0"/>
+              <a:rPr lang="zh-CN" altLang="en-US"/>
               <a:t>人工神经网络由神经元模型构成，这种由许多神经元组成的信息处理网络具有并行分布结构。</a:t>
             </a:r>
             <a:endParaRPr lang="zh-CN" altLang="en-US" dirty="0"/>
@@ -28315,13 +27399,6 @@
   <p:clrMapOvr>
     <a:masterClrMapping/>
   </p:clrMapOvr>
-  <p:timing>
-    <p:tnLst>
-      <p:par>
-        <p:cTn id="1" dur="indefinite" restart="never" nodeType="tmRoot"/>
-      </p:par>
-    </p:tnLst>
-  </p:timing>
 </p:sld>
 </file>
 
@@ -28358,10 +27435,9 @@
           <a:lstStyle/>
           <a:p>
             <a:r>
-              <a:rPr lang="zh-CN" altLang="en-US" dirty="0" smtClean="0"/>
+              <a:rPr lang="zh-CN" altLang="en-US" dirty="0"/>
               <a:t>神经网络</a:t>
             </a:r>
-            <a:endParaRPr lang="zh-CN" altLang="en-US" dirty="0"/>
           </a:p>
         </p:txBody>
       </p:sp>
@@ -28980,10 +28056,9 @@
           <a:lstStyle/>
           <a:p>
             <a:r>
-              <a:rPr lang="zh-CN" altLang="en-US" dirty="0" smtClean="0"/>
+              <a:rPr lang="zh-CN" altLang="en-US" dirty="0"/>
               <a:t>课程大纲</a:t>
             </a:r>
-            <a:endParaRPr lang="zh-CN" altLang="en-US" dirty="0"/>
           </a:p>
         </p:txBody>
       </p:sp>
@@ -29003,89 +28078,77 @@
           <a:lstStyle/>
           <a:p>
             <a:r>
-              <a:rPr lang="zh-CN" altLang="en-US" dirty="0" smtClean="0"/>
+              <a:rPr lang="zh-CN" altLang="en-US" dirty="0"/>
               <a:t>概述</a:t>
             </a:r>
-            <a:endParaRPr lang="en-US" altLang="zh-CN" dirty="0" smtClean="0"/>
+            <a:endParaRPr lang="en-US" altLang="zh-CN" dirty="0"/>
           </a:p>
           <a:p>
             <a:pPr lvl="1"/>
             <a:r>
-              <a:rPr lang="zh-CN" altLang="en-US" dirty="0" smtClean="0">
+              <a:rPr lang="zh-CN" altLang="en-US" dirty="0">
                 <a:hlinkClick r:id="rId2" action="ppaction://hlinksldjump"/>
               </a:rPr>
               <a:t>机器学习概述</a:t>
             </a:r>
-            <a:endParaRPr lang="en-US" altLang="zh-CN" dirty="0" smtClean="0"/>
+            <a:endParaRPr lang="en-US" altLang="zh-CN" dirty="0"/>
           </a:p>
           <a:p>
             <a:pPr lvl="1"/>
             <a:r>
-              <a:rPr lang="zh-CN" altLang="en-US" dirty="0" smtClean="0">
+              <a:rPr lang="zh-CN" altLang="en-US" dirty="0">
                 <a:hlinkClick r:id="" action="ppaction://noaction"/>
               </a:rPr>
               <a:t>线性模型</a:t>
             </a:r>
-            <a:endParaRPr lang="en-US" altLang="zh-CN" dirty="0" smtClean="0"/>
-          </a:p>
-          <a:p>
-            <a:r>
-              <a:rPr lang="zh-CN" altLang="en-US" dirty="0" smtClean="0"/>
+            <a:endParaRPr lang="en-US" altLang="zh-CN" dirty="0"/>
+          </a:p>
+          <a:p>
+            <a:r>
+              <a:rPr lang="zh-CN" altLang="en-US" dirty="0"/>
               <a:t>基础网络模型</a:t>
             </a:r>
-            <a:endParaRPr lang="en-US" altLang="zh-CN" dirty="0" smtClean="0"/>
+            <a:endParaRPr lang="en-US" altLang="zh-CN" dirty="0"/>
           </a:p>
           <a:p>
             <a:pPr lvl="1"/>
             <a:r>
-              <a:rPr lang="zh-CN" altLang="en-US" dirty="0" smtClean="0">
+              <a:rPr lang="zh-CN" altLang="en-US" dirty="0">
                 <a:hlinkClick r:id="" action="ppaction://noaction"/>
               </a:rPr>
               <a:t>前馈神经网络</a:t>
             </a:r>
-            <a:endParaRPr lang="en-US" altLang="zh-CN" dirty="0" smtClean="0"/>
+            <a:endParaRPr lang="en-US" altLang="zh-CN" dirty="0"/>
           </a:p>
           <a:p>
             <a:pPr lvl="1"/>
             <a:r>
-              <a:rPr lang="zh-CN" altLang="en-US" dirty="0" smtClean="0">
+              <a:rPr lang="zh-CN" altLang="en-US" dirty="0">
                 <a:hlinkClick r:id="" action="ppaction://noaction"/>
               </a:rPr>
               <a:t>卷积神经网络</a:t>
             </a:r>
-            <a:endParaRPr lang="en-US" altLang="zh-CN" dirty="0" smtClean="0"/>
+            <a:endParaRPr lang="en-US" altLang="zh-CN" dirty="0"/>
           </a:p>
           <a:p>
             <a:pPr lvl="1"/>
             <a:r>
-              <a:rPr lang="zh-CN" altLang="en-US" dirty="0" smtClean="0">
+              <a:rPr lang="zh-CN" altLang="en-US" dirty="0">
                 <a:hlinkClick r:id="" action="ppaction://noaction"/>
               </a:rPr>
               <a:t>循环神经网络</a:t>
             </a:r>
-            <a:endParaRPr lang="en-US" altLang="zh-CN" dirty="0" smtClean="0"/>
+            <a:endParaRPr lang="en-US" altLang="zh-CN" dirty="0"/>
           </a:p>
           <a:p>
             <a:pPr lvl="1"/>
-            <a:r>
-              <a:rPr lang="zh-CN" altLang="en-US" dirty="0" smtClean="0">
-                <a:hlinkClick r:id="" action="ppaction://noaction"/>
-              </a:rPr>
-              <a:t>网络优化与</a:t>
-            </a:r>
             <a:r>
               <a:rPr lang="zh-CN" altLang="en-US" dirty="0">
                 <a:hlinkClick r:id="" action="ppaction://noaction"/>
               </a:rPr>
-              <a:t>正则</a:t>
-            </a:r>
-            <a:r>
-              <a:rPr lang="zh-CN" altLang="en-US" dirty="0" smtClean="0">
-                <a:hlinkClick r:id="" action="ppaction://noaction"/>
-              </a:rPr>
-              <a:t>化</a:t>
-            </a:r>
-            <a:endParaRPr lang="en-US" altLang="zh-CN" dirty="0" smtClean="0"/>
+              <a:t>网络优化与正则化</a:t>
+            </a:r>
+            <a:endParaRPr lang="en-US" altLang="zh-CN" dirty="0"/>
           </a:p>
           <a:p>
             <a:pPr lvl="1"/>
@@ -29109,11 +28172,11 @@
           </a:p>
           <a:p>
             <a:pPr lvl="1"/>
-            <a:endParaRPr lang="en-US" altLang="zh-CN" dirty="0" smtClean="0"/>
+            <a:endParaRPr lang="en-US" altLang="zh-CN" dirty="0"/>
           </a:p>
           <a:p>
             <a:pPr lvl="1"/>
-            <a:endParaRPr lang="en-US" altLang="zh-CN" dirty="0" smtClean="0"/>
+            <a:endParaRPr lang="en-US" altLang="zh-CN" dirty="0"/>
           </a:p>
         </p:txBody>
       </p:sp>
@@ -29133,19 +28196,19 @@
           <a:lstStyle/>
           <a:p>
             <a:r>
-              <a:rPr lang="zh-CN" altLang="en-US" dirty="0" smtClean="0"/>
+              <a:rPr lang="zh-CN" altLang="en-US" dirty="0"/>
               <a:t>进阶模型</a:t>
             </a:r>
           </a:p>
           <a:p>
             <a:pPr lvl="1"/>
             <a:r>
-              <a:rPr lang="zh-CN" altLang="en-US" dirty="0" smtClean="0">
+              <a:rPr lang="zh-CN" altLang="en-US" dirty="0">
                 <a:hlinkClick r:id="" action="ppaction://noaction"/>
               </a:rPr>
               <a:t>概率图模型</a:t>
             </a:r>
-            <a:endParaRPr lang="en-US" altLang="zh-CN" dirty="0" smtClean="0"/>
+            <a:endParaRPr lang="en-US" altLang="zh-CN" dirty="0"/>
           </a:p>
           <a:p>
             <a:pPr lvl="1"/>
@@ -29155,37 +28218,37 @@
               </a:rPr>
               <a:t>玻尔兹曼机</a:t>
             </a:r>
-            <a:endParaRPr lang="en-US" altLang="zh-CN" dirty="0" smtClean="0"/>
+            <a:endParaRPr lang="en-US" altLang="zh-CN" dirty="0"/>
           </a:p>
           <a:p>
             <a:pPr lvl="1"/>
             <a:r>
-              <a:rPr lang="zh-CN" altLang="en-US" dirty="0" smtClean="0">
+              <a:rPr lang="zh-CN" altLang="en-US" dirty="0">
                 <a:hlinkClick r:id="" action="ppaction://noaction"/>
               </a:rPr>
               <a:t>深度信念网络</a:t>
             </a:r>
-            <a:endParaRPr lang="en-US" altLang="zh-CN" dirty="0" smtClean="0"/>
+            <a:endParaRPr lang="en-US" altLang="zh-CN" dirty="0"/>
           </a:p>
           <a:p>
             <a:pPr lvl="1"/>
             <a:r>
-              <a:rPr lang="zh-CN" altLang="en-US" dirty="0" smtClean="0">
+              <a:rPr lang="zh-CN" altLang="en-US" dirty="0">
                 <a:hlinkClick r:id="" action="ppaction://noaction"/>
               </a:rPr>
               <a:t>深度生成模型</a:t>
             </a:r>
-            <a:endParaRPr lang="en-US" altLang="zh-CN" dirty="0" smtClean="0"/>
+            <a:endParaRPr lang="en-US" altLang="zh-CN" dirty="0"/>
           </a:p>
           <a:p>
             <a:pPr lvl="1"/>
             <a:r>
-              <a:rPr lang="zh-CN" altLang="en-US" dirty="0" smtClean="0">
+              <a:rPr lang="zh-CN" altLang="en-US" dirty="0">
                 <a:hlinkClick r:id="" action="ppaction://noaction"/>
               </a:rPr>
               <a:t>深度强化学习</a:t>
             </a:r>
-            <a:endParaRPr lang="zh-CN" altLang="en-US" dirty="0" smtClean="0"/>
+            <a:endParaRPr lang="zh-CN" altLang="en-US" dirty="0"/>
           </a:p>
         </p:txBody>
       </p:sp>
@@ -29199,13 +28262,6 @@
   <p:clrMapOvr>
     <a:masterClrMapping/>
   </p:clrMapOvr>
-  <p:timing>
-    <p:tnLst>
-      <p:par>
-        <p:cTn id="1" dur="indefinite" restart="never" nodeType="tmRoot"/>
-      </p:par>
-    </p:tnLst>
-  </p:timing>
 </p:sld>
 </file>
 
@@ -29296,26 +28352,26 @@
             <a:endParaRPr lang="en-US" altLang="zh-CN" dirty="0"/>
           </a:p>
           <a:p>
-            <a:endParaRPr lang="en-US" altLang="zh-CN" dirty="0" smtClean="0"/>
-          </a:p>
-          <a:p>
             <a:endParaRPr lang="en-US" altLang="zh-CN" dirty="0"/>
           </a:p>
           <a:p>
-            <a:endParaRPr lang="en-US" altLang="zh-CN" dirty="0" smtClean="0"/>
-          </a:p>
-          <a:p>
-            <a:r>
-              <a:rPr lang="zh-CN" altLang="en-US" dirty="0" smtClean="0"/>
+            <a:endParaRPr lang="en-US" altLang="zh-CN" dirty="0"/>
+          </a:p>
+          <a:p>
+            <a:endParaRPr lang="en-US" altLang="zh-CN" dirty="0"/>
+          </a:p>
+          <a:p>
+            <a:r>
+              <a:rPr lang="zh-CN" altLang="en-US" dirty="0"/>
               <a:t>贡献度</a:t>
             </a:r>
-            <a:endParaRPr lang="en-US" altLang="zh-CN" dirty="0" smtClean="0"/>
+            <a:endParaRPr lang="en-US" altLang="zh-CN" dirty="0"/>
           </a:p>
           <a:p>
             <a:pPr marL="0" indent="0">
               <a:buNone/>
             </a:pPr>
-            <a:endParaRPr lang="en-US" altLang="zh-CN" dirty="0" smtClean="0"/>
+            <a:endParaRPr lang="en-US" altLang="zh-CN" dirty="0"/>
           </a:p>
           <a:p>
             <a:endParaRPr lang="zh-CN" altLang="en-US" dirty="0"/>
@@ -29363,8 +28419,8 @@
           </a:extLst>
         </p:spPr>
       </p:pic>
-      <mc:AlternateContent xmlns:mc="http://schemas.openxmlformats.org/markup-compatibility/2006" xmlns:a14="http://schemas.microsoft.com/office/drawing/2010/main">
-        <mc:Choice Requires="a14">
+      <mc:AlternateContent xmlns:mc="http://schemas.openxmlformats.org/markup-compatibility/2006">
+        <mc:Choice xmlns:a14="http://schemas.microsoft.com/office/drawing/2010/main" Requires="a14">
           <p:sp>
             <p:nvSpPr>
               <p:cNvPr id="7" name="文本框 6"/>
@@ -29631,7 +28687,7 @@
             </p:txBody>
           </p:sp>
         </mc:Choice>
-        <mc:Fallback xmlns="">
+        <mc:Fallback>
           <p:sp>
             <p:nvSpPr>
               <p:cNvPr id="7" name="文本框 6"/>
@@ -29845,7 +28901,7 @@
           <a:lstStyle/>
           <a:p>
             <a:r>
-              <a:rPr lang="zh-CN" altLang="en-US" smtClean="0"/>
+              <a:rPr lang="zh-CN" altLang="en-US"/>
               <a:t>神经网络发展史</a:t>
             </a:r>
             <a:endParaRPr lang="zh-CN" altLang="en-US" dirty="0"/>
@@ -29868,164 +28924,163 @@
           <a:lstStyle/>
           <a:p>
             <a:r>
-              <a:rPr lang="zh-CN" altLang="en-US" sz="2400" dirty="0" smtClean="0"/>
+              <a:rPr lang="zh-CN" altLang="en-US" sz="2400" dirty="0"/>
               <a:t>神经网络的发展大致经过五个阶段。</a:t>
             </a:r>
-            <a:endParaRPr lang="en-US" altLang="zh-CN" sz="2400" dirty="0" smtClean="0"/>
-          </a:p>
-          <a:p>
-            <a:r>
-              <a:rPr lang="zh-CN" altLang="en-US" sz="2400" dirty="0" smtClean="0"/>
+            <a:endParaRPr lang="en-US" altLang="zh-CN" sz="2400" dirty="0"/>
+          </a:p>
+          <a:p>
+            <a:r>
+              <a:rPr lang="zh-CN" altLang="en-US" sz="2400" dirty="0"/>
               <a:t>第一阶段：模型提出</a:t>
             </a:r>
-            <a:endParaRPr lang="en-US" altLang="zh-CN" sz="2400" dirty="0" smtClean="0"/>
+            <a:endParaRPr lang="en-US" altLang="zh-CN" sz="2400" dirty="0"/>
           </a:p>
           <a:p>
             <a:pPr lvl="1"/>
             <a:r>
-              <a:rPr lang="zh-CN" altLang="en-US" sz="2000" dirty="0" smtClean="0"/>
+              <a:rPr lang="zh-CN" altLang="en-US" sz="2000" dirty="0"/>
               <a:t>在</a:t>
             </a:r>
             <a:r>
-              <a:rPr lang="en-US" altLang="zh-CN" sz="2000" dirty="0" smtClean="0"/>
+              <a:rPr lang="en-US" altLang="zh-CN" sz="2000" dirty="0"/>
               <a:t>1943</a:t>
             </a:r>
             <a:r>
-              <a:rPr lang="zh-CN" altLang="en-US" sz="2000" dirty="0" smtClean="0"/>
+              <a:rPr lang="zh-CN" altLang="en-US" sz="2000" dirty="0"/>
               <a:t>年，心理学家</a:t>
             </a:r>
             <a:r>
-              <a:rPr lang="en-US" altLang="zh-CN" sz="2000" dirty="0" smtClean="0"/>
+              <a:rPr lang="en-US" altLang="zh-CN" sz="2000" dirty="0"/>
               <a:t>Warren McCulloch</a:t>
             </a:r>
             <a:r>
-              <a:rPr lang="zh-CN" altLang="en-US" sz="2000" dirty="0" smtClean="0"/>
+              <a:rPr lang="zh-CN" altLang="en-US" sz="2000" dirty="0"/>
               <a:t>和数学家</a:t>
             </a:r>
             <a:r>
-              <a:rPr lang="en-US" altLang="zh-CN" sz="2000" dirty="0" smtClean="0"/>
+              <a:rPr lang="en-US" altLang="zh-CN" sz="2000" dirty="0"/>
               <a:t>Walter Pitts</a:t>
             </a:r>
             <a:r>
-              <a:rPr lang="zh-CN" altLang="en-US" sz="2000" dirty="0" smtClean="0"/>
+              <a:rPr lang="zh-CN" altLang="en-US" sz="2000" dirty="0"/>
               <a:t>和最早描述了一种理想化的人工神经网络，并构建了一种基于简单逻辑运算的计算机制。他们提出的神经网络模型称为</a:t>
             </a:r>
             <a:r>
-              <a:rPr lang="en-US" altLang="zh-CN" sz="2000" dirty="0" smtClean="0"/>
+              <a:rPr lang="en-US" altLang="zh-CN" sz="2000" dirty="0"/>
               <a:t>MP</a:t>
             </a:r>
             <a:r>
-              <a:rPr lang="zh-CN" altLang="en-US" sz="2000" dirty="0" smtClean="0"/>
+              <a:rPr lang="zh-CN" altLang="en-US" sz="2000" dirty="0"/>
               <a:t>模型。</a:t>
             </a:r>
-            <a:endParaRPr lang="en-US" altLang="zh-CN" sz="2000" dirty="0" smtClean="0"/>
+            <a:endParaRPr lang="en-US" altLang="zh-CN" sz="2000" dirty="0"/>
           </a:p>
           <a:p>
             <a:pPr lvl="1"/>
             <a:r>
-              <a:rPr lang="zh-CN" altLang="en-US" sz="2000" dirty="0" smtClean="0"/>
+              <a:rPr lang="zh-CN" altLang="en-US" sz="2000" dirty="0"/>
               <a:t>阿兰</a:t>
             </a:r>
             <a:r>
-              <a:rPr lang="en-US" altLang="zh-CN" sz="2000" dirty="0" smtClean="0"/>
+              <a:rPr lang="en-US" altLang="zh-CN" sz="2000" dirty="0"/>
               <a:t>·</a:t>
             </a:r>
             <a:r>
-              <a:rPr lang="zh-CN" altLang="en-US" sz="2000" dirty="0" smtClean="0"/>
+              <a:rPr lang="zh-CN" altLang="en-US" sz="2000" dirty="0"/>
               <a:t>图灵在</a:t>
             </a:r>
             <a:r>
-              <a:rPr lang="en-US" altLang="zh-CN" sz="2000" dirty="0" smtClean="0"/>
+              <a:rPr lang="en-US" altLang="zh-CN" sz="2000" dirty="0"/>
               <a:t>1948</a:t>
             </a:r>
             <a:r>
-              <a:rPr lang="zh-CN" altLang="en-US" sz="2000" dirty="0" smtClean="0"/>
+              <a:rPr lang="zh-CN" altLang="en-US" sz="2000" dirty="0"/>
               <a:t>年的论文中描述了一种“</a:t>
             </a:r>
             <a:r>
-              <a:rPr lang="en-US" altLang="zh-CN" sz="2000" dirty="0" smtClean="0"/>
+              <a:rPr lang="en-US" altLang="zh-CN" sz="2000" dirty="0"/>
               <a:t>B</a:t>
             </a:r>
             <a:r>
-              <a:rPr lang="zh-CN" altLang="en-US" sz="2000" dirty="0" smtClean="0"/>
+              <a:rPr lang="zh-CN" altLang="en-US" sz="2000" dirty="0"/>
               <a:t>型图灵机”。</a:t>
             </a:r>
             <a:r>
-              <a:rPr lang="en-US" altLang="zh-CN" sz="2000" dirty="0" smtClean="0"/>
+              <a:rPr lang="en-US" altLang="zh-CN" sz="2000" dirty="0"/>
               <a:t>(</a:t>
             </a:r>
             <a:r>
-              <a:rPr lang="zh-CN" altLang="en-US" sz="2000" dirty="0" smtClean="0"/>
+              <a:rPr lang="zh-CN" altLang="en-US" sz="2000" dirty="0"/>
               <a:t>赫布型学习</a:t>
             </a:r>
             <a:r>
-              <a:rPr lang="en-US" altLang="zh-CN" sz="2000" dirty="0" smtClean="0"/>
+              <a:rPr lang="en-US" altLang="zh-CN" sz="2000" dirty="0"/>
               <a:t>)</a:t>
             </a:r>
           </a:p>
           <a:p>
             <a:pPr lvl="1"/>
             <a:r>
-              <a:rPr lang="en-US" altLang="zh-CN" sz="2000" dirty="0" smtClean="0"/>
+              <a:rPr lang="en-US" altLang="zh-CN" sz="2000" dirty="0"/>
               <a:t>1951</a:t>
             </a:r>
             <a:r>
-              <a:rPr lang="zh-CN" altLang="en-US" sz="2000" dirty="0" smtClean="0"/>
+              <a:rPr lang="zh-CN" altLang="en-US" sz="2000" dirty="0"/>
               <a:t>年，</a:t>
             </a:r>
             <a:r>
-              <a:rPr lang="en-US" altLang="zh-CN" sz="2000" dirty="0" smtClean="0"/>
+              <a:rPr lang="en-US" altLang="zh-CN" sz="2000" dirty="0"/>
               <a:t>McCulloch</a:t>
             </a:r>
             <a:r>
-              <a:rPr lang="zh-CN" altLang="en-US" sz="2000" dirty="0" smtClean="0"/>
+              <a:rPr lang="zh-CN" altLang="en-US" sz="2000" dirty="0"/>
               <a:t>和</a:t>
             </a:r>
             <a:r>
-              <a:rPr lang="en-US" altLang="zh-CN" sz="2000" dirty="0" smtClean="0"/>
+              <a:rPr lang="en-US" altLang="zh-CN" sz="2000" dirty="0"/>
               <a:t>Pitts</a:t>
             </a:r>
             <a:r>
-              <a:rPr lang="zh-CN" altLang="en-US" sz="2000" dirty="0" smtClean="0"/>
+              <a:rPr lang="zh-CN" altLang="en-US" sz="2000" dirty="0"/>
               <a:t>的学生</a:t>
             </a:r>
             <a:r>
-              <a:rPr lang="en-US" altLang="zh-CN" sz="2000" dirty="0" smtClean="0"/>
+              <a:rPr lang="en-US" altLang="zh-CN" sz="2000" dirty="0"/>
               <a:t>Marvin Minsky</a:t>
             </a:r>
             <a:r>
-              <a:rPr lang="zh-CN" altLang="en-US" sz="2000" dirty="0" smtClean="0"/>
+              <a:rPr lang="zh-CN" altLang="en-US" sz="2000" dirty="0"/>
               <a:t>建造了第一台神经网络机，称为</a:t>
             </a:r>
             <a:r>
-              <a:rPr lang="en-US" altLang="zh-CN" sz="2000" dirty="0" smtClean="0"/>
+              <a:rPr lang="en-US" altLang="zh-CN" sz="2000" dirty="0"/>
               <a:t>SNARC</a:t>
             </a:r>
             <a:r>
-              <a:rPr lang="zh-CN" altLang="en-US" sz="2000" dirty="0" smtClean="0"/>
+              <a:rPr lang="zh-CN" altLang="en-US" sz="2000" dirty="0"/>
               <a:t>。</a:t>
             </a:r>
-            <a:endParaRPr lang="en-US" altLang="zh-CN" sz="2000" dirty="0" smtClean="0"/>
+            <a:endParaRPr lang="en-US" altLang="zh-CN" sz="2000" dirty="0"/>
           </a:p>
           <a:p>
             <a:pPr lvl="1"/>
             <a:r>
-              <a:rPr lang="en-US" altLang="zh-CN" sz="2000" dirty="0" smtClean="0"/>
+              <a:rPr lang="en-US" altLang="zh-CN" sz="2000" dirty="0"/>
               <a:t>Rosenblatt [1958]</a:t>
             </a:r>
             <a:r>
-              <a:rPr lang="zh-CN" altLang="en-US" sz="2000" dirty="0" smtClean="0"/>
+              <a:rPr lang="zh-CN" altLang="en-US" sz="2000" dirty="0"/>
               <a:t>最早提出可以模拟人类感知能力的神经网络模型，并称之为感知器（</a:t>
             </a:r>
             <a:r>
-              <a:rPr lang="en-US" altLang="zh-CN" sz="2000" dirty="0" smtClean="0"/>
+              <a:rPr lang="en-US" altLang="zh-CN" sz="2000" dirty="0"/>
               <a:t>Perceptron</a:t>
             </a:r>
             <a:r>
-              <a:rPr lang="zh-CN" altLang="en-US" sz="2000" dirty="0" smtClean="0"/>
+              <a:rPr lang="zh-CN" altLang="en-US" sz="2000" dirty="0"/>
               <a:t>），并提出了一种接近于人类学习过程（迭代、试错）的学习算法。</a:t>
             </a:r>
-            <a:endParaRPr lang="zh-CN" altLang="en-US" sz="2000" dirty="0"/>
           </a:p>
         </p:txBody>
       </p:sp>
@@ -30039,13 +29094,6 @@
   <p:clrMapOvr>
     <a:masterClrMapping/>
   </p:clrMapOvr>
-  <p:timing>
-    <p:tnLst>
-      <p:par>
-        <p:cTn id="1" dur="indefinite" restart="never" nodeType="tmRoot"/>
-      </p:par>
-    </p:tnLst>
-  </p:timing>
 </p:sld>
 </file>
 
@@ -30082,10 +29130,9 @@
           <a:lstStyle/>
           <a:p>
             <a:r>
-              <a:rPr lang="zh-CN" altLang="en-US" dirty="0" smtClean="0"/>
+              <a:rPr lang="zh-CN" altLang="en-US" dirty="0"/>
               <a:t>神经网络发展史</a:t>
             </a:r>
-            <a:endParaRPr lang="zh-CN" altLang="en-US" dirty="0"/>
           </a:p>
         </p:txBody>
       </p:sp>
@@ -30105,18 +29152,10 @@
           <a:lstStyle/>
           <a:p>
             <a:r>
-              <a:rPr lang="zh-CN" altLang="en-US" sz="2400" dirty="0" smtClean="0"/>
-              <a:t>第二阶段</a:t>
-            </a:r>
-            <a:r>
               <a:rPr lang="zh-CN" altLang="en-US" sz="2400" dirty="0"/>
-              <a:t>：</a:t>
-            </a:r>
-            <a:r>
-              <a:rPr lang="zh-CN" altLang="en-US" sz="2400" dirty="0" smtClean="0"/>
-              <a:t>冰河期</a:t>
-            </a:r>
-            <a:endParaRPr lang="en-US" altLang="zh-CN" sz="2400" dirty="0" smtClean="0"/>
+              <a:t>第二阶段：冰河期</a:t>
+            </a:r>
+            <a:endParaRPr lang="en-US" altLang="zh-CN" sz="2400" dirty="0"/>
           </a:p>
           <a:p>
             <a:pPr lvl="1"/>
@@ -30150,45 +29189,25 @@
             </a:r>
             <a:r>
               <a:rPr lang="zh-CN" altLang="en-US" sz="2000" dirty="0"/>
-              <a:t>一书，书中论断直接将神经网络打入冷宫，导致神经网络十多年的“冰河期”。他们发现了神经网络的两个关键问题</a:t>
-            </a:r>
-            <a:r>
-              <a:rPr lang="zh-CN" altLang="en-US" sz="2000" dirty="0" smtClean="0"/>
-              <a:t>。</a:t>
-            </a:r>
-            <a:endParaRPr lang="en-US" altLang="zh-CN" sz="2000" dirty="0" smtClean="0"/>
+              <a:t>一书，书中论断直接将神经网络打入冷宫，导致神经网络十多年的“冰河期”。他们发现了神经网络的两个关键问题。</a:t>
+            </a:r>
+            <a:endParaRPr lang="en-US" altLang="zh-CN" sz="2000" dirty="0"/>
           </a:p>
           <a:p>
             <a:pPr lvl="2"/>
             <a:r>
-              <a:rPr lang="zh-CN" altLang="en-US" sz="2000" dirty="0" smtClean="0"/>
-              <a:t>第一</a:t>
-            </a:r>
-            <a:r>
               <a:rPr lang="zh-CN" altLang="en-US" sz="2000" dirty="0"/>
-              <a:t>是基本感知机无法处理异或回路</a:t>
-            </a:r>
-            <a:r>
-              <a:rPr lang="zh-CN" altLang="en-US" sz="2000" dirty="0" smtClean="0"/>
-              <a:t>。</a:t>
-            </a:r>
-            <a:endParaRPr lang="en-US" altLang="zh-CN" sz="2000" dirty="0" smtClean="0"/>
+              <a:t>第一是基本感知机无法处理异或回路。</a:t>
+            </a:r>
+            <a:endParaRPr lang="en-US" altLang="zh-CN" sz="2000" dirty="0"/>
           </a:p>
           <a:p>
             <a:pPr lvl="2"/>
             <a:r>
-              <a:rPr lang="zh-CN" altLang="en-US" sz="2000" dirty="0" smtClean="0"/>
-              <a:t>第二</a:t>
-            </a:r>
-            <a:r>
               <a:rPr lang="zh-CN" altLang="en-US" sz="2000" dirty="0"/>
-              <a:t>个重要的问题是电脑没有足够的能力来处理大型神经网络所需要的很长的计算时间</a:t>
-            </a:r>
-            <a:r>
-              <a:rPr lang="zh-CN" altLang="en-US" sz="2000" dirty="0" smtClean="0"/>
-              <a:t>。</a:t>
-            </a:r>
-            <a:endParaRPr lang="en-US" altLang="zh-CN" sz="2000" dirty="0" smtClean="0"/>
+              <a:t>第二个重要的问题是电脑没有足够的能力来处理大型神经网络所需要的很长的计算时间。</a:t>
+            </a:r>
+            <a:endParaRPr lang="en-US" altLang="zh-CN" sz="2000" dirty="0"/>
           </a:p>
           <a:p>
             <a:pPr lvl="1"/>
@@ -30209,11 +29228,11 @@
               <a:t>Webos</a:t>
             </a:r>
             <a:r>
-              <a:rPr lang="zh-CN" altLang="en-US" sz="2000" dirty="0" smtClean="0"/>
+              <a:rPr lang="zh-CN" altLang="en-US" sz="2000" dirty="0"/>
               <a:t>发明</a:t>
             </a:r>
             <a:r>
-              <a:rPr lang="zh-CN" altLang="en-US" sz="2000" dirty="0" smtClean="0">
+              <a:rPr lang="zh-CN" altLang="en-US" sz="2000" dirty="0">
                 <a:solidFill>
                   <a:srgbClr val="FF0000"/>
                 </a:solidFill>
@@ -30221,18 +29240,10 @@
               <a:t>反向传播算法</a:t>
             </a:r>
             <a:r>
-              <a:rPr lang="zh-CN" altLang="en-US" sz="2000" dirty="0" smtClean="0"/>
-              <a:t>，但</a:t>
-            </a:r>
-            <a:r>
               <a:rPr lang="zh-CN" altLang="en-US" sz="2000" dirty="0"/>
-              <a:t>当时未受到应有的重视</a:t>
-            </a:r>
-            <a:r>
-              <a:rPr lang="zh-CN" altLang="en-US" sz="2000" dirty="0" smtClean="0"/>
-              <a:t>。</a:t>
-            </a:r>
-            <a:endParaRPr lang="en-US" altLang="zh-CN" sz="2000" dirty="0" smtClean="0"/>
+              <a:t>，但当时未受到应有的重视。</a:t>
+            </a:r>
+            <a:endParaRPr lang="en-US" altLang="zh-CN" sz="2000" dirty="0"/>
           </a:p>
           <a:p>
             <a:pPr lvl="1"/>
@@ -30254,14 +29265,10 @@
             </a:r>
             <a:r>
               <a:rPr lang="zh-CN" altLang="en-US" sz="2000" dirty="0"/>
-              <a:t>（福岛邦彦）提出了一种带卷积和子采样操作的多层神经网络：新知机</a:t>
-            </a:r>
-            <a:r>
-              <a:rPr lang="zh-CN" altLang="en-US" sz="2000" dirty="0" smtClean="0"/>
-              <a:t>（</a:t>
-            </a:r>
-            <a:r>
-              <a:rPr lang="en-US" altLang="zh-CN" sz="2000" dirty="0" err="1" smtClean="0"/>
+              <a:t>（福岛邦彦）提出了一种带卷积和子采样操作的多层神经网络：新知机（</a:t>
+            </a:r>
+            <a:r>
+              <a:rPr lang="en-US" altLang="zh-CN" sz="2000" dirty="0" err="1"/>
               <a:t>Neocognitron</a:t>
             </a:r>
             <a:r>
@@ -30281,13 +29288,6 @@
   <p:clrMapOvr>
     <a:masterClrMapping/>
   </p:clrMapOvr>
-  <p:timing>
-    <p:tnLst>
-      <p:par>
-        <p:cTn id="1" dur="indefinite" restart="never" nodeType="tmRoot"/>
-      </p:par>
-    </p:tnLst>
-  </p:timing>
 </p:sld>
 </file>
 
@@ -30324,10 +29324,9 @@
           <a:lstStyle/>
           <a:p>
             <a:r>
-              <a:rPr lang="zh-CN" altLang="en-US" dirty="0" smtClean="0"/>
+              <a:rPr lang="zh-CN" altLang="en-US" dirty="0"/>
               <a:t>神经网络发展史</a:t>
             </a:r>
-            <a:endParaRPr lang="zh-CN" altLang="en-US" dirty="0"/>
           </a:p>
         </p:txBody>
       </p:sp>
@@ -30348,13 +29347,9 @@
           <a:p>
             <a:r>
               <a:rPr lang="zh-CN" altLang="en-US" sz="2400" dirty="0"/>
-              <a:t>第三阶段：反向传播算法引起的</a:t>
-            </a:r>
-            <a:r>
-              <a:rPr lang="zh-CN" altLang="en-US" sz="2400" dirty="0" smtClean="0"/>
-              <a:t>复兴</a:t>
-            </a:r>
-            <a:endParaRPr lang="en-US" altLang="zh-CN" sz="2400" dirty="0" smtClean="0"/>
+              <a:t>第三阶段：反向传播算法引起的复兴</a:t>
+            </a:r>
+            <a:endParaRPr lang="en-US" altLang="zh-CN" sz="2400" dirty="0"/>
           </a:p>
           <a:p>
             <a:pPr lvl="1"/>
@@ -30380,13 +29375,9 @@
             </a:r>
             <a:r>
               <a:rPr lang="zh-CN" altLang="en-US" sz="2000" dirty="0"/>
-              <a:t>网络），在旅行商问题上获得当时最好结果，引起轰动</a:t>
-            </a:r>
-            <a:r>
-              <a:rPr lang="zh-CN" altLang="en-US" sz="2000" dirty="0" smtClean="0"/>
-              <a:t>。</a:t>
-            </a:r>
-            <a:endParaRPr lang="en-US" altLang="zh-CN" sz="2000" dirty="0" smtClean="0"/>
+              <a:t>网络），在旅行商问题上获得当时最好结果，引起轰动。</a:t>
+            </a:r>
+            <a:endParaRPr lang="en-US" altLang="zh-CN" sz="2000" dirty="0"/>
           </a:p>
           <a:p>
             <a:pPr lvl="1"/>
@@ -30412,13 +29403,9 @@
             </a:r>
             <a:r>
               <a:rPr lang="zh-CN" altLang="en-US" sz="2000" dirty="0"/>
-              <a:t>网络，即玻尔兹曼机</a:t>
-            </a:r>
-            <a:r>
-              <a:rPr lang="zh-CN" altLang="en-US" sz="2000" dirty="0" smtClean="0"/>
-              <a:t>。</a:t>
-            </a:r>
-            <a:endParaRPr lang="en-US" altLang="zh-CN" sz="2000" dirty="0" smtClean="0"/>
+              <a:t>网络，即玻尔兹曼机。</a:t>
+            </a:r>
+            <a:endParaRPr lang="en-US" altLang="zh-CN" sz="2000" dirty="0"/>
           </a:p>
           <a:p>
             <a:pPr lvl="1"/>
@@ -30448,69 +29435,36 @@
             </a:r>
             <a:r>
               <a:rPr lang="zh-CN" altLang="en-US" sz="2000" dirty="0"/>
-              <a:t>对于联结主义在计算机模拟神经活动中的应用提供了全面的论述，并重新发明了反向传播算法</a:t>
-            </a:r>
-            <a:r>
-              <a:rPr lang="zh-CN" altLang="en-US" sz="2000" dirty="0" smtClean="0"/>
-              <a:t>。</a:t>
-            </a:r>
-            <a:endParaRPr lang="en-US" altLang="zh-CN" sz="2000" dirty="0" smtClean="0"/>
+              <a:t>对于联结主义在计算机模拟神经活动中的应用提供了全面的论述，并重新发明了反向传播算法。</a:t>
+            </a:r>
+            <a:endParaRPr lang="en-US" altLang="zh-CN" sz="2000" dirty="0"/>
           </a:p>
           <a:p>
             <a:pPr lvl="1"/>
             <a:r>
               <a:rPr lang="en-US" altLang="zh-CN" sz="2000" dirty="0"/>
-              <a:t>Geoffrey </a:t>
-            </a:r>
-            <a:r>
-              <a:rPr lang="en-US" altLang="zh-CN" sz="2000" dirty="0" smtClean="0"/>
-              <a:t>Hinton[1986]</a:t>
-            </a:r>
-            <a:r>
-              <a:rPr lang="zh-CN" altLang="en-US" sz="2000" dirty="0" smtClean="0"/>
-              <a:t>等</a:t>
+              <a:t>Geoffrey Hinton[1986]</a:t>
             </a:r>
             <a:r>
               <a:rPr lang="zh-CN" altLang="en-US" sz="2000" dirty="0"/>
-              <a:t>人将引入到多层感知</a:t>
-            </a:r>
-            <a:r>
-              <a:rPr lang="zh-CN" altLang="en-US" sz="2000" dirty="0" smtClean="0"/>
-              <a:t>器</a:t>
-            </a:r>
-            <a:endParaRPr lang="en-US" altLang="zh-CN" sz="2000" dirty="0" smtClean="0"/>
+              <a:t>等人将引入到多层感知器</a:t>
+            </a:r>
+            <a:endParaRPr lang="en-US" altLang="zh-CN" sz="2000" dirty="0"/>
           </a:p>
           <a:p>
             <a:pPr lvl="1"/>
             <a:r>
-              <a:rPr lang="en-US" altLang="zh-CN" sz="2000" dirty="0" err="1" smtClean="0"/>
+              <a:rPr lang="en-US" altLang="zh-CN" sz="2000" dirty="0" err="1"/>
               <a:t>LeCun</a:t>
             </a:r>
             <a:r>
-              <a:rPr lang="en-US" altLang="zh-CN" sz="2000" dirty="0" smtClean="0"/>
-              <a:t> et </a:t>
-            </a:r>
-            <a:r>
               <a:rPr lang="en-US" altLang="zh-CN" sz="2000" dirty="0"/>
-              <a:t>al. [1989]</a:t>
+              <a:t> et al. [1989]</a:t>
             </a:r>
             <a:r>
               <a:rPr lang="zh-CN" altLang="en-US" sz="2000" dirty="0"/>
-              <a:t>将反向传播算法引入了卷积神经网络，并在手写体数字识别上</a:t>
-            </a:r>
-            <a:r>
-              <a:rPr lang="zh-CN" altLang="en-US" sz="2000" dirty="0" smtClean="0"/>
-              <a:t>取得了</a:t>
-            </a:r>
-            <a:r>
-              <a:rPr lang="zh-CN" altLang="en-US" sz="2000" dirty="0"/>
-              <a:t>很大的</a:t>
-            </a:r>
-            <a:r>
-              <a:rPr lang="zh-CN" altLang="en-US" sz="2000" dirty="0" smtClean="0"/>
-              <a:t>成功。</a:t>
-            </a:r>
-            <a:endParaRPr lang="zh-CN" altLang="en-US" sz="2000" dirty="0"/>
+              <a:t>将反向传播算法引入了卷积神经网络，并在手写体数字识别上取得了很大的成功。</a:t>
+            </a:r>
           </a:p>
         </p:txBody>
       </p:sp>
@@ -30524,13 +29478,6 @@
   <p:clrMapOvr>
     <a:masterClrMapping/>
   </p:clrMapOvr>
-  <p:timing>
-    <p:tnLst>
-      <p:par>
-        <p:cTn id="1" dur="indefinite" restart="never" nodeType="tmRoot"/>
-      </p:par>
-    </p:tnLst>
-  </p:timing>
 </p:sld>
 </file>
 
@@ -30567,10 +29514,9 @@
           <a:lstStyle/>
           <a:p>
             <a:r>
-              <a:rPr lang="zh-CN" altLang="en-US" dirty="0" smtClean="0"/>
+              <a:rPr lang="zh-CN" altLang="en-US" dirty="0"/>
               <a:t>神经网络发展史</a:t>
             </a:r>
-            <a:endParaRPr lang="zh-CN" altLang="en-US" dirty="0"/>
           </a:p>
         </p:txBody>
       </p:sp>
@@ -30591,13 +29537,9 @@
           <a:p>
             <a:r>
               <a:rPr lang="zh-CN" altLang="en-US" dirty="0"/>
-              <a:t>第四阶段：流行度</a:t>
-            </a:r>
-            <a:r>
-              <a:rPr lang="zh-CN" altLang="en-US" dirty="0" smtClean="0"/>
-              <a:t>降低</a:t>
-            </a:r>
-            <a:endParaRPr lang="en-US" altLang="zh-CN" dirty="0" smtClean="0"/>
+              <a:t>第四阶段：流行度降低</a:t>
+            </a:r>
+            <a:endParaRPr lang="en-US" altLang="zh-CN" dirty="0"/>
           </a:p>
           <a:p>
             <a:pPr lvl="1"/>
@@ -30619,23 +29561,15 @@
             </a:r>
             <a:r>
               <a:rPr lang="zh-CN" altLang="en-US" dirty="0"/>
-              <a:t>年代中期，统计学习理论和以支持向量机为代表的机器学习模型开始兴起</a:t>
-            </a:r>
-            <a:r>
-              <a:rPr lang="zh-CN" altLang="en-US" dirty="0" smtClean="0"/>
-              <a:t>。</a:t>
-            </a:r>
-            <a:endParaRPr lang="en-US" altLang="zh-CN" dirty="0" smtClean="0"/>
+              <a:t>年代中期，统计学习理论和以支持向量机为代表的机器学习模型开始兴起。</a:t>
+            </a:r>
+            <a:endParaRPr lang="en-US" altLang="zh-CN" dirty="0"/>
           </a:p>
           <a:p>
             <a:pPr lvl="1"/>
             <a:r>
-              <a:rPr lang="zh-CN" altLang="en-US" dirty="0" smtClean="0"/>
-              <a:t>相比之下</a:t>
-            </a:r>
-            <a:r>
               <a:rPr lang="zh-CN" altLang="en-US" dirty="0"/>
-              <a:t>，神经网络的理论基础不清晰、优化困难、可解释性差等缺点更加凸显，神经网络的研究又一次陷入低潮。</a:t>
+              <a:t>相比之下，神经网络的理论基础不清晰、优化困难、可解释性差等缺点更加凸显，神经网络的研究又一次陷入低潮。</a:t>
             </a:r>
             <a:endParaRPr lang="en-US" altLang="zh-CN" dirty="0"/>
           </a:p>
@@ -30651,13 +29585,6 @@
   <p:clrMapOvr>
     <a:masterClrMapping/>
   </p:clrMapOvr>
-  <p:timing>
-    <p:tnLst>
-      <p:par>
-        <p:cTn id="1" dur="indefinite" restart="never" nodeType="tmRoot"/>
-      </p:par>
-    </p:tnLst>
-  </p:timing>
 </p:sld>
 </file>
 
@@ -30694,10 +29621,9 @@
           <a:lstStyle/>
           <a:p>
             <a:r>
-              <a:rPr lang="zh-CN" altLang="en-US" dirty="0" smtClean="0"/>
+              <a:rPr lang="zh-CN" altLang="en-US" dirty="0"/>
               <a:t>神经网络发展史</a:t>
             </a:r>
-            <a:endParaRPr lang="zh-CN" altLang="en-US" dirty="0"/>
           </a:p>
         </p:txBody>
       </p:sp>
@@ -30718,13 +29644,9 @@
           <a:p>
             <a:r>
               <a:rPr lang="zh-CN" altLang="en-US" dirty="0"/>
-              <a:t>第五阶段：深度学习的</a:t>
-            </a:r>
-            <a:r>
-              <a:rPr lang="zh-CN" altLang="en-US" dirty="0" smtClean="0"/>
-              <a:t>崛起</a:t>
-            </a:r>
-            <a:endParaRPr lang="en-US" altLang="zh-CN" dirty="0" smtClean="0"/>
+              <a:t>第五阶段：深度学习的崛起</a:t>
+            </a:r>
+            <a:endParaRPr lang="en-US" altLang="zh-CN" dirty="0"/>
           </a:p>
           <a:p>
             <a:pPr lvl="1"/>
@@ -30754,59 +29676,23 @@
             </a:r>
             <a:r>
               <a:rPr lang="zh-CN" altLang="en-US" dirty="0"/>
-              <a:t>发现</a:t>
-            </a:r>
-            <a:r>
-              <a:rPr lang="zh-CN" altLang="en-US" dirty="0" smtClean="0"/>
-              <a:t>多层</a:t>
-            </a:r>
+              <a:t>发现多层前馈神经网络可以先通过逐层预训练，再用反向传播算法进行精调的方式进行有效学习。</a:t>
+            </a:r>
+            <a:endParaRPr lang="en-US" altLang="zh-CN" dirty="0"/>
+          </a:p>
+          <a:p>
+            <a:pPr lvl="1"/>
             <a:r>
               <a:rPr lang="zh-CN" altLang="en-US" dirty="0"/>
-              <a:t>前馈神经网络可以先通过逐层预训练，再用反向传播算法进行精调的方式</a:t>
-            </a:r>
-            <a:r>
-              <a:rPr lang="zh-CN" altLang="en-US" dirty="0" smtClean="0"/>
-              <a:t>进行有效学习。</a:t>
-            </a:r>
-            <a:endParaRPr lang="en-US" altLang="zh-CN" dirty="0" smtClean="0"/>
+              <a:t>深度的人工神经网络在语音识别和图像分类等任务上的巨大成功。</a:t>
+            </a:r>
+            <a:endParaRPr lang="en-US" altLang="zh-CN" dirty="0"/>
           </a:p>
           <a:p>
             <a:pPr lvl="1"/>
             <a:r>
               <a:rPr lang="zh-CN" altLang="en-US" dirty="0"/>
-              <a:t>深度的人工神经网络在</a:t>
-            </a:r>
-            <a:r>
-              <a:rPr lang="zh-CN" altLang="en-US" dirty="0" smtClean="0"/>
-              <a:t>语音识别和</a:t>
-            </a:r>
-            <a:r>
-              <a:rPr lang="zh-CN" altLang="en-US" dirty="0"/>
-              <a:t>图像</a:t>
-            </a:r>
-            <a:r>
-              <a:rPr lang="zh-CN" altLang="en-US" dirty="0" smtClean="0"/>
-              <a:t>分类等</a:t>
-            </a:r>
-            <a:r>
-              <a:rPr lang="zh-CN" altLang="en-US" dirty="0"/>
-              <a:t>任务上的巨大</a:t>
-            </a:r>
-            <a:r>
-              <a:rPr lang="zh-CN" altLang="en-US" dirty="0" smtClean="0"/>
-              <a:t>成功。</a:t>
-            </a:r>
-            <a:endParaRPr lang="en-US" altLang="zh-CN" dirty="0" smtClean="0"/>
-          </a:p>
-          <a:p>
-            <a:pPr lvl="1"/>
-            <a:r>
-              <a:rPr lang="zh-CN" altLang="en-US" dirty="0" smtClean="0"/>
-              <a:t>随着</a:t>
-            </a:r>
-            <a:r>
-              <a:rPr lang="zh-CN" altLang="en-US" dirty="0"/>
-              <a:t>大规模并行计算以及</a:t>
+              <a:t>随着大规模并行计算以及</a:t>
             </a:r>
             <a:r>
               <a:rPr lang="en-US" altLang="zh-CN" dirty="0"/>
@@ -30830,13 +29716,6 @@
   <p:clrMapOvr>
     <a:masterClrMapping/>
   </p:clrMapOvr>
-  <p:timing>
-    <p:tnLst>
-      <p:par>
-        <p:cTn id="1" dur="indefinite" restart="never" nodeType="tmRoot"/>
-      </p:par>
-    </p:tnLst>
-  </p:timing>
 </p:sld>
 </file>
 
@@ -30895,105 +29774,79 @@
           <a:lstStyle/>
           <a:p>
             <a:r>
-              <a:rPr lang="en-US" altLang="zh-CN" dirty="0" smtClean="0"/>
+              <a:rPr lang="en-US" altLang="zh-CN" dirty="0"/>
               <a:t>AI</a:t>
             </a:r>
             <a:r>
-              <a:rPr lang="zh-CN" altLang="en-US" dirty="0" smtClean="0"/>
+              <a:rPr lang="zh-CN" altLang="en-US" dirty="0"/>
               <a:t>领域</a:t>
             </a:r>
-            <a:endParaRPr lang="en-US" altLang="zh-CN" dirty="0" smtClean="0"/>
+            <a:endParaRPr lang="en-US" altLang="zh-CN" dirty="0"/>
           </a:p>
           <a:p>
             <a:pPr lvl="1"/>
             <a:r>
-              <a:rPr lang="zh-CN" altLang="en-US" dirty="0" smtClean="0"/>
-              <a:t>语音识别</a:t>
-            </a:r>
-            <a:r>
               <a:rPr lang="zh-CN" altLang="en-US" dirty="0"/>
-              <a:t>：可以使得词错误率</a:t>
-            </a:r>
-            <a:r>
-              <a:rPr lang="zh-CN" altLang="en-US" dirty="0" smtClean="0"/>
-              <a:t>从</a:t>
-            </a:r>
-            <a:r>
-              <a:rPr lang="en-US" altLang="zh-CN" dirty="0" smtClean="0"/>
+              <a:t>语音识别：可以使得词错误率从</a:t>
+            </a:r>
+            <a:r>
+              <a:rPr lang="en-US" altLang="zh-CN" dirty="0"/>
               <a:t>1/4</a:t>
             </a:r>
             <a:r>
-              <a:rPr lang="zh-CN" altLang="en-US" dirty="0" smtClean="0"/>
+              <a:rPr lang="zh-CN" altLang="en-US" dirty="0"/>
               <a:t>下降到</a:t>
             </a:r>
             <a:r>
-              <a:rPr lang="en-US" altLang="zh-CN" dirty="0" smtClean="0"/>
+              <a:rPr lang="en-US" altLang="zh-CN" dirty="0"/>
               <a:t>1/8</a:t>
             </a:r>
+          </a:p>
+          <a:p>
+            <a:pPr lvl="1"/>
+            <a:r>
+              <a:rPr lang="zh-CN" altLang="en-US" dirty="0"/>
+              <a:t>计算机视觉：目标识别、图像分类等</a:t>
+            </a:r>
+          </a:p>
+          <a:p>
+            <a:pPr lvl="1"/>
+            <a:r>
+              <a:rPr lang="zh-CN" altLang="en-US" dirty="0"/>
+              <a:t>自然语言处理：分布式表示、机器翻译、问题回答等</a:t>
+            </a:r>
             <a:endParaRPr lang="en-US" altLang="zh-CN" dirty="0"/>
           </a:p>
           <a:p>
             <a:pPr lvl="1"/>
             <a:r>
-              <a:rPr lang="zh-CN" altLang="en-US" dirty="0" smtClean="0"/>
-              <a:t>计算机视觉</a:t>
-            </a:r>
-            <a:r>
               <a:rPr lang="zh-CN" altLang="en-US" dirty="0"/>
-              <a:t>：目标识别、图像分类等</a:t>
-            </a:r>
+              <a:t>信息检索、社会化网络</a:t>
+            </a:r>
+          </a:p>
+          <a:p>
+            <a:endParaRPr lang="en-US" altLang="zh-CN" dirty="0"/>
+          </a:p>
+          <a:p>
+            <a:r>
+              <a:rPr lang="zh-CN" altLang="en-US" dirty="0"/>
+              <a:t>三个</a:t>
+            </a:r>
+            <a:r>
+              <a:rPr lang="en-US" altLang="zh-CN" dirty="0"/>
+              <a:t>Deep</a:t>
+            </a:r>
+            <a:r>
+              <a:rPr lang="zh-CN" altLang="en-US" dirty="0"/>
+              <a:t>：</a:t>
+            </a:r>
+            <a:endParaRPr lang="en-US" altLang="zh-CN" dirty="0"/>
           </a:p>
           <a:p>
             <a:pPr lvl="1"/>
             <a:r>
-              <a:rPr lang="zh-CN" altLang="en-US" dirty="0"/>
-              <a:t>自然语言处理：分布式表示、机器翻译、问题回答</a:t>
-            </a:r>
-            <a:r>
-              <a:rPr lang="zh-CN" altLang="en-US" dirty="0" smtClean="0"/>
-              <a:t>等</a:t>
-            </a:r>
-            <a:endParaRPr lang="en-US" altLang="zh-CN" dirty="0" smtClean="0"/>
-          </a:p>
-          <a:p>
-            <a:pPr lvl="1"/>
-            <a:r>
-              <a:rPr lang="zh-CN" altLang="en-US" dirty="0" smtClean="0"/>
-              <a:t>信息检索、社会化网络</a:t>
-            </a:r>
-            <a:endParaRPr lang="zh-CN" altLang="en-US" dirty="0"/>
-          </a:p>
-          <a:p>
-            <a:endParaRPr lang="en-US" altLang="zh-CN" dirty="0" smtClean="0"/>
-          </a:p>
-          <a:p>
-            <a:r>
-              <a:rPr lang="zh-CN" altLang="en-US" dirty="0"/>
-              <a:t>三</a:t>
-            </a:r>
-            <a:r>
-              <a:rPr lang="zh-CN" altLang="en-US" dirty="0" smtClean="0"/>
-              <a:t>个</a:t>
-            </a:r>
-            <a:r>
-              <a:rPr lang="en-US" altLang="zh-CN" dirty="0" smtClean="0"/>
-              <a:t>Deep</a:t>
-            </a:r>
-            <a:r>
-              <a:rPr lang="zh-CN" altLang="en-US" dirty="0" smtClean="0"/>
-              <a:t>：</a:t>
-            </a:r>
-            <a:endParaRPr lang="en-US" altLang="zh-CN" dirty="0" smtClean="0"/>
-          </a:p>
-          <a:p>
-            <a:pPr lvl="1"/>
-            <a:r>
-              <a:rPr lang="en-US" altLang="zh-CN" dirty="0" smtClean="0"/>
-              <a:t>Deep </a:t>
-            </a:r>
-            <a:r>
               <a:rPr lang="en-US" altLang="zh-CN" dirty="0"/>
-              <a:t>Blue</a:t>
+              <a:t>Deep Blue</a:t>
             </a:r>
           </a:p>
           <a:p>
@@ -31023,13 +29876,6 @@
   <p:clrMapOvr>
     <a:masterClrMapping/>
   </p:clrMapOvr>
-  <p:timing>
-    <p:tnLst>
-      <p:par>
-        <p:cTn id="1" dur="indefinite" restart="never" nodeType="tmRoot"/>
-      </p:par>
-    </p:tnLst>
-  </p:timing>
 </p:sld>
 </file>
 
@@ -31066,10 +29912,9 @@
           <a:lstStyle/>
           <a:p>
             <a:r>
-              <a:rPr lang="zh-CN" altLang="en-US" dirty="0" smtClean="0"/>
+              <a:rPr lang="zh-CN" altLang="en-US" dirty="0"/>
               <a:t>学术机构</a:t>
             </a:r>
-            <a:endParaRPr lang="zh-CN" altLang="en-US" dirty="0"/>
           </a:p>
         </p:txBody>
       </p:sp>
@@ -31098,15 +29943,15 @@
               <a:t>Toronto </a:t>
             </a:r>
             <a:r>
-              <a:rPr lang="zh-CN" altLang="en-US" sz="2400" dirty="0" smtClean="0"/>
+              <a:rPr lang="zh-CN" altLang="en-US" sz="2400" dirty="0"/>
               <a:t>大学</a:t>
             </a:r>
-            <a:endParaRPr lang="en-US" altLang="zh-CN" sz="2400" dirty="0" smtClean="0"/>
+            <a:endParaRPr lang="en-US" altLang="zh-CN" sz="2400" dirty="0"/>
           </a:p>
           <a:p>
             <a:pPr lvl="1"/>
             <a:r>
-              <a:rPr lang="zh-CN" altLang="en-US" sz="2000" dirty="0" smtClean="0"/>
+              <a:rPr lang="zh-CN" altLang="en-US" sz="2000" dirty="0"/>
               <a:t> </a:t>
             </a:r>
             <a:r>
@@ -31131,21 +29976,16 @@
               <a:rPr lang="en-US" altLang="zh-CN" sz="2400" dirty="0"/>
               <a:t>NYU </a:t>
             </a:r>
-            <a:endParaRPr lang="en-US" altLang="zh-CN" sz="2400" dirty="0" smtClean="0"/>
           </a:p>
           <a:p>
             <a:pPr lvl="1"/>
             <a:r>
-              <a:rPr lang="en-US" altLang="zh-CN" sz="2000" dirty="0" err="1" smtClean="0"/>
+              <a:rPr lang="en-US" altLang="zh-CN" sz="2000" dirty="0" err="1"/>
               <a:t>Lecun</a:t>
             </a:r>
             <a:r>
-              <a:rPr lang="en-US" altLang="zh-CN" sz="2000" dirty="0" smtClean="0"/>
-              <a:t> </a:t>
-            </a:r>
-            <a:r>
               <a:rPr lang="en-US" altLang="zh-CN" sz="2000" dirty="0"/>
-              <a:t>(Now Facebook) 87 </a:t>
+              <a:t> (Now Facebook) 87 </a:t>
             </a:r>
             <a:r>
               <a:rPr lang="zh-CN" altLang="en-US" sz="2000" dirty="0"/>
@@ -31162,19 +30002,19 @@
           </a:p>
           <a:p>
             <a:r>
-              <a:rPr lang="en-US" altLang="zh-CN" sz="2400" dirty="0" smtClean="0"/>
+              <a:rPr lang="en-US" altLang="zh-CN" sz="2400" dirty="0"/>
               <a:t>Montreal</a:t>
             </a:r>
             <a:r>
-              <a:rPr lang="zh-CN" altLang="en-US" sz="2400" dirty="0" smtClean="0"/>
+              <a:rPr lang="zh-CN" altLang="en-US" sz="2400" dirty="0"/>
               <a:t>大学</a:t>
             </a:r>
-            <a:endParaRPr lang="en-US" altLang="zh-CN" sz="2400" dirty="0" smtClean="0"/>
+            <a:endParaRPr lang="en-US" altLang="zh-CN" sz="2400" dirty="0"/>
           </a:p>
           <a:p>
             <a:pPr lvl="1"/>
             <a:r>
-              <a:rPr lang="zh-CN" altLang="en-US" sz="2000" dirty="0" smtClean="0"/>
+              <a:rPr lang="zh-CN" altLang="en-US" sz="2000" dirty="0"/>
               <a:t> </a:t>
             </a:r>
             <a:r>
@@ -31200,19 +30040,19 @@
           </a:p>
           <a:p>
             <a:r>
-              <a:rPr lang="en-US" altLang="zh-CN" sz="2400" dirty="0" smtClean="0"/>
+              <a:rPr lang="en-US" altLang="zh-CN" sz="2400" dirty="0"/>
               <a:t>Stanford</a:t>
             </a:r>
             <a:r>
-              <a:rPr lang="zh-CN" altLang="en-US" sz="2400" dirty="0" smtClean="0"/>
+              <a:rPr lang="zh-CN" altLang="en-US" sz="2400" dirty="0"/>
               <a:t>大学</a:t>
             </a:r>
-            <a:endParaRPr lang="en-US" altLang="zh-CN" sz="2400" dirty="0" smtClean="0"/>
+            <a:endParaRPr lang="en-US" altLang="zh-CN" sz="2400" dirty="0"/>
           </a:p>
           <a:p>
             <a:pPr lvl="1"/>
             <a:r>
-              <a:rPr lang="zh-CN" altLang="en-US" sz="2000" dirty="0" smtClean="0"/>
+              <a:rPr lang="zh-CN" altLang="en-US" sz="2000" dirty="0"/>
               <a:t> </a:t>
             </a:r>
             <a:r>
@@ -31233,29 +30073,23 @@
             </a:r>
             <a:r>
               <a:rPr lang="en-US" altLang="zh-CN" sz="2000" dirty="0"/>
-              <a:t>M. </a:t>
-            </a:r>
-            <a:r>
-              <a:rPr lang="en-US" altLang="zh-CN" sz="2000" dirty="0" smtClean="0"/>
-              <a:t>Jordan </a:t>
-            </a:r>
-            <a:r>
-              <a:rPr lang="zh-CN" altLang="en-US" sz="2000" dirty="0" smtClean="0"/>
+              <a:t>M. Jordan </a:t>
+            </a:r>
+            <a:r>
+              <a:rPr lang="zh-CN" altLang="en-US" sz="2000" dirty="0"/>
               <a:t>博士</a:t>
             </a:r>
-            <a:endParaRPr lang="zh-CN" altLang="en-US" sz="2000" dirty="0"/>
           </a:p>
           <a:p>
             <a:r>
               <a:rPr lang="en-US" altLang="zh-CN" sz="2400" dirty="0"/>
               <a:t>IDSIA </a:t>
             </a:r>
-            <a:endParaRPr lang="en-US" altLang="zh-CN" sz="2400" dirty="0" smtClean="0"/>
           </a:p>
           <a:p>
             <a:pPr lvl="1"/>
             <a:r>
-              <a:rPr lang="en-US" altLang="zh-CN" sz="2000" dirty="0" smtClean="0"/>
+              <a:rPr lang="en-US" altLang="zh-CN" sz="2000" dirty="0"/>
               <a:t>Jürgen </a:t>
             </a:r>
             <a:r>
@@ -31306,13 +30140,6 @@
   <p:clrMapOvr>
     <a:masterClrMapping/>
   </p:clrMapOvr>
-  <p:timing>
-    <p:tnLst>
-      <p:par>
-        <p:cTn id="1" dur="indefinite" restart="never" nodeType="tmRoot"/>
-      </p:par>
-    </p:tnLst>
-  </p:timing>
 </p:sld>
 </file>
 
@@ -31349,7 +30176,7 @@
           <a:lstStyle/>
           <a:p>
             <a:r>
-              <a:rPr lang="zh-CN" altLang="en-US" smtClean="0"/>
+              <a:rPr lang="zh-CN" altLang="en-US"/>
               <a:t>常用的深度学习框架</a:t>
             </a:r>
             <a:endParaRPr lang="zh-TW" altLang="en-US" dirty="0"/>
@@ -31707,13 +30534,6 @@
   <p:clrMapOvr>
     <a:masterClrMapping/>
   </p:clrMapOvr>
-  <p:timing>
-    <p:tnLst>
-      <p:par>
-        <p:cTn id="1" dur="indefinite" restart="never" nodeType="tmRoot"/>
-      </p:par>
-    </p:tnLst>
-  </p:timing>
 </p:sld>
 </file>
 
@@ -31750,10 +30570,9 @@
           <a:lstStyle/>
           <a:p>
             <a:r>
-              <a:rPr lang="zh-CN" altLang="en-US" dirty="0" smtClean="0"/>
+              <a:rPr lang="zh-CN" altLang="en-US" dirty="0"/>
               <a:t>课后作业</a:t>
             </a:r>
-            <a:endParaRPr lang="zh-CN" altLang="en-US" dirty="0"/>
           </a:p>
         </p:txBody>
       </p:sp>
@@ -31773,18 +30592,10 @@
           <a:lstStyle/>
           <a:p>
             <a:r>
-              <a:rPr lang="zh-CN" altLang="en-US" dirty="0" smtClean="0"/>
-              <a:t>复习</a:t>
-            </a:r>
-            <a:r>
               <a:rPr lang="zh-CN" altLang="en-US" dirty="0"/>
-              <a:t>学习</a:t>
-            </a:r>
-            <a:r>
-              <a:rPr lang="zh-CN" altLang="en-US" dirty="0" smtClean="0"/>
-              <a:t>知识</a:t>
-            </a:r>
-            <a:endParaRPr lang="en-US" altLang="zh-CN" dirty="0" smtClean="0"/>
+              <a:t>复习学习知识</a:t>
+            </a:r>
+            <a:endParaRPr lang="en-US" altLang="zh-CN" dirty="0"/>
           </a:p>
           <a:p>
             <a:pPr lvl="1"/>
@@ -31792,75 +30603,53 @@
               <a:rPr lang="zh-CN" altLang="en-US" dirty="0">
                 <a:hlinkClick r:id="rId2"/>
               </a:rPr>
-              <a:t>https://nndl.github.io</a:t>
-            </a:r>
-            <a:r>
-              <a:rPr lang="zh-CN" altLang="en-US" dirty="0" smtClean="0">
-                <a:hlinkClick r:id="rId2"/>
-              </a:rPr>
-              <a:t>/</a:t>
-            </a:r>
-            <a:r>
-              <a:rPr lang="zh-CN" altLang="en-US" dirty="0" smtClean="0"/>
+              <a:t>https://nndl.github.io/</a:t>
+            </a:r>
+            <a:r>
+              <a:rPr lang="zh-CN" altLang="en-US" dirty="0"/>
               <a:t> 附录</a:t>
             </a:r>
             <a:r>
-              <a:rPr lang="en-US" altLang="zh-CN" dirty="0" smtClean="0"/>
+              <a:rPr lang="en-US" altLang="zh-CN" dirty="0"/>
               <a:t>《</a:t>
             </a:r>
             <a:r>
-              <a:rPr lang="zh-CN" altLang="en-US" dirty="0" smtClean="0"/>
+              <a:rPr lang="zh-CN" altLang="en-US" dirty="0"/>
               <a:t>数学基础</a:t>
             </a:r>
             <a:r>
-              <a:rPr lang="en-US" altLang="zh-CN" dirty="0" smtClean="0"/>
+              <a:rPr lang="en-US" altLang="zh-CN" dirty="0"/>
               <a:t>》</a:t>
             </a:r>
           </a:p>
           <a:p>
             <a:r>
-              <a:rPr lang="en-US" altLang="zh-CN" dirty="0" smtClean="0"/>
-              <a:t>Python/</a:t>
+              <a:rPr lang="en-US" altLang="zh-CN" dirty="0"/>
+              <a:t>Python/ </a:t>
+            </a:r>
+            <a:r>
+              <a:rPr lang="en-US" altLang="zh-CN" dirty="0" err="1"/>
+              <a:t>NumPy</a:t>
             </a:r>
             <a:r>
               <a:rPr lang="en-US" altLang="zh-CN" dirty="0"/>
               <a:t> </a:t>
             </a:r>
             <a:r>
-              <a:rPr lang="en-US" altLang="zh-CN" dirty="0" err="1" smtClean="0"/>
-              <a:t>NumPy</a:t>
-            </a:r>
-            <a:r>
-              <a:rPr lang="en-US" altLang="zh-CN" dirty="0" smtClean="0"/>
-              <a:t> </a:t>
-            </a:r>
-            <a:r>
-              <a:rPr lang="zh-CN" altLang="en-US" dirty="0" smtClean="0"/>
+              <a:rPr lang="zh-CN" altLang="en-US" dirty="0"/>
               <a:t>练习</a:t>
             </a:r>
-            <a:endParaRPr lang="en-US" altLang="zh-CN" dirty="0" smtClean="0"/>
+            <a:endParaRPr lang="en-US" altLang="zh-CN" dirty="0"/>
           </a:p>
           <a:p>
             <a:pPr lvl="1"/>
-            <a:r>
-              <a:rPr lang="en-US" altLang="zh-CN" dirty="0" smtClean="0">
-                <a:hlinkClick r:id="rId3"/>
-              </a:rPr>
-              <a:t>https</a:t>
-            </a:r>
             <a:r>
               <a:rPr lang="en-US" altLang="zh-CN" dirty="0">
                 <a:hlinkClick r:id="rId3"/>
               </a:rPr>
-              <a:t>://</a:t>
-            </a:r>
-            <a:r>
-              <a:rPr lang="en-US" altLang="zh-CN" dirty="0" smtClean="0">
-                <a:hlinkClick r:id="rId3"/>
-              </a:rPr>
-              <a:t>github.com/nndl/exercise/tree/master/warmup</a:t>
-            </a:r>
-            <a:endParaRPr lang="en-US" altLang="zh-CN" dirty="0" smtClean="0"/>
+              <a:t>https://github.com/nndl/exercise/tree/master/warmup</a:t>
+            </a:r>
+            <a:endParaRPr lang="en-US" altLang="zh-CN" dirty="0"/>
           </a:p>
           <a:p>
             <a:pPr lvl="1"/>
@@ -31882,21 +30671,6 @@
   <p:clrMapOvr>
     <a:masterClrMapping/>
   </p:clrMapOvr>
-  <mc:AlternateContent xmlns:mc="http://schemas.openxmlformats.org/markup-compatibility/2006" xmlns:p14="http://schemas.microsoft.com/office/powerpoint/2010/main">
-    <mc:Choice Requires="p14">
-      <p:transition spd="slow" p14:dur="2000"/>
-    </mc:Choice>
-    <mc:Fallback xmlns="">
-      <p:transition spd="slow"/>
-    </mc:Fallback>
-  </mc:AlternateContent>
-  <p:timing>
-    <p:tnLst>
-      <p:par>
-        <p:cTn id="1" dur="indefinite" restart="never" nodeType="tmRoot"/>
-      </p:par>
-    </p:tnLst>
-  </p:timing>
 </p:sld>
 </file>
 
@@ -31934,13 +30708,8 @@
           <a:p>
             <a:r>
               <a:rPr lang="zh-CN" altLang="en-US" dirty="0"/>
-              <a:t>预备</a:t>
-            </a:r>
-            <a:r>
-              <a:rPr lang="zh-CN" altLang="en-US" dirty="0" smtClean="0"/>
-              <a:t>知识</a:t>
-            </a:r>
-            <a:endParaRPr lang="zh-CN" altLang="en-US" dirty="0"/>
+              <a:t>预备知识</a:t>
+            </a:r>
           </a:p>
         </p:txBody>
       </p:sp>
@@ -31960,24 +30729,24 @@
           <a:lstStyle/>
           <a:p>
             <a:r>
-              <a:rPr lang="zh-CN" altLang="en-US" dirty="0" smtClean="0"/>
+              <a:rPr lang="zh-CN" altLang="en-US" dirty="0"/>
               <a:t>线性代数</a:t>
             </a:r>
-            <a:endParaRPr lang="en-US" altLang="zh-CN" dirty="0" smtClean="0"/>
-          </a:p>
-          <a:p>
-            <a:r>
-              <a:rPr lang="zh-CN" altLang="en-US" dirty="0" smtClean="0"/>
+            <a:endParaRPr lang="en-US" altLang="zh-CN" dirty="0"/>
+          </a:p>
+          <a:p>
+            <a:r>
+              <a:rPr lang="zh-CN" altLang="en-US" dirty="0"/>
               <a:t>微积分</a:t>
             </a:r>
-            <a:endParaRPr lang="en-US" altLang="zh-CN" dirty="0" smtClean="0"/>
-          </a:p>
-          <a:p>
-            <a:r>
-              <a:rPr lang="zh-CN" altLang="en-US" dirty="0" smtClean="0"/>
+            <a:endParaRPr lang="en-US" altLang="zh-CN" dirty="0"/>
+          </a:p>
+          <a:p>
+            <a:r>
+              <a:rPr lang="zh-CN" altLang="en-US" dirty="0"/>
               <a:t>数学优化</a:t>
             </a:r>
-            <a:endParaRPr lang="en-US" altLang="zh-CN" dirty="0" smtClean="0"/>
+            <a:endParaRPr lang="en-US" altLang="zh-CN" dirty="0"/>
           </a:p>
           <a:p>
             <a:r>
@@ -31988,10 +30757,10 @@
           </a:p>
           <a:p>
             <a:r>
-              <a:rPr lang="zh-CN" altLang="en-US" dirty="0" smtClean="0"/>
+              <a:rPr lang="zh-CN" altLang="en-US" dirty="0"/>
               <a:t>信息论</a:t>
             </a:r>
-            <a:endParaRPr lang="en-US" altLang="zh-CN" dirty="0" smtClean="0"/>
+            <a:endParaRPr lang="en-US" altLang="zh-CN" dirty="0"/>
           </a:p>
           <a:p>
             <a:endParaRPr lang="zh-CN" altLang="en-US" dirty="0"/>
@@ -32023,27 +30792,21 @@
               <a:rPr lang="zh-CN" altLang="en-US" dirty="0">
                 <a:hlinkClick r:id="rId2"/>
               </a:rPr>
-              <a:t>https://nndl.github.io</a:t>
-            </a:r>
-            <a:r>
-              <a:rPr lang="zh-CN" altLang="en-US" dirty="0" smtClean="0">
-                <a:hlinkClick r:id="rId2"/>
-              </a:rPr>
-              <a:t>/</a:t>
-            </a:r>
-            <a:endParaRPr lang="en-US" altLang="zh-CN" dirty="0" smtClean="0"/>
-          </a:p>
-          <a:p>
-            <a:r>
-              <a:rPr lang="en-US" altLang="zh-CN" dirty="0" smtClean="0"/>
+              <a:t>https://nndl.github.io/</a:t>
+            </a:r>
+            <a:endParaRPr lang="en-US" altLang="zh-CN" dirty="0"/>
+          </a:p>
+          <a:p>
+            <a:r>
+              <a:rPr lang="en-US" altLang="zh-CN" dirty="0"/>
               <a:t>《</a:t>
             </a:r>
             <a:r>
-              <a:rPr lang="zh-CN" altLang="en-US" dirty="0" smtClean="0"/>
+              <a:rPr lang="zh-CN" altLang="en-US" dirty="0"/>
               <a:t>数学基础</a:t>
             </a:r>
             <a:r>
-              <a:rPr lang="en-US" altLang="zh-CN" dirty="0" smtClean="0"/>
+              <a:rPr lang="en-US" altLang="zh-CN" dirty="0"/>
               <a:t>》</a:t>
             </a:r>
             <a:endParaRPr lang="zh-CN" altLang="en-US" dirty="0"/>
@@ -32060,13 +30823,6 @@
   <p:clrMapOvr>
     <a:masterClrMapping/>
   </p:clrMapOvr>
-  <p:timing>
-    <p:tnLst>
-      <p:par>
-        <p:cTn id="1" dur="indefinite" restart="never" nodeType="tmRoot"/>
-      </p:par>
-    </p:tnLst>
-  </p:timing>
 </p:sld>
 </file>
 
@@ -32103,10 +30859,9 @@
           <a:lstStyle/>
           <a:p>
             <a:r>
-              <a:rPr lang="zh-CN" altLang="en-US" dirty="0" smtClean="0"/>
+              <a:rPr lang="zh-CN" altLang="en-US" dirty="0"/>
               <a:t>推荐书籍</a:t>
             </a:r>
-            <a:endParaRPr lang="zh-CN" altLang="en-US" dirty="0"/>
           </a:p>
         </p:txBody>
       </p:sp>
@@ -32126,30 +30881,24 @@
           <a:lstStyle/>
           <a:p>
             <a:r>
-              <a:rPr lang="en-US" altLang="zh-CN" sz="2400" dirty="0" smtClean="0"/>
+              <a:rPr lang="en-US" altLang="zh-CN" sz="2400" dirty="0"/>
               <a:t>《</a:t>
             </a:r>
             <a:r>
-              <a:rPr lang="zh-CN" altLang="en-US" sz="2400" dirty="0" smtClean="0"/>
+              <a:rPr lang="zh-CN" altLang="en-US" sz="2400" dirty="0"/>
               <a:t>神经网络与深度学习</a:t>
             </a:r>
             <a:r>
-              <a:rPr lang="en-US" altLang="zh-CN" sz="2400" dirty="0" smtClean="0"/>
+              <a:rPr lang="en-US" altLang="zh-CN" sz="2400" dirty="0"/>
               <a:t>》 </a:t>
-            </a:r>
-            <a:r>
-              <a:rPr lang="en-US" altLang="zh-CN" sz="2400" dirty="0" smtClean="0">
-                <a:hlinkClick r:id="rId2"/>
-              </a:rPr>
-              <a:t>https</a:t>
             </a:r>
             <a:r>
               <a:rPr lang="en-US" altLang="zh-CN" sz="2400" dirty="0">
                 <a:hlinkClick r:id="rId2"/>
               </a:rPr>
-              <a:t>://nndl.github.io/</a:t>
-            </a:r>
-            <a:endParaRPr lang="en-US" altLang="zh-CN" sz="2400" dirty="0" smtClean="0"/>
+              <a:t>https://nndl.github.io/</a:t>
+            </a:r>
+            <a:endParaRPr lang="en-US" altLang="zh-CN" sz="2400" dirty="0"/>
           </a:p>
           <a:p>
             <a:endParaRPr lang="en-US" altLang="zh-CN" sz="2400" dirty="0"/>
@@ -32169,22 +30918,13 @@
             </a:r>
             <a:r>
               <a:rPr lang="en-US" altLang="zh-CN" sz="2400" dirty="0"/>
-              <a:t>. </a:t>
-            </a:r>
-            <a:r>
-              <a:rPr lang="en-US" altLang="zh-CN" sz="2400" dirty="0" smtClean="0"/>
-              <a:t>Springer, 2006</a:t>
-            </a:r>
-            <a:endParaRPr lang="en-US" altLang="zh-CN" sz="2400" dirty="0"/>
-          </a:p>
-          <a:p>
-            <a:r>
-              <a:rPr lang="en-US" altLang="zh-CN" sz="2400" dirty="0" smtClean="0"/>
-              <a:t>Wright</a:t>
-            </a:r>
+              <a:t>. Springer, 2006</a:t>
+            </a:r>
+          </a:p>
+          <a:p>
             <a:r>
               <a:rPr lang="en-US" altLang="zh-CN" sz="2400" dirty="0"/>
-              <a:t>, S., &amp; </a:t>
+              <a:t>Wright, S., &amp; </a:t>
             </a:r>
             <a:r>
               <a:rPr lang="en-US" altLang="zh-CN" sz="2400" dirty="0" err="1"/>
@@ -32204,11 +30944,7 @@
             </a:r>
             <a:r>
               <a:rPr lang="en-US" altLang="zh-CN" sz="2400" dirty="0"/>
-              <a:t>. Springer Science, 35(67-68), 7</a:t>
-            </a:r>
-            <a:r>
-              <a:rPr lang="en-US" altLang="zh-CN" sz="2400" dirty="0" smtClean="0"/>
-              <a:t>.</a:t>
+              <a:t>. Springer Science, 35(67-68), 7.</a:t>
             </a:r>
           </a:p>
           <a:p>
@@ -32250,13 +30986,6 @@
   <p:clrMapOvr>
     <a:masterClrMapping/>
   </p:clrMapOvr>
-  <p:timing>
-    <p:tnLst>
-      <p:par>
-        <p:cTn id="1" dur="indefinite" restart="never" nodeType="tmRoot"/>
-      </p:par>
-    </p:tnLst>
-  </p:timing>
 </p:sld>
 </file>
 
@@ -32293,10 +31022,9 @@
           <a:lstStyle/>
           <a:p>
             <a:r>
-              <a:rPr lang="zh-CN" altLang="en-US" dirty="0" smtClean="0"/>
+              <a:rPr lang="zh-CN" altLang="en-US" dirty="0"/>
               <a:t>推荐课程</a:t>
             </a:r>
-            <a:endParaRPr lang="zh-CN" altLang="en-US" dirty="0"/>
           </a:p>
         </p:txBody>
       </p:sp>
@@ -32320,12 +31048,8 @@
               <a:t>斯坦福大学</a:t>
             </a:r>
             <a:r>
-              <a:rPr lang="en-US" altLang="zh-CN" sz="2400" dirty="0" smtClean="0"/>
-              <a:t>CS224d</a:t>
-            </a:r>
-            <a:r>
               <a:rPr lang="en-US" altLang="zh-CN" sz="2400" dirty="0"/>
-              <a:t>: Deep Learning for Natural Language Processing</a:t>
+              <a:t>CS224d: Deep Learning for Natural Language Processing</a:t>
             </a:r>
           </a:p>
           <a:p>
@@ -32338,7 +31062,7 @@
           <a:p>
             <a:pPr lvl="1"/>
             <a:r>
-              <a:rPr lang="en-US" altLang="zh-CN" sz="2000" dirty="0" smtClean="0"/>
+              <a:rPr lang="en-US" altLang="zh-CN" sz="2000" dirty="0"/>
               <a:t>Richard </a:t>
             </a:r>
             <a:r>
@@ -32360,39 +31084,26 @@
               <a:t>斯坦福大学</a:t>
             </a:r>
             <a:r>
-              <a:rPr lang="en-US" altLang="zh-CN" sz="2400" dirty="0" smtClean="0"/>
-              <a:t>CS231n: Convolutional </a:t>
-            </a:r>
-            <a:r>
               <a:rPr lang="en-US" altLang="zh-CN" sz="2400" dirty="0"/>
-              <a:t>Neural Networks for Visual Recognition</a:t>
+              <a:t>CS231n: Convolutional Neural Networks for Visual Recognition</a:t>
             </a:r>
           </a:p>
           <a:p>
             <a:pPr lvl="1"/>
             <a:r>
               <a:rPr lang="en-US" altLang="zh-CN" sz="2000" dirty="0"/>
-              <a:t>http://cs231n.stanford.edu</a:t>
-            </a:r>
-            <a:r>
-              <a:rPr lang="en-US" altLang="zh-CN" sz="2000" dirty="0" smtClean="0"/>
-              <a:t>/</a:t>
-            </a:r>
-            <a:endParaRPr lang="en-US" altLang="zh-CN" sz="2000" dirty="0"/>
+              <a:t>http://cs231n.stanford.edu/</a:t>
+            </a:r>
           </a:p>
           <a:p>
             <a:pPr lvl="1"/>
             <a:r>
-              <a:rPr lang="en-US" altLang="zh-CN" sz="2000" dirty="0" err="1" smtClean="0"/>
+              <a:rPr lang="en-US" altLang="zh-CN" sz="2000" dirty="0" err="1"/>
               <a:t>Fei-Fei</a:t>
             </a:r>
             <a:r>
-              <a:rPr lang="en-US" altLang="zh-CN" sz="2000" dirty="0" smtClean="0"/>
-              <a:t> </a:t>
-            </a:r>
-            <a:r>
               <a:rPr lang="en-US" altLang="zh-CN" sz="2000" dirty="0"/>
-              <a:t>Li Andrej </a:t>
+              <a:t> Li Andrej </a:t>
             </a:r>
             <a:r>
               <a:rPr lang="en-US" altLang="zh-CN" sz="2000" dirty="0" err="1"/>
@@ -32422,16 +31133,12 @@
               <a:rPr lang="zh-CN" altLang="en-US" sz="2000" dirty="0"/>
               <a:t>在图像领域的应用</a:t>
             </a:r>
-            <a:endParaRPr lang="en-US" altLang="zh-CN" sz="2000" dirty="0" smtClean="0"/>
+            <a:endParaRPr lang="en-US" altLang="zh-CN" sz="2000" dirty="0"/>
           </a:p>
           <a:p>
             <a:r>
               <a:rPr lang="zh-CN" altLang="en-US" sz="2400" dirty="0"/>
-              <a:t>加州大学伯克利</a:t>
-            </a:r>
-            <a:r>
-              <a:rPr lang="zh-CN" altLang="en-US" sz="2400" dirty="0" smtClean="0"/>
-              <a:t>分校 </a:t>
+              <a:t>加州大学伯克利分校 </a:t>
             </a:r>
             <a:r>
               <a:rPr lang="en-US" altLang="zh-CN" sz="2400" dirty="0"/>
@@ -32441,12 +31148,8 @@
           <a:p>
             <a:pPr lvl="1"/>
             <a:r>
-              <a:rPr lang="en-US" altLang="zh-CN" sz="2000" dirty="0" smtClean="0"/>
-              <a:t>http</a:t>
-            </a:r>
-            <a:r>
               <a:rPr lang="en-US" altLang="zh-CN" sz="2000" dirty="0"/>
-              <a:t>://rail.eecs.berkeley.edu/deeprlcourse/</a:t>
+              <a:t>http://rail.eecs.berkeley.edu/deeprlcourse/</a:t>
             </a:r>
             <a:endParaRPr lang="zh-CN" altLang="en-US" sz="2000" dirty="0"/>
           </a:p>
@@ -32462,13 +31165,6 @@
   <p:clrMapOvr>
     <a:masterClrMapping/>
   </p:clrMapOvr>
-  <p:timing>
-    <p:tnLst>
-      <p:par>
-        <p:cTn id="1" dur="indefinite" restart="never" nodeType="tmRoot"/>
-      </p:par>
-    </p:tnLst>
-  </p:timing>
 </p:sld>
 </file>
 
@@ -32505,7 +31201,7 @@
           <a:lstStyle/>
           <a:p>
             <a:r>
-              <a:rPr lang="zh-CN" altLang="en-US" smtClean="0"/>
+              <a:rPr lang="zh-CN" altLang="en-US"/>
               <a:t>推荐材料</a:t>
             </a:r>
             <a:endParaRPr lang="zh-CN" altLang="en-US" dirty="0"/>
@@ -32528,84 +31224,84 @@
           <a:lstStyle/>
           <a:p>
             <a:r>
-              <a:rPr lang="zh-CN" altLang="en-US" dirty="0" smtClean="0"/>
+              <a:rPr lang="zh-CN" altLang="en-US" dirty="0"/>
               <a:t>林轩田</a:t>
             </a:r>
             <a:r>
-              <a:rPr lang="en-US" altLang="zh-CN" dirty="0" smtClean="0"/>
+              <a:rPr lang="en-US" altLang="zh-CN" dirty="0"/>
               <a:t>《</a:t>
             </a:r>
             <a:r>
-              <a:rPr lang="zh-CN" altLang="en-US" dirty="0" smtClean="0"/>
+              <a:rPr lang="zh-CN" altLang="en-US" dirty="0"/>
               <a:t>机器学习基石</a:t>
             </a:r>
             <a:r>
-              <a:rPr lang="en-US" altLang="zh-CN" dirty="0" smtClean="0"/>
+              <a:rPr lang="en-US" altLang="zh-CN" dirty="0"/>
               <a:t>》《</a:t>
             </a:r>
             <a:r>
-              <a:rPr lang="zh-CN" altLang="en-US" dirty="0" smtClean="0"/>
+              <a:rPr lang="zh-CN" altLang="en-US" dirty="0"/>
               <a:t>机器学习技法</a:t>
             </a:r>
             <a:r>
-              <a:rPr lang="en-US" altLang="zh-CN" dirty="0" smtClean="0"/>
+              <a:rPr lang="en-US" altLang="zh-CN" dirty="0"/>
               <a:t>》</a:t>
             </a:r>
           </a:p>
           <a:p>
             <a:pPr lvl="1"/>
             <a:r>
-              <a:rPr lang="en-US" altLang="zh-CN" dirty="0" smtClean="0"/>
+              <a:rPr lang="en-US" altLang="zh-CN" dirty="0"/>
               <a:t>https://www.csie.ntu.edu.tw/~htlin/mooc/</a:t>
             </a:r>
           </a:p>
           <a:p>
             <a:r>
-              <a:rPr lang="zh-CN" altLang="en-US" dirty="0" smtClean="0"/>
+              <a:rPr lang="zh-CN" altLang="en-US" dirty="0"/>
               <a:t>李宏毅</a:t>
             </a:r>
             <a:r>
-              <a:rPr lang="en-US" altLang="zh-CN" dirty="0" smtClean="0"/>
+              <a:rPr lang="en-US" altLang="zh-CN" dirty="0"/>
               <a:t>《1</a:t>
             </a:r>
             <a:r>
-              <a:rPr lang="zh-CN" altLang="en-US" dirty="0" smtClean="0"/>
+              <a:rPr lang="zh-CN" altLang="en-US" dirty="0"/>
               <a:t>天搞懂深度学习</a:t>
             </a:r>
             <a:r>
-              <a:rPr lang="en-US" altLang="zh-CN" dirty="0" smtClean="0"/>
+              <a:rPr lang="en-US" altLang="zh-CN" dirty="0"/>
               <a:t>》</a:t>
             </a:r>
           </a:p>
           <a:p>
             <a:pPr lvl="1"/>
             <a:r>
-              <a:rPr lang="en-US" altLang="zh-CN" dirty="0" smtClean="0"/>
+              <a:rPr lang="en-US" altLang="zh-CN" dirty="0"/>
               <a:t>http://speech.ee.ntu.edu.tw/~tlkagk/slide/Tutorial_HYLee_Deep.pptx</a:t>
             </a:r>
           </a:p>
           <a:p>
             <a:r>
-              <a:rPr lang="zh-CN" altLang="en-US" dirty="0" smtClean="0"/>
+              <a:rPr lang="zh-CN" altLang="en-US" dirty="0"/>
               <a:t>李宏毅</a:t>
             </a:r>
             <a:r>
-              <a:rPr lang="en-US" altLang="zh-CN" dirty="0" smtClean="0"/>
+              <a:rPr lang="en-US" altLang="zh-CN" dirty="0"/>
               <a:t>《Generative Adversarial Network (GAN)》</a:t>
             </a:r>
           </a:p>
           <a:p>
             <a:pPr lvl="1"/>
             <a:r>
-              <a:rPr lang="en-US" altLang="zh-CN" dirty="0" smtClean="0"/>
+              <a:rPr lang="en-US" altLang="zh-CN" dirty="0"/>
               <a:t>http://speech.ee.ntu.edu.tw/~tlkagk/slide/Tutorial_HYLee_GAN.pptx</a:t>
             </a:r>
           </a:p>
           <a:p>
-            <a:endParaRPr lang="en-US" altLang="zh-CN" dirty="0" smtClean="0"/>
-          </a:p>
-          <a:p>
-            <a:endParaRPr lang="en-US" altLang="zh-CN" dirty="0" smtClean="0"/>
+            <a:endParaRPr lang="en-US" altLang="zh-CN" dirty="0"/>
+          </a:p>
+          <a:p>
+            <a:endParaRPr lang="en-US" altLang="zh-CN" dirty="0"/>
           </a:p>
           <a:p>
             <a:endParaRPr lang="zh-CN" altLang="en-US" dirty="0"/>
@@ -32622,13 +31318,6 @@
   <p:clrMapOvr>
     <a:masterClrMapping/>
   </p:clrMapOvr>
-  <p:timing>
-    <p:tnLst>
-      <p:par>
-        <p:cTn id="1" dur="indefinite" restart="never" nodeType="tmRoot"/>
-      </p:par>
-    </p:tnLst>
-  </p:timing>
 </p:sld>
 </file>
 
@@ -32687,73 +31376,73 @@
           <a:lstStyle/>
           <a:p>
             <a:r>
-              <a:rPr lang="en-US" altLang="zh-CN" dirty="0" smtClean="0"/>
+              <a:rPr lang="en-US" altLang="zh-CN" dirty="0"/>
               <a:t>NIPS</a:t>
             </a:r>
             <a:r>
-              <a:rPr lang="zh-CN" altLang="en-US" dirty="0" smtClean="0"/>
+              <a:rPr lang="zh-CN" altLang="en-US" dirty="0"/>
               <a:t>、</a:t>
             </a:r>
             <a:r>
-              <a:rPr lang="en-US" altLang="zh-CN" dirty="0" smtClean="0"/>
+              <a:rPr lang="en-US" altLang="zh-CN" dirty="0"/>
               <a:t>ICLR</a:t>
             </a:r>
             <a:r>
-              <a:rPr lang="zh-CN" altLang="en-US" dirty="0" smtClean="0"/>
+              <a:rPr lang="zh-CN" altLang="en-US" dirty="0"/>
               <a:t>、</a:t>
             </a:r>
             <a:r>
-              <a:rPr lang="en-US" altLang="zh-CN" dirty="0" smtClean="0"/>
+              <a:rPr lang="en-US" altLang="zh-CN" dirty="0"/>
               <a:t>ICML</a:t>
             </a:r>
             <a:r>
-              <a:rPr lang="zh-CN" altLang="en-US" dirty="0" smtClean="0"/>
+              <a:rPr lang="zh-CN" altLang="en-US" dirty="0"/>
               <a:t>、</a:t>
             </a:r>
             <a:r>
-              <a:rPr lang="en-US" altLang="zh-CN" dirty="0" smtClean="0"/>
+              <a:rPr lang="en-US" altLang="zh-CN" dirty="0"/>
               <a:t>AAAI</a:t>
             </a:r>
             <a:r>
-              <a:rPr lang="zh-CN" altLang="en-US" dirty="0" smtClean="0"/>
+              <a:rPr lang="zh-CN" altLang="en-US" dirty="0"/>
               <a:t>、</a:t>
             </a:r>
             <a:r>
-              <a:rPr lang="en-US" altLang="zh-CN" dirty="0" smtClean="0"/>
+              <a:rPr lang="en-US" altLang="zh-CN" dirty="0"/>
               <a:t>IJCAI</a:t>
             </a:r>
           </a:p>
           <a:p>
             <a:r>
-              <a:rPr lang="en-US" altLang="zh-CN" dirty="0" smtClean="0"/>
+              <a:rPr lang="en-US" altLang="zh-CN" dirty="0"/>
               <a:t>ACL</a:t>
             </a:r>
             <a:r>
-              <a:rPr lang="zh-CN" altLang="en-US" dirty="0" smtClean="0"/>
+              <a:rPr lang="zh-CN" altLang="en-US" dirty="0"/>
               <a:t>、</a:t>
             </a:r>
             <a:r>
-              <a:rPr lang="en-US" altLang="zh-CN" dirty="0" smtClean="0"/>
+              <a:rPr lang="en-US" altLang="zh-CN" dirty="0"/>
               <a:t>EMNLP</a:t>
             </a:r>
           </a:p>
           <a:p>
             <a:r>
-              <a:rPr lang="en-US" altLang="zh-CN" dirty="0" smtClean="0"/>
+              <a:rPr lang="en-US" altLang="zh-CN" dirty="0"/>
               <a:t>CVPR</a:t>
             </a:r>
             <a:r>
-              <a:rPr lang="zh-CN" altLang="en-US" dirty="0" smtClean="0"/>
+              <a:rPr lang="zh-CN" altLang="en-US" dirty="0"/>
               <a:t>、</a:t>
             </a:r>
             <a:r>
-              <a:rPr lang="en-US" altLang="zh-CN" dirty="0" smtClean="0"/>
+              <a:rPr lang="en-US" altLang="zh-CN" dirty="0"/>
               <a:t>ICCV</a:t>
             </a:r>
           </a:p>
           <a:p>
             <a:r>
-              <a:rPr lang="en-US" altLang="zh-CN" dirty="0" smtClean="0"/>
+              <a:rPr lang="en-US" altLang="zh-CN" dirty="0"/>
               <a:t>…</a:t>
             </a:r>
           </a:p>
@@ -32769,13 +31458,6 @@
   <p:clrMapOvr>
     <a:masterClrMapping/>
   </p:clrMapOvr>
-  <p:timing>
-    <p:tnLst>
-      <p:par>
-        <p:cTn id="1" dur="indefinite" restart="never" nodeType="tmRoot"/>
-      </p:par>
-    </p:tnLst>
-  </p:timing>
 </p:sld>
 </file>
 
